--- a/presentation.pptx
+++ b/presentation.pptx
@@ -5,10 +5,10 @@
     <p:sldMasterId id="2147483648" r:id="rId1"/>
   </p:sldMasterIdLst>
   <p:notesMasterIdLst>
-    <p:notesMasterId r:id="rId34"/>
+    <p:notesMasterId r:id="rId36"/>
   </p:notesMasterIdLst>
   <p:handoutMasterIdLst>
-    <p:handoutMasterId r:id="rId35"/>
+    <p:handoutMasterId r:id="rId37"/>
   </p:handoutMasterIdLst>
   <p:sldIdLst>
     <p:sldId id="258" r:id="rId2"/>
@@ -24,30 +24,32 @@
     <p:sldId id="285" r:id="rId12"/>
     <p:sldId id="286" r:id="rId13"/>
     <p:sldId id="306" r:id="rId14"/>
-    <p:sldId id="276" r:id="rId15"/>
-    <p:sldId id="308" r:id="rId16"/>
-    <p:sldId id="309" r:id="rId17"/>
-    <p:sldId id="288" r:id="rId18"/>
-    <p:sldId id="294" r:id="rId19"/>
-    <p:sldId id="295" r:id="rId20"/>
-    <p:sldId id="290" r:id="rId21"/>
-    <p:sldId id="291" r:id="rId22"/>
-    <p:sldId id="292" r:id="rId23"/>
-    <p:sldId id="293" r:id="rId24"/>
-    <p:sldId id="298" r:id="rId25"/>
-    <p:sldId id="307" r:id="rId26"/>
-    <p:sldId id="297" r:id="rId27"/>
-    <p:sldId id="300" r:id="rId28"/>
-    <p:sldId id="302" r:id="rId29"/>
-    <p:sldId id="301" r:id="rId30"/>
-    <p:sldId id="303" r:id="rId31"/>
-    <p:sldId id="304" r:id="rId32"/>
-    <p:sldId id="273" r:id="rId33"/>
+    <p:sldId id="311" r:id="rId15"/>
+    <p:sldId id="276" r:id="rId16"/>
+    <p:sldId id="308" r:id="rId17"/>
+    <p:sldId id="309" r:id="rId18"/>
+    <p:sldId id="288" r:id="rId19"/>
+    <p:sldId id="294" r:id="rId20"/>
+    <p:sldId id="295" r:id="rId21"/>
+    <p:sldId id="290" r:id="rId22"/>
+    <p:sldId id="291" r:id="rId23"/>
+    <p:sldId id="292" r:id="rId24"/>
+    <p:sldId id="293" r:id="rId25"/>
+    <p:sldId id="298" r:id="rId26"/>
+    <p:sldId id="307" r:id="rId27"/>
+    <p:sldId id="310" r:id="rId28"/>
+    <p:sldId id="297" r:id="rId29"/>
+    <p:sldId id="300" r:id="rId30"/>
+    <p:sldId id="302" r:id="rId31"/>
+    <p:sldId id="301" r:id="rId32"/>
+    <p:sldId id="303" r:id="rId33"/>
+    <p:sldId id="304" r:id="rId34"/>
+    <p:sldId id="273" r:id="rId35"/>
   </p:sldIdLst>
   <p:sldSz cx="9144000" cy="5143500" type="screen16x9"/>
   <p:notesSz cx="6858000" cy="9144000"/>
   <p:custDataLst>
-    <p:tags r:id="rId36"/>
+    <p:tags r:id="rId38"/>
   </p:custDataLst>
   <p:defaultTextStyle>
     <a:defPPr>
@@ -146,7 +148,7 @@
   </p:defaultTextStyle>
   <p:extLst>
     <p:ext uri="{EFAFB233-063F-42B5-8137-9DF3F51BA10A}">
-      <p15:sldGuideLst xmlns:p15="http://schemas.microsoft.com/office/powerpoint/2012/main" xmlns="">
+      <p15:sldGuideLst xmlns="" xmlns:p15="http://schemas.microsoft.com/office/powerpoint/2012/main">
         <p15:guide id="1" orient="horz" pos="781">
           <p15:clr>
             <a:srgbClr val="A4A3A4"/>
@@ -235,7 +237,7 @@
       </p15:sldGuideLst>
     </p:ext>
     <p:ext uri="{2D200454-40CA-4A62-9FC3-DE9A4176ACB9}">
-      <p15:notesGuideLst xmlns:p15="http://schemas.microsoft.com/office/powerpoint/2012/main" xmlns="">
+      <p15:notesGuideLst xmlns="" xmlns:p15="http://schemas.microsoft.com/office/powerpoint/2012/main">
         <p15:guide id="1" orient="horz" pos="2676">
           <p15:clr>
             <a:srgbClr val="A4A3A4"/>
@@ -427,11 +429,11 @@
         </c:dLbls>
         <c:marker val="1"/>
         <c:smooth val="0"/>
-        <c:axId val="127018880"/>
-        <c:axId val="127020416"/>
+        <c:axId val="110965888"/>
+        <c:axId val="110967808"/>
       </c:lineChart>
       <c:catAx>
-        <c:axId val="127018880"/>
+        <c:axId val="110965888"/>
         <c:scaling>
           <c:orientation val="minMax"/>
         </c:scaling>
@@ -465,7 +467,7 @@
         <c:majorTickMark val="none"/>
         <c:minorTickMark val="none"/>
         <c:tickLblPos val="nextTo"/>
-        <c:crossAx val="127020416"/>
+        <c:crossAx val="110967808"/>
         <c:crosses val="autoZero"/>
         <c:auto val="1"/>
         <c:lblAlgn val="ctr"/>
@@ -473,7 +475,7 @@
         <c:noMultiLvlLbl val="0"/>
       </c:catAx>
       <c:valAx>
-        <c:axId val="127020416"/>
+        <c:axId val="110967808"/>
         <c:scaling>
           <c:orientation val="minMax"/>
         </c:scaling>
@@ -508,7 +510,7 @@
         <c:majorTickMark val="out"/>
         <c:minorTickMark val="none"/>
         <c:tickLblPos val="nextTo"/>
-        <c:crossAx val="127018880"/>
+        <c:crossAx val="110965888"/>
         <c:crosses val="autoZero"/>
         <c:crossBetween val="between"/>
       </c:valAx>
@@ -2989,6 +2991,13 @@
         </dgm:presLayoutVars>
       </dgm:prSet>
       <dgm:spPr/>
+      <dgm:t>
+        <a:bodyPr/>
+        <a:lstStyle/>
+        <a:p>
+          <a:endParaRPr lang="en-US"/>
+        </a:p>
+      </dgm:t>
     </dgm:pt>
     <dgm:pt modelId="{083158C0-8605-48FF-B701-DB212D206F7E}" type="pres">
       <dgm:prSet presAssocID="{CFFF6D3C-25BE-4D5F-B3A9-6CA6DED42D51}" presName="node" presStyleLbl="node1" presStyleIdx="0" presStyleCnt="5" custScaleX="152666" custScaleY="62294" custRadScaleRad="119368" custRadScaleInc="-2153">
@@ -3008,10 +3017,24 @@
     <dgm:pt modelId="{15529414-C512-4496-B87A-D0A671341DB5}" type="pres">
       <dgm:prSet presAssocID="{EF5B5354-FA56-4B6D-8C79-B8C32F95A277}" presName="sibTrans" presStyleLbl="sibTrans2D1" presStyleIdx="0" presStyleCnt="5"/>
       <dgm:spPr/>
+      <dgm:t>
+        <a:bodyPr/>
+        <a:lstStyle/>
+        <a:p>
+          <a:endParaRPr lang="en-US"/>
+        </a:p>
+      </dgm:t>
     </dgm:pt>
     <dgm:pt modelId="{9CEFDB90-5714-4E0A-A1E1-C5AACAC47E8E}" type="pres">
       <dgm:prSet presAssocID="{EF5B5354-FA56-4B6D-8C79-B8C32F95A277}" presName="connectorText" presStyleLbl="sibTrans2D1" presStyleIdx="0" presStyleCnt="5"/>
       <dgm:spPr/>
+      <dgm:t>
+        <a:bodyPr/>
+        <a:lstStyle/>
+        <a:p>
+          <a:endParaRPr lang="en-US"/>
+        </a:p>
+      </dgm:t>
     </dgm:pt>
     <dgm:pt modelId="{1CED81CD-F1F1-4B1F-9EA1-1740DECA9766}" type="pres">
       <dgm:prSet presAssocID="{9C3AC689-875C-4D17-A8FC-232013308C40}" presName="node" presStyleLbl="node1" presStyleIdx="1" presStyleCnt="5" custScaleX="154440" custScaleY="65756" custRadScaleRad="45857" custRadScaleInc="-203194">
@@ -3031,10 +3054,24 @@
     <dgm:pt modelId="{AE55AEF2-0EBE-4078-A2F0-0DA9AE42853E}" type="pres">
       <dgm:prSet presAssocID="{E9E7D584-2D15-4BA7-908E-2A1EC1205241}" presName="sibTrans" presStyleLbl="sibTrans2D1" presStyleIdx="1" presStyleCnt="5"/>
       <dgm:spPr/>
+      <dgm:t>
+        <a:bodyPr/>
+        <a:lstStyle/>
+        <a:p>
+          <a:endParaRPr lang="en-US"/>
+        </a:p>
+      </dgm:t>
     </dgm:pt>
     <dgm:pt modelId="{C6ADE9D2-A6D1-49C9-B4FE-383F2360C6AB}" type="pres">
       <dgm:prSet presAssocID="{E9E7D584-2D15-4BA7-908E-2A1EC1205241}" presName="connectorText" presStyleLbl="sibTrans2D1" presStyleIdx="1" presStyleCnt="5"/>
       <dgm:spPr/>
+      <dgm:t>
+        <a:bodyPr/>
+        <a:lstStyle/>
+        <a:p>
+          <a:endParaRPr lang="en-US"/>
+        </a:p>
+      </dgm:t>
     </dgm:pt>
     <dgm:pt modelId="{C1E3F446-E017-4A67-A885-F7DCAEDA8BF3}" type="pres">
       <dgm:prSet presAssocID="{FE79E7DC-1D68-4EBB-83B7-1114A349CF04}" presName="node" presStyleLbl="node1" presStyleIdx="2" presStyleCnt="5" custScaleX="155195" custScaleY="69608" custRadScaleRad="104155" custRadScaleInc="302553">
@@ -3054,10 +3091,24 @@
     <dgm:pt modelId="{C50C0027-D846-46A9-A732-C6E5CA9F4403}" type="pres">
       <dgm:prSet presAssocID="{F4B01812-8E4B-42CE-92A6-66130D743FE6}" presName="sibTrans" presStyleLbl="sibTrans2D1" presStyleIdx="2" presStyleCnt="5" custLinFactNeighborX="258" custLinFactNeighborY="20643"/>
       <dgm:spPr/>
+      <dgm:t>
+        <a:bodyPr/>
+        <a:lstStyle/>
+        <a:p>
+          <a:endParaRPr lang="en-US"/>
+        </a:p>
+      </dgm:t>
     </dgm:pt>
     <dgm:pt modelId="{BB9AE85F-CF0F-48FA-96AB-2ED814AF83E5}" type="pres">
       <dgm:prSet presAssocID="{F4B01812-8E4B-42CE-92A6-66130D743FE6}" presName="connectorText" presStyleLbl="sibTrans2D1" presStyleIdx="2" presStyleCnt="5"/>
       <dgm:spPr/>
+      <dgm:t>
+        <a:bodyPr/>
+        <a:lstStyle/>
+        <a:p>
+          <a:endParaRPr lang="en-US"/>
+        </a:p>
+      </dgm:t>
     </dgm:pt>
     <dgm:pt modelId="{753AC339-A53E-4E36-8990-3FC536D468E9}" type="pres">
       <dgm:prSet presAssocID="{8FEC8F5F-258D-4690-A338-D4EAA2A8947F}" presName="node" presStyleLbl="node1" presStyleIdx="3" presStyleCnt="5" custScaleX="140094" custScaleY="69811" custRadScaleRad="103983" custRadScaleInc="-112724">
@@ -3077,10 +3128,24 @@
     <dgm:pt modelId="{DC115C57-BE78-461E-9BA9-2B8AA6F56D36}" type="pres">
       <dgm:prSet presAssocID="{6334D9C9-B0EB-4D11-B6FA-D36086695D3D}" presName="sibTrans" presStyleLbl="sibTrans2D1" presStyleIdx="3" presStyleCnt="5" custAng="1848312" custFlipHor="0" custScaleX="292564" custScaleY="113487" custLinFactX="-120679" custLinFactY="-15393" custLinFactNeighborX="-200000" custLinFactNeighborY="-100000" custRadScaleRad="30975" custRadScaleInc="-2147483648"/>
       <dgm:spPr/>
+      <dgm:t>
+        <a:bodyPr/>
+        <a:lstStyle/>
+        <a:p>
+          <a:endParaRPr lang="en-US"/>
+        </a:p>
+      </dgm:t>
     </dgm:pt>
     <dgm:pt modelId="{C23EA503-CFF7-4D5F-8C04-C68BFFF7391B}" type="pres">
       <dgm:prSet presAssocID="{6334D9C9-B0EB-4D11-B6FA-D36086695D3D}" presName="connectorText" presStyleLbl="sibTrans2D1" presStyleIdx="3" presStyleCnt="5"/>
       <dgm:spPr/>
+      <dgm:t>
+        <a:bodyPr/>
+        <a:lstStyle/>
+        <a:p>
+          <a:endParaRPr lang="en-US"/>
+        </a:p>
+      </dgm:t>
     </dgm:pt>
     <dgm:pt modelId="{1F7A1442-283F-4C1F-8503-EE2B06934CD0}" type="pres">
       <dgm:prSet presAssocID="{B0C18C86-6D11-4FAD-A397-BFB6DD2AD5A4}" presName="node" presStyleLbl="node1" presStyleIdx="4" presStyleCnt="5" custScaleX="139472" custScaleY="67343" custRadScaleRad="106662" custRadScaleInc="496962">
@@ -3100,10 +3165,24 @@
     <dgm:pt modelId="{F3D39BBE-8467-42EF-AF8E-ECBDE200ADCB}" type="pres">
       <dgm:prSet presAssocID="{BE2FCAA6-BABD-44F6-B462-5637E99E741C}" presName="sibTrans" presStyleLbl="sibTrans2D1" presStyleIdx="4" presStyleCnt="5" custAng="9559413" custFlipVert="1" custFlipHor="1" custScaleX="45906" custScaleY="91660" custLinFactY="5757" custLinFactNeighborX="31467" custLinFactNeighborY="100000"/>
       <dgm:spPr/>
+      <dgm:t>
+        <a:bodyPr/>
+        <a:lstStyle/>
+        <a:p>
+          <a:endParaRPr lang="en-US"/>
+        </a:p>
+      </dgm:t>
     </dgm:pt>
     <dgm:pt modelId="{08ED30F3-AA8E-4DEF-A338-BEBAEA751B5D}" type="pres">
       <dgm:prSet presAssocID="{BE2FCAA6-BABD-44F6-B462-5637E99E741C}" presName="connectorText" presStyleLbl="sibTrans2D1" presStyleIdx="4" presStyleCnt="5"/>
       <dgm:spPr/>
+      <dgm:t>
+        <a:bodyPr/>
+        <a:lstStyle/>
+        <a:p>
+          <a:endParaRPr lang="en-US"/>
+        </a:p>
+      </dgm:t>
     </dgm:pt>
   </dgm:ptLst>
   <dgm:cxnLst>
@@ -3111,16 +3190,16 @@
     <dgm:cxn modelId="{6B277F8C-20E4-4174-85FF-F79D645671BE}" type="presOf" srcId="{6334D9C9-B0EB-4D11-B6FA-D36086695D3D}" destId="{DC115C57-BE78-461E-9BA9-2B8AA6F56D36}" srcOrd="0" destOrd="0" presId="urn:microsoft.com/office/officeart/2005/8/layout/cycle2"/>
     <dgm:cxn modelId="{781ED5C3-F584-4661-B5CC-AD273B7BD7B8}" type="presOf" srcId="{BE2FCAA6-BABD-44F6-B462-5637E99E741C}" destId="{08ED30F3-AA8E-4DEF-A338-BEBAEA751B5D}" srcOrd="1" destOrd="0" presId="urn:microsoft.com/office/officeart/2005/8/layout/cycle2"/>
     <dgm:cxn modelId="{88266545-A6D1-4ECF-A430-933C6A92345C}" srcId="{A7C3BFC2-39BF-4E7F-966D-1BBE80EAF2B6}" destId="{FE79E7DC-1D68-4EBB-83B7-1114A349CF04}" srcOrd="2" destOrd="0" parTransId="{B8ECE90A-2BEB-4DA0-925C-BA79F840130A}" sibTransId="{F4B01812-8E4B-42CE-92A6-66130D743FE6}"/>
+    <dgm:cxn modelId="{22763351-967C-4EAD-9DC8-05057B030D80}" type="presOf" srcId="{BE2FCAA6-BABD-44F6-B462-5637E99E741C}" destId="{F3D39BBE-8467-42EF-AF8E-ECBDE200ADCB}" srcOrd="0" destOrd="0" presId="urn:microsoft.com/office/officeart/2005/8/layout/cycle2"/>
     <dgm:cxn modelId="{A4FA9F4E-C721-4988-BB5C-4255B70AD003}" srcId="{A7C3BFC2-39BF-4E7F-966D-1BBE80EAF2B6}" destId="{8FEC8F5F-258D-4690-A338-D4EAA2A8947F}" srcOrd="3" destOrd="0" parTransId="{8B255566-CE03-4FF5-94A3-8B233F2284E1}" sibTransId="{6334D9C9-B0EB-4D11-B6FA-D36086695D3D}"/>
-    <dgm:cxn modelId="{22763351-967C-4EAD-9DC8-05057B030D80}" type="presOf" srcId="{BE2FCAA6-BABD-44F6-B462-5637E99E741C}" destId="{F3D39BBE-8467-42EF-AF8E-ECBDE200ADCB}" srcOrd="0" destOrd="0" presId="urn:microsoft.com/office/officeart/2005/8/layout/cycle2"/>
     <dgm:cxn modelId="{CD7042D5-56B4-4EAA-8C91-8A7220B88054}" type="presOf" srcId="{F4B01812-8E4B-42CE-92A6-66130D743FE6}" destId="{BB9AE85F-CF0F-48FA-96AB-2ED814AF83E5}" srcOrd="1" destOrd="0" presId="urn:microsoft.com/office/officeart/2005/8/layout/cycle2"/>
     <dgm:cxn modelId="{AB65D063-4461-43C9-9F7B-407280D5CEA9}" type="presOf" srcId="{A7C3BFC2-39BF-4E7F-966D-1BBE80EAF2B6}" destId="{78C88605-84E6-4948-9F22-861C7E91A808}" srcOrd="0" destOrd="0" presId="urn:microsoft.com/office/officeart/2005/8/layout/cycle2"/>
     <dgm:cxn modelId="{B7EAFD66-A360-4A03-9C0F-D64805469802}" type="presOf" srcId="{6334D9C9-B0EB-4D11-B6FA-D36086695D3D}" destId="{C23EA503-CFF7-4D5F-8C04-C68BFFF7391B}" srcOrd="1" destOrd="0" presId="urn:microsoft.com/office/officeart/2005/8/layout/cycle2"/>
     <dgm:cxn modelId="{DB2FBF44-3E78-4E4C-9FCD-99359FFBC618}" type="presOf" srcId="{E9E7D584-2D15-4BA7-908E-2A1EC1205241}" destId="{AE55AEF2-0EBE-4078-A2F0-0DA9AE42853E}" srcOrd="0" destOrd="0" presId="urn:microsoft.com/office/officeart/2005/8/layout/cycle2"/>
     <dgm:cxn modelId="{182A1048-ED3D-4691-BA5A-013274159033}" type="presOf" srcId="{EF5B5354-FA56-4B6D-8C79-B8C32F95A277}" destId="{9CEFDB90-5714-4E0A-A1E1-C5AACAC47E8E}" srcOrd="1" destOrd="0" presId="urn:microsoft.com/office/officeart/2005/8/layout/cycle2"/>
     <dgm:cxn modelId="{0B2B3B8B-985F-455B-B9C7-55A230D45FD6}" type="presOf" srcId="{CFFF6D3C-25BE-4D5F-B3A9-6CA6DED42D51}" destId="{083158C0-8605-48FF-B701-DB212D206F7E}" srcOrd="0" destOrd="0" presId="urn:microsoft.com/office/officeart/2005/8/layout/cycle2"/>
+    <dgm:cxn modelId="{8606F490-EBBA-49EC-819D-73147CBF1418}" srcId="{A7C3BFC2-39BF-4E7F-966D-1BBE80EAF2B6}" destId="{B0C18C86-6D11-4FAD-A397-BFB6DD2AD5A4}" srcOrd="4" destOrd="0" parTransId="{36560F4C-C2E7-4B5C-A5E3-B1884D6B898F}" sibTransId="{BE2FCAA6-BABD-44F6-B462-5637E99E741C}"/>
     <dgm:cxn modelId="{DCFF60E4-00BF-4829-BA30-AA5D49F71D41}" type="presOf" srcId="{8FEC8F5F-258D-4690-A338-D4EAA2A8947F}" destId="{753AC339-A53E-4E36-8990-3FC536D468E9}" srcOrd="0" destOrd="0" presId="urn:microsoft.com/office/officeart/2005/8/layout/cycle2"/>
-    <dgm:cxn modelId="{8606F490-EBBA-49EC-819D-73147CBF1418}" srcId="{A7C3BFC2-39BF-4E7F-966D-1BBE80EAF2B6}" destId="{B0C18C86-6D11-4FAD-A397-BFB6DD2AD5A4}" srcOrd="4" destOrd="0" parTransId="{36560F4C-C2E7-4B5C-A5E3-B1884D6B898F}" sibTransId="{BE2FCAA6-BABD-44F6-B462-5637E99E741C}"/>
     <dgm:cxn modelId="{98ABB467-56DA-4525-B053-7DEF95D78538}" type="presOf" srcId="{EF5B5354-FA56-4B6D-8C79-B8C32F95A277}" destId="{15529414-C512-4496-B87A-D0A671341DB5}" srcOrd="0" destOrd="0" presId="urn:microsoft.com/office/officeart/2005/8/layout/cycle2"/>
     <dgm:cxn modelId="{8C9144C0-79A1-40C7-94CF-7D68FBA440FB}" type="presOf" srcId="{B0C18C86-6D11-4FAD-A397-BFB6DD2AD5A4}" destId="{1F7A1442-283F-4C1F-8503-EE2B06934CD0}" srcOrd="0" destOrd="0" presId="urn:microsoft.com/office/officeart/2005/8/layout/cycle2"/>
     <dgm:cxn modelId="{2F82622B-2830-4CCE-A487-090C20BC4AB3}" type="presOf" srcId="{9C3AC689-875C-4D17-A8FC-232013308C40}" destId="{1CED81CD-F1F1-4B1F-9EA1-1740DECA9766}" srcOrd="0" destOrd="0" presId="urn:microsoft.com/office/officeart/2005/8/layout/cycle2"/>
@@ -3383,6 +3462,13 @@
         </dgm:presLayoutVars>
       </dgm:prSet>
       <dgm:spPr/>
+      <dgm:t>
+        <a:bodyPr/>
+        <a:lstStyle/>
+        <a:p>
+          <a:endParaRPr lang="en-US"/>
+        </a:p>
+      </dgm:t>
     </dgm:pt>
     <dgm:pt modelId="{083158C0-8605-48FF-B701-DB212D206F7E}" type="pres">
       <dgm:prSet presAssocID="{CFFF6D3C-25BE-4D5F-B3A9-6CA6DED42D51}" presName="node" presStyleLbl="node1" presStyleIdx="0" presStyleCnt="5" custScaleX="152666" custScaleY="62294" custRadScaleRad="119368" custRadScaleInc="-2153">
@@ -3402,10 +3488,24 @@
     <dgm:pt modelId="{15529414-C512-4496-B87A-D0A671341DB5}" type="pres">
       <dgm:prSet presAssocID="{EF5B5354-FA56-4B6D-8C79-B8C32F95A277}" presName="sibTrans" presStyleLbl="sibTrans2D1" presStyleIdx="0" presStyleCnt="5"/>
       <dgm:spPr/>
+      <dgm:t>
+        <a:bodyPr/>
+        <a:lstStyle/>
+        <a:p>
+          <a:endParaRPr lang="en-US"/>
+        </a:p>
+      </dgm:t>
     </dgm:pt>
     <dgm:pt modelId="{9CEFDB90-5714-4E0A-A1E1-C5AACAC47E8E}" type="pres">
       <dgm:prSet presAssocID="{EF5B5354-FA56-4B6D-8C79-B8C32F95A277}" presName="connectorText" presStyleLbl="sibTrans2D1" presStyleIdx="0" presStyleCnt="5"/>
       <dgm:spPr/>
+      <dgm:t>
+        <a:bodyPr/>
+        <a:lstStyle/>
+        <a:p>
+          <a:endParaRPr lang="en-US"/>
+        </a:p>
+      </dgm:t>
     </dgm:pt>
     <dgm:pt modelId="{1CED81CD-F1F1-4B1F-9EA1-1740DECA9766}" type="pres">
       <dgm:prSet presAssocID="{9C3AC689-875C-4D17-A8FC-232013308C40}" presName="node" presStyleLbl="node1" presStyleIdx="1" presStyleCnt="5" custScaleX="154440" custScaleY="65756" custRadScaleRad="45857" custRadScaleInc="-203194">
@@ -3425,10 +3525,24 @@
     <dgm:pt modelId="{AE55AEF2-0EBE-4078-A2F0-0DA9AE42853E}" type="pres">
       <dgm:prSet presAssocID="{E9E7D584-2D15-4BA7-908E-2A1EC1205241}" presName="sibTrans" presStyleLbl="sibTrans2D1" presStyleIdx="1" presStyleCnt="5"/>
       <dgm:spPr/>
+      <dgm:t>
+        <a:bodyPr/>
+        <a:lstStyle/>
+        <a:p>
+          <a:endParaRPr lang="en-US"/>
+        </a:p>
+      </dgm:t>
     </dgm:pt>
     <dgm:pt modelId="{C6ADE9D2-A6D1-49C9-B4FE-383F2360C6AB}" type="pres">
       <dgm:prSet presAssocID="{E9E7D584-2D15-4BA7-908E-2A1EC1205241}" presName="connectorText" presStyleLbl="sibTrans2D1" presStyleIdx="1" presStyleCnt="5"/>
       <dgm:spPr/>
+      <dgm:t>
+        <a:bodyPr/>
+        <a:lstStyle/>
+        <a:p>
+          <a:endParaRPr lang="en-US"/>
+        </a:p>
+      </dgm:t>
     </dgm:pt>
     <dgm:pt modelId="{C1E3F446-E017-4A67-A885-F7DCAEDA8BF3}" type="pres">
       <dgm:prSet presAssocID="{FE79E7DC-1D68-4EBB-83B7-1114A349CF04}" presName="node" presStyleLbl="node1" presStyleIdx="2" presStyleCnt="5" custScaleX="155195" custScaleY="69608" custRadScaleRad="104155" custRadScaleInc="302553">
@@ -3448,10 +3562,24 @@
     <dgm:pt modelId="{C50C0027-D846-46A9-A732-C6E5CA9F4403}" type="pres">
       <dgm:prSet presAssocID="{F4B01812-8E4B-42CE-92A6-66130D743FE6}" presName="sibTrans" presStyleLbl="sibTrans2D1" presStyleIdx="2" presStyleCnt="5" custLinFactNeighborX="258" custLinFactNeighborY="20643"/>
       <dgm:spPr/>
+      <dgm:t>
+        <a:bodyPr/>
+        <a:lstStyle/>
+        <a:p>
+          <a:endParaRPr lang="en-US"/>
+        </a:p>
+      </dgm:t>
     </dgm:pt>
     <dgm:pt modelId="{BB9AE85F-CF0F-48FA-96AB-2ED814AF83E5}" type="pres">
       <dgm:prSet presAssocID="{F4B01812-8E4B-42CE-92A6-66130D743FE6}" presName="connectorText" presStyleLbl="sibTrans2D1" presStyleIdx="2" presStyleCnt="5"/>
       <dgm:spPr/>
+      <dgm:t>
+        <a:bodyPr/>
+        <a:lstStyle/>
+        <a:p>
+          <a:endParaRPr lang="en-US"/>
+        </a:p>
+      </dgm:t>
     </dgm:pt>
     <dgm:pt modelId="{753AC339-A53E-4E36-8990-3FC536D468E9}" type="pres">
       <dgm:prSet presAssocID="{8FEC8F5F-258D-4690-A338-D4EAA2A8947F}" presName="node" presStyleLbl="node1" presStyleIdx="3" presStyleCnt="5" custScaleX="140094" custScaleY="69811" custRadScaleRad="103983" custRadScaleInc="-112724">
@@ -3471,10 +3599,24 @@
     <dgm:pt modelId="{DC115C57-BE78-461E-9BA9-2B8AA6F56D36}" type="pres">
       <dgm:prSet presAssocID="{6334D9C9-B0EB-4D11-B6FA-D36086695D3D}" presName="sibTrans" presStyleLbl="sibTrans2D1" presStyleIdx="3" presStyleCnt="5" custAng="1848312" custFlipHor="0" custScaleX="292564" custScaleY="113487" custLinFactX="-120679" custLinFactY="-15393" custLinFactNeighborX="-200000" custLinFactNeighborY="-100000" custRadScaleRad="30975" custRadScaleInc="-2147483648"/>
       <dgm:spPr/>
+      <dgm:t>
+        <a:bodyPr/>
+        <a:lstStyle/>
+        <a:p>
+          <a:endParaRPr lang="en-US"/>
+        </a:p>
+      </dgm:t>
     </dgm:pt>
     <dgm:pt modelId="{C23EA503-CFF7-4D5F-8C04-C68BFFF7391B}" type="pres">
       <dgm:prSet presAssocID="{6334D9C9-B0EB-4D11-B6FA-D36086695D3D}" presName="connectorText" presStyleLbl="sibTrans2D1" presStyleIdx="3" presStyleCnt="5"/>
       <dgm:spPr/>
+      <dgm:t>
+        <a:bodyPr/>
+        <a:lstStyle/>
+        <a:p>
+          <a:endParaRPr lang="en-US"/>
+        </a:p>
+      </dgm:t>
     </dgm:pt>
     <dgm:pt modelId="{1F7A1442-283F-4C1F-8503-EE2B06934CD0}" type="pres">
       <dgm:prSet presAssocID="{B0C18C86-6D11-4FAD-A397-BFB6DD2AD5A4}" presName="node" presStyleLbl="node1" presStyleIdx="4" presStyleCnt="5" custScaleX="139472" custScaleY="67343" custRadScaleRad="106662" custRadScaleInc="496962">
@@ -3494,10 +3636,24 @@
     <dgm:pt modelId="{F3D39BBE-8467-42EF-AF8E-ECBDE200ADCB}" type="pres">
       <dgm:prSet presAssocID="{BE2FCAA6-BABD-44F6-B462-5637E99E741C}" presName="sibTrans" presStyleLbl="sibTrans2D1" presStyleIdx="4" presStyleCnt="5" custAng="9559413" custFlipVert="1" custFlipHor="1" custScaleX="45906" custScaleY="91660" custLinFactY="5757" custLinFactNeighborX="31467" custLinFactNeighborY="100000"/>
       <dgm:spPr/>
+      <dgm:t>
+        <a:bodyPr/>
+        <a:lstStyle/>
+        <a:p>
+          <a:endParaRPr lang="en-US"/>
+        </a:p>
+      </dgm:t>
     </dgm:pt>
     <dgm:pt modelId="{08ED30F3-AA8E-4DEF-A338-BEBAEA751B5D}" type="pres">
       <dgm:prSet presAssocID="{BE2FCAA6-BABD-44F6-B462-5637E99E741C}" presName="connectorText" presStyleLbl="sibTrans2D1" presStyleIdx="4" presStyleCnt="5"/>
       <dgm:spPr/>
+      <dgm:t>
+        <a:bodyPr/>
+        <a:lstStyle/>
+        <a:p>
+          <a:endParaRPr lang="en-US"/>
+        </a:p>
+      </dgm:t>
     </dgm:pt>
   </dgm:ptLst>
   <dgm:cxnLst>
@@ -3507,15 +3663,15 @@
     <dgm:cxn modelId="{90395ED6-5BAA-4A99-ADE7-3FF1CD4B0F7A}" type="presOf" srcId="{EF5B5354-FA56-4B6D-8C79-B8C32F95A277}" destId="{9CEFDB90-5714-4E0A-A1E1-C5AACAC47E8E}" srcOrd="1" destOrd="0" presId="urn:microsoft.com/office/officeart/2005/8/layout/cycle2"/>
     <dgm:cxn modelId="{88266545-A6D1-4ECF-A430-933C6A92345C}" srcId="{A7C3BFC2-39BF-4E7F-966D-1BBE80EAF2B6}" destId="{FE79E7DC-1D68-4EBB-83B7-1114A349CF04}" srcOrd="2" destOrd="0" parTransId="{B8ECE90A-2BEB-4DA0-925C-BA79F840130A}" sibTransId="{F4B01812-8E4B-42CE-92A6-66130D743FE6}"/>
     <dgm:cxn modelId="{A4FA9F4E-C721-4988-BB5C-4255B70AD003}" srcId="{A7C3BFC2-39BF-4E7F-966D-1BBE80EAF2B6}" destId="{8FEC8F5F-258D-4690-A338-D4EAA2A8947F}" srcOrd="3" destOrd="0" parTransId="{8B255566-CE03-4FF5-94A3-8B233F2284E1}" sibTransId="{6334D9C9-B0EB-4D11-B6FA-D36086695D3D}"/>
+    <dgm:cxn modelId="{1C4EB5C4-7DE4-458E-872E-FC87CB80961D}" type="presOf" srcId="{B0C18C86-6D11-4FAD-A397-BFB6DD2AD5A4}" destId="{1F7A1442-283F-4C1F-8503-EE2B06934CD0}" srcOrd="0" destOrd="0" presId="urn:microsoft.com/office/officeart/2005/8/layout/cycle2"/>
     <dgm:cxn modelId="{869C0982-BACD-47B7-9244-4CFD57558491}" type="presOf" srcId="{6334D9C9-B0EB-4D11-B6FA-D36086695D3D}" destId="{DC115C57-BE78-461E-9BA9-2B8AA6F56D36}" srcOrd="0" destOrd="0" presId="urn:microsoft.com/office/officeart/2005/8/layout/cycle2"/>
-    <dgm:cxn modelId="{1C4EB5C4-7DE4-458E-872E-FC87CB80961D}" type="presOf" srcId="{B0C18C86-6D11-4FAD-A397-BFB6DD2AD5A4}" destId="{1F7A1442-283F-4C1F-8503-EE2B06934CD0}" srcOrd="0" destOrd="0" presId="urn:microsoft.com/office/officeart/2005/8/layout/cycle2"/>
     <dgm:cxn modelId="{5D06DF93-D7EC-4462-8670-D685D1972CFD}" type="presOf" srcId="{6334D9C9-B0EB-4D11-B6FA-D36086695D3D}" destId="{C23EA503-CFF7-4D5F-8C04-C68BFFF7391B}" srcOrd="1" destOrd="0" presId="urn:microsoft.com/office/officeart/2005/8/layout/cycle2"/>
     <dgm:cxn modelId="{C6EE37C5-ADF8-4FC7-8D4A-685F40978FB1}" type="presOf" srcId="{9C3AC689-875C-4D17-A8FC-232013308C40}" destId="{1CED81CD-F1F1-4B1F-9EA1-1740DECA9766}" srcOrd="0" destOrd="0" presId="urn:microsoft.com/office/officeart/2005/8/layout/cycle2"/>
     <dgm:cxn modelId="{9747C989-CD1A-4F44-BB74-C5D8137C90EC}" type="presOf" srcId="{A7C3BFC2-39BF-4E7F-966D-1BBE80EAF2B6}" destId="{78C88605-84E6-4948-9F22-861C7E91A808}" srcOrd="0" destOrd="0" presId="urn:microsoft.com/office/officeart/2005/8/layout/cycle2"/>
+    <dgm:cxn modelId="{8F08446D-E952-49EA-83F3-B1EE4B084704}" type="presOf" srcId="{BE2FCAA6-BABD-44F6-B462-5637E99E741C}" destId="{08ED30F3-AA8E-4DEF-A338-BEBAEA751B5D}" srcOrd="1" destOrd="0" presId="urn:microsoft.com/office/officeart/2005/8/layout/cycle2"/>
     <dgm:cxn modelId="{E1128B07-24C6-4B4C-8CB5-0A845A07C101}" type="presOf" srcId="{8FEC8F5F-258D-4690-A338-D4EAA2A8947F}" destId="{753AC339-A53E-4E36-8990-3FC536D468E9}" srcOrd="0" destOrd="0" presId="urn:microsoft.com/office/officeart/2005/8/layout/cycle2"/>
-    <dgm:cxn modelId="{8F08446D-E952-49EA-83F3-B1EE4B084704}" type="presOf" srcId="{BE2FCAA6-BABD-44F6-B462-5637E99E741C}" destId="{08ED30F3-AA8E-4DEF-A338-BEBAEA751B5D}" srcOrd="1" destOrd="0" presId="urn:microsoft.com/office/officeart/2005/8/layout/cycle2"/>
+    <dgm:cxn modelId="{C54D0D47-1E71-467B-B45F-499B932180E2}" type="presOf" srcId="{F4B01812-8E4B-42CE-92A6-66130D743FE6}" destId="{BB9AE85F-CF0F-48FA-96AB-2ED814AF83E5}" srcOrd="1" destOrd="0" presId="urn:microsoft.com/office/officeart/2005/8/layout/cycle2"/>
     <dgm:cxn modelId="{3D7F3645-B847-4F4D-82DB-019B86DECB94}" type="presOf" srcId="{FE79E7DC-1D68-4EBB-83B7-1114A349CF04}" destId="{C1E3F446-E017-4A67-A885-F7DCAEDA8BF3}" srcOrd="0" destOrd="0" presId="urn:microsoft.com/office/officeart/2005/8/layout/cycle2"/>
-    <dgm:cxn modelId="{C54D0D47-1E71-467B-B45F-499B932180E2}" type="presOf" srcId="{F4B01812-8E4B-42CE-92A6-66130D743FE6}" destId="{BB9AE85F-CF0F-48FA-96AB-2ED814AF83E5}" srcOrd="1" destOrd="0" presId="urn:microsoft.com/office/officeart/2005/8/layout/cycle2"/>
     <dgm:cxn modelId="{AAD6B3F4-06C2-4604-916A-4DA4B76DA6AC}" type="presOf" srcId="{EF5B5354-FA56-4B6D-8C79-B8C32F95A277}" destId="{15529414-C512-4496-B87A-D0A671341DB5}" srcOrd="0" destOrd="0" presId="urn:microsoft.com/office/officeart/2005/8/layout/cycle2"/>
     <dgm:cxn modelId="{8606F490-EBBA-49EC-819D-73147CBF1418}" srcId="{A7C3BFC2-39BF-4E7F-966D-1BBE80EAF2B6}" destId="{B0C18C86-6D11-4FAD-A397-BFB6DD2AD5A4}" srcOrd="4" destOrd="0" parTransId="{36560F4C-C2E7-4B5C-A5E3-B1884D6B898F}" sibTransId="{BE2FCAA6-BABD-44F6-B462-5637E99E741C}"/>
     <dgm:cxn modelId="{0A7BB3BF-0C6A-4D39-B677-815B89EDEDF9}" type="presOf" srcId="{CFFF6D3C-25BE-4D5F-B3A9-6CA6DED42D51}" destId="{083158C0-8605-48FF-B701-DB212D206F7E}" srcOrd="0" destOrd="0" presId="urn:microsoft.com/office/officeart/2005/8/layout/cycle2"/>
@@ -3769,6 +3925,13 @@
         </dgm:presLayoutVars>
       </dgm:prSet>
       <dgm:spPr/>
+      <dgm:t>
+        <a:bodyPr/>
+        <a:lstStyle/>
+        <a:p>
+          <a:endParaRPr lang="en-US"/>
+        </a:p>
+      </dgm:t>
     </dgm:pt>
     <dgm:pt modelId="{083158C0-8605-48FF-B701-DB212D206F7E}" type="pres">
       <dgm:prSet presAssocID="{CFFF6D3C-25BE-4D5F-B3A9-6CA6DED42D51}" presName="node" presStyleLbl="node1" presStyleIdx="0" presStyleCnt="5" custScaleX="152666" custScaleY="62294" custRadScaleRad="119368" custRadScaleInc="-2153">
@@ -3788,10 +3951,24 @@
     <dgm:pt modelId="{15529414-C512-4496-B87A-D0A671341DB5}" type="pres">
       <dgm:prSet presAssocID="{EF5B5354-FA56-4B6D-8C79-B8C32F95A277}" presName="sibTrans" presStyleLbl="sibTrans2D1" presStyleIdx="0" presStyleCnt="5"/>
       <dgm:spPr/>
+      <dgm:t>
+        <a:bodyPr/>
+        <a:lstStyle/>
+        <a:p>
+          <a:endParaRPr lang="en-US"/>
+        </a:p>
+      </dgm:t>
     </dgm:pt>
     <dgm:pt modelId="{9CEFDB90-5714-4E0A-A1E1-C5AACAC47E8E}" type="pres">
       <dgm:prSet presAssocID="{EF5B5354-FA56-4B6D-8C79-B8C32F95A277}" presName="connectorText" presStyleLbl="sibTrans2D1" presStyleIdx="0" presStyleCnt="5"/>
       <dgm:spPr/>
+      <dgm:t>
+        <a:bodyPr/>
+        <a:lstStyle/>
+        <a:p>
+          <a:endParaRPr lang="en-US"/>
+        </a:p>
+      </dgm:t>
     </dgm:pt>
     <dgm:pt modelId="{1CED81CD-F1F1-4B1F-9EA1-1740DECA9766}" type="pres">
       <dgm:prSet presAssocID="{9C3AC689-875C-4D17-A8FC-232013308C40}" presName="node" presStyleLbl="node1" presStyleIdx="1" presStyleCnt="5" custScaleX="154440" custScaleY="65756" custRadScaleRad="45857" custRadScaleInc="-203194">
@@ -3811,10 +3988,24 @@
     <dgm:pt modelId="{AE55AEF2-0EBE-4078-A2F0-0DA9AE42853E}" type="pres">
       <dgm:prSet presAssocID="{E9E7D584-2D15-4BA7-908E-2A1EC1205241}" presName="sibTrans" presStyleLbl="sibTrans2D1" presStyleIdx="1" presStyleCnt="5"/>
       <dgm:spPr/>
+      <dgm:t>
+        <a:bodyPr/>
+        <a:lstStyle/>
+        <a:p>
+          <a:endParaRPr lang="en-US"/>
+        </a:p>
+      </dgm:t>
     </dgm:pt>
     <dgm:pt modelId="{C6ADE9D2-A6D1-49C9-B4FE-383F2360C6AB}" type="pres">
       <dgm:prSet presAssocID="{E9E7D584-2D15-4BA7-908E-2A1EC1205241}" presName="connectorText" presStyleLbl="sibTrans2D1" presStyleIdx="1" presStyleCnt="5"/>
       <dgm:spPr/>
+      <dgm:t>
+        <a:bodyPr/>
+        <a:lstStyle/>
+        <a:p>
+          <a:endParaRPr lang="en-US"/>
+        </a:p>
+      </dgm:t>
     </dgm:pt>
     <dgm:pt modelId="{C1E3F446-E017-4A67-A885-F7DCAEDA8BF3}" type="pres">
       <dgm:prSet presAssocID="{FE79E7DC-1D68-4EBB-83B7-1114A349CF04}" presName="node" presStyleLbl="node1" presStyleIdx="2" presStyleCnt="5" custScaleX="155195" custScaleY="69608" custRadScaleRad="104155" custRadScaleInc="302553">
@@ -3834,10 +4025,24 @@
     <dgm:pt modelId="{C50C0027-D846-46A9-A732-C6E5CA9F4403}" type="pres">
       <dgm:prSet presAssocID="{F4B01812-8E4B-42CE-92A6-66130D743FE6}" presName="sibTrans" presStyleLbl="sibTrans2D1" presStyleIdx="2" presStyleCnt="5" custLinFactNeighborX="258" custLinFactNeighborY="20643"/>
       <dgm:spPr/>
+      <dgm:t>
+        <a:bodyPr/>
+        <a:lstStyle/>
+        <a:p>
+          <a:endParaRPr lang="en-US"/>
+        </a:p>
+      </dgm:t>
     </dgm:pt>
     <dgm:pt modelId="{BB9AE85F-CF0F-48FA-96AB-2ED814AF83E5}" type="pres">
       <dgm:prSet presAssocID="{F4B01812-8E4B-42CE-92A6-66130D743FE6}" presName="connectorText" presStyleLbl="sibTrans2D1" presStyleIdx="2" presStyleCnt="5"/>
       <dgm:spPr/>
+      <dgm:t>
+        <a:bodyPr/>
+        <a:lstStyle/>
+        <a:p>
+          <a:endParaRPr lang="en-US"/>
+        </a:p>
+      </dgm:t>
     </dgm:pt>
     <dgm:pt modelId="{753AC339-A53E-4E36-8990-3FC536D468E9}" type="pres">
       <dgm:prSet presAssocID="{8FEC8F5F-258D-4690-A338-D4EAA2A8947F}" presName="node" presStyleLbl="node1" presStyleIdx="3" presStyleCnt="5" custScaleX="140094" custScaleY="69811" custRadScaleRad="103983" custRadScaleInc="-112724">
@@ -3857,10 +4062,24 @@
     <dgm:pt modelId="{DC115C57-BE78-461E-9BA9-2B8AA6F56D36}" type="pres">
       <dgm:prSet presAssocID="{6334D9C9-B0EB-4D11-B6FA-D36086695D3D}" presName="sibTrans" presStyleLbl="sibTrans2D1" presStyleIdx="3" presStyleCnt="5" custAng="1848312" custFlipHor="0" custScaleX="292564" custScaleY="113487" custLinFactX="-120679" custLinFactY="-15393" custLinFactNeighborX="-200000" custLinFactNeighborY="-100000" custRadScaleRad="30975" custRadScaleInc="-2147483648"/>
       <dgm:spPr/>
+      <dgm:t>
+        <a:bodyPr/>
+        <a:lstStyle/>
+        <a:p>
+          <a:endParaRPr lang="en-US"/>
+        </a:p>
+      </dgm:t>
     </dgm:pt>
     <dgm:pt modelId="{C23EA503-CFF7-4D5F-8C04-C68BFFF7391B}" type="pres">
       <dgm:prSet presAssocID="{6334D9C9-B0EB-4D11-B6FA-D36086695D3D}" presName="connectorText" presStyleLbl="sibTrans2D1" presStyleIdx="3" presStyleCnt="5"/>
       <dgm:spPr/>
+      <dgm:t>
+        <a:bodyPr/>
+        <a:lstStyle/>
+        <a:p>
+          <a:endParaRPr lang="en-US"/>
+        </a:p>
+      </dgm:t>
     </dgm:pt>
     <dgm:pt modelId="{1F7A1442-283F-4C1F-8503-EE2B06934CD0}" type="pres">
       <dgm:prSet presAssocID="{B0C18C86-6D11-4FAD-A397-BFB6DD2AD5A4}" presName="node" presStyleLbl="node1" presStyleIdx="4" presStyleCnt="5" custScaleX="139472" custScaleY="67343" custRadScaleRad="106662" custRadScaleInc="496962">
@@ -3880,34 +4099,48 @@
     <dgm:pt modelId="{F3D39BBE-8467-42EF-AF8E-ECBDE200ADCB}" type="pres">
       <dgm:prSet presAssocID="{BE2FCAA6-BABD-44F6-B462-5637E99E741C}" presName="sibTrans" presStyleLbl="sibTrans2D1" presStyleIdx="4" presStyleCnt="5" custAng="9559413" custFlipVert="1" custFlipHor="1" custScaleX="45906" custScaleY="91660" custLinFactY="5757" custLinFactNeighborX="31467" custLinFactNeighborY="100000"/>
       <dgm:spPr/>
+      <dgm:t>
+        <a:bodyPr/>
+        <a:lstStyle/>
+        <a:p>
+          <a:endParaRPr lang="en-US"/>
+        </a:p>
+      </dgm:t>
     </dgm:pt>
     <dgm:pt modelId="{08ED30F3-AA8E-4DEF-A338-BEBAEA751B5D}" type="pres">
       <dgm:prSet presAssocID="{BE2FCAA6-BABD-44F6-B462-5637E99E741C}" presName="connectorText" presStyleLbl="sibTrans2D1" presStyleIdx="4" presStyleCnt="5"/>
       <dgm:spPr/>
+      <dgm:t>
+        <a:bodyPr/>
+        <a:lstStyle/>
+        <a:p>
+          <a:endParaRPr lang="en-US"/>
+        </a:p>
+      </dgm:t>
     </dgm:pt>
   </dgm:ptLst>
   <dgm:cxnLst>
-    <dgm:cxn modelId="{2DAF715C-EFB0-43D2-81FC-F14233FE8EB4}" srcId="{A7C3BFC2-39BF-4E7F-966D-1BBE80EAF2B6}" destId="{9C3AC689-875C-4D17-A8FC-232013308C40}" srcOrd="1" destOrd="0" parTransId="{19CD6D3A-DC7B-4BB8-9C3D-F717FD5A1287}" sibTransId="{E9E7D584-2D15-4BA7-908E-2A1EC1205241}"/>
+    <dgm:cxn modelId="{EF12633C-43E6-4693-8376-A6AE6DD93E2D}" type="presOf" srcId="{8FEC8F5F-258D-4690-A338-D4EAA2A8947F}" destId="{753AC339-A53E-4E36-8990-3FC536D468E9}" srcOrd="0" destOrd="0" presId="urn:microsoft.com/office/officeart/2005/8/layout/cycle2"/>
+    <dgm:cxn modelId="{6BFD2860-8177-457E-9C41-9074DB3FFA3B}" type="presOf" srcId="{BE2FCAA6-BABD-44F6-B462-5637E99E741C}" destId="{F3D39BBE-8467-42EF-AF8E-ECBDE200ADCB}" srcOrd="0" destOrd="0" presId="urn:microsoft.com/office/officeart/2005/8/layout/cycle2"/>
+    <dgm:cxn modelId="{9C5BA8BE-83A1-4A7A-9D8A-47F052691CDB}" srcId="{A7C3BFC2-39BF-4E7F-966D-1BBE80EAF2B6}" destId="{CFFF6D3C-25BE-4D5F-B3A9-6CA6DED42D51}" srcOrd="0" destOrd="0" parTransId="{ED579365-05AF-4C1B-B5DE-7B0928854F33}" sibTransId="{EF5B5354-FA56-4B6D-8C79-B8C32F95A277}"/>
+    <dgm:cxn modelId="{A49AE529-F4C9-45D5-B166-D68F8B39FF8B}" type="presOf" srcId="{9C3AC689-875C-4D17-A8FC-232013308C40}" destId="{1CED81CD-F1F1-4B1F-9EA1-1740DECA9766}" srcOrd="0" destOrd="0" presId="urn:microsoft.com/office/officeart/2005/8/layout/cycle2"/>
+    <dgm:cxn modelId="{88266545-A6D1-4ECF-A430-933C6A92345C}" srcId="{A7C3BFC2-39BF-4E7F-966D-1BBE80EAF2B6}" destId="{FE79E7DC-1D68-4EBB-83B7-1114A349CF04}" srcOrd="2" destOrd="0" parTransId="{B8ECE90A-2BEB-4DA0-925C-BA79F840130A}" sibTransId="{F4B01812-8E4B-42CE-92A6-66130D743FE6}"/>
+    <dgm:cxn modelId="{A4FA9F4E-C721-4988-BB5C-4255B70AD003}" srcId="{A7C3BFC2-39BF-4E7F-966D-1BBE80EAF2B6}" destId="{8FEC8F5F-258D-4690-A338-D4EAA2A8947F}" srcOrd="3" destOrd="0" parTransId="{8B255566-CE03-4FF5-94A3-8B233F2284E1}" sibTransId="{6334D9C9-B0EB-4D11-B6FA-D36086695D3D}"/>
     <dgm:cxn modelId="{7A744BC6-59E6-47F4-B1BA-33C5BA45FBFF}" type="presOf" srcId="{6334D9C9-B0EB-4D11-B6FA-D36086695D3D}" destId="{DC115C57-BE78-461E-9BA9-2B8AA6F56D36}" srcOrd="0" destOrd="0" presId="urn:microsoft.com/office/officeart/2005/8/layout/cycle2"/>
+    <dgm:cxn modelId="{480D0117-F556-460B-BCD5-2B9EEF4CB0DB}" type="presOf" srcId="{A7C3BFC2-39BF-4E7F-966D-1BBE80EAF2B6}" destId="{78C88605-84E6-4948-9F22-861C7E91A808}" srcOrd="0" destOrd="0" presId="urn:microsoft.com/office/officeart/2005/8/layout/cycle2"/>
+    <dgm:cxn modelId="{CC6694F7-DF71-4D12-8F57-35893E18131D}" type="presOf" srcId="{CFFF6D3C-25BE-4D5F-B3A9-6CA6DED42D51}" destId="{083158C0-8605-48FF-B701-DB212D206F7E}" srcOrd="0" destOrd="0" presId="urn:microsoft.com/office/officeart/2005/8/layout/cycle2"/>
+    <dgm:cxn modelId="{B5A7E70D-213C-4B88-935E-2AC8BA0FA570}" type="presOf" srcId="{E9E7D584-2D15-4BA7-908E-2A1EC1205241}" destId="{AE55AEF2-0EBE-4078-A2F0-0DA9AE42853E}" srcOrd="0" destOrd="0" presId="urn:microsoft.com/office/officeart/2005/8/layout/cycle2"/>
+    <dgm:cxn modelId="{874D563C-B0B9-4025-83E1-FE09D65ABFDA}" type="presOf" srcId="{E9E7D584-2D15-4BA7-908E-2A1EC1205241}" destId="{C6ADE9D2-A6D1-49C9-B4FE-383F2360C6AB}" srcOrd="1" destOrd="0" presId="urn:microsoft.com/office/officeart/2005/8/layout/cycle2"/>
     <dgm:cxn modelId="{9A3361D3-DFC9-4089-96E7-293380161C7A}" type="presOf" srcId="{EF5B5354-FA56-4B6D-8C79-B8C32F95A277}" destId="{9CEFDB90-5714-4E0A-A1E1-C5AACAC47E8E}" srcOrd="1" destOrd="0" presId="urn:microsoft.com/office/officeart/2005/8/layout/cycle2"/>
-    <dgm:cxn modelId="{8367A030-74EC-4EC2-933E-31E0BC444A41}" type="presOf" srcId="{BE2FCAA6-BABD-44F6-B462-5637E99E741C}" destId="{08ED30F3-AA8E-4DEF-A338-BEBAEA751B5D}" srcOrd="1" destOrd="0" presId="urn:microsoft.com/office/officeart/2005/8/layout/cycle2"/>
-    <dgm:cxn modelId="{8606F490-EBBA-49EC-819D-73147CBF1418}" srcId="{A7C3BFC2-39BF-4E7F-966D-1BBE80EAF2B6}" destId="{B0C18C86-6D11-4FAD-A397-BFB6DD2AD5A4}" srcOrd="4" destOrd="0" parTransId="{36560F4C-C2E7-4B5C-A5E3-B1884D6B898F}" sibTransId="{BE2FCAA6-BABD-44F6-B462-5637E99E741C}"/>
-    <dgm:cxn modelId="{874D563C-B0B9-4025-83E1-FE09D65ABFDA}" type="presOf" srcId="{E9E7D584-2D15-4BA7-908E-2A1EC1205241}" destId="{C6ADE9D2-A6D1-49C9-B4FE-383F2360C6AB}" srcOrd="1" destOrd="0" presId="urn:microsoft.com/office/officeart/2005/8/layout/cycle2"/>
-    <dgm:cxn modelId="{9C5BA8BE-83A1-4A7A-9D8A-47F052691CDB}" srcId="{A7C3BFC2-39BF-4E7F-966D-1BBE80EAF2B6}" destId="{CFFF6D3C-25BE-4D5F-B3A9-6CA6DED42D51}" srcOrd="0" destOrd="0" parTransId="{ED579365-05AF-4C1B-B5DE-7B0928854F33}" sibTransId="{EF5B5354-FA56-4B6D-8C79-B8C32F95A277}"/>
-    <dgm:cxn modelId="{CC6694F7-DF71-4D12-8F57-35893E18131D}" type="presOf" srcId="{CFFF6D3C-25BE-4D5F-B3A9-6CA6DED42D51}" destId="{083158C0-8605-48FF-B701-DB212D206F7E}" srcOrd="0" destOrd="0" presId="urn:microsoft.com/office/officeart/2005/8/layout/cycle2"/>
-    <dgm:cxn modelId="{EF12633C-43E6-4693-8376-A6AE6DD93E2D}" type="presOf" srcId="{8FEC8F5F-258D-4690-A338-D4EAA2A8947F}" destId="{753AC339-A53E-4E36-8990-3FC536D468E9}" srcOrd="0" destOrd="0" presId="urn:microsoft.com/office/officeart/2005/8/layout/cycle2"/>
-    <dgm:cxn modelId="{A49AE529-F4C9-45D5-B166-D68F8B39FF8B}" type="presOf" srcId="{9C3AC689-875C-4D17-A8FC-232013308C40}" destId="{1CED81CD-F1F1-4B1F-9EA1-1740DECA9766}" srcOrd="0" destOrd="0" presId="urn:microsoft.com/office/officeart/2005/8/layout/cycle2"/>
-    <dgm:cxn modelId="{51B4DB5E-A4AD-4468-9586-8346A938FA22}" type="presOf" srcId="{F4B01812-8E4B-42CE-92A6-66130D743FE6}" destId="{BB9AE85F-CF0F-48FA-96AB-2ED814AF83E5}" srcOrd="1" destOrd="0" presId="urn:microsoft.com/office/officeart/2005/8/layout/cycle2"/>
-    <dgm:cxn modelId="{8FCE206F-B3E4-4461-AB9F-5B51C13774D0}" type="presOf" srcId="{F4B01812-8E4B-42CE-92A6-66130D743FE6}" destId="{C50C0027-D846-46A9-A732-C6E5CA9F4403}" srcOrd="0" destOrd="0" presId="urn:microsoft.com/office/officeart/2005/8/layout/cycle2"/>
-    <dgm:cxn modelId="{88266545-A6D1-4ECF-A430-933C6A92345C}" srcId="{A7C3BFC2-39BF-4E7F-966D-1BBE80EAF2B6}" destId="{FE79E7DC-1D68-4EBB-83B7-1114A349CF04}" srcOrd="2" destOrd="0" parTransId="{B8ECE90A-2BEB-4DA0-925C-BA79F840130A}" sibTransId="{F4B01812-8E4B-42CE-92A6-66130D743FE6}"/>
-    <dgm:cxn modelId="{B5A7E70D-213C-4B88-935E-2AC8BA0FA570}" type="presOf" srcId="{E9E7D584-2D15-4BA7-908E-2A1EC1205241}" destId="{AE55AEF2-0EBE-4078-A2F0-0DA9AE42853E}" srcOrd="0" destOrd="0" presId="urn:microsoft.com/office/officeart/2005/8/layout/cycle2"/>
     <dgm:cxn modelId="{7A75833F-F8A3-4F1F-BB01-62AA3AA0DA61}" type="presOf" srcId="{B0C18C86-6D11-4FAD-A397-BFB6DD2AD5A4}" destId="{1F7A1442-283F-4C1F-8503-EE2B06934CD0}" srcOrd="0" destOrd="0" presId="urn:microsoft.com/office/officeart/2005/8/layout/cycle2"/>
     <dgm:cxn modelId="{61175615-193E-49B7-ADFB-26C7105423A6}" type="presOf" srcId="{EF5B5354-FA56-4B6D-8C79-B8C32F95A277}" destId="{15529414-C512-4496-B87A-D0A671341DB5}" srcOrd="0" destOrd="0" presId="urn:microsoft.com/office/officeart/2005/8/layout/cycle2"/>
-    <dgm:cxn modelId="{A4FA9F4E-C721-4988-BB5C-4255B70AD003}" srcId="{A7C3BFC2-39BF-4E7F-966D-1BBE80EAF2B6}" destId="{8FEC8F5F-258D-4690-A338-D4EAA2A8947F}" srcOrd="3" destOrd="0" parTransId="{8B255566-CE03-4FF5-94A3-8B233F2284E1}" sibTransId="{6334D9C9-B0EB-4D11-B6FA-D36086695D3D}"/>
-    <dgm:cxn modelId="{480D0117-F556-460B-BCD5-2B9EEF4CB0DB}" type="presOf" srcId="{A7C3BFC2-39BF-4E7F-966D-1BBE80EAF2B6}" destId="{78C88605-84E6-4948-9F22-861C7E91A808}" srcOrd="0" destOrd="0" presId="urn:microsoft.com/office/officeart/2005/8/layout/cycle2"/>
     <dgm:cxn modelId="{DA0BD1A6-0D44-48E7-8F62-60854412B599}" type="presOf" srcId="{FE79E7DC-1D68-4EBB-83B7-1114A349CF04}" destId="{C1E3F446-E017-4A67-A885-F7DCAEDA8BF3}" srcOrd="0" destOrd="0" presId="urn:microsoft.com/office/officeart/2005/8/layout/cycle2"/>
-    <dgm:cxn modelId="{6BFD2860-8177-457E-9C41-9074DB3FFA3B}" type="presOf" srcId="{BE2FCAA6-BABD-44F6-B462-5637E99E741C}" destId="{F3D39BBE-8467-42EF-AF8E-ECBDE200ADCB}" srcOrd="0" destOrd="0" presId="urn:microsoft.com/office/officeart/2005/8/layout/cycle2"/>
+    <dgm:cxn modelId="{8606F490-EBBA-49EC-819D-73147CBF1418}" srcId="{A7C3BFC2-39BF-4E7F-966D-1BBE80EAF2B6}" destId="{B0C18C86-6D11-4FAD-A397-BFB6DD2AD5A4}" srcOrd="4" destOrd="0" parTransId="{36560F4C-C2E7-4B5C-A5E3-B1884D6B898F}" sibTransId="{BE2FCAA6-BABD-44F6-B462-5637E99E741C}"/>
+    <dgm:cxn modelId="{8FCE206F-B3E4-4461-AB9F-5B51C13774D0}" type="presOf" srcId="{F4B01812-8E4B-42CE-92A6-66130D743FE6}" destId="{C50C0027-D846-46A9-A732-C6E5CA9F4403}" srcOrd="0" destOrd="0" presId="urn:microsoft.com/office/officeart/2005/8/layout/cycle2"/>
+    <dgm:cxn modelId="{51B4DB5E-A4AD-4468-9586-8346A938FA22}" type="presOf" srcId="{F4B01812-8E4B-42CE-92A6-66130D743FE6}" destId="{BB9AE85F-CF0F-48FA-96AB-2ED814AF83E5}" srcOrd="1" destOrd="0" presId="urn:microsoft.com/office/officeart/2005/8/layout/cycle2"/>
+    <dgm:cxn modelId="{2DAF715C-EFB0-43D2-81FC-F14233FE8EB4}" srcId="{A7C3BFC2-39BF-4E7F-966D-1BBE80EAF2B6}" destId="{9C3AC689-875C-4D17-A8FC-232013308C40}" srcOrd="1" destOrd="0" parTransId="{19CD6D3A-DC7B-4BB8-9C3D-F717FD5A1287}" sibTransId="{E9E7D584-2D15-4BA7-908E-2A1EC1205241}"/>
     <dgm:cxn modelId="{11F1F5D6-9E8C-4810-A0C6-13A9473306F3}" type="presOf" srcId="{6334D9C9-B0EB-4D11-B6FA-D36086695D3D}" destId="{C23EA503-CFF7-4D5F-8C04-C68BFFF7391B}" srcOrd="1" destOrd="0" presId="urn:microsoft.com/office/officeart/2005/8/layout/cycle2"/>
+    <dgm:cxn modelId="{8367A030-74EC-4EC2-933E-31E0BC444A41}" type="presOf" srcId="{BE2FCAA6-BABD-44F6-B462-5637E99E741C}" destId="{08ED30F3-AA8E-4DEF-A338-BEBAEA751B5D}" srcOrd="1" destOrd="0" presId="urn:microsoft.com/office/officeart/2005/8/layout/cycle2"/>
     <dgm:cxn modelId="{6093B2CF-BC89-4083-9F66-779E0604980B}" type="presParOf" srcId="{78C88605-84E6-4948-9F22-861C7E91A808}" destId="{083158C0-8605-48FF-B701-DB212D206F7E}" srcOrd="0" destOrd="0" presId="urn:microsoft.com/office/officeart/2005/8/layout/cycle2"/>
     <dgm:cxn modelId="{65C989BC-0B5C-4202-9FA5-EC38D8799FAF}" type="presParOf" srcId="{78C88605-84E6-4948-9F22-861C7E91A808}" destId="{15529414-C512-4496-B87A-D0A671341DB5}" srcOrd="1" destOrd="0" presId="urn:microsoft.com/office/officeart/2005/8/layout/cycle2"/>
     <dgm:cxn modelId="{7BF397B7-DB38-499F-986E-15CAE5836AC8}" type="presParOf" srcId="{15529414-C512-4496-B87A-D0A671341DB5}" destId="{9CEFDB90-5714-4E0A-A1E1-C5AACAC47E8E}" srcOrd="0" destOrd="0" presId="urn:microsoft.com/office/officeart/2005/8/layout/cycle2"/>
@@ -12838,7 +13071,7 @@
             <a:fld id="{4CBF50E3-ED67-46F2-ABFC-A36EE1082CF7}" type="slidenum">
               <a:rPr lang="en-US" b="1" smtClean="0"/>
               <a:pPr/>
-              <a:t>14</a:t>
+              <a:t>15</a:t>
             </a:fld>
             <a:endParaRPr lang="en-US" b="1" dirty="0"/>
           </a:p>
@@ -12932,7 +13165,7 @@
             <a:fld id="{4CBF50E3-ED67-46F2-ABFC-A36EE1082CF7}" type="slidenum">
               <a:rPr lang="en-US" b="1" smtClean="0"/>
               <a:pPr/>
-              <a:t>15</a:t>
+              <a:t>16</a:t>
             </a:fld>
             <a:endParaRPr lang="en-US" b="1" dirty="0"/>
           </a:p>
@@ -13026,7 +13259,7 @@
             <a:fld id="{4CBF50E3-ED67-46F2-ABFC-A36EE1082CF7}" type="slidenum">
               <a:rPr lang="en-US" b="1" smtClean="0"/>
               <a:pPr/>
-              <a:t>16</a:t>
+              <a:t>17</a:t>
             </a:fld>
             <a:endParaRPr lang="en-US" b="1" dirty="0"/>
           </a:p>
@@ -13120,7 +13353,7 @@
             <a:fld id="{4CBF50E3-ED67-46F2-ABFC-A36EE1082CF7}" type="slidenum">
               <a:rPr lang="en-US" b="1" smtClean="0"/>
               <a:pPr/>
-              <a:t>17</a:t>
+              <a:t>18</a:t>
             </a:fld>
             <a:endParaRPr lang="en-US" b="1" dirty="0"/>
           </a:p>
@@ -13234,7 +13467,7 @@
             <a:fld id="{4CBF50E3-ED67-46F2-ABFC-A36EE1082CF7}" type="slidenum">
               <a:rPr lang="en-US" b="1" smtClean="0"/>
               <a:pPr/>
-              <a:t>18</a:t>
+              <a:t>19</a:t>
             </a:fld>
             <a:endParaRPr lang="en-US" b="1" dirty="0"/>
           </a:p>
@@ -13328,7 +13561,7 @@
             <a:fld id="{4CBF50E3-ED67-46F2-ABFC-A36EE1082CF7}" type="slidenum">
               <a:rPr lang="en-US" b="1" smtClean="0"/>
               <a:pPr/>
-              <a:t>19</a:t>
+              <a:t>20</a:t>
             </a:fld>
             <a:endParaRPr lang="en-US" b="1" dirty="0"/>
           </a:p>
@@ -13564,7 +13797,7 @@
             <a:fld id="{4CBF50E3-ED67-46F2-ABFC-A36EE1082CF7}" type="slidenum">
               <a:rPr lang="en-US" b="1" smtClean="0"/>
               <a:pPr/>
-              <a:t>20</a:t>
+              <a:t>21</a:t>
             </a:fld>
             <a:endParaRPr lang="en-US" b="1" dirty="0"/>
           </a:p>
@@ -13658,7 +13891,7 @@
             <a:fld id="{4CBF50E3-ED67-46F2-ABFC-A36EE1082CF7}" type="slidenum">
               <a:rPr lang="en-US" b="1" smtClean="0"/>
               <a:pPr/>
-              <a:t>21</a:t>
+              <a:t>22</a:t>
             </a:fld>
             <a:endParaRPr lang="en-US" b="1" dirty="0"/>
           </a:p>
@@ -13756,7 +13989,7 @@
             <a:fld id="{4CBF50E3-ED67-46F2-ABFC-A36EE1082CF7}" type="slidenum">
               <a:rPr lang="en-US" b="1" smtClean="0"/>
               <a:pPr/>
-              <a:t>22</a:t>
+              <a:t>23</a:t>
             </a:fld>
             <a:endParaRPr lang="en-US" b="1" dirty="0"/>
           </a:p>
@@ -13850,7 +14083,7 @@
             <a:fld id="{4CBF50E3-ED67-46F2-ABFC-A36EE1082CF7}" type="slidenum">
               <a:rPr lang="en-US" b="1" smtClean="0"/>
               <a:pPr/>
-              <a:t>23</a:t>
+              <a:t>24</a:t>
             </a:fld>
             <a:endParaRPr lang="en-US" b="1" dirty="0"/>
           </a:p>
@@ -13944,7 +14177,7 @@
             <a:fld id="{4CBF50E3-ED67-46F2-ABFC-A36EE1082CF7}" type="slidenum">
               <a:rPr lang="en-US" b="1" smtClean="0"/>
               <a:pPr/>
-              <a:t>24</a:t>
+              <a:t>25</a:t>
             </a:fld>
             <a:endParaRPr lang="en-US" b="1" dirty="0"/>
           </a:p>
@@ -14086,7 +14319,7 @@
             <a:fld id="{4CBF50E3-ED67-46F2-ABFC-A36EE1082CF7}" type="slidenum">
               <a:rPr lang="en-US" b="1" smtClean="0"/>
               <a:pPr/>
-              <a:t>25</a:t>
+              <a:t>26</a:t>
             </a:fld>
             <a:endParaRPr lang="en-US" b="1" dirty="0"/>
           </a:p>
@@ -14180,7 +14413,7 @@
             <a:fld id="{4CBF50E3-ED67-46F2-ABFC-A36EE1082CF7}" type="slidenum">
               <a:rPr lang="en-US" b="1" smtClean="0"/>
               <a:pPr/>
-              <a:t>26</a:t>
+              <a:t>28</a:t>
             </a:fld>
             <a:endParaRPr lang="en-US" b="1" dirty="0"/>
           </a:p>
@@ -14274,7 +14507,7 @@
             <a:fld id="{4CBF50E3-ED67-46F2-ABFC-A36EE1082CF7}" type="slidenum">
               <a:rPr lang="en-US" b="1" smtClean="0"/>
               <a:pPr/>
-              <a:t>27</a:t>
+              <a:t>29</a:t>
             </a:fld>
             <a:endParaRPr lang="en-US" b="1" dirty="0"/>
           </a:p>
@@ -14368,7 +14601,7 @@
             <a:fld id="{4CBF50E3-ED67-46F2-ABFC-A36EE1082CF7}" type="slidenum">
               <a:rPr lang="en-US" b="1" smtClean="0"/>
               <a:pPr/>
-              <a:t>28</a:t>
+              <a:t>30</a:t>
             </a:fld>
             <a:endParaRPr lang="en-US" b="1" dirty="0"/>
           </a:p>
@@ -14462,7 +14695,7 @@
             <a:fld id="{4CBF50E3-ED67-46F2-ABFC-A36EE1082CF7}" type="slidenum">
               <a:rPr lang="en-US" b="1" smtClean="0"/>
               <a:pPr/>
-              <a:t>29</a:t>
+              <a:t>31</a:t>
             </a:fld>
             <a:endParaRPr lang="en-US" b="1" dirty="0"/>
           </a:p>
@@ -14650,7 +14883,7 @@
             <a:fld id="{4CBF50E3-ED67-46F2-ABFC-A36EE1082CF7}" type="slidenum">
               <a:rPr lang="en-US" b="1" smtClean="0"/>
               <a:pPr/>
-              <a:t>30</a:t>
+              <a:t>32</a:t>
             </a:fld>
             <a:endParaRPr lang="en-US" b="1" dirty="0"/>
           </a:p>
@@ -14744,7 +14977,7 @@
             <a:fld id="{4CBF50E3-ED67-46F2-ABFC-A36EE1082CF7}" type="slidenum">
               <a:rPr lang="en-US" b="1" smtClean="0"/>
               <a:pPr/>
-              <a:t>32</a:t>
+              <a:t>34</a:t>
             </a:fld>
             <a:endParaRPr lang="en-US" b="1" dirty="0"/>
           </a:p>
@@ -30010,7 +30243,6 @@
               <a:rPr lang="en-US" sz="1200" dirty="0" smtClean="0"/>
               <a:t>Definition &amp; Motivation</a:t>
             </a:r>
-            <a:endParaRPr lang="en-US" sz="1200" dirty="0" smtClean="0"/>
           </a:p>
           <a:p>
             <a:r>
@@ -30046,7 +30278,6 @@
               <a:rPr lang="en-US" sz="1200" dirty="0" smtClean="0"/>
               <a:t>Evaluation</a:t>
             </a:r>
-            <a:endParaRPr lang="en-US" sz="1200" dirty="0" smtClean="0"/>
           </a:p>
           <a:p>
             <a:pPr lvl="1"/>
@@ -30110,6 +30341,261 @@
 </file>
 
 <file path=ppt/slides/slide14.xml><?xml version="1.0" encoding="utf-8"?>
+<p:sld xmlns:a="http://schemas.openxmlformats.org/drawingml/2006/main" xmlns:r="http://schemas.openxmlformats.org/officeDocument/2006/relationships" xmlns:p="http://schemas.openxmlformats.org/presentationml/2006/main">
+  <p:cSld>
+    <p:spTree>
+      <p:nvGrpSpPr>
+        <p:cNvPr id="1" name=""/>
+        <p:cNvGrpSpPr/>
+        <p:nvPr/>
+      </p:nvGrpSpPr>
+      <p:grpSpPr>
+        <a:xfrm>
+          <a:off x="0" y="0"/>
+          <a:ext cx="0" cy="0"/>
+          <a:chOff x="0" y="0"/>
+          <a:chExt cx="0" cy="0"/>
+        </a:xfrm>
+      </p:grpSpPr>
+      <p:sp>
+        <p:nvSpPr>
+          <p:cNvPr id="2" name="Textplatzhalter 1"/>
+          <p:cNvSpPr>
+            <a:spLocks noGrp="1"/>
+          </p:cNvSpPr>
+          <p:nvPr>
+            <p:ph type="body" sz="quarter" idx="10"/>
+          </p:nvPr>
+        </p:nvSpPr>
+        <p:spPr/>
+        <p:txBody>
+          <a:bodyPr/>
+          <a:lstStyle/>
+          <a:p>
+            <a:r>
+              <a:rPr lang="de-DE" dirty="0" smtClean="0"/>
+              <a:t>Implementation </a:t>
+            </a:r>
+            <a:r>
+              <a:rPr lang="de-DE" dirty="0" err="1" smtClean="0"/>
+              <a:t>based</a:t>
+            </a:r>
+            <a:r>
+              <a:rPr lang="de-DE" dirty="0" smtClean="0"/>
+              <a:t> on Position List Indices (PLI)</a:t>
+            </a:r>
+          </a:p>
+          <a:p>
+            <a:r>
+              <a:rPr lang="de-DE" dirty="0" err="1" smtClean="0"/>
+              <a:t>Bottom-Up</a:t>
+            </a:r>
+            <a:r>
+              <a:rPr lang="de-DE" dirty="0" smtClean="0"/>
+              <a:t> </a:t>
+            </a:r>
+            <a:r>
+              <a:rPr lang="de-DE" dirty="0" err="1" smtClean="0"/>
+              <a:t>approach</a:t>
+            </a:r>
+            <a:endParaRPr lang="de-DE" dirty="0" smtClean="0"/>
+          </a:p>
+          <a:p>
+            <a:r>
+              <a:rPr lang="de-DE" dirty="0" smtClean="0"/>
+              <a:t>Apriori </a:t>
+            </a:r>
+            <a:r>
+              <a:rPr lang="de-DE" dirty="0" err="1" smtClean="0"/>
+              <a:t>candidate</a:t>
+            </a:r>
+            <a:r>
+              <a:rPr lang="de-DE" dirty="0" smtClean="0"/>
+              <a:t> </a:t>
+            </a:r>
+            <a:r>
+              <a:rPr lang="de-DE" dirty="0" err="1" smtClean="0"/>
+              <a:t>generation</a:t>
+            </a:r>
+            <a:r>
+              <a:rPr lang="de-DE" dirty="0" smtClean="0"/>
+              <a:t> (</a:t>
+            </a:r>
+            <a:r>
+              <a:rPr lang="de-DE" dirty="0" err="1" smtClean="0"/>
+              <a:t>prefix</a:t>
+            </a:r>
+            <a:r>
+              <a:rPr lang="de-DE" dirty="0" smtClean="0"/>
+              <a:t> </a:t>
+            </a:r>
+            <a:r>
+              <a:rPr lang="de-DE" dirty="0" err="1" smtClean="0"/>
+              <a:t>based</a:t>
+            </a:r>
+            <a:r>
+              <a:rPr lang="de-DE" dirty="0" smtClean="0"/>
+              <a:t>)</a:t>
+            </a:r>
+          </a:p>
+          <a:p>
+            <a:r>
+              <a:rPr lang="de-DE" dirty="0" err="1" smtClean="0"/>
+              <a:t>Column</a:t>
+            </a:r>
+            <a:r>
+              <a:rPr lang="de-DE" dirty="0" smtClean="0"/>
+              <a:t> </a:t>
+            </a:r>
+            <a:r>
+              <a:rPr lang="de-DE" dirty="0" err="1" smtClean="0"/>
+              <a:t>Combinations</a:t>
+            </a:r>
+            <a:r>
+              <a:rPr lang="de-DE" dirty="0" smtClean="0"/>
+              <a:t> </a:t>
+            </a:r>
+            <a:r>
+              <a:rPr lang="de-DE" dirty="0" err="1" smtClean="0"/>
+              <a:t>encoded</a:t>
+            </a:r>
+            <a:r>
+              <a:rPr lang="de-DE" dirty="0" smtClean="0"/>
+              <a:t> in </a:t>
+            </a:r>
+            <a:r>
+              <a:rPr lang="de-DE" dirty="0" err="1" smtClean="0"/>
+              <a:t>bit</a:t>
+            </a:r>
+            <a:r>
+              <a:rPr lang="de-DE" dirty="0" smtClean="0"/>
+              <a:t> </a:t>
+            </a:r>
+            <a:r>
+              <a:rPr lang="de-DE" dirty="0" err="1" smtClean="0"/>
+              <a:t>sets</a:t>
+            </a:r>
+            <a:endParaRPr lang="de-DE" dirty="0" smtClean="0"/>
+          </a:p>
+          <a:p>
+            <a:endParaRPr lang="en-US" dirty="0"/>
+          </a:p>
+        </p:txBody>
+      </p:sp>
+      <p:sp>
+        <p:nvSpPr>
+          <p:cNvPr id="3" name="Titel 2"/>
+          <p:cNvSpPr>
+            <a:spLocks noGrp="1"/>
+          </p:cNvSpPr>
+          <p:nvPr>
+            <p:ph type="title"/>
+          </p:nvPr>
+        </p:nvSpPr>
+        <p:spPr/>
+        <p:txBody>
+          <a:bodyPr/>
+          <a:lstStyle/>
+          <a:p>
+            <a:r>
+              <a:rPr lang="de-DE" dirty="0" err="1" smtClean="0"/>
+              <a:t>Algorithm</a:t>
+            </a:r>
+            <a:endParaRPr lang="en-US" dirty="0"/>
+          </a:p>
+        </p:txBody>
+      </p:sp>
+      <p:sp>
+        <p:nvSpPr>
+          <p:cNvPr id="4" name="Datumsplatzhalter 3"/>
+          <p:cNvSpPr>
+            <a:spLocks noGrp="1"/>
+          </p:cNvSpPr>
+          <p:nvPr>
+            <p:ph type="dt" sz="half" idx="11"/>
+          </p:nvPr>
+        </p:nvSpPr>
+        <p:spPr/>
+        <p:txBody>
+          <a:bodyPr/>
+          <a:lstStyle/>
+          <a:p>
+            <a:r>
+              <a:rPr lang="en-US" smtClean="0"/>
+              <a:t>Speaker, Job Description, Date if needed</a:t>
+            </a:r>
+            <a:endParaRPr lang="en-US" dirty="0"/>
+          </a:p>
+        </p:txBody>
+      </p:sp>
+      <p:sp>
+        <p:nvSpPr>
+          <p:cNvPr id="5" name="Fußzeilenplatzhalter 4"/>
+          <p:cNvSpPr>
+            <a:spLocks noGrp="1"/>
+          </p:cNvSpPr>
+          <p:nvPr>
+            <p:ph type="ftr" sz="quarter" idx="12"/>
+          </p:nvPr>
+        </p:nvSpPr>
+        <p:spPr/>
+        <p:txBody>
+          <a:bodyPr/>
+          <a:lstStyle/>
+          <a:p>
+            <a:r>
+              <a:rPr lang="en-US" smtClean="0"/>
+              <a:t>Presentation Title</a:t>
+            </a:r>
+            <a:endParaRPr lang="en-US" dirty="0"/>
+          </a:p>
+        </p:txBody>
+      </p:sp>
+      <p:sp>
+        <p:nvSpPr>
+          <p:cNvPr id="6" name="Foliennummernplatzhalter 5"/>
+          <p:cNvSpPr>
+            <a:spLocks noGrp="1"/>
+          </p:cNvSpPr>
+          <p:nvPr>
+            <p:ph type="sldNum" sz="quarter" idx="13"/>
+          </p:nvPr>
+        </p:nvSpPr>
+        <p:spPr/>
+        <p:txBody>
+          <a:bodyPr/>
+          <a:lstStyle/>
+          <a:p>
+            <a:r>
+              <a:rPr lang="en-US" smtClean="0"/>
+              <a:t>Chart </a:t>
+            </a:r>
+            <a:fld id="{91D913BA-B0D8-4B51-9328-DFAA0B370309}" type="slidenum">
+              <a:rPr lang="en-US" b="1" smtClean="0"/>
+              <a:pPr/>
+              <a:t>14</a:t>
+            </a:fld>
+            <a:endParaRPr lang="en-US" b="1" dirty="0"/>
+          </a:p>
+        </p:txBody>
+      </p:sp>
+    </p:spTree>
+    <p:extLst>
+      <p:ext uri="{BB962C8B-B14F-4D97-AF65-F5344CB8AC3E}">
+        <p14:creationId xmlns:p14="http://schemas.microsoft.com/office/powerpoint/2010/main" val="4264559050"/>
+      </p:ext>
+    </p:extLst>
+  </p:cSld>
+  <p:clrMapOvr>
+    <a:masterClrMapping/>
+  </p:clrMapOvr>
+  <p:transition spd="slow">
+    <p:wipe dir="u"/>
+  </p:transition>
+</p:sld>
+</file>
+
+<file path=ppt/slides/slide15.xml><?xml version="1.0" encoding="utf-8"?>
 <p:sld xmlns:a="http://schemas.openxmlformats.org/drawingml/2006/main" xmlns:r="http://schemas.openxmlformats.org/officeDocument/2006/relationships" xmlns:p="http://schemas.openxmlformats.org/presentationml/2006/main">
   <p:cSld>
     <p:spTree>
@@ -30269,7 +30755,7 @@
 </p:sld>
 </file>
 
-<file path=ppt/slides/slide15.xml><?xml version="1.0" encoding="utf-8"?>
+<file path=ppt/slides/slide16.xml><?xml version="1.0" encoding="utf-8"?>
 <p:sld xmlns:a="http://schemas.openxmlformats.org/drawingml/2006/main" xmlns:r="http://schemas.openxmlformats.org/officeDocument/2006/relationships" xmlns:p="http://schemas.openxmlformats.org/presentationml/2006/main">
   <p:cSld>
     <p:spTree>
@@ -30498,7 +30984,7 @@
 </p:sld>
 </file>
 
-<file path=ppt/slides/slide16.xml><?xml version="1.0" encoding="utf-8"?>
+<file path=ppt/slides/slide17.xml><?xml version="1.0" encoding="utf-8"?>
 <p:sld xmlns:a="http://schemas.openxmlformats.org/drawingml/2006/main" xmlns:r="http://schemas.openxmlformats.org/officeDocument/2006/relationships" xmlns:p="http://schemas.openxmlformats.org/presentationml/2006/main">
   <p:cSld>
     <p:spTree>
@@ -30797,1104 +31283,6 @@
 </p:sld>
 </file>
 
-<file path=ppt/slides/slide17.xml><?xml version="1.0" encoding="utf-8"?>
-<p:sld xmlns:a="http://schemas.openxmlformats.org/drawingml/2006/main" xmlns:r="http://schemas.openxmlformats.org/officeDocument/2006/relationships" xmlns:p="http://schemas.openxmlformats.org/presentationml/2006/main">
-  <p:cSld>
-    <p:spTree>
-      <p:nvGrpSpPr>
-        <p:cNvPr id="1" name=""/>
-        <p:cNvGrpSpPr/>
-        <p:nvPr/>
-      </p:nvGrpSpPr>
-      <p:grpSpPr>
-        <a:xfrm>
-          <a:off x="0" y="0"/>
-          <a:ext cx="0" cy="0"/>
-          <a:chOff x="0" y="0"/>
-          <a:chExt cx="0" cy="0"/>
-        </a:xfrm>
-      </p:grpSpPr>
-      <p:sp>
-        <p:nvSpPr>
-          <p:cNvPr id="6157" name="Title 6156"/>
-          <p:cNvSpPr>
-            <a:spLocks noGrp="1"/>
-          </p:cNvSpPr>
-          <p:nvPr>
-            <p:ph type="title"/>
-          </p:nvPr>
-        </p:nvSpPr>
-        <p:spPr>
-          <a:xfrm>
-            <a:off x="358776" y="108001"/>
-            <a:ext cx="6877051" cy="927588"/>
-          </a:xfrm>
-        </p:spPr>
-        <p:txBody>
-          <a:bodyPr/>
-          <a:lstStyle/>
-          <a:p>
-            <a:r>
-              <a:rPr lang="en-US" dirty="0" smtClean="0"/>
-              <a:t>Highlights of implementation</a:t>
-            </a:r>
-            <a:br>
-              <a:rPr lang="en-US" dirty="0" smtClean="0"/>
-            </a:br>
-            <a:r>
-              <a:rPr lang="en-US" dirty="0" smtClean="0"/>
-              <a:t>Create Position </a:t>
-            </a:r>
-            <a:r>
-              <a:rPr lang="en-US" dirty="0" smtClean="0"/>
-              <a:t>List Index</a:t>
-            </a:r>
-            <a:endParaRPr lang="en-US" dirty="0"/>
-          </a:p>
-        </p:txBody>
-      </p:sp>
-      <p:sp>
-        <p:nvSpPr>
-          <p:cNvPr id="6158" name="Text Placeholder 6157"/>
-          <p:cNvSpPr>
-            <a:spLocks noGrp="1"/>
-          </p:cNvSpPr>
-          <p:nvPr>
-            <p:ph type="body" sz="quarter" idx="13"/>
-          </p:nvPr>
-        </p:nvSpPr>
-        <p:spPr>
-          <a:xfrm>
-            <a:off x="4067944" y="1239837"/>
-            <a:ext cx="3167883" cy="3563937"/>
-          </a:xfrm>
-        </p:spPr>
-        <p:txBody>
-          <a:bodyPr>
-            <a:normAutofit/>
-          </a:bodyPr>
-          <a:lstStyle/>
-          <a:p>
-            <a:pPr lvl="2" indent="0">
-              <a:buNone/>
-            </a:pPr>
-            <a:r>
-              <a:rPr lang="en-US" dirty="0" smtClean="0"/>
-              <a:t>({0},[[]]),</a:t>
-            </a:r>
-          </a:p>
-          <a:p>
-            <a:pPr lvl="2" indent="0">
-              <a:buNone/>
-            </a:pPr>
-            <a:r>
-              <a:rPr lang="en-US" dirty="0" smtClean="0"/>
-              <a:t>({</a:t>
-            </a:r>
-            <a:r>
-              <a:rPr lang="en-US" dirty="0"/>
-              <a:t>1</a:t>
-            </a:r>
-            <a:r>
-              <a:rPr lang="en-US" dirty="0" smtClean="0"/>
-              <a:t>},[[1, 4, 5]]),</a:t>
-            </a:r>
-            <a:endParaRPr lang="en-US" dirty="0"/>
-          </a:p>
-          <a:p>
-            <a:pPr lvl="2" indent="0">
-              <a:buNone/>
-            </a:pPr>
-            <a:r>
-              <a:rPr lang="en-US" dirty="0"/>
-              <a:t>({2</a:t>
-            </a:r>
-            <a:r>
-              <a:rPr lang="en-US" dirty="0" smtClean="0"/>
-              <a:t>},[[1, 3, 4]]),</a:t>
-            </a:r>
-            <a:endParaRPr lang="en-US" dirty="0"/>
-          </a:p>
-          <a:p>
-            <a:pPr lvl="2" indent="0">
-              <a:buNone/>
-            </a:pPr>
-            <a:r>
-              <a:rPr lang="en-US" dirty="0"/>
-              <a:t>({3</a:t>
-            </a:r>
-            <a:r>
-              <a:rPr lang="en-US" dirty="0" smtClean="0"/>
-              <a:t>},[[4, 5], [1, 3]]),</a:t>
-            </a:r>
-            <a:endParaRPr lang="en-US" dirty="0"/>
-          </a:p>
-          <a:p>
-            <a:pPr lvl="2" indent="0">
-              <a:buNone/>
-            </a:pPr>
-            <a:r>
-              <a:rPr lang="en-US" dirty="0"/>
-              <a:t>({4</a:t>
-            </a:r>
-            <a:r>
-              <a:rPr lang="en-US" dirty="0" smtClean="0"/>
-              <a:t>},[[2, 3], [1, </a:t>
-            </a:r>
-            <a:r>
-              <a:rPr lang="en-US" dirty="0"/>
-              <a:t>4</a:t>
-            </a:r>
-            <a:r>
-              <a:rPr lang="en-US" dirty="0" smtClean="0"/>
-              <a:t>]])</a:t>
-            </a:r>
-          </a:p>
-        </p:txBody>
-      </p:sp>
-      <p:sp>
-        <p:nvSpPr>
-          <p:cNvPr id="2" name="Date Placeholder 1"/>
-          <p:cNvSpPr>
-            <a:spLocks noGrp="1"/>
-          </p:cNvSpPr>
-          <p:nvPr>
-            <p:ph type="dt" sz="half" idx="14"/>
-          </p:nvPr>
-        </p:nvSpPr>
-        <p:spPr>
-          <a:xfrm>
-            <a:off x="7416801" y="4155928"/>
-            <a:ext cx="1547813" cy="467268"/>
-          </a:xfrm>
-        </p:spPr>
-        <p:txBody>
-          <a:bodyPr/>
-          <a:lstStyle/>
-          <a:p>
-            <a:r>
-              <a:rPr lang="en-US" dirty="0" smtClean="0"/>
-              <a:t>Pascal Jung,</a:t>
-            </a:r>
-          </a:p>
-          <a:p>
-            <a:r>
-              <a:rPr lang="en-US" dirty="0" smtClean="0"/>
-              <a:t>Jaqueline </a:t>
-            </a:r>
-            <a:r>
-              <a:rPr lang="en-US" dirty="0" err="1" smtClean="0"/>
-              <a:t>Pollak</a:t>
-            </a:r>
-            <a:endParaRPr lang="en-US" dirty="0"/>
-          </a:p>
-        </p:txBody>
-      </p:sp>
-      <p:sp>
-        <p:nvSpPr>
-          <p:cNvPr id="3" name="Footer Placeholder 2"/>
-          <p:cNvSpPr>
-            <a:spLocks noGrp="1"/>
-          </p:cNvSpPr>
-          <p:nvPr>
-            <p:ph type="ftr" sz="quarter" idx="15"/>
-          </p:nvPr>
-        </p:nvSpPr>
-        <p:spPr>
-          <a:xfrm>
-            <a:off x="7416801" y="3562453"/>
-            <a:ext cx="1547813" cy="521465"/>
-          </a:xfrm>
-        </p:spPr>
-        <p:txBody>
-          <a:bodyPr/>
-          <a:lstStyle/>
-          <a:p>
-            <a:r>
-              <a:rPr lang="de-DE" dirty="0"/>
-              <a:t>Data </a:t>
-            </a:r>
-            <a:r>
-              <a:rPr lang="de-DE" dirty="0" err="1"/>
-              <a:t>Profiling</a:t>
-            </a:r>
-            <a:endParaRPr lang="en-US" dirty="0"/>
-          </a:p>
-        </p:txBody>
-      </p:sp>
-      <p:graphicFrame>
-        <p:nvGraphicFramePr>
-          <p:cNvPr id="4" name="Tabelle 3"/>
-          <p:cNvGraphicFramePr>
-            <a:graphicFrameLocks noGrp="1"/>
-          </p:cNvGraphicFramePr>
-          <p:nvPr/>
-        </p:nvGraphicFramePr>
-        <p:xfrm>
-          <a:off x="358775" y="1239838"/>
-          <a:ext cx="3882754" cy="3216289"/>
-        </p:xfrm>
-        <a:graphic>
-          <a:graphicData uri="http://schemas.openxmlformats.org/drawingml/2006/table">
-            <a:tbl>
-              <a:tblPr>
-                <a:tableStyleId>{5C22544A-7EE6-4342-B048-85BDC9FD1C3A}</a:tableStyleId>
-              </a:tblPr>
-              <a:tblGrid>
-                <a:gridCol w="720080"/>
-                <a:gridCol w="864096"/>
-                <a:gridCol w="982223"/>
-                <a:gridCol w="915725"/>
-                <a:gridCol w="400630"/>
-              </a:tblGrid>
-              <a:tr h="403429">
-                <a:tc>
-                  <a:txBody>
-                    <a:bodyPr/>
-                    <a:lstStyle/>
-                    <a:p>
-                      <a:pPr marL="0" algn="ctr" defTabSz="914400" rtl="0" eaLnBrk="1" fontAlgn="b" latinLnBrk="0" hangingPunct="1"/>
-                      <a:r>
-                        <a:rPr lang="en-US" sz="1100" u="none" strike="noStrike" kern="1200" dirty="0" err="1">
-                          <a:effectLst/>
-                        </a:rPr>
-                        <a:t>voter_id</a:t>
-                      </a:r>
-                      <a:endParaRPr lang="en-US" sz="1100" b="1" i="0" u="none" strike="noStrike" kern="1200" dirty="0">
-                        <a:solidFill>
-                          <a:schemeClr val="bg1"/>
-                        </a:solidFill>
-                        <a:effectLst/>
-                        <a:latin typeface="+mn-lt"/>
-                        <a:ea typeface="+mn-ea"/>
-                        <a:cs typeface="+mn-cs"/>
-                      </a:endParaRPr>
-                    </a:p>
-                  </a:txBody>
-                  <a:tcPr marL="9525" marR="9525" marT="9525" marB="0" anchor="ctr"/>
-                </a:tc>
-                <a:tc>
-                  <a:txBody>
-                    <a:bodyPr/>
-                    <a:lstStyle/>
-                    <a:p>
-                      <a:pPr algn="ctr" fontAlgn="b"/>
-                      <a:r>
-                        <a:rPr lang="en-US" sz="1100" u="none" strike="noStrike" dirty="0" err="1">
-                          <a:effectLst/>
-                        </a:rPr>
-                        <a:t>first_name</a:t>
-                      </a:r>
-                      <a:endParaRPr lang="en-US" sz="1100" b="0" i="0" u="none" strike="noStrike" dirty="0">
-                        <a:solidFill>
-                          <a:srgbClr val="000000"/>
-                        </a:solidFill>
-                        <a:effectLst/>
-                        <a:latin typeface="+mn-lt"/>
-                      </a:endParaRPr>
-                    </a:p>
-                  </a:txBody>
-                  <a:tcPr marL="9525" marR="9525" marT="9525" marB="0" anchor="ctr"/>
-                </a:tc>
-                <a:tc>
-                  <a:txBody>
-                    <a:bodyPr/>
-                    <a:lstStyle/>
-                    <a:p>
-                      <a:pPr algn="ctr" fontAlgn="b"/>
-                      <a:r>
-                        <a:rPr lang="en-US" sz="1100" u="none" strike="noStrike">
-                          <a:effectLst/>
-                        </a:rPr>
-                        <a:t>middle_name</a:t>
-                      </a:r>
-                      <a:endParaRPr lang="en-US" sz="1100" b="0" i="0" u="none" strike="noStrike">
-                        <a:solidFill>
-                          <a:srgbClr val="000000"/>
-                        </a:solidFill>
-                        <a:effectLst/>
-                        <a:latin typeface="+mn-lt"/>
-                      </a:endParaRPr>
-                    </a:p>
-                  </a:txBody>
-                  <a:tcPr marL="9525" marR="9525" marT="9525" marB="0" anchor="ctr"/>
-                </a:tc>
-                <a:tc>
-                  <a:txBody>
-                    <a:bodyPr/>
-                    <a:lstStyle/>
-                    <a:p>
-                      <a:pPr algn="ctr" fontAlgn="b"/>
-                      <a:r>
-                        <a:rPr lang="en-US" sz="1100" u="none" strike="noStrike">
-                          <a:effectLst/>
-                        </a:rPr>
-                        <a:t>last_name</a:t>
-                      </a:r>
-                      <a:endParaRPr lang="en-US" sz="1100" b="0" i="0" u="none" strike="noStrike">
-                        <a:solidFill>
-                          <a:srgbClr val="000000"/>
-                        </a:solidFill>
-                        <a:effectLst/>
-                        <a:latin typeface="+mn-lt"/>
-                      </a:endParaRPr>
-                    </a:p>
-                  </a:txBody>
-                  <a:tcPr marL="9525" marR="9525" marT="9525" marB="0" anchor="ctr"/>
-                </a:tc>
-                <a:tc>
-                  <a:txBody>
-                    <a:bodyPr/>
-                    <a:lstStyle/>
-                    <a:p>
-                      <a:pPr algn="ctr" fontAlgn="b"/>
-                      <a:r>
-                        <a:rPr lang="en-US" sz="1100" u="none" strike="noStrike">
-                          <a:effectLst/>
-                        </a:rPr>
-                        <a:t>age</a:t>
-                      </a:r>
-                      <a:endParaRPr lang="en-US" sz="1100" b="0" i="0" u="none" strike="noStrike">
-                        <a:solidFill>
-                          <a:srgbClr val="000000"/>
-                        </a:solidFill>
-                        <a:effectLst/>
-                        <a:latin typeface="+mn-lt"/>
-                      </a:endParaRPr>
-                    </a:p>
-                  </a:txBody>
-                  <a:tcPr marL="9525" marR="9525" marT="9525" marB="0" anchor="ctr"/>
-                </a:tc>
-              </a:tr>
-              <a:tr h="403429">
-                <a:tc>
-                  <a:txBody>
-                    <a:bodyPr/>
-                    <a:lstStyle/>
-                    <a:p>
-                      <a:pPr marL="0" algn="ctr" defTabSz="914400" rtl="0" eaLnBrk="1" fontAlgn="b" latinLnBrk="0" hangingPunct="1"/>
-                      <a:r>
-                        <a:rPr lang="en-US" sz="1100" u="none" strike="noStrike" kern="1200" dirty="0">
-                          <a:effectLst/>
-                        </a:rPr>
-                        <a:t>7</a:t>
-                      </a:r>
-                      <a:endParaRPr lang="en-US" sz="1100" b="1" i="0" u="none" strike="noStrike" kern="1200" dirty="0">
-                        <a:solidFill>
-                          <a:schemeClr val="bg1"/>
-                        </a:solidFill>
-                        <a:effectLst/>
-                        <a:latin typeface="+mn-lt"/>
-                        <a:ea typeface="+mn-ea"/>
-                        <a:cs typeface="+mn-cs"/>
-                      </a:endParaRPr>
-                    </a:p>
-                  </a:txBody>
-                  <a:tcPr marL="9525" marR="9525" marT="9525" marB="0" anchor="ctr"/>
-                </a:tc>
-                <a:tc>
-                  <a:txBody>
-                    <a:bodyPr/>
-                    <a:lstStyle/>
-                    <a:p>
-                      <a:pPr algn="ctr" fontAlgn="b"/>
-                      <a:r>
-                        <a:rPr lang="en-US" sz="1100" u="none" strike="noStrike" dirty="0" err="1">
-                          <a:effectLst/>
-                        </a:rPr>
-                        <a:t>adrienne</a:t>
-                      </a:r>
-                      <a:endParaRPr lang="en-US" sz="1100" b="0" i="0" u="none" strike="noStrike" dirty="0">
-                        <a:solidFill>
-                          <a:srgbClr val="000000"/>
-                        </a:solidFill>
-                        <a:effectLst/>
-                        <a:latin typeface="+mn-lt"/>
-                      </a:endParaRPr>
-                    </a:p>
-                  </a:txBody>
-                  <a:tcPr marL="9525" marR="9525" marT="9525" marB="0" anchor="ctr"/>
-                </a:tc>
-                <a:tc>
-                  <a:txBody>
-                    <a:bodyPr/>
-                    <a:lstStyle/>
-                    <a:p>
-                      <a:pPr algn="ctr" fontAlgn="b"/>
-                      <a:r>
-                        <a:rPr lang="en-US" sz="1100" u="none" strike="noStrike">
-                          <a:effectLst/>
-                        </a:rPr>
-                        <a:t>christine</a:t>
-                      </a:r>
-                      <a:endParaRPr lang="en-US" sz="1100" b="0" i="0" u="none" strike="noStrike">
-                        <a:solidFill>
-                          <a:srgbClr val="000000"/>
-                        </a:solidFill>
-                        <a:effectLst/>
-                        <a:latin typeface="+mn-lt"/>
-                      </a:endParaRPr>
-                    </a:p>
-                  </a:txBody>
-                  <a:tcPr marL="9525" marR="9525" marT="9525" marB="0" anchor="ctr"/>
-                </a:tc>
-                <a:tc>
-                  <a:txBody>
-                    <a:bodyPr/>
-                    <a:lstStyle/>
-                    <a:p>
-                      <a:pPr algn="ctr" fontAlgn="b"/>
-                      <a:r>
-                        <a:rPr lang="en-US" sz="1100" u="none" strike="noStrike">
-                          <a:effectLst/>
-                        </a:rPr>
-                        <a:t>franks</a:t>
-                      </a:r>
-                      <a:endParaRPr lang="en-US" sz="1100" b="0" i="0" u="none" strike="noStrike">
-                        <a:solidFill>
-                          <a:srgbClr val="000000"/>
-                        </a:solidFill>
-                        <a:effectLst/>
-                        <a:latin typeface="+mn-lt"/>
-                      </a:endParaRPr>
-                    </a:p>
-                  </a:txBody>
-                  <a:tcPr marL="9525" marR="9525" marT="9525" marB="0" anchor="ctr"/>
-                </a:tc>
-                <a:tc>
-                  <a:txBody>
-                    <a:bodyPr/>
-                    <a:lstStyle/>
-                    <a:p>
-                      <a:pPr algn="ctr" fontAlgn="b"/>
-                      <a:r>
-                        <a:rPr lang="en-US" sz="1100" u="none" strike="noStrike">
-                          <a:effectLst/>
-                        </a:rPr>
-                        <a:t>73</a:t>
-                      </a:r>
-                      <a:endParaRPr lang="en-US" sz="1100" b="0" i="0" u="none" strike="noStrike">
-                        <a:solidFill>
-                          <a:srgbClr val="000000"/>
-                        </a:solidFill>
-                        <a:effectLst/>
-                        <a:latin typeface="+mn-lt"/>
-                      </a:endParaRPr>
-                    </a:p>
-                  </a:txBody>
-                  <a:tcPr marL="9525" marR="9525" marT="9525" marB="0" anchor="ctr"/>
-                </a:tc>
-              </a:tr>
-              <a:tr h="403429">
-                <a:tc>
-                  <a:txBody>
-                    <a:bodyPr/>
-                    <a:lstStyle/>
-                    <a:p>
-                      <a:pPr marL="0" algn="ctr" defTabSz="914400" rtl="0" eaLnBrk="1" fontAlgn="b" latinLnBrk="0" hangingPunct="1"/>
-                      <a:r>
-                        <a:rPr lang="en-US" sz="1100" u="none" strike="noStrike" kern="1200" dirty="0">
-                          <a:effectLst/>
-                        </a:rPr>
-                        <a:t>20</a:t>
-                      </a:r>
-                      <a:endParaRPr lang="en-US" sz="1100" b="1" i="0" u="none" strike="noStrike" kern="1200" dirty="0">
-                        <a:solidFill>
-                          <a:schemeClr val="bg1"/>
-                        </a:solidFill>
-                        <a:effectLst/>
-                        <a:latin typeface="+mn-lt"/>
-                        <a:ea typeface="+mn-ea"/>
-                        <a:cs typeface="+mn-cs"/>
-                      </a:endParaRPr>
-                    </a:p>
-                  </a:txBody>
-                  <a:tcPr marL="9525" marR="9525" marT="9525" marB="0" anchor="ctr"/>
-                </a:tc>
-                <a:tc>
-                  <a:txBody>
-                    <a:bodyPr/>
-                    <a:lstStyle/>
-                    <a:p>
-                      <a:pPr algn="ctr" fontAlgn="b"/>
-                      <a:r>
-                        <a:rPr lang="en-US" sz="1100" u="none" strike="noStrike" dirty="0" err="1">
-                          <a:effectLst/>
-                        </a:rPr>
-                        <a:t>alton</a:t>
-                      </a:r>
-                      <a:endParaRPr lang="en-US" sz="1100" b="0" i="0" u="none" strike="noStrike" dirty="0">
-                        <a:solidFill>
-                          <a:srgbClr val="000000"/>
-                        </a:solidFill>
-                        <a:effectLst/>
-                        <a:latin typeface="+mn-lt"/>
-                      </a:endParaRPr>
-                    </a:p>
-                  </a:txBody>
-                  <a:tcPr marL="9525" marR="9525" marT="9525" marB="0" anchor="ctr"/>
-                </a:tc>
-                <a:tc>
-                  <a:txBody>
-                    <a:bodyPr/>
-                    <a:lstStyle/>
-                    <a:p>
-                      <a:pPr algn="ctr" fontAlgn="b"/>
-                      <a:endParaRPr lang="en-US" sz="1100" b="0" i="0" u="none" strike="noStrike">
-                        <a:solidFill>
-                          <a:srgbClr val="000000"/>
-                        </a:solidFill>
-                        <a:effectLst/>
-                        <a:latin typeface="+mn-lt"/>
-                      </a:endParaRPr>
-                    </a:p>
-                  </a:txBody>
-                  <a:tcPr marL="9525" marR="9525" marT="9525" marB="0" anchor="ctr"/>
-                </a:tc>
-                <a:tc>
-                  <a:txBody>
-                    <a:bodyPr/>
-                    <a:lstStyle/>
-                    <a:p>
-                      <a:pPr algn="ctr" fontAlgn="b"/>
-                      <a:r>
-                        <a:rPr lang="en-US" sz="1100" u="none" strike="noStrike">
-                          <a:effectLst/>
-                        </a:rPr>
-                        <a:t>squire</a:t>
-                      </a:r>
-                      <a:endParaRPr lang="en-US" sz="1100" b="0" i="0" u="none" strike="noStrike">
-                        <a:solidFill>
-                          <a:srgbClr val="000000"/>
-                        </a:solidFill>
-                        <a:effectLst/>
-                        <a:latin typeface="+mn-lt"/>
-                      </a:endParaRPr>
-                    </a:p>
-                  </a:txBody>
-                  <a:tcPr marL="9525" marR="9525" marT="9525" marB="0" anchor="ctr"/>
-                </a:tc>
-                <a:tc>
-                  <a:txBody>
-                    <a:bodyPr/>
-                    <a:lstStyle/>
-                    <a:p>
-                      <a:pPr algn="ctr" fontAlgn="b"/>
-                      <a:r>
-                        <a:rPr lang="en-US" sz="1100" u="none" strike="noStrike">
-                          <a:effectLst/>
-                        </a:rPr>
-                        <a:t>49</a:t>
-                      </a:r>
-                      <a:endParaRPr lang="en-US" sz="1100" b="0" i="0" u="none" strike="noStrike">
-                        <a:solidFill>
-                          <a:srgbClr val="000000"/>
-                        </a:solidFill>
-                        <a:effectLst/>
-                        <a:latin typeface="+mn-lt"/>
-                      </a:endParaRPr>
-                    </a:p>
-                  </a:txBody>
-                  <a:tcPr marL="9525" marR="9525" marT="9525" marB="0" anchor="ctr"/>
-                </a:tc>
-              </a:tr>
-              <a:tr h="599572">
-                <a:tc>
-                  <a:txBody>
-                    <a:bodyPr/>
-                    <a:lstStyle/>
-                    <a:p>
-                      <a:pPr marL="0" algn="ctr" defTabSz="914400" rtl="0" eaLnBrk="1" fontAlgn="b" latinLnBrk="0" hangingPunct="1"/>
-                      <a:r>
-                        <a:rPr lang="en-US" sz="1100" u="none" strike="noStrike" kern="1200" dirty="0">
-                          <a:effectLst/>
-                        </a:rPr>
-                        <a:t>48</a:t>
-                      </a:r>
-                      <a:endParaRPr lang="en-US" sz="1100" b="1" i="0" u="none" strike="noStrike" kern="1200" dirty="0">
-                        <a:solidFill>
-                          <a:schemeClr val="bg1"/>
-                        </a:solidFill>
-                        <a:effectLst/>
-                        <a:latin typeface="+mn-lt"/>
-                        <a:ea typeface="+mn-ea"/>
-                        <a:cs typeface="+mn-cs"/>
-                      </a:endParaRPr>
-                    </a:p>
-                  </a:txBody>
-                  <a:tcPr marL="9525" marR="9525" marT="9525" marB="0" anchor="ctr"/>
-                </a:tc>
-                <a:tc>
-                  <a:txBody>
-                    <a:bodyPr/>
-                    <a:lstStyle/>
-                    <a:p>
-                      <a:pPr algn="ctr" fontAlgn="b"/>
-                      <a:r>
-                        <a:rPr lang="en-US" sz="1100" u="none" strike="noStrike" dirty="0" err="1">
-                          <a:effectLst/>
-                        </a:rPr>
-                        <a:t>addie</a:t>
-                      </a:r>
-                      <a:endParaRPr lang="en-US" sz="1100" b="0" i="0" u="none" strike="noStrike" dirty="0">
-                        <a:solidFill>
-                          <a:srgbClr val="000000"/>
-                        </a:solidFill>
-                        <a:effectLst/>
-                        <a:latin typeface="+mn-lt"/>
-                      </a:endParaRPr>
-                    </a:p>
-                  </a:txBody>
-                  <a:tcPr marL="9525" marR="9525" marT="9525" marB="0" anchor="ctr"/>
-                </a:tc>
-                <a:tc>
-                  <a:txBody>
-                    <a:bodyPr/>
-                    <a:lstStyle/>
-                    <a:p>
-                      <a:pPr algn="ctr" fontAlgn="b"/>
-                      <a:r>
-                        <a:rPr lang="en-US" sz="1100" u="none" strike="noStrike" dirty="0" err="1">
-                          <a:effectLst/>
-                        </a:rPr>
-                        <a:t>hoggard</a:t>
-                      </a:r>
-                      <a:r>
-                        <a:rPr lang="en-US" sz="1100" u="none" strike="noStrike" dirty="0">
-                          <a:effectLst/>
-                        </a:rPr>
-                        <a:t>  </a:t>
-                      </a:r>
-                      <a:endParaRPr lang="en-US" sz="1100" b="0" i="0" u="none" strike="noStrike" dirty="0">
-                        <a:solidFill>
-                          <a:srgbClr val="000000"/>
-                        </a:solidFill>
-                        <a:effectLst/>
-                        <a:latin typeface="+mn-lt"/>
-                      </a:endParaRPr>
-                    </a:p>
-                  </a:txBody>
-                  <a:tcPr marL="9525" marR="9525" marT="9525" marB="0" anchor="ctr"/>
-                </a:tc>
-                <a:tc>
-                  <a:txBody>
-                    <a:bodyPr/>
-                    <a:lstStyle/>
-                    <a:p>
-                      <a:pPr algn="ctr" fontAlgn="b"/>
-                      <a:r>
-                        <a:rPr lang="en-US" sz="1100" u="none" strike="noStrike">
-                          <a:effectLst/>
-                        </a:rPr>
-                        <a:t>parrish</a:t>
-                      </a:r>
-                      <a:endParaRPr lang="en-US" sz="1100" b="0" i="0" u="none" strike="noStrike">
-                        <a:solidFill>
-                          <a:srgbClr val="000000"/>
-                        </a:solidFill>
-                        <a:effectLst/>
-                        <a:latin typeface="+mn-lt"/>
-                      </a:endParaRPr>
-                    </a:p>
-                  </a:txBody>
-                  <a:tcPr marL="9525" marR="9525" marT="9525" marB="0" anchor="ctr"/>
-                </a:tc>
-                <a:tc>
-                  <a:txBody>
-                    <a:bodyPr/>
-                    <a:lstStyle/>
-                    <a:p>
-                      <a:pPr algn="ctr" fontAlgn="b"/>
-                      <a:r>
-                        <a:rPr lang="en-US" sz="1100" u="none" strike="noStrike">
-                          <a:effectLst/>
-                        </a:rPr>
-                        <a:t>54</a:t>
-                      </a:r>
-                      <a:endParaRPr lang="en-US" sz="1100" b="0" i="0" u="none" strike="noStrike">
-                        <a:solidFill>
-                          <a:srgbClr val="000000"/>
-                        </a:solidFill>
-                        <a:effectLst/>
-                        <a:latin typeface="+mn-lt"/>
-                      </a:endParaRPr>
-                    </a:p>
-                  </a:txBody>
-                  <a:tcPr marL="9525" marR="9525" marT="9525" marB="0" anchor="ctr"/>
-                </a:tc>
-              </a:tr>
-              <a:tr h="403429">
-                <a:tc>
-                  <a:txBody>
-                    <a:bodyPr/>
-                    <a:lstStyle/>
-                    <a:p>
-                      <a:pPr marL="0" algn="ctr" defTabSz="914400" rtl="0" eaLnBrk="1" fontAlgn="b" latinLnBrk="0" hangingPunct="1"/>
-                      <a:r>
-                        <a:rPr lang="en-US" sz="1100" u="none" strike="noStrike" kern="1200" dirty="0">
-                          <a:effectLst/>
-                        </a:rPr>
-                        <a:t>546</a:t>
-                      </a:r>
-                      <a:endParaRPr lang="en-US" sz="1100" b="1" i="0" u="none" strike="noStrike" kern="1200" dirty="0">
-                        <a:solidFill>
-                          <a:schemeClr val="bg1"/>
-                        </a:solidFill>
-                        <a:effectLst/>
-                        <a:latin typeface="+mn-lt"/>
-                        <a:ea typeface="+mn-ea"/>
-                        <a:cs typeface="+mn-cs"/>
-                      </a:endParaRPr>
-                    </a:p>
-                  </a:txBody>
-                  <a:tcPr marL="9525" marR="9525" marT="9525" marB="0" anchor="ctr"/>
-                </a:tc>
-                <a:tc>
-                  <a:txBody>
-                    <a:bodyPr/>
-                    <a:lstStyle/>
-                    <a:p>
-                      <a:pPr algn="ctr" fontAlgn="b"/>
-                      <a:r>
-                        <a:rPr lang="en-US" sz="1100" u="none" strike="noStrike" dirty="0">
-                          <a:effectLst/>
-                        </a:rPr>
-                        <a:t>albert</a:t>
-                      </a:r>
-                      <a:endParaRPr lang="en-US" sz="1100" b="0" i="0" u="none" strike="noStrike" dirty="0">
-                        <a:solidFill>
-                          <a:srgbClr val="000000"/>
-                        </a:solidFill>
-                        <a:effectLst/>
-                        <a:latin typeface="+mn-lt"/>
-                      </a:endParaRPr>
-                    </a:p>
-                  </a:txBody>
-                  <a:tcPr marL="9525" marR="9525" marT="9525" marB="0" anchor="ctr"/>
-                </a:tc>
-                <a:tc>
-                  <a:txBody>
-                    <a:bodyPr/>
-                    <a:lstStyle/>
-                    <a:p>
-                      <a:pPr algn="ctr" fontAlgn="b"/>
-                      <a:endParaRPr lang="en-US" sz="1100" b="0" i="0" u="none" strike="noStrike" dirty="0">
-                        <a:solidFill>
-                          <a:srgbClr val="000000"/>
-                        </a:solidFill>
-                        <a:effectLst/>
-                        <a:latin typeface="+mn-lt"/>
-                      </a:endParaRPr>
-                    </a:p>
-                  </a:txBody>
-                  <a:tcPr marL="9525" marR="9525" marT="9525" marB="0" anchor="ctr"/>
-                </a:tc>
-                <a:tc>
-                  <a:txBody>
-                    <a:bodyPr/>
-                    <a:lstStyle/>
-                    <a:p>
-                      <a:pPr algn="ctr" fontAlgn="b"/>
-                      <a:r>
-                        <a:rPr lang="en-US" sz="1100" u="none" strike="noStrike">
-                          <a:effectLst/>
-                        </a:rPr>
-                        <a:t>squire</a:t>
-                      </a:r>
-                      <a:endParaRPr lang="en-US" sz="1100" b="0" i="0" u="none" strike="noStrike">
-                        <a:solidFill>
-                          <a:srgbClr val="000000"/>
-                        </a:solidFill>
-                        <a:effectLst/>
-                        <a:latin typeface="+mn-lt"/>
-                      </a:endParaRPr>
-                    </a:p>
-                  </a:txBody>
-                  <a:tcPr marL="9525" marR="9525" marT="9525" marB="0" anchor="ctr"/>
-                </a:tc>
-                <a:tc>
-                  <a:txBody>
-                    <a:bodyPr/>
-                    <a:lstStyle/>
-                    <a:p>
-                      <a:pPr algn="ctr" fontAlgn="b"/>
-                      <a:r>
-                        <a:rPr lang="en-US" sz="1100" u="none" strike="noStrike">
-                          <a:effectLst/>
-                        </a:rPr>
-                        <a:t>54</a:t>
-                      </a:r>
-                      <a:endParaRPr lang="en-US" sz="1100" b="0" i="0" u="none" strike="noStrike">
-                        <a:solidFill>
-                          <a:srgbClr val="000000"/>
-                        </a:solidFill>
-                        <a:effectLst/>
-                        <a:latin typeface="+mn-lt"/>
-                      </a:endParaRPr>
-                    </a:p>
-                  </a:txBody>
-                  <a:tcPr marL="9525" marR="9525" marT="9525" marB="0" anchor="ctr"/>
-                </a:tc>
-              </a:tr>
-              <a:tr h="599572">
-                <a:tc>
-                  <a:txBody>
-                    <a:bodyPr/>
-                    <a:lstStyle/>
-                    <a:p>
-                      <a:pPr marL="0" algn="ctr" defTabSz="914400" rtl="0" eaLnBrk="1" fontAlgn="b" latinLnBrk="0" hangingPunct="1"/>
-                      <a:r>
-                        <a:rPr lang="en-US" sz="1100" u="none" strike="noStrike" kern="1200" dirty="0">
-                          <a:effectLst/>
-                        </a:rPr>
-                        <a:t>668</a:t>
-                      </a:r>
-                      <a:endParaRPr lang="en-US" sz="1100" b="1" i="0" u="none" strike="noStrike" kern="1200" dirty="0">
-                        <a:solidFill>
-                          <a:schemeClr val="bg1"/>
-                        </a:solidFill>
-                        <a:effectLst/>
-                        <a:latin typeface="+mn-lt"/>
-                        <a:ea typeface="+mn-ea"/>
-                        <a:cs typeface="+mn-cs"/>
-                      </a:endParaRPr>
-                    </a:p>
-                  </a:txBody>
-                  <a:tcPr marL="9525" marR="9525" marT="9525" marB="0" anchor="ctr"/>
-                </a:tc>
-                <a:tc>
-                  <a:txBody>
-                    <a:bodyPr/>
-                    <a:lstStyle/>
-                    <a:p>
-                      <a:pPr algn="ctr" fontAlgn="b"/>
-                      <a:r>
-                        <a:rPr lang="en-US" sz="1100" u="none" strike="noStrike" dirty="0" err="1">
-                          <a:effectLst/>
-                        </a:rPr>
-                        <a:t>alton</a:t>
-                      </a:r>
-                      <a:endParaRPr lang="en-US" sz="1100" b="0" i="0" u="none" strike="noStrike" dirty="0">
-                        <a:solidFill>
-                          <a:srgbClr val="000000"/>
-                        </a:solidFill>
-                        <a:effectLst/>
-                        <a:latin typeface="+mn-lt"/>
-                      </a:endParaRPr>
-                    </a:p>
-                  </a:txBody>
-                  <a:tcPr marL="9525" marR="9525" marT="9525" marB="0" anchor="ctr"/>
-                </a:tc>
-                <a:tc>
-                  <a:txBody>
-                    <a:bodyPr/>
-                    <a:lstStyle/>
-                    <a:p>
-                      <a:pPr algn="ctr" fontAlgn="b"/>
-                      <a:endParaRPr lang="en-US" sz="1100" b="0" i="0" u="none" strike="noStrike" dirty="0">
-                        <a:solidFill>
-                          <a:srgbClr val="000000"/>
-                        </a:solidFill>
-                        <a:effectLst/>
-                        <a:latin typeface="+mn-lt"/>
-                      </a:endParaRPr>
-                    </a:p>
-                  </a:txBody>
-                  <a:tcPr marL="9525" marR="9525" marT="9525" marB="0" anchor="ctr"/>
-                </a:tc>
-                <a:tc>
-                  <a:txBody>
-                    <a:bodyPr/>
-                    <a:lstStyle/>
-                    <a:p>
-                      <a:pPr algn="ctr" fontAlgn="b"/>
-                      <a:r>
-                        <a:rPr lang="en-US" sz="1100" u="none" strike="noStrike" dirty="0">
-                          <a:effectLst/>
-                        </a:rPr>
-                        <a:t>smith</a:t>
-                      </a:r>
-                      <a:endParaRPr lang="en-US" sz="1100" b="0" i="0" u="none" strike="noStrike" dirty="0">
-                        <a:solidFill>
-                          <a:srgbClr val="000000"/>
-                        </a:solidFill>
-                        <a:effectLst/>
-                        <a:latin typeface="+mn-lt"/>
-                      </a:endParaRPr>
-                    </a:p>
-                  </a:txBody>
-                  <a:tcPr marL="9525" marR="9525" marT="9525" marB="0" anchor="ctr"/>
-                </a:tc>
-                <a:tc>
-                  <a:txBody>
-                    <a:bodyPr/>
-                    <a:lstStyle/>
-                    <a:p>
-                      <a:pPr algn="ctr" fontAlgn="b"/>
-                      <a:r>
-                        <a:rPr lang="en-US" sz="1100" u="none" strike="noStrike">
-                          <a:effectLst/>
-                        </a:rPr>
-                        <a:t>49</a:t>
-                      </a:r>
-                      <a:endParaRPr lang="en-US" sz="1100" b="0" i="0" u="none" strike="noStrike">
-                        <a:solidFill>
-                          <a:srgbClr val="000000"/>
-                        </a:solidFill>
-                        <a:effectLst/>
-                        <a:latin typeface="+mn-lt"/>
-                      </a:endParaRPr>
-                    </a:p>
-                  </a:txBody>
-                  <a:tcPr marL="9525" marR="9525" marT="9525" marB="0" anchor="ctr"/>
-                </a:tc>
-              </a:tr>
-              <a:tr h="403429">
-                <a:tc>
-                  <a:txBody>
-                    <a:bodyPr/>
-                    <a:lstStyle/>
-                    <a:p>
-                      <a:pPr marL="0" algn="ctr" defTabSz="914400" rtl="0" eaLnBrk="1" fontAlgn="b" latinLnBrk="0" hangingPunct="1"/>
-                      <a:r>
-                        <a:rPr lang="en-US" sz="1100" u="none" strike="noStrike" kern="1200" dirty="0">
-                          <a:effectLst/>
-                        </a:rPr>
-                        <a:t>828</a:t>
-                      </a:r>
-                      <a:endParaRPr lang="en-US" sz="1100" b="1" i="0" u="none" strike="noStrike" kern="1200" dirty="0">
-                        <a:solidFill>
-                          <a:schemeClr val="bg1"/>
-                        </a:solidFill>
-                        <a:effectLst/>
-                        <a:latin typeface="+mn-lt"/>
-                        <a:ea typeface="+mn-ea"/>
-                        <a:cs typeface="+mn-cs"/>
-                      </a:endParaRPr>
-                    </a:p>
-                  </a:txBody>
-                  <a:tcPr marL="9525" marR="9525" marT="9525" marB="0" anchor="ctr"/>
-                </a:tc>
-                <a:tc>
-                  <a:txBody>
-                    <a:bodyPr/>
-                    <a:lstStyle/>
-                    <a:p>
-                      <a:pPr algn="ctr" fontAlgn="b"/>
-                      <a:r>
-                        <a:rPr lang="en-US" sz="1100" u="none" strike="noStrike" dirty="0" err="1">
-                          <a:effectLst/>
-                        </a:rPr>
-                        <a:t>alton</a:t>
-                      </a:r>
-                      <a:endParaRPr lang="en-US" sz="1100" b="0" i="0" u="none" strike="noStrike" dirty="0">
-                        <a:solidFill>
-                          <a:srgbClr val="000000"/>
-                        </a:solidFill>
-                        <a:effectLst/>
-                        <a:latin typeface="+mn-lt"/>
-                      </a:endParaRPr>
-                    </a:p>
-                  </a:txBody>
-                  <a:tcPr marL="9525" marR="9525" marT="9525" marB="0" anchor="ctr"/>
-                </a:tc>
-                <a:tc>
-                  <a:txBody>
-                    <a:bodyPr/>
-                    <a:lstStyle/>
-                    <a:p>
-                      <a:pPr algn="ctr" fontAlgn="b"/>
-                      <a:r>
-                        <a:rPr lang="en-US" sz="1100" u="none" strike="noStrike">
-                          <a:effectLst/>
-                        </a:rPr>
-                        <a:t>threadgill</a:t>
-                      </a:r>
-                      <a:endParaRPr lang="en-US" sz="1100" b="0" i="0" u="none" strike="noStrike">
-                        <a:solidFill>
-                          <a:srgbClr val="000000"/>
-                        </a:solidFill>
-                        <a:effectLst/>
-                        <a:latin typeface="+mn-lt"/>
-                      </a:endParaRPr>
-                    </a:p>
-                  </a:txBody>
-                  <a:tcPr marL="9525" marR="9525" marT="9525" marB="0" anchor="ctr"/>
-                </a:tc>
-                <a:tc>
-                  <a:txBody>
-                    <a:bodyPr/>
-                    <a:lstStyle/>
-                    <a:p>
-                      <a:pPr algn="ctr" fontAlgn="b"/>
-                      <a:r>
-                        <a:rPr lang="en-US" sz="1100" u="none" strike="noStrike" dirty="0">
-                          <a:effectLst/>
-                        </a:rPr>
-                        <a:t>smith</a:t>
-                      </a:r>
-                      <a:endParaRPr lang="en-US" sz="1100" b="0" i="0" u="none" strike="noStrike" dirty="0">
-                        <a:solidFill>
-                          <a:srgbClr val="000000"/>
-                        </a:solidFill>
-                        <a:effectLst/>
-                        <a:latin typeface="+mn-lt"/>
-                      </a:endParaRPr>
-                    </a:p>
-                  </a:txBody>
-                  <a:tcPr marL="9525" marR="9525" marT="9525" marB="0" anchor="ctr"/>
-                </a:tc>
-                <a:tc>
-                  <a:txBody>
-                    <a:bodyPr/>
-                    <a:lstStyle/>
-                    <a:p>
-                      <a:pPr algn="ctr" fontAlgn="b"/>
-                      <a:r>
-                        <a:rPr lang="en-US" sz="1100" u="none" strike="noStrike" dirty="0">
-                          <a:effectLst/>
-                        </a:rPr>
-                        <a:t>65</a:t>
-                      </a:r>
-                      <a:endParaRPr lang="en-US" sz="1100" b="0" i="0" u="none" strike="noStrike" dirty="0">
-                        <a:solidFill>
-                          <a:srgbClr val="000000"/>
-                        </a:solidFill>
-                        <a:effectLst/>
-                        <a:latin typeface="+mn-lt"/>
-                      </a:endParaRPr>
-                    </a:p>
-                  </a:txBody>
-                  <a:tcPr marL="9525" marR="9525" marT="9525" marB="0" anchor="ctr"/>
-                </a:tc>
-              </a:tr>
-            </a:tbl>
-          </a:graphicData>
-        </a:graphic>
-      </p:graphicFrame>
-    </p:spTree>
-    <p:extLst>
-      <p:ext uri="{BB962C8B-B14F-4D97-AF65-F5344CB8AC3E}">
-        <p14:creationId xmlns:p14="http://schemas.microsoft.com/office/powerpoint/2010/main" val="296447717"/>
-      </p:ext>
-    </p:extLst>
-  </p:cSld>
-  <p:clrMapOvr>
-    <a:masterClrMapping/>
-  </p:clrMapOvr>
-  <p:transition>
-    <p:fade/>
-  </p:transition>
-  <p:timing>
-    <p:tnLst>
-      <p:par>
-        <p:cTn id="1" dur="indefinite" restart="never" nodeType="tmRoot"/>
-      </p:par>
-    </p:tnLst>
-  </p:timing>
-</p:sld>
-</file>
-
 <file path=ppt/slides/slide18.xml><?xml version="1.0" encoding="utf-8"?>
 <p:sld xmlns:a="http://schemas.openxmlformats.org/drawingml/2006/main" xmlns:r="http://schemas.openxmlformats.org/officeDocument/2006/relationships" xmlns:p="http://schemas.openxmlformats.org/presentationml/2006/main">
   <p:cSld>
@@ -31940,10 +31328,1103 @@
               <a:rPr lang="en-US" dirty="0" smtClean="0"/>
             </a:br>
             <a:r>
+              <a:rPr lang="en-US" dirty="0" smtClean="0"/>
+              <a:t>Create Position List Index</a:t>
+            </a:r>
+            <a:endParaRPr lang="en-US" dirty="0"/>
+          </a:p>
+        </p:txBody>
+      </p:sp>
+      <p:sp>
+        <p:nvSpPr>
+          <p:cNvPr id="6158" name="Text Placeholder 6157"/>
+          <p:cNvSpPr>
+            <a:spLocks noGrp="1"/>
+          </p:cNvSpPr>
+          <p:nvPr>
+            <p:ph type="body" sz="quarter" idx="13"/>
+          </p:nvPr>
+        </p:nvSpPr>
+        <p:spPr>
+          <a:xfrm>
+            <a:off x="4067944" y="1239837"/>
+            <a:ext cx="3167883" cy="3563937"/>
+          </a:xfrm>
+        </p:spPr>
+        <p:txBody>
+          <a:bodyPr>
+            <a:normAutofit/>
+          </a:bodyPr>
+          <a:lstStyle/>
+          <a:p>
+            <a:pPr lvl="2" indent="0">
+              <a:buNone/>
+            </a:pPr>
+            <a:r>
+              <a:rPr lang="en-US" dirty="0" smtClean="0"/>
+              <a:t>({0},[[]]),</a:t>
+            </a:r>
+          </a:p>
+          <a:p>
+            <a:pPr lvl="2" indent="0">
+              <a:buNone/>
+            </a:pPr>
+            <a:r>
+              <a:rPr lang="en-US" dirty="0" smtClean="0"/>
+              <a:t>({</a:t>
+            </a:r>
+            <a:r>
+              <a:rPr lang="en-US" dirty="0"/>
+              <a:t>1</a:t>
+            </a:r>
+            <a:r>
+              <a:rPr lang="en-US" dirty="0" smtClean="0"/>
+              <a:t>},[[1, 4, 5]]),</a:t>
+            </a:r>
+            <a:endParaRPr lang="en-US" dirty="0"/>
+          </a:p>
+          <a:p>
+            <a:pPr lvl="2" indent="0">
+              <a:buNone/>
+            </a:pPr>
+            <a:r>
+              <a:rPr lang="en-US" dirty="0"/>
+              <a:t>({2</a:t>
+            </a:r>
+            <a:r>
+              <a:rPr lang="en-US" dirty="0" smtClean="0"/>
+              <a:t>},[[1, 3, 4]]),</a:t>
+            </a:r>
+            <a:endParaRPr lang="en-US" dirty="0"/>
+          </a:p>
+          <a:p>
+            <a:pPr lvl="2" indent="0">
+              <a:buNone/>
+            </a:pPr>
+            <a:r>
+              <a:rPr lang="en-US" dirty="0"/>
+              <a:t>({3</a:t>
+            </a:r>
+            <a:r>
+              <a:rPr lang="en-US" dirty="0" smtClean="0"/>
+              <a:t>},[[4, 5], [1, 3]]),</a:t>
+            </a:r>
+            <a:endParaRPr lang="en-US" dirty="0"/>
+          </a:p>
+          <a:p>
+            <a:pPr lvl="2" indent="0">
+              <a:buNone/>
+            </a:pPr>
+            <a:r>
+              <a:rPr lang="en-US" dirty="0"/>
+              <a:t>({4</a:t>
+            </a:r>
+            <a:r>
+              <a:rPr lang="en-US" dirty="0" smtClean="0"/>
+              <a:t>},[[2, 3], [1, </a:t>
+            </a:r>
+            <a:r>
+              <a:rPr lang="en-US" dirty="0"/>
+              <a:t>4</a:t>
+            </a:r>
+            <a:r>
+              <a:rPr lang="en-US" dirty="0" smtClean="0"/>
+              <a:t>]])</a:t>
+            </a:r>
+          </a:p>
+        </p:txBody>
+      </p:sp>
+      <p:sp>
+        <p:nvSpPr>
+          <p:cNvPr id="2" name="Date Placeholder 1"/>
+          <p:cNvSpPr>
+            <a:spLocks noGrp="1"/>
+          </p:cNvSpPr>
+          <p:nvPr>
+            <p:ph type="dt" sz="half" idx="14"/>
+          </p:nvPr>
+        </p:nvSpPr>
+        <p:spPr>
+          <a:xfrm>
+            <a:off x="7416801" y="4155928"/>
+            <a:ext cx="1547813" cy="467268"/>
+          </a:xfrm>
+        </p:spPr>
+        <p:txBody>
+          <a:bodyPr/>
+          <a:lstStyle/>
+          <a:p>
+            <a:r>
+              <a:rPr lang="en-US" dirty="0" smtClean="0"/>
+              <a:t>Pascal Jung,</a:t>
+            </a:r>
+          </a:p>
+          <a:p>
+            <a:r>
+              <a:rPr lang="en-US" dirty="0" smtClean="0"/>
+              <a:t>Jaqueline </a:t>
+            </a:r>
+            <a:r>
+              <a:rPr lang="en-US" dirty="0" err="1" smtClean="0"/>
+              <a:t>Pollak</a:t>
+            </a:r>
+            <a:endParaRPr lang="en-US" dirty="0"/>
+          </a:p>
+        </p:txBody>
+      </p:sp>
+      <p:sp>
+        <p:nvSpPr>
+          <p:cNvPr id="3" name="Footer Placeholder 2"/>
+          <p:cNvSpPr>
+            <a:spLocks noGrp="1"/>
+          </p:cNvSpPr>
+          <p:nvPr>
+            <p:ph type="ftr" sz="quarter" idx="15"/>
+          </p:nvPr>
+        </p:nvSpPr>
+        <p:spPr>
+          <a:xfrm>
+            <a:off x="7416801" y="3562453"/>
+            <a:ext cx="1547813" cy="521465"/>
+          </a:xfrm>
+        </p:spPr>
+        <p:txBody>
+          <a:bodyPr/>
+          <a:lstStyle/>
+          <a:p>
+            <a:r>
+              <a:rPr lang="de-DE" dirty="0"/>
+              <a:t>Data </a:t>
+            </a:r>
+            <a:r>
+              <a:rPr lang="de-DE" dirty="0" err="1"/>
+              <a:t>Profiling</a:t>
+            </a:r>
+            <a:endParaRPr lang="en-US" dirty="0"/>
+          </a:p>
+        </p:txBody>
+      </p:sp>
+      <p:graphicFrame>
+        <p:nvGraphicFramePr>
+          <p:cNvPr id="4" name="Tabelle 3"/>
+          <p:cNvGraphicFramePr>
+            <a:graphicFrameLocks noGrp="1"/>
+          </p:cNvGraphicFramePr>
+          <p:nvPr/>
+        </p:nvGraphicFramePr>
+        <p:xfrm>
+          <a:off x="358775" y="1239838"/>
+          <a:ext cx="3882754" cy="3216289"/>
+        </p:xfrm>
+        <a:graphic>
+          <a:graphicData uri="http://schemas.openxmlformats.org/drawingml/2006/table">
+            <a:tbl>
+              <a:tblPr>
+                <a:tableStyleId>{5C22544A-7EE6-4342-B048-85BDC9FD1C3A}</a:tableStyleId>
+              </a:tblPr>
+              <a:tblGrid>
+                <a:gridCol w="720080"/>
+                <a:gridCol w="864096"/>
+                <a:gridCol w="982223"/>
+                <a:gridCol w="915725"/>
+                <a:gridCol w="400630"/>
+              </a:tblGrid>
+              <a:tr h="403429">
+                <a:tc>
+                  <a:txBody>
+                    <a:bodyPr/>
+                    <a:lstStyle/>
+                    <a:p>
+                      <a:pPr marL="0" algn="ctr" defTabSz="914400" rtl="0" eaLnBrk="1" fontAlgn="b" latinLnBrk="0" hangingPunct="1"/>
+                      <a:r>
+                        <a:rPr lang="en-US" sz="1100" u="none" strike="noStrike" kern="1200" dirty="0" err="1">
+                          <a:effectLst/>
+                        </a:rPr>
+                        <a:t>voter_id</a:t>
+                      </a:r>
+                      <a:endParaRPr lang="en-US" sz="1100" b="1" i="0" u="none" strike="noStrike" kern="1200" dirty="0">
+                        <a:solidFill>
+                          <a:schemeClr val="bg1"/>
+                        </a:solidFill>
+                        <a:effectLst/>
+                        <a:latin typeface="+mn-lt"/>
+                        <a:ea typeface="+mn-ea"/>
+                        <a:cs typeface="+mn-cs"/>
+                      </a:endParaRPr>
+                    </a:p>
+                  </a:txBody>
+                  <a:tcPr marL="9525" marR="9525" marT="9525" marB="0" anchor="ctr"/>
+                </a:tc>
+                <a:tc>
+                  <a:txBody>
+                    <a:bodyPr/>
+                    <a:lstStyle/>
+                    <a:p>
+                      <a:pPr algn="ctr" fontAlgn="b"/>
+                      <a:r>
+                        <a:rPr lang="en-US" sz="1100" u="none" strike="noStrike" dirty="0" err="1">
+                          <a:effectLst/>
+                        </a:rPr>
+                        <a:t>first_name</a:t>
+                      </a:r>
+                      <a:endParaRPr lang="en-US" sz="1100" b="0" i="0" u="none" strike="noStrike" dirty="0">
+                        <a:solidFill>
+                          <a:srgbClr val="000000"/>
+                        </a:solidFill>
+                        <a:effectLst/>
+                        <a:latin typeface="+mn-lt"/>
+                      </a:endParaRPr>
+                    </a:p>
+                  </a:txBody>
+                  <a:tcPr marL="9525" marR="9525" marT="9525" marB="0" anchor="ctr"/>
+                </a:tc>
+                <a:tc>
+                  <a:txBody>
+                    <a:bodyPr/>
+                    <a:lstStyle/>
+                    <a:p>
+                      <a:pPr algn="ctr" fontAlgn="b"/>
+                      <a:r>
+                        <a:rPr lang="en-US" sz="1100" u="none" strike="noStrike">
+                          <a:effectLst/>
+                        </a:rPr>
+                        <a:t>middle_name</a:t>
+                      </a:r>
+                      <a:endParaRPr lang="en-US" sz="1100" b="0" i="0" u="none" strike="noStrike">
+                        <a:solidFill>
+                          <a:srgbClr val="000000"/>
+                        </a:solidFill>
+                        <a:effectLst/>
+                        <a:latin typeface="+mn-lt"/>
+                      </a:endParaRPr>
+                    </a:p>
+                  </a:txBody>
+                  <a:tcPr marL="9525" marR="9525" marT="9525" marB="0" anchor="ctr"/>
+                </a:tc>
+                <a:tc>
+                  <a:txBody>
+                    <a:bodyPr/>
+                    <a:lstStyle/>
+                    <a:p>
+                      <a:pPr algn="ctr" fontAlgn="b"/>
+                      <a:r>
+                        <a:rPr lang="en-US" sz="1100" u="none" strike="noStrike">
+                          <a:effectLst/>
+                        </a:rPr>
+                        <a:t>last_name</a:t>
+                      </a:r>
+                      <a:endParaRPr lang="en-US" sz="1100" b="0" i="0" u="none" strike="noStrike">
+                        <a:solidFill>
+                          <a:srgbClr val="000000"/>
+                        </a:solidFill>
+                        <a:effectLst/>
+                        <a:latin typeface="+mn-lt"/>
+                      </a:endParaRPr>
+                    </a:p>
+                  </a:txBody>
+                  <a:tcPr marL="9525" marR="9525" marT="9525" marB="0" anchor="ctr"/>
+                </a:tc>
+                <a:tc>
+                  <a:txBody>
+                    <a:bodyPr/>
+                    <a:lstStyle/>
+                    <a:p>
+                      <a:pPr algn="ctr" fontAlgn="b"/>
+                      <a:r>
+                        <a:rPr lang="en-US" sz="1100" u="none" strike="noStrike">
+                          <a:effectLst/>
+                        </a:rPr>
+                        <a:t>age</a:t>
+                      </a:r>
+                      <a:endParaRPr lang="en-US" sz="1100" b="0" i="0" u="none" strike="noStrike">
+                        <a:solidFill>
+                          <a:srgbClr val="000000"/>
+                        </a:solidFill>
+                        <a:effectLst/>
+                        <a:latin typeface="+mn-lt"/>
+                      </a:endParaRPr>
+                    </a:p>
+                  </a:txBody>
+                  <a:tcPr marL="9525" marR="9525" marT="9525" marB="0" anchor="ctr"/>
+                </a:tc>
+              </a:tr>
+              <a:tr h="403429">
+                <a:tc>
+                  <a:txBody>
+                    <a:bodyPr/>
+                    <a:lstStyle/>
+                    <a:p>
+                      <a:pPr marL="0" algn="ctr" defTabSz="914400" rtl="0" eaLnBrk="1" fontAlgn="b" latinLnBrk="0" hangingPunct="1"/>
+                      <a:r>
+                        <a:rPr lang="en-US" sz="1100" u="none" strike="noStrike" kern="1200" dirty="0">
+                          <a:effectLst/>
+                        </a:rPr>
+                        <a:t>7</a:t>
+                      </a:r>
+                      <a:endParaRPr lang="en-US" sz="1100" b="1" i="0" u="none" strike="noStrike" kern="1200" dirty="0">
+                        <a:solidFill>
+                          <a:schemeClr val="bg1"/>
+                        </a:solidFill>
+                        <a:effectLst/>
+                        <a:latin typeface="+mn-lt"/>
+                        <a:ea typeface="+mn-ea"/>
+                        <a:cs typeface="+mn-cs"/>
+                      </a:endParaRPr>
+                    </a:p>
+                  </a:txBody>
+                  <a:tcPr marL="9525" marR="9525" marT="9525" marB="0" anchor="ctr"/>
+                </a:tc>
+                <a:tc>
+                  <a:txBody>
+                    <a:bodyPr/>
+                    <a:lstStyle/>
+                    <a:p>
+                      <a:pPr algn="ctr" fontAlgn="b"/>
+                      <a:r>
+                        <a:rPr lang="en-US" sz="1100" u="none" strike="noStrike" dirty="0" err="1">
+                          <a:effectLst/>
+                        </a:rPr>
+                        <a:t>adrienne</a:t>
+                      </a:r>
+                      <a:endParaRPr lang="en-US" sz="1100" b="0" i="0" u="none" strike="noStrike" dirty="0">
+                        <a:solidFill>
+                          <a:srgbClr val="000000"/>
+                        </a:solidFill>
+                        <a:effectLst/>
+                        <a:latin typeface="+mn-lt"/>
+                      </a:endParaRPr>
+                    </a:p>
+                  </a:txBody>
+                  <a:tcPr marL="9525" marR="9525" marT="9525" marB="0" anchor="ctr"/>
+                </a:tc>
+                <a:tc>
+                  <a:txBody>
+                    <a:bodyPr/>
+                    <a:lstStyle/>
+                    <a:p>
+                      <a:pPr algn="ctr" fontAlgn="b"/>
+                      <a:r>
+                        <a:rPr lang="en-US" sz="1100" u="none" strike="noStrike">
+                          <a:effectLst/>
+                        </a:rPr>
+                        <a:t>christine</a:t>
+                      </a:r>
+                      <a:endParaRPr lang="en-US" sz="1100" b="0" i="0" u="none" strike="noStrike">
+                        <a:solidFill>
+                          <a:srgbClr val="000000"/>
+                        </a:solidFill>
+                        <a:effectLst/>
+                        <a:latin typeface="+mn-lt"/>
+                      </a:endParaRPr>
+                    </a:p>
+                  </a:txBody>
+                  <a:tcPr marL="9525" marR="9525" marT="9525" marB="0" anchor="ctr"/>
+                </a:tc>
+                <a:tc>
+                  <a:txBody>
+                    <a:bodyPr/>
+                    <a:lstStyle/>
+                    <a:p>
+                      <a:pPr algn="ctr" fontAlgn="b"/>
+                      <a:r>
+                        <a:rPr lang="en-US" sz="1100" u="none" strike="noStrike">
+                          <a:effectLst/>
+                        </a:rPr>
+                        <a:t>franks</a:t>
+                      </a:r>
+                      <a:endParaRPr lang="en-US" sz="1100" b="0" i="0" u="none" strike="noStrike">
+                        <a:solidFill>
+                          <a:srgbClr val="000000"/>
+                        </a:solidFill>
+                        <a:effectLst/>
+                        <a:latin typeface="+mn-lt"/>
+                      </a:endParaRPr>
+                    </a:p>
+                  </a:txBody>
+                  <a:tcPr marL="9525" marR="9525" marT="9525" marB="0" anchor="ctr"/>
+                </a:tc>
+                <a:tc>
+                  <a:txBody>
+                    <a:bodyPr/>
+                    <a:lstStyle/>
+                    <a:p>
+                      <a:pPr algn="ctr" fontAlgn="b"/>
+                      <a:r>
+                        <a:rPr lang="en-US" sz="1100" u="none" strike="noStrike">
+                          <a:effectLst/>
+                        </a:rPr>
+                        <a:t>73</a:t>
+                      </a:r>
+                      <a:endParaRPr lang="en-US" sz="1100" b="0" i="0" u="none" strike="noStrike">
+                        <a:solidFill>
+                          <a:srgbClr val="000000"/>
+                        </a:solidFill>
+                        <a:effectLst/>
+                        <a:latin typeface="+mn-lt"/>
+                      </a:endParaRPr>
+                    </a:p>
+                  </a:txBody>
+                  <a:tcPr marL="9525" marR="9525" marT="9525" marB="0" anchor="ctr"/>
+                </a:tc>
+              </a:tr>
+              <a:tr h="403429">
+                <a:tc>
+                  <a:txBody>
+                    <a:bodyPr/>
+                    <a:lstStyle/>
+                    <a:p>
+                      <a:pPr marL="0" algn="ctr" defTabSz="914400" rtl="0" eaLnBrk="1" fontAlgn="b" latinLnBrk="0" hangingPunct="1"/>
+                      <a:r>
+                        <a:rPr lang="en-US" sz="1100" u="none" strike="noStrike" kern="1200" dirty="0">
+                          <a:effectLst/>
+                        </a:rPr>
+                        <a:t>20</a:t>
+                      </a:r>
+                      <a:endParaRPr lang="en-US" sz="1100" b="1" i="0" u="none" strike="noStrike" kern="1200" dirty="0">
+                        <a:solidFill>
+                          <a:schemeClr val="bg1"/>
+                        </a:solidFill>
+                        <a:effectLst/>
+                        <a:latin typeface="+mn-lt"/>
+                        <a:ea typeface="+mn-ea"/>
+                        <a:cs typeface="+mn-cs"/>
+                      </a:endParaRPr>
+                    </a:p>
+                  </a:txBody>
+                  <a:tcPr marL="9525" marR="9525" marT="9525" marB="0" anchor="ctr"/>
+                </a:tc>
+                <a:tc>
+                  <a:txBody>
+                    <a:bodyPr/>
+                    <a:lstStyle/>
+                    <a:p>
+                      <a:pPr algn="ctr" fontAlgn="b"/>
+                      <a:r>
+                        <a:rPr lang="en-US" sz="1100" u="none" strike="noStrike" dirty="0" err="1">
+                          <a:effectLst/>
+                        </a:rPr>
+                        <a:t>alton</a:t>
+                      </a:r>
+                      <a:endParaRPr lang="en-US" sz="1100" b="0" i="0" u="none" strike="noStrike" dirty="0">
+                        <a:solidFill>
+                          <a:srgbClr val="000000"/>
+                        </a:solidFill>
+                        <a:effectLst/>
+                        <a:latin typeface="+mn-lt"/>
+                      </a:endParaRPr>
+                    </a:p>
+                  </a:txBody>
+                  <a:tcPr marL="9525" marR="9525" marT="9525" marB="0" anchor="ctr"/>
+                </a:tc>
+                <a:tc>
+                  <a:txBody>
+                    <a:bodyPr/>
+                    <a:lstStyle/>
+                    <a:p>
+                      <a:pPr algn="ctr" fontAlgn="b"/>
+                      <a:endParaRPr lang="en-US" sz="1100" b="0" i="0" u="none" strike="noStrike">
+                        <a:solidFill>
+                          <a:srgbClr val="000000"/>
+                        </a:solidFill>
+                        <a:effectLst/>
+                        <a:latin typeface="+mn-lt"/>
+                      </a:endParaRPr>
+                    </a:p>
+                  </a:txBody>
+                  <a:tcPr marL="9525" marR="9525" marT="9525" marB="0" anchor="ctr"/>
+                </a:tc>
+                <a:tc>
+                  <a:txBody>
+                    <a:bodyPr/>
+                    <a:lstStyle/>
+                    <a:p>
+                      <a:pPr algn="ctr" fontAlgn="b"/>
+                      <a:r>
+                        <a:rPr lang="en-US" sz="1100" u="none" strike="noStrike">
+                          <a:effectLst/>
+                        </a:rPr>
+                        <a:t>squire</a:t>
+                      </a:r>
+                      <a:endParaRPr lang="en-US" sz="1100" b="0" i="0" u="none" strike="noStrike">
+                        <a:solidFill>
+                          <a:srgbClr val="000000"/>
+                        </a:solidFill>
+                        <a:effectLst/>
+                        <a:latin typeface="+mn-lt"/>
+                      </a:endParaRPr>
+                    </a:p>
+                  </a:txBody>
+                  <a:tcPr marL="9525" marR="9525" marT="9525" marB="0" anchor="ctr"/>
+                </a:tc>
+                <a:tc>
+                  <a:txBody>
+                    <a:bodyPr/>
+                    <a:lstStyle/>
+                    <a:p>
+                      <a:pPr algn="ctr" fontAlgn="b"/>
+                      <a:r>
+                        <a:rPr lang="en-US" sz="1100" u="none" strike="noStrike">
+                          <a:effectLst/>
+                        </a:rPr>
+                        <a:t>49</a:t>
+                      </a:r>
+                      <a:endParaRPr lang="en-US" sz="1100" b="0" i="0" u="none" strike="noStrike">
+                        <a:solidFill>
+                          <a:srgbClr val="000000"/>
+                        </a:solidFill>
+                        <a:effectLst/>
+                        <a:latin typeface="+mn-lt"/>
+                      </a:endParaRPr>
+                    </a:p>
+                  </a:txBody>
+                  <a:tcPr marL="9525" marR="9525" marT="9525" marB="0" anchor="ctr"/>
+                </a:tc>
+              </a:tr>
+              <a:tr h="599572">
+                <a:tc>
+                  <a:txBody>
+                    <a:bodyPr/>
+                    <a:lstStyle/>
+                    <a:p>
+                      <a:pPr marL="0" algn="ctr" defTabSz="914400" rtl="0" eaLnBrk="1" fontAlgn="b" latinLnBrk="0" hangingPunct="1"/>
+                      <a:r>
+                        <a:rPr lang="en-US" sz="1100" u="none" strike="noStrike" kern="1200" dirty="0">
+                          <a:effectLst/>
+                        </a:rPr>
+                        <a:t>48</a:t>
+                      </a:r>
+                      <a:endParaRPr lang="en-US" sz="1100" b="1" i="0" u="none" strike="noStrike" kern="1200" dirty="0">
+                        <a:solidFill>
+                          <a:schemeClr val="bg1"/>
+                        </a:solidFill>
+                        <a:effectLst/>
+                        <a:latin typeface="+mn-lt"/>
+                        <a:ea typeface="+mn-ea"/>
+                        <a:cs typeface="+mn-cs"/>
+                      </a:endParaRPr>
+                    </a:p>
+                  </a:txBody>
+                  <a:tcPr marL="9525" marR="9525" marT="9525" marB="0" anchor="ctr"/>
+                </a:tc>
+                <a:tc>
+                  <a:txBody>
+                    <a:bodyPr/>
+                    <a:lstStyle/>
+                    <a:p>
+                      <a:pPr algn="ctr" fontAlgn="b"/>
+                      <a:r>
+                        <a:rPr lang="en-US" sz="1100" u="none" strike="noStrike" dirty="0" err="1">
+                          <a:effectLst/>
+                        </a:rPr>
+                        <a:t>addie</a:t>
+                      </a:r>
+                      <a:endParaRPr lang="en-US" sz="1100" b="0" i="0" u="none" strike="noStrike" dirty="0">
+                        <a:solidFill>
+                          <a:srgbClr val="000000"/>
+                        </a:solidFill>
+                        <a:effectLst/>
+                        <a:latin typeface="+mn-lt"/>
+                      </a:endParaRPr>
+                    </a:p>
+                  </a:txBody>
+                  <a:tcPr marL="9525" marR="9525" marT="9525" marB="0" anchor="ctr"/>
+                </a:tc>
+                <a:tc>
+                  <a:txBody>
+                    <a:bodyPr/>
+                    <a:lstStyle/>
+                    <a:p>
+                      <a:pPr algn="ctr" fontAlgn="b"/>
+                      <a:r>
+                        <a:rPr lang="en-US" sz="1100" u="none" strike="noStrike" dirty="0" err="1">
+                          <a:effectLst/>
+                        </a:rPr>
+                        <a:t>hoggard</a:t>
+                      </a:r>
+                      <a:r>
+                        <a:rPr lang="en-US" sz="1100" u="none" strike="noStrike" dirty="0">
+                          <a:effectLst/>
+                        </a:rPr>
+                        <a:t>  </a:t>
+                      </a:r>
+                      <a:endParaRPr lang="en-US" sz="1100" b="0" i="0" u="none" strike="noStrike" dirty="0">
+                        <a:solidFill>
+                          <a:srgbClr val="000000"/>
+                        </a:solidFill>
+                        <a:effectLst/>
+                        <a:latin typeface="+mn-lt"/>
+                      </a:endParaRPr>
+                    </a:p>
+                  </a:txBody>
+                  <a:tcPr marL="9525" marR="9525" marT="9525" marB="0" anchor="ctr"/>
+                </a:tc>
+                <a:tc>
+                  <a:txBody>
+                    <a:bodyPr/>
+                    <a:lstStyle/>
+                    <a:p>
+                      <a:pPr algn="ctr" fontAlgn="b"/>
+                      <a:r>
+                        <a:rPr lang="en-US" sz="1100" u="none" strike="noStrike">
+                          <a:effectLst/>
+                        </a:rPr>
+                        <a:t>parrish</a:t>
+                      </a:r>
+                      <a:endParaRPr lang="en-US" sz="1100" b="0" i="0" u="none" strike="noStrike">
+                        <a:solidFill>
+                          <a:srgbClr val="000000"/>
+                        </a:solidFill>
+                        <a:effectLst/>
+                        <a:latin typeface="+mn-lt"/>
+                      </a:endParaRPr>
+                    </a:p>
+                  </a:txBody>
+                  <a:tcPr marL="9525" marR="9525" marT="9525" marB="0" anchor="ctr"/>
+                </a:tc>
+                <a:tc>
+                  <a:txBody>
+                    <a:bodyPr/>
+                    <a:lstStyle/>
+                    <a:p>
+                      <a:pPr algn="ctr" fontAlgn="b"/>
+                      <a:r>
+                        <a:rPr lang="en-US" sz="1100" u="none" strike="noStrike">
+                          <a:effectLst/>
+                        </a:rPr>
+                        <a:t>54</a:t>
+                      </a:r>
+                      <a:endParaRPr lang="en-US" sz="1100" b="0" i="0" u="none" strike="noStrike">
+                        <a:solidFill>
+                          <a:srgbClr val="000000"/>
+                        </a:solidFill>
+                        <a:effectLst/>
+                        <a:latin typeface="+mn-lt"/>
+                      </a:endParaRPr>
+                    </a:p>
+                  </a:txBody>
+                  <a:tcPr marL="9525" marR="9525" marT="9525" marB="0" anchor="ctr"/>
+                </a:tc>
+              </a:tr>
+              <a:tr h="403429">
+                <a:tc>
+                  <a:txBody>
+                    <a:bodyPr/>
+                    <a:lstStyle/>
+                    <a:p>
+                      <a:pPr marL="0" algn="ctr" defTabSz="914400" rtl="0" eaLnBrk="1" fontAlgn="b" latinLnBrk="0" hangingPunct="1"/>
+                      <a:r>
+                        <a:rPr lang="en-US" sz="1100" u="none" strike="noStrike" kern="1200" dirty="0">
+                          <a:effectLst/>
+                        </a:rPr>
+                        <a:t>546</a:t>
+                      </a:r>
+                      <a:endParaRPr lang="en-US" sz="1100" b="1" i="0" u="none" strike="noStrike" kern="1200" dirty="0">
+                        <a:solidFill>
+                          <a:schemeClr val="bg1"/>
+                        </a:solidFill>
+                        <a:effectLst/>
+                        <a:latin typeface="+mn-lt"/>
+                        <a:ea typeface="+mn-ea"/>
+                        <a:cs typeface="+mn-cs"/>
+                      </a:endParaRPr>
+                    </a:p>
+                  </a:txBody>
+                  <a:tcPr marL="9525" marR="9525" marT="9525" marB="0" anchor="ctr"/>
+                </a:tc>
+                <a:tc>
+                  <a:txBody>
+                    <a:bodyPr/>
+                    <a:lstStyle/>
+                    <a:p>
+                      <a:pPr algn="ctr" fontAlgn="b"/>
+                      <a:r>
+                        <a:rPr lang="en-US" sz="1100" u="none" strike="noStrike" dirty="0">
+                          <a:effectLst/>
+                        </a:rPr>
+                        <a:t>albert</a:t>
+                      </a:r>
+                      <a:endParaRPr lang="en-US" sz="1100" b="0" i="0" u="none" strike="noStrike" dirty="0">
+                        <a:solidFill>
+                          <a:srgbClr val="000000"/>
+                        </a:solidFill>
+                        <a:effectLst/>
+                        <a:latin typeface="+mn-lt"/>
+                      </a:endParaRPr>
+                    </a:p>
+                  </a:txBody>
+                  <a:tcPr marL="9525" marR="9525" marT="9525" marB="0" anchor="ctr"/>
+                </a:tc>
+                <a:tc>
+                  <a:txBody>
+                    <a:bodyPr/>
+                    <a:lstStyle/>
+                    <a:p>
+                      <a:pPr algn="ctr" fontAlgn="b"/>
+                      <a:endParaRPr lang="en-US" sz="1100" b="0" i="0" u="none" strike="noStrike" dirty="0">
+                        <a:solidFill>
+                          <a:srgbClr val="000000"/>
+                        </a:solidFill>
+                        <a:effectLst/>
+                        <a:latin typeface="+mn-lt"/>
+                      </a:endParaRPr>
+                    </a:p>
+                  </a:txBody>
+                  <a:tcPr marL="9525" marR="9525" marT="9525" marB="0" anchor="ctr"/>
+                </a:tc>
+                <a:tc>
+                  <a:txBody>
+                    <a:bodyPr/>
+                    <a:lstStyle/>
+                    <a:p>
+                      <a:pPr algn="ctr" fontAlgn="b"/>
+                      <a:r>
+                        <a:rPr lang="en-US" sz="1100" u="none" strike="noStrike">
+                          <a:effectLst/>
+                        </a:rPr>
+                        <a:t>squire</a:t>
+                      </a:r>
+                      <a:endParaRPr lang="en-US" sz="1100" b="0" i="0" u="none" strike="noStrike">
+                        <a:solidFill>
+                          <a:srgbClr val="000000"/>
+                        </a:solidFill>
+                        <a:effectLst/>
+                        <a:latin typeface="+mn-lt"/>
+                      </a:endParaRPr>
+                    </a:p>
+                  </a:txBody>
+                  <a:tcPr marL="9525" marR="9525" marT="9525" marB="0" anchor="ctr"/>
+                </a:tc>
+                <a:tc>
+                  <a:txBody>
+                    <a:bodyPr/>
+                    <a:lstStyle/>
+                    <a:p>
+                      <a:pPr algn="ctr" fontAlgn="b"/>
+                      <a:r>
+                        <a:rPr lang="en-US" sz="1100" u="none" strike="noStrike">
+                          <a:effectLst/>
+                        </a:rPr>
+                        <a:t>54</a:t>
+                      </a:r>
+                      <a:endParaRPr lang="en-US" sz="1100" b="0" i="0" u="none" strike="noStrike">
+                        <a:solidFill>
+                          <a:srgbClr val="000000"/>
+                        </a:solidFill>
+                        <a:effectLst/>
+                        <a:latin typeface="+mn-lt"/>
+                      </a:endParaRPr>
+                    </a:p>
+                  </a:txBody>
+                  <a:tcPr marL="9525" marR="9525" marT="9525" marB="0" anchor="ctr"/>
+                </a:tc>
+              </a:tr>
+              <a:tr h="599572">
+                <a:tc>
+                  <a:txBody>
+                    <a:bodyPr/>
+                    <a:lstStyle/>
+                    <a:p>
+                      <a:pPr marL="0" algn="ctr" defTabSz="914400" rtl="0" eaLnBrk="1" fontAlgn="b" latinLnBrk="0" hangingPunct="1"/>
+                      <a:r>
+                        <a:rPr lang="en-US" sz="1100" u="none" strike="noStrike" kern="1200" dirty="0">
+                          <a:effectLst/>
+                        </a:rPr>
+                        <a:t>668</a:t>
+                      </a:r>
+                      <a:endParaRPr lang="en-US" sz="1100" b="1" i="0" u="none" strike="noStrike" kern="1200" dirty="0">
+                        <a:solidFill>
+                          <a:schemeClr val="bg1"/>
+                        </a:solidFill>
+                        <a:effectLst/>
+                        <a:latin typeface="+mn-lt"/>
+                        <a:ea typeface="+mn-ea"/>
+                        <a:cs typeface="+mn-cs"/>
+                      </a:endParaRPr>
+                    </a:p>
+                  </a:txBody>
+                  <a:tcPr marL="9525" marR="9525" marT="9525" marB="0" anchor="ctr"/>
+                </a:tc>
+                <a:tc>
+                  <a:txBody>
+                    <a:bodyPr/>
+                    <a:lstStyle/>
+                    <a:p>
+                      <a:pPr algn="ctr" fontAlgn="b"/>
+                      <a:r>
+                        <a:rPr lang="en-US" sz="1100" u="none" strike="noStrike" dirty="0" err="1">
+                          <a:effectLst/>
+                        </a:rPr>
+                        <a:t>alton</a:t>
+                      </a:r>
+                      <a:endParaRPr lang="en-US" sz="1100" b="0" i="0" u="none" strike="noStrike" dirty="0">
+                        <a:solidFill>
+                          <a:srgbClr val="000000"/>
+                        </a:solidFill>
+                        <a:effectLst/>
+                        <a:latin typeface="+mn-lt"/>
+                      </a:endParaRPr>
+                    </a:p>
+                  </a:txBody>
+                  <a:tcPr marL="9525" marR="9525" marT="9525" marB="0" anchor="ctr"/>
+                </a:tc>
+                <a:tc>
+                  <a:txBody>
+                    <a:bodyPr/>
+                    <a:lstStyle/>
+                    <a:p>
+                      <a:pPr algn="ctr" fontAlgn="b"/>
+                      <a:endParaRPr lang="en-US" sz="1100" b="0" i="0" u="none" strike="noStrike" dirty="0">
+                        <a:solidFill>
+                          <a:srgbClr val="000000"/>
+                        </a:solidFill>
+                        <a:effectLst/>
+                        <a:latin typeface="+mn-lt"/>
+                      </a:endParaRPr>
+                    </a:p>
+                  </a:txBody>
+                  <a:tcPr marL="9525" marR="9525" marT="9525" marB="0" anchor="ctr"/>
+                </a:tc>
+                <a:tc>
+                  <a:txBody>
+                    <a:bodyPr/>
+                    <a:lstStyle/>
+                    <a:p>
+                      <a:pPr algn="ctr" fontAlgn="b"/>
+                      <a:r>
+                        <a:rPr lang="en-US" sz="1100" u="none" strike="noStrike" dirty="0">
+                          <a:effectLst/>
+                        </a:rPr>
+                        <a:t>smith</a:t>
+                      </a:r>
+                      <a:endParaRPr lang="en-US" sz="1100" b="0" i="0" u="none" strike="noStrike" dirty="0">
+                        <a:solidFill>
+                          <a:srgbClr val="000000"/>
+                        </a:solidFill>
+                        <a:effectLst/>
+                        <a:latin typeface="+mn-lt"/>
+                      </a:endParaRPr>
+                    </a:p>
+                  </a:txBody>
+                  <a:tcPr marL="9525" marR="9525" marT="9525" marB="0" anchor="ctr"/>
+                </a:tc>
+                <a:tc>
+                  <a:txBody>
+                    <a:bodyPr/>
+                    <a:lstStyle/>
+                    <a:p>
+                      <a:pPr algn="ctr" fontAlgn="b"/>
+                      <a:r>
+                        <a:rPr lang="en-US" sz="1100" u="none" strike="noStrike">
+                          <a:effectLst/>
+                        </a:rPr>
+                        <a:t>49</a:t>
+                      </a:r>
+                      <a:endParaRPr lang="en-US" sz="1100" b="0" i="0" u="none" strike="noStrike">
+                        <a:solidFill>
+                          <a:srgbClr val="000000"/>
+                        </a:solidFill>
+                        <a:effectLst/>
+                        <a:latin typeface="+mn-lt"/>
+                      </a:endParaRPr>
+                    </a:p>
+                  </a:txBody>
+                  <a:tcPr marL="9525" marR="9525" marT="9525" marB="0" anchor="ctr"/>
+                </a:tc>
+              </a:tr>
+              <a:tr h="403429">
+                <a:tc>
+                  <a:txBody>
+                    <a:bodyPr/>
+                    <a:lstStyle/>
+                    <a:p>
+                      <a:pPr marL="0" algn="ctr" defTabSz="914400" rtl="0" eaLnBrk="1" fontAlgn="b" latinLnBrk="0" hangingPunct="1"/>
+                      <a:r>
+                        <a:rPr lang="en-US" sz="1100" u="none" strike="noStrike" kern="1200" dirty="0">
+                          <a:effectLst/>
+                        </a:rPr>
+                        <a:t>828</a:t>
+                      </a:r>
+                      <a:endParaRPr lang="en-US" sz="1100" b="1" i="0" u="none" strike="noStrike" kern="1200" dirty="0">
+                        <a:solidFill>
+                          <a:schemeClr val="bg1"/>
+                        </a:solidFill>
+                        <a:effectLst/>
+                        <a:latin typeface="+mn-lt"/>
+                        <a:ea typeface="+mn-ea"/>
+                        <a:cs typeface="+mn-cs"/>
+                      </a:endParaRPr>
+                    </a:p>
+                  </a:txBody>
+                  <a:tcPr marL="9525" marR="9525" marT="9525" marB="0" anchor="ctr"/>
+                </a:tc>
+                <a:tc>
+                  <a:txBody>
+                    <a:bodyPr/>
+                    <a:lstStyle/>
+                    <a:p>
+                      <a:pPr algn="ctr" fontAlgn="b"/>
+                      <a:r>
+                        <a:rPr lang="en-US" sz="1100" u="none" strike="noStrike" dirty="0" err="1">
+                          <a:effectLst/>
+                        </a:rPr>
+                        <a:t>alton</a:t>
+                      </a:r>
+                      <a:endParaRPr lang="en-US" sz="1100" b="0" i="0" u="none" strike="noStrike" dirty="0">
+                        <a:solidFill>
+                          <a:srgbClr val="000000"/>
+                        </a:solidFill>
+                        <a:effectLst/>
+                        <a:latin typeface="+mn-lt"/>
+                      </a:endParaRPr>
+                    </a:p>
+                  </a:txBody>
+                  <a:tcPr marL="9525" marR="9525" marT="9525" marB="0" anchor="ctr"/>
+                </a:tc>
+                <a:tc>
+                  <a:txBody>
+                    <a:bodyPr/>
+                    <a:lstStyle/>
+                    <a:p>
+                      <a:pPr algn="ctr" fontAlgn="b"/>
+                      <a:r>
+                        <a:rPr lang="en-US" sz="1100" u="none" strike="noStrike">
+                          <a:effectLst/>
+                        </a:rPr>
+                        <a:t>threadgill</a:t>
+                      </a:r>
+                      <a:endParaRPr lang="en-US" sz="1100" b="0" i="0" u="none" strike="noStrike">
+                        <a:solidFill>
+                          <a:srgbClr val="000000"/>
+                        </a:solidFill>
+                        <a:effectLst/>
+                        <a:latin typeface="+mn-lt"/>
+                      </a:endParaRPr>
+                    </a:p>
+                  </a:txBody>
+                  <a:tcPr marL="9525" marR="9525" marT="9525" marB="0" anchor="ctr"/>
+                </a:tc>
+                <a:tc>
+                  <a:txBody>
+                    <a:bodyPr/>
+                    <a:lstStyle/>
+                    <a:p>
+                      <a:pPr algn="ctr" fontAlgn="b"/>
+                      <a:r>
+                        <a:rPr lang="en-US" sz="1100" u="none" strike="noStrike" dirty="0">
+                          <a:effectLst/>
+                        </a:rPr>
+                        <a:t>smith</a:t>
+                      </a:r>
+                      <a:endParaRPr lang="en-US" sz="1100" b="0" i="0" u="none" strike="noStrike" dirty="0">
+                        <a:solidFill>
+                          <a:srgbClr val="000000"/>
+                        </a:solidFill>
+                        <a:effectLst/>
+                        <a:latin typeface="+mn-lt"/>
+                      </a:endParaRPr>
+                    </a:p>
+                  </a:txBody>
+                  <a:tcPr marL="9525" marR="9525" marT="9525" marB="0" anchor="ctr"/>
+                </a:tc>
+                <a:tc>
+                  <a:txBody>
+                    <a:bodyPr/>
+                    <a:lstStyle/>
+                    <a:p>
+                      <a:pPr algn="ctr" fontAlgn="b"/>
+                      <a:r>
+                        <a:rPr lang="en-US" sz="1100" u="none" strike="noStrike" dirty="0">
+                          <a:effectLst/>
+                        </a:rPr>
+                        <a:t>65</a:t>
+                      </a:r>
+                      <a:endParaRPr lang="en-US" sz="1100" b="0" i="0" u="none" strike="noStrike" dirty="0">
+                        <a:solidFill>
+                          <a:srgbClr val="000000"/>
+                        </a:solidFill>
+                        <a:effectLst/>
+                        <a:latin typeface="+mn-lt"/>
+                      </a:endParaRPr>
+                    </a:p>
+                  </a:txBody>
+                  <a:tcPr marL="9525" marR="9525" marT="9525" marB="0" anchor="ctr"/>
+                </a:tc>
+              </a:tr>
+            </a:tbl>
+          </a:graphicData>
+        </a:graphic>
+      </p:graphicFrame>
+    </p:spTree>
+    <p:extLst>
+      <p:ext uri="{BB962C8B-B14F-4D97-AF65-F5344CB8AC3E}">
+        <p14:creationId xmlns:p14="http://schemas.microsoft.com/office/powerpoint/2010/main" val="296447717"/>
+      </p:ext>
+    </p:extLst>
+  </p:cSld>
+  <p:clrMapOvr>
+    <a:masterClrMapping/>
+  </p:clrMapOvr>
+  <p:transition>
+    <p:fade/>
+  </p:transition>
+  <p:timing>
+    <p:tnLst>
+      <p:par>
+        <p:cTn id="1" dur="indefinite" restart="never" nodeType="tmRoot"/>
+      </p:par>
+    </p:tnLst>
+  </p:timing>
+</p:sld>
+</file>
+
+<file path=ppt/slides/slide19.xml><?xml version="1.0" encoding="utf-8"?>
+<p:sld xmlns:a="http://schemas.openxmlformats.org/drawingml/2006/main" xmlns:r="http://schemas.openxmlformats.org/officeDocument/2006/relationships" xmlns:p="http://schemas.openxmlformats.org/presentationml/2006/main">
+  <p:cSld>
+    <p:spTree>
+      <p:nvGrpSpPr>
+        <p:cNvPr id="1" name=""/>
+        <p:cNvGrpSpPr/>
+        <p:nvPr/>
+      </p:nvGrpSpPr>
+      <p:grpSpPr>
+        <a:xfrm>
+          <a:off x="0" y="0"/>
+          <a:ext cx="0" cy="0"/>
+          <a:chOff x="0" y="0"/>
+          <a:chExt cx="0" cy="0"/>
+        </a:xfrm>
+      </p:grpSpPr>
+      <p:sp>
+        <p:nvSpPr>
+          <p:cNvPr id="6157" name="Title 6156"/>
+          <p:cNvSpPr>
+            <a:spLocks noGrp="1"/>
+          </p:cNvSpPr>
+          <p:nvPr>
+            <p:ph type="title"/>
+          </p:nvPr>
+        </p:nvSpPr>
+        <p:spPr>
+          <a:xfrm>
+            <a:off x="358776" y="108001"/>
+            <a:ext cx="6877051" cy="927588"/>
+          </a:xfrm>
+        </p:spPr>
+        <p:txBody>
+          <a:bodyPr/>
+          <a:lstStyle/>
+          <a:p>
+            <a:r>
+              <a:rPr lang="en-US" dirty="0" smtClean="0"/>
+              <a:t>Highlights of implementation</a:t>
+            </a:r>
+            <a:br>
+              <a:rPr lang="en-US" dirty="0" smtClean="0"/>
+            </a:br>
+            <a:r>
               <a:rPr lang="en-US" dirty="0"/>
               <a:t>Create Position List Index</a:t>
             </a:r>
-            <a:endParaRPr lang="en-US" dirty="0"/>
           </a:p>
         </p:txBody>
       </p:sp>
@@ -32013,7 +32494,6 @@
               <a:rPr lang="en-US" dirty="0" smtClean="0"/>
               <a:t>e.g. (0,0,7), (3, 1, squire)</a:t>
             </a:r>
-            <a:endParaRPr lang="en-US" dirty="0" smtClean="0"/>
           </a:p>
           <a:p>
             <a:pPr marL="645750" lvl="2" indent="-285750"/>
@@ -32293,11 +32773,7 @@
             <a:pPr marL="645750" lvl="2" indent="-285750"/>
             <a:r>
               <a:rPr lang="en-US" dirty="0" err="1" smtClean="0"/>
-              <a:t>reduceBy</a:t>
-            </a:r>
-            <a:r>
-              <a:rPr lang="en-US" dirty="0" err="1" smtClean="0"/>
-              <a:t>Key</a:t>
+              <a:t>reduceByKey</a:t>
             </a:r>
             <a:r>
               <a:rPr lang="en-US" dirty="0" smtClean="0"/>
@@ -32349,7 +32825,6 @@
               <a:rPr lang="en-US" dirty="0" smtClean="0"/>
               <a:t>},{4,5}]</a:t>
             </a:r>
-            <a:endParaRPr lang="en-US" dirty="0" smtClean="0"/>
           </a:p>
         </p:txBody>
       </p:sp>
@@ -33996,1104 +34471,6 @@
 </p:sld>
 </file>
 
-<file path=ppt/slides/slide19.xml><?xml version="1.0" encoding="utf-8"?>
-<p:sld xmlns:a="http://schemas.openxmlformats.org/drawingml/2006/main" xmlns:r="http://schemas.openxmlformats.org/officeDocument/2006/relationships" xmlns:p="http://schemas.openxmlformats.org/presentationml/2006/main">
-  <p:cSld>
-    <p:spTree>
-      <p:nvGrpSpPr>
-        <p:cNvPr id="1" name=""/>
-        <p:cNvGrpSpPr/>
-        <p:nvPr/>
-      </p:nvGrpSpPr>
-      <p:grpSpPr>
-        <a:xfrm>
-          <a:off x="0" y="0"/>
-          <a:ext cx="0" cy="0"/>
-          <a:chOff x="0" y="0"/>
-          <a:chExt cx="0" cy="0"/>
-        </a:xfrm>
-      </p:grpSpPr>
-      <p:sp>
-        <p:nvSpPr>
-          <p:cNvPr id="6157" name="Title 6156"/>
-          <p:cNvSpPr>
-            <a:spLocks noGrp="1"/>
-          </p:cNvSpPr>
-          <p:nvPr>
-            <p:ph type="title"/>
-          </p:nvPr>
-        </p:nvSpPr>
-        <p:spPr>
-          <a:xfrm>
-            <a:off x="358776" y="108001"/>
-            <a:ext cx="6877051" cy="927588"/>
-          </a:xfrm>
-        </p:spPr>
-        <p:txBody>
-          <a:bodyPr/>
-          <a:lstStyle/>
-          <a:p>
-            <a:r>
-              <a:rPr lang="en-US" dirty="0" smtClean="0"/>
-              <a:t>Highlights of implementation</a:t>
-            </a:r>
-            <a:br>
-              <a:rPr lang="en-US" dirty="0" smtClean="0"/>
-            </a:br>
-            <a:r>
-              <a:rPr lang="en-US" dirty="0" smtClean="0"/>
-              <a:t>Combine Position </a:t>
-            </a:r>
-            <a:r>
-              <a:rPr lang="en-US" dirty="0" smtClean="0"/>
-              <a:t>List Index</a:t>
-            </a:r>
-            <a:endParaRPr lang="en-US" dirty="0"/>
-          </a:p>
-        </p:txBody>
-      </p:sp>
-      <p:sp>
-        <p:nvSpPr>
-          <p:cNvPr id="6158" name="Text Placeholder 6157"/>
-          <p:cNvSpPr>
-            <a:spLocks noGrp="1"/>
-          </p:cNvSpPr>
-          <p:nvPr>
-            <p:ph type="body" sz="quarter" idx="13"/>
-          </p:nvPr>
-        </p:nvSpPr>
-        <p:spPr>
-          <a:xfrm>
-            <a:off x="4067944" y="1239837"/>
-            <a:ext cx="3167883" cy="3563937"/>
-          </a:xfrm>
-        </p:spPr>
-        <p:txBody>
-          <a:bodyPr>
-            <a:normAutofit/>
-          </a:bodyPr>
-          <a:lstStyle/>
-          <a:p>
-            <a:pPr lvl="2" indent="0">
-              <a:buNone/>
-            </a:pPr>
-            <a:r>
-              <a:rPr lang="en-US" dirty="0" smtClean="0"/>
-              <a:t>({0},[[]]),</a:t>
-            </a:r>
-          </a:p>
-          <a:p>
-            <a:pPr lvl="2" indent="0">
-              <a:buNone/>
-            </a:pPr>
-            <a:r>
-              <a:rPr lang="en-US" dirty="0" smtClean="0"/>
-              <a:t>({</a:t>
-            </a:r>
-            <a:r>
-              <a:rPr lang="en-US" dirty="0"/>
-              <a:t>1</a:t>
-            </a:r>
-            <a:r>
-              <a:rPr lang="en-US" dirty="0" smtClean="0"/>
-              <a:t>},[[1, 4, 5]]),</a:t>
-            </a:r>
-            <a:endParaRPr lang="en-US" dirty="0"/>
-          </a:p>
-          <a:p>
-            <a:pPr lvl="2" indent="0">
-              <a:buNone/>
-            </a:pPr>
-            <a:r>
-              <a:rPr lang="en-US" dirty="0"/>
-              <a:t>({2</a:t>
-            </a:r>
-            <a:r>
-              <a:rPr lang="en-US" dirty="0" smtClean="0"/>
-              <a:t>},[[1, 3, 4]]),</a:t>
-            </a:r>
-            <a:endParaRPr lang="en-US" dirty="0"/>
-          </a:p>
-          <a:p>
-            <a:pPr lvl="2" indent="0">
-              <a:buNone/>
-            </a:pPr>
-            <a:r>
-              <a:rPr lang="en-US" dirty="0"/>
-              <a:t>({3</a:t>
-            </a:r>
-            <a:r>
-              <a:rPr lang="en-US" dirty="0" smtClean="0"/>
-              <a:t>},[[4, 5], [1, 3]]),</a:t>
-            </a:r>
-            <a:endParaRPr lang="en-US" dirty="0"/>
-          </a:p>
-          <a:p>
-            <a:pPr lvl="2" indent="0">
-              <a:buNone/>
-            </a:pPr>
-            <a:r>
-              <a:rPr lang="en-US" dirty="0"/>
-              <a:t>({4</a:t>
-            </a:r>
-            <a:r>
-              <a:rPr lang="en-US" dirty="0" smtClean="0"/>
-              <a:t>},[[2, 3], [1, </a:t>
-            </a:r>
-            <a:r>
-              <a:rPr lang="en-US" dirty="0"/>
-              <a:t>4</a:t>
-            </a:r>
-            <a:r>
-              <a:rPr lang="en-US" dirty="0" smtClean="0"/>
-              <a:t>]])</a:t>
-            </a:r>
-          </a:p>
-        </p:txBody>
-      </p:sp>
-      <p:sp>
-        <p:nvSpPr>
-          <p:cNvPr id="2" name="Date Placeholder 1"/>
-          <p:cNvSpPr>
-            <a:spLocks noGrp="1"/>
-          </p:cNvSpPr>
-          <p:nvPr>
-            <p:ph type="dt" sz="half" idx="14"/>
-          </p:nvPr>
-        </p:nvSpPr>
-        <p:spPr>
-          <a:xfrm>
-            <a:off x="7416801" y="4155928"/>
-            <a:ext cx="1547813" cy="467268"/>
-          </a:xfrm>
-        </p:spPr>
-        <p:txBody>
-          <a:bodyPr/>
-          <a:lstStyle/>
-          <a:p>
-            <a:r>
-              <a:rPr lang="en-US" dirty="0" smtClean="0"/>
-              <a:t>Pascal Jung,</a:t>
-            </a:r>
-          </a:p>
-          <a:p>
-            <a:r>
-              <a:rPr lang="en-US" dirty="0" smtClean="0"/>
-              <a:t>Jaqueline </a:t>
-            </a:r>
-            <a:r>
-              <a:rPr lang="en-US" dirty="0" err="1" smtClean="0"/>
-              <a:t>Pollak</a:t>
-            </a:r>
-            <a:endParaRPr lang="en-US" dirty="0"/>
-          </a:p>
-        </p:txBody>
-      </p:sp>
-      <p:sp>
-        <p:nvSpPr>
-          <p:cNvPr id="3" name="Footer Placeholder 2"/>
-          <p:cNvSpPr>
-            <a:spLocks noGrp="1"/>
-          </p:cNvSpPr>
-          <p:nvPr>
-            <p:ph type="ftr" sz="quarter" idx="15"/>
-          </p:nvPr>
-        </p:nvSpPr>
-        <p:spPr>
-          <a:xfrm>
-            <a:off x="7416801" y="3562453"/>
-            <a:ext cx="1547813" cy="521465"/>
-          </a:xfrm>
-        </p:spPr>
-        <p:txBody>
-          <a:bodyPr/>
-          <a:lstStyle/>
-          <a:p>
-            <a:r>
-              <a:rPr lang="de-DE" dirty="0"/>
-              <a:t>Data </a:t>
-            </a:r>
-            <a:r>
-              <a:rPr lang="de-DE" dirty="0" err="1"/>
-              <a:t>Profiling</a:t>
-            </a:r>
-            <a:endParaRPr lang="en-US" dirty="0"/>
-          </a:p>
-        </p:txBody>
-      </p:sp>
-      <p:graphicFrame>
-        <p:nvGraphicFramePr>
-          <p:cNvPr id="4" name="Tabelle 3"/>
-          <p:cNvGraphicFramePr>
-            <a:graphicFrameLocks noGrp="1"/>
-          </p:cNvGraphicFramePr>
-          <p:nvPr/>
-        </p:nvGraphicFramePr>
-        <p:xfrm>
-          <a:off x="358775" y="1239838"/>
-          <a:ext cx="3882754" cy="3216289"/>
-        </p:xfrm>
-        <a:graphic>
-          <a:graphicData uri="http://schemas.openxmlformats.org/drawingml/2006/table">
-            <a:tbl>
-              <a:tblPr>
-                <a:tableStyleId>{5C22544A-7EE6-4342-B048-85BDC9FD1C3A}</a:tableStyleId>
-              </a:tblPr>
-              <a:tblGrid>
-                <a:gridCol w="720080"/>
-                <a:gridCol w="864096"/>
-                <a:gridCol w="982223"/>
-                <a:gridCol w="915725"/>
-                <a:gridCol w="400630"/>
-              </a:tblGrid>
-              <a:tr h="403429">
-                <a:tc>
-                  <a:txBody>
-                    <a:bodyPr/>
-                    <a:lstStyle/>
-                    <a:p>
-                      <a:pPr marL="0" algn="ctr" defTabSz="914400" rtl="0" eaLnBrk="1" fontAlgn="b" latinLnBrk="0" hangingPunct="1"/>
-                      <a:r>
-                        <a:rPr lang="en-US" sz="1100" u="none" strike="noStrike" kern="1200" dirty="0" err="1">
-                          <a:effectLst/>
-                        </a:rPr>
-                        <a:t>voter_id</a:t>
-                      </a:r>
-                      <a:endParaRPr lang="en-US" sz="1100" b="1" i="0" u="none" strike="noStrike" kern="1200" dirty="0">
-                        <a:solidFill>
-                          <a:schemeClr val="bg1"/>
-                        </a:solidFill>
-                        <a:effectLst/>
-                        <a:latin typeface="+mn-lt"/>
-                        <a:ea typeface="+mn-ea"/>
-                        <a:cs typeface="+mn-cs"/>
-                      </a:endParaRPr>
-                    </a:p>
-                  </a:txBody>
-                  <a:tcPr marL="9525" marR="9525" marT="9525" marB="0" anchor="ctr"/>
-                </a:tc>
-                <a:tc>
-                  <a:txBody>
-                    <a:bodyPr/>
-                    <a:lstStyle/>
-                    <a:p>
-                      <a:pPr algn="ctr" fontAlgn="b"/>
-                      <a:r>
-                        <a:rPr lang="en-US" sz="1100" u="none" strike="noStrike" dirty="0" err="1">
-                          <a:effectLst/>
-                        </a:rPr>
-                        <a:t>first_name</a:t>
-                      </a:r>
-                      <a:endParaRPr lang="en-US" sz="1100" b="0" i="0" u="none" strike="noStrike" dirty="0">
-                        <a:solidFill>
-                          <a:srgbClr val="000000"/>
-                        </a:solidFill>
-                        <a:effectLst/>
-                        <a:latin typeface="+mn-lt"/>
-                      </a:endParaRPr>
-                    </a:p>
-                  </a:txBody>
-                  <a:tcPr marL="9525" marR="9525" marT="9525" marB="0" anchor="ctr"/>
-                </a:tc>
-                <a:tc>
-                  <a:txBody>
-                    <a:bodyPr/>
-                    <a:lstStyle/>
-                    <a:p>
-                      <a:pPr algn="ctr" fontAlgn="b"/>
-                      <a:r>
-                        <a:rPr lang="en-US" sz="1100" u="none" strike="noStrike">
-                          <a:effectLst/>
-                        </a:rPr>
-                        <a:t>middle_name</a:t>
-                      </a:r>
-                      <a:endParaRPr lang="en-US" sz="1100" b="0" i="0" u="none" strike="noStrike">
-                        <a:solidFill>
-                          <a:srgbClr val="000000"/>
-                        </a:solidFill>
-                        <a:effectLst/>
-                        <a:latin typeface="+mn-lt"/>
-                      </a:endParaRPr>
-                    </a:p>
-                  </a:txBody>
-                  <a:tcPr marL="9525" marR="9525" marT="9525" marB="0" anchor="ctr"/>
-                </a:tc>
-                <a:tc>
-                  <a:txBody>
-                    <a:bodyPr/>
-                    <a:lstStyle/>
-                    <a:p>
-                      <a:pPr algn="ctr" fontAlgn="b"/>
-                      <a:r>
-                        <a:rPr lang="en-US" sz="1100" u="none" strike="noStrike">
-                          <a:effectLst/>
-                        </a:rPr>
-                        <a:t>last_name</a:t>
-                      </a:r>
-                      <a:endParaRPr lang="en-US" sz="1100" b="0" i="0" u="none" strike="noStrike">
-                        <a:solidFill>
-                          <a:srgbClr val="000000"/>
-                        </a:solidFill>
-                        <a:effectLst/>
-                        <a:latin typeface="+mn-lt"/>
-                      </a:endParaRPr>
-                    </a:p>
-                  </a:txBody>
-                  <a:tcPr marL="9525" marR="9525" marT="9525" marB="0" anchor="ctr"/>
-                </a:tc>
-                <a:tc>
-                  <a:txBody>
-                    <a:bodyPr/>
-                    <a:lstStyle/>
-                    <a:p>
-                      <a:pPr algn="ctr" fontAlgn="b"/>
-                      <a:r>
-                        <a:rPr lang="en-US" sz="1100" u="none" strike="noStrike">
-                          <a:effectLst/>
-                        </a:rPr>
-                        <a:t>age</a:t>
-                      </a:r>
-                      <a:endParaRPr lang="en-US" sz="1100" b="0" i="0" u="none" strike="noStrike">
-                        <a:solidFill>
-                          <a:srgbClr val="000000"/>
-                        </a:solidFill>
-                        <a:effectLst/>
-                        <a:latin typeface="+mn-lt"/>
-                      </a:endParaRPr>
-                    </a:p>
-                  </a:txBody>
-                  <a:tcPr marL="9525" marR="9525" marT="9525" marB="0" anchor="ctr"/>
-                </a:tc>
-              </a:tr>
-              <a:tr h="403429">
-                <a:tc>
-                  <a:txBody>
-                    <a:bodyPr/>
-                    <a:lstStyle/>
-                    <a:p>
-                      <a:pPr marL="0" algn="ctr" defTabSz="914400" rtl="0" eaLnBrk="1" fontAlgn="b" latinLnBrk="0" hangingPunct="1"/>
-                      <a:r>
-                        <a:rPr lang="en-US" sz="1100" u="none" strike="noStrike" kern="1200" dirty="0">
-                          <a:effectLst/>
-                        </a:rPr>
-                        <a:t>7</a:t>
-                      </a:r>
-                      <a:endParaRPr lang="en-US" sz="1100" b="1" i="0" u="none" strike="noStrike" kern="1200" dirty="0">
-                        <a:solidFill>
-                          <a:schemeClr val="bg1"/>
-                        </a:solidFill>
-                        <a:effectLst/>
-                        <a:latin typeface="+mn-lt"/>
-                        <a:ea typeface="+mn-ea"/>
-                        <a:cs typeface="+mn-cs"/>
-                      </a:endParaRPr>
-                    </a:p>
-                  </a:txBody>
-                  <a:tcPr marL="9525" marR="9525" marT="9525" marB="0" anchor="ctr"/>
-                </a:tc>
-                <a:tc>
-                  <a:txBody>
-                    <a:bodyPr/>
-                    <a:lstStyle/>
-                    <a:p>
-                      <a:pPr algn="ctr" fontAlgn="b"/>
-                      <a:r>
-                        <a:rPr lang="en-US" sz="1100" u="none" strike="noStrike" dirty="0" err="1">
-                          <a:effectLst/>
-                        </a:rPr>
-                        <a:t>adrienne</a:t>
-                      </a:r>
-                      <a:endParaRPr lang="en-US" sz="1100" b="0" i="0" u="none" strike="noStrike" dirty="0">
-                        <a:solidFill>
-                          <a:srgbClr val="000000"/>
-                        </a:solidFill>
-                        <a:effectLst/>
-                        <a:latin typeface="+mn-lt"/>
-                      </a:endParaRPr>
-                    </a:p>
-                  </a:txBody>
-                  <a:tcPr marL="9525" marR="9525" marT="9525" marB="0" anchor="ctr"/>
-                </a:tc>
-                <a:tc>
-                  <a:txBody>
-                    <a:bodyPr/>
-                    <a:lstStyle/>
-                    <a:p>
-                      <a:pPr algn="ctr" fontAlgn="b"/>
-                      <a:r>
-                        <a:rPr lang="en-US" sz="1100" u="none" strike="noStrike">
-                          <a:effectLst/>
-                        </a:rPr>
-                        <a:t>christine</a:t>
-                      </a:r>
-                      <a:endParaRPr lang="en-US" sz="1100" b="0" i="0" u="none" strike="noStrike">
-                        <a:solidFill>
-                          <a:srgbClr val="000000"/>
-                        </a:solidFill>
-                        <a:effectLst/>
-                        <a:latin typeface="+mn-lt"/>
-                      </a:endParaRPr>
-                    </a:p>
-                  </a:txBody>
-                  <a:tcPr marL="9525" marR="9525" marT="9525" marB="0" anchor="ctr"/>
-                </a:tc>
-                <a:tc>
-                  <a:txBody>
-                    <a:bodyPr/>
-                    <a:lstStyle/>
-                    <a:p>
-                      <a:pPr algn="ctr" fontAlgn="b"/>
-                      <a:r>
-                        <a:rPr lang="en-US" sz="1100" u="none" strike="noStrike">
-                          <a:effectLst/>
-                        </a:rPr>
-                        <a:t>franks</a:t>
-                      </a:r>
-                      <a:endParaRPr lang="en-US" sz="1100" b="0" i="0" u="none" strike="noStrike">
-                        <a:solidFill>
-                          <a:srgbClr val="000000"/>
-                        </a:solidFill>
-                        <a:effectLst/>
-                        <a:latin typeface="+mn-lt"/>
-                      </a:endParaRPr>
-                    </a:p>
-                  </a:txBody>
-                  <a:tcPr marL="9525" marR="9525" marT="9525" marB="0" anchor="ctr"/>
-                </a:tc>
-                <a:tc>
-                  <a:txBody>
-                    <a:bodyPr/>
-                    <a:lstStyle/>
-                    <a:p>
-                      <a:pPr algn="ctr" fontAlgn="b"/>
-                      <a:r>
-                        <a:rPr lang="en-US" sz="1100" u="none" strike="noStrike">
-                          <a:effectLst/>
-                        </a:rPr>
-                        <a:t>73</a:t>
-                      </a:r>
-                      <a:endParaRPr lang="en-US" sz="1100" b="0" i="0" u="none" strike="noStrike">
-                        <a:solidFill>
-                          <a:srgbClr val="000000"/>
-                        </a:solidFill>
-                        <a:effectLst/>
-                        <a:latin typeface="+mn-lt"/>
-                      </a:endParaRPr>
-                    </a:p>
-                  </a:txBody>
-                  <a:tcPr marL="9525" marR="9525" marT="9525" marB="0" anchor="ctr"/>
-                </a:tc>
-              </a:tr>
-              <a:tr h="403429">
-                <a:tc>
-                  <a:txBody>
-                    <a:bodyPr/>
-                    <a:lstStyle/>
-                    <a:p>
-                      <a:pPr marL="0" algn="ctr" defTabSz="914400" rtl="0" eaLnBrk="1" fontAlgn="b" latinLnBrk="0" hangingPunct="1"/>
-                      <a:r>
-                        <a:rPr lang="en-US" sz="1100" u="none" strike="noStrike" kern="1200" dirty="0">
-                          <a:effectLst/>
-                        </a:rPr>
-                        <a:t>20</a:t>
-                      </a:r>
-                      <a:endParaRPr lang="en-US" sz="1100" b="1" i="0" u="none" strike="noStrike" kern="1200" dirty="0">
-                        <a:solidFill>
-                          <a:schemeClr val="bg1"/>
-                        </a:solidFill>
-                        <a:effectLst/>
-                        <a:latin typeface="+mn-lt"/>
-                        <a:ea typeface="+mn-ea"/>
-                        <a:cs typeface="+mn-cs"/>
-                      </a:endParaRPr>
-                    </a:p>
-                  </a:txBody>
-                  <a:tcPr marL="9525" marR="9525" marT="9525" marB="0" anchor="ctr"/>
-                </a:tc>
-                <a:tc>
-                  <a:txBody>
-                    <a:bodyPr/>
-                    <a:lstStyle/>
-                    <a:p>
-                      <a:pPr algn="ctr" fontAlgn="b"/>
-                      <a:r>
-                        <a:rPr lang="en-US" sz="1100" u="none" strike="noStrike" dirty="0" err="1">
-                          <a:effectLst/>
-                        </a:rPr>
-                        <a:t>alton</a:t>
-                      </a:r>
-                      <a:endParaRPr lang="en-US" sz="1100" b="0" i="0" u="none" strike="noStrike" dirty="0">
-                        <a:solidFill>
-                          <a:srgbClr val="000000"/>
-                        </a:solidFill>
-                        <a:effectLst/>
-                        <a:latin typeface="+mn-lt"/>
-                      </a:endParaRPr>
-                    </a:p>
-                  </a:txBody>
-                  <a:tcPr marL="9525" marR="9525" marT="9525" marB="0" anchor="ctr"/>
-                </a:tc>
-                <a:tc>
-                  <a:txBody>
-                    <a:bodyPr/>
-                    <a:lstStyle/>
-                    <a:p>
-                      <a:pPr algn="ctr" fontAlgn="b"/>
-                      <a:endParaRPr lang="en-US" sz="1100" b="0" i="0" u="none" strike="noStrike">
-                        <a:solidFill>
-                          <a:srgbClr val="000000"/>
-                        </a:solidFill>
-                        <a:effectLst/>
-                        <a:latin typeface="+mn-lt"/>
-                      </a:endParaRPr>
-                    </a:p>
-                  </a:txBody>
-                  <a:tcPr marL="9525" marR="9525" marT="9525" marB="0" anchor="ctr"/>
-                </a:tc>
-                <a:tc>
-                  <a:txBody>
-                    <a:bodyPr/>
-                    <a:lstStyle/>
-                    <a:p>
-                      <a:pPr algn="ctr" fontAlgn="b"/>
-                      <a:r>
-                        <a:rPr lang="en-US" sz="1100" u="none" strike="noStrike">
-                          <a:effectLst/>
-                        </a:rPr>
-                        <a:t>squire</a:t>
-                      </a:r>
-                      <a:endParaRPr lang="en-US" sz="1100" b="0" i="0" u="none" strike="noStrike">
-                        <a:solidFill>
-                          <a:srgbClr val="000000"/>
-                        </a:solidFill>
-                        <a:effectLst/>
-                        <a:latin typeface="+mn-lt"/>
-                      </a:endParaRPr>
-                    </a:p>
-                  </a:txBody>
-                  <a:tcPr marL="9525" marR="9525" marT="9525" marB="0" anchor="ctr"/>
-                </a:tc>
-                <a:tc>
-                  <a:txBody>
-                    <a:bodyPr/>
-                    <a:lstStyle/>
-                    <a:p>
-                      <a:pPr algn="ctr" fontAlgn="b"/>
-                      <a:r>
-                        <a:rPr lang="en-US" sz="1100" u="none" strike="noStrike">
-                          <a:effectLst/>
-                        </a:rPr>
-                        <a:t>49</a:t>
-                      </a:r>
-                      <a:endParaRPr lang="en-US" sz="1100" b="0" i="0" u="none" strike="noStrike">
-                        <a:solidFill>
-                          <a:srgbClr val="000000"/>
-                        </a:solidFill>
-                        <a:effectLst/>
-                        <a:latin typeface="+mn-lt"/>
-                      </a:endParaRPr>
-                    </a:p>
-                  </a:txBody>
-                  <a:tcPr marL="9525" marR="9525" marT="9525" marB="0" anchor="ctr"/>
-                </a:tc>
-              </a:tr>
-              <a:tr h="599572">
-                <a:tc>
-                  <a:txBody>
-                    <a:bodyPr/>
-                    <a:lstStyle/>
-                    <a:p>
-                      <a:pPr marL="0" algn="ctr" defTabSz="914400" rtl="0" eaLnBrk="1" fontAlgn="b" latinLnBrk="0" hangingPunct="1"/>
-                      <a:r>
-                        <a:rPr lang="en-US" sz="1100" u="none" strike="noStrike" kern="1200" dirty="0">
-                          <a:effectLst/>
-                        </a:rPr>
-                        <a:t>48</a:t>
-                      </a:r>
-                      <a:endParaRPr lang="en-US" sz="1100" b="1" i="0" u="none" strike="noStrike" kern="1200" dirty="0">
-                        <a:solidFill>
-                          <a:schemeClr val="bg1"/>
-                        </a:solidFill>
-                        <a:effectLst/>
-                        <a:latin typeface="+mn-lt"/>
-                        <a:ea typeface="+mn-ea"/>
-                        <a:cs typeface="+mn-cs"/>
-                      </a:endParaRPr>
-                    </a:p>
-                  </a:txBody>
-                  <a:tcPr marL="9525" marR="9525" marT="9525" marB="0" anchor="ctr"/>
-                </a:tc>
-                <a:tc>
-                  <a:txBody>
-                    <a:bodyPr/>
-                    <a:lstStyle/>
-                    <a:p>
-                      <a:pPr algn="ctr" fontAlgn="b"/>
-                      <a:r>
-                        <a:rPr lang="en-US" sz="1100" u="none" strike="noStrike" dirty="0" err="1">
-                          <a:effectLst/>
-                        </a:rPr>
-                        <a:t>addie</a:t>
-                      </a:r>
-                      <a:endParaRPr lang="en-US" sz="1100" b="0" i="0" u="none" strike="noStrike" dirty="0">
-                        <a:solidFill>
-                          <a:srgbClr val="000000"/>
-                        </a:solidFill>
-                        <a:effectLst/>
-                        <a:latin typeface="+mn-lt"/>
-                      </a:endParaRPr>
-                    </a:p>
-                  </a:txBody>
-                  <a:tcPr marL="9525" marR="9525" marT="9525" marB="0" anchor="ctr"/>
-                </a:tc>
-                <a:tc>
-                  <a:txBody>
-                    <a:bodyPr/>
-                    <a:lstStyle/>
-                    <a:p>
-                      <a:pPr algn="ctr" fontAlgn="b"/>
-                      <a:r>
-                        <a:rPr lang="en-US" sz="1100" u="none" strike="noStrike" dirty="0" err="1">
-                          <a:effectLst/>
-                        </a:rPr>
-                        <a:t>hoggard</a:t>
-                      </a:r>
-                      <a:r>
-                        <a:rPr lang="en-US" sz="1100" u="none" strike="noStrike" dirty="0">
-                          <a:effectLst/>
-                        </a:rPr>
-                        <a:t>  </a:t>
-                      </a:r>
-                      <a:endParaRPr lang="en-US" sz="1100" b="0" i="0" u="none" strike="noStrike" dirty="0">
-                        <a:solidFill>
-                          <a:srgbClr val="000000"/>
-                        </a:solidFill>
-                        <a:effectLst/>
-                        <a:latin typeface="+mn-lt"/>
-                      </a:endParaRPr>
-                    </a:p>
-                  </a:txBody>
-                  <a:tcPr marL="9525" marR="9525" marT="9525" marB="0" anchor="ctr"/>
-                </a:tc>
-                <a:tc>
-                  <a:txBody>
-                    <a:bodyPr/>
-                    <a:lstStyle/>
-                    <a:p>
-                      <a:pPr algn="ctr" fontAlgn="b"/>
-                      <a:r>
-                        <a:rPr lang="en-US" sz="1100" u="none" strike="noStrike">
-                          <a:effectLst/>
-                        </a:rPr>
-                        <a:t>parrish</a:t>
-                      </a:r>
-                      <a:endParaRPr lang="en-US" sz="1100" b="0" i="0" u="none" strike="noStrike">
-                        <a:solidFill>
-                          <a:srgbClr val="000000"/>
-                        </a:solidFill>
-                        <a:effectLst/>
-                        <a:latin typeface="+mn-lt"/>
-                      </a:endParaRPr>
-                    </a:p>
-                  </a:txBody>
-                  <a:tcPr marL="9525" marR="9525" marT="9525" marB="0" anchor="ctr"/>
-                </a:tc>
-                <a:tc>
-                  <a:txBody>
-                    <a:bodyPr/>
-                    <a:lstStyle/>
-                    <a:p>
-                      <a:pPr algn="ctr" fontAlgn="b"/>
-                      <a:r>
-                        <a:rPr lang="en-US" sz="1100" u="none" strike="noStrike">
-                          <a:effectLst/>
-                        </a:rPr>
-                        <a:t>54</a:t>
-                      </a:r>
-                      <a:endParaRPr lang="en-US" sz="1100" b="0" i="0" u="none" strike="noStrike">
-                        <a:solidFill>
-                          <a:srgbClr val="000000"/>
-                        </a:solidFill>
-                        <a:effectLst/>
-                        <a:latin typeface="+mn-lt"/>
-                      </a:endParaRPr>
-                    </a:p>
-                  </a:txBody>
-                  <a:tcPr marL="9525" marR="9525" marT="9525" marB="0" anchor="ctr"/>
-                </a:tc>
-              </a:tr>
-              <a:tr h="403429">
-                <a:tc>
-                  <a:txBody>
-                    <a:bodyPr/>
-                    <a:lstStyle/>
-                    <a:p>
-                      <a:pPr marL="0" algn="ctr" defTabSz="914400" rtl="0" eaLnBrk="1" fontAlgn="b" latinLnBrk="0" hangingPunct="1"/>
-                      <a:r>
-                        <a:rPr lang="en-US" sz="1100" u="none" strike="noStrike" kern="1200" dirty="0">
-                          <a:effectLst/>
-                        </a:rPr>
-                        <a:t>546</a:t>
-                      </a:r>
-                      <a:endParaRPr lang="en-US" sz="1100" b="1" i="0" u="none" strike="noStrike" kern="1200" dirty="0">
-                        <a:solidFill>
-                          <a:schemeClr val="bg1"/>
-                        </a:solidFill>
-                        <a:effectLst/>
-                        <a:latin typeface="+mn-lt"/>
-                        <a:ea typeface="+mn-ea"/>
-                        <a:cs typeface="+mn-cs"/>
-                      </a:endParaRPr>
-                    </a:p>
-                  </a:txBody>
-                  <a:tcPr marL="9525" marR="9525" marT="9525" marB="0" anchor="ctr"/>
-                </a:tc>
-                <a:tc>
-                  <a:txBody>
-                    <a:bodyPr/>
-                    <a:lstStyle/>
-                    <a:p>
-                      <a:pPr algn="ctr" fontAlgn="b"/>
-                      <a:r>
-                        <a:rPr lang="en-US" sz="1100" u="none" strike="noStrike" dirty="0">
-                          <a:effectLst/>
-                        </a:rPr>
-                        <a:t>albert</a:t>
-                      </a:r>
-                      <a:endParaRPr lang="en-US" sz="1100" b="0" i="0" u="none" strike="noStrike" dirty="0">
-                        <a:solidFill>
-                          <a:srgbClr val="000000"/>
-                        </a:solidFill>
-                        <a:effectLst/>
-                        <a:latin typeface="+mn-lt"/>
-                      </a:endParaRPr>
-                    </a:p>
-                  </a:txBody>
-                  <a:tcPr marL="9525" marR="9525" marT="9525" marB="0" anchor="ctr"/>
-                </a:tc>
-                <a:tc>
-                  <a:txBody>
-                    <a:bodyPr/>
-                    <a:lstStyle/>
-                    <a:p>
-                      <a:pPr algn="ctr" fontAlgn="b"/>
-                      <a:endParaRPr lang="en-US" sz="1100" b="0" i="0" u="none" strike="noStrike" dirty="0">
-                        <a:solidFill>
-                          <a:srgbClr val="000000"/>
-                        </a:solidFill>
-                        <a:effectLst/>
-                        <a:latin typeface="+mn-lt"/>
-                      </a:endParaRPr>
-                    </a:p>
-                  </a:txBody>
-                  <a:tcPr marL="9525" marR="9525" marT="9525" marB="0" anchor="ctr"/>
-                </a:tc>
-                <a:tc>
-                  <a:txBody>
-                    <a:bodyPr/>
-                    <a:lstStyle/>
-                    <a:p>
-                      <a:pPr algn="ctr" fontAlgn="b"/>
-                      <a:r>
-                        <a:rPr lang="en-US" sz="1100" u="none" strike="noStrike">
-                          <a:effectLst/>
-                        </a:rPr>
-                        <a:t>squire</a:t>
-                      </a:r>
-                      <a:endParaRPr lang="en-US" sz="1100" b="0" i="0" u="none" strike="noStrike">
-                        <a:solidFill>
-                          <a:srgbClr val="000000"/>
-                        </a:solidFill>
-                        <a:effectLst/>
-                        <a:latin typeface="+mn-lt"/>
-                      </a:endParaRPr>
-                    </a:p>
-                  </a:txBody>
-                  <a:tcPr marL="9525" marR="9525" marT="9525" marB="0" anchor="ctr"/>
-                </a:tc>
-                <a:tc>
-                  <a:txBody>
-                    <a:bodyPr/>
-                    <a:lstStyle/>
-                    <a:p>
-                      <a:pPr algn="ctr" fontAlgn="b"/>
-                      <a:r>
-                        <a:rPr lang="en-US" sz="1100" u="none" strike="noStrike">
-                          <a:effectLst/>
-                        </a:rPr>
-                        <a:t>54</a:t>
-                      </a:r>
-                      <a:endParaRPr lang="en-US" sz="1100" b="0" i="0" u="none" strike="noStrike">
-                        <a:solidFill>
-                          <a:srgbClr val="000000"/>
-                        </a:solidFill>
-                        <a:effectLst/>
-                        <a:latin typeface="+mn-lt"/>
-                      </a:endParaRPr>
-                    </a:p>
-                  </a:txBody>
-                  <a:tcPr marL="9525" marR="9525" marT="9525" marB="0" anchor="ctr"/>
-                </a:tc>
-              </a:tr>
-              <a:tr h="599572">
-                <a:tc>
-                  <a:txBody>
-                    <a:bodyPr/>
-                    <a:lstStyle/>
-                    <a:p>
-                      <a:pPr marL="0" algn="ctr" defTabSz="914400" rtl="0" eaLnBrk="1" fontAlgn="b" latinLnBrk="0" hangingPunct="1"/>
-                      <a:r>
-                        <a:rPr lang="en-US" sz="1100" u="none" strike="noStrike" kern="1200" dirty="0">
-                          <a:effectLst/>
-                        </a:rPr>
-                        <a:t>668</a:t>
-                      </a:r>
-                      <a:endParaRPr lang="en-US" sz="1100" b="1" i="0" u="none" strike="noStrike" kern="1200" dirty="0">
-                        <a:solidFill>
-                          <a:schemeClr val="bg1"/>
-                        </a:solidFill>
-                        <a:effectLst/>
-                        <a:latin typeface="+mn-lt"/>
-                        <a:ea typeface="+mn-ea"/>
-                        <a:cs typeface="+mn-cs"/>
-                      </a:endParaRPr>
-                    </a:p>
-                  </a:txBody>
-                  <a:tcPr marL="9525" marR="9525" marT="9525" marB="0" anchor="ctr"/>
-                </a:tc>
-                <a:tc>
-                  <a:txBody>
-                    <a:bodyPr/>
-                    <a:lstStyle/>
-                    <a:p>
-                      <a:pPr algn="ctr" fontAlgn="b"/>
-                      <a:r>
-                        <a:rPr lang="en-US" sz="1100" u="none" strike="noStrike" dirty="0" err="1">
-                          <a:effectLst/>
-                        </a:rPr>
-                        <a:t>alton</a:t>
-                      </a:r>
-                      <a:endParaRPr lang="en-US" sz="1100" b="0" i="0" u="none" strike="noStrike" dirty="0">
-                        <a:solidFill>
-                          <a:srgbClr val="000000"/>
-                        </a:solidFill>
-                        <a:effectLst/>
-                        <a:latin typeface="+mn-lt"/>
-                      </a:endParaRPr>
-                    </a:p>
-                  </a:txBody>
-                  <a:tcPr marL="9525" marR="9525" marT="9525" marB="0" anchor="ctr"/>
-                </a:tc>
-                <a:tc>
-                  <a:txBody>
-                    <a:bodyPr/>
-                    <a:lstStyle/>
-                    <a:p>
-                      <a:pPr algn="ctr" fontAlgn="b"/>
-                      <a:endParaRPr lang="en-US" sz="1100" b="0" i="0" u="none" strike="noStrike" dirty="0">
-                        <a:solidFill>
-                          <a:srgbClr val="000000"/>
-                        </a:solidFill>
-                        <a:effectLst/>
-                        <a:latin typeface="+mn-lt"/>
-                      </a:endParaRPr>
-                    </a:p>
-                  </a:txBody>
-                  <a:tcPr marL="9525" marR="9525" marT="9525" marB="0" anchor="ctr"/>
-                </a:tc>
-                <a:tc>
-                  <a:txBody>
-                    <a:bodyPr/>
-                    <a:lstStyle/>
-                    <a:p>
-                      <a:pPr algn="ctr" fontAlgn="b"/>
-                      <a:r>
-                        <a:rPr lang="en-US" sz="1100" u="none" strike="noStrike" dirty="0">
-                          <a:effectLst/>
-                        </a:rPr>
-                        <a:t>smith</a:t>
-                      </a:r>
-                      <a:endParaRPr lang="en-US" sz="1100" b="0" i="0" u="none" strike="noStrike" dirty="0">
-                        <a:solidFill>
-                          <a:srgbClr val="000000"/>
-                        </a:solidFill>
-                        <a:effectLst/>
-                        <a:latin typeface="+mn-lt"/>
-                      </a:endParaRPr>
-                    </a:p>
-                  </a:txBody>
-                  <a:tcPr marL="9525" marR="9525" marT="9525" marB="0" anchor="ctr"/>
-                </a:tc>
-                <a:tc>
-                  <a:txBody>
-                    <a:bodyPr/>
-                    <a:lstStyle/>
-                    <a:p>
-                      <a:pPr algn="ctr" fontAlgn="b"/>
-                      <a:r>
-                        <a:rPr lang="en-US" sz="1100" u="none" strike="noStrike">
-                          <a:effectLst/>
-                        </a:rPr>
-                        <a:t>49</a:t>
-                      </a:r>
-                      <a:endParaRPr lang="en-US" sz="1100" b="0" i="0" u="none" strike="noStrike">
-                        <a:solidFill>
-                          <a:srgbClr val="000000"/>
-                        </a:solidFill>
-                        <a:effectLst/>
-                        <a:latin typeface="+mn-lt"/>
-                      </a:endParaRPr>
-                    </a:p>
-                  </a:txBody>
-                  <a:tcPr marL="9525" marR="9525" marT="9525" marB="0" anchor="ctr"/>
-                </a:tc>
-              </a:tr>
-              <a:tr h="403429">
-                <a:tc>
-                  <a:txBody>
-                    <a:bodyPr/>
-                    <a:lstStyle/>
-                    <a:p>
-                      <a:pPr marL="0" algn="ctr" defTabSz="914400" rtl="0" eaLnBrk="1" fontAlgn="b" latinLnBrk="0" hangingPunct="1"/>
-                      <a:r>
-                        <a:rPr lang="en-US" sz="1100" u="none" strike="noStrike" kern="1200" dirty="0">
-                          <a:effectLst/>
-                        </a:rPr>
-                        <a:t>828</a:t>
-                      </a:r>
-                      <a:endParaRPr lang="en-US" sz="1100" b="1" i="0" u="none" strike="noStrike" kern="1200" dirty="0">
-                        <a:solidFill>
-                          <a:schemeClr val="bg1"/>
-                        </a:solidFill>
-                        <a:effectLst/>
-                        <a:latin typeface="+mn-lt"/>
-                        <a:ea typeface="+mn-ea"/>
-                        <a:cs typeface="+mn-cs"/>
-                      </a:endParaRPr>
-                    </a:p>
-                  </a:txBody>
-                  <a:tcPr marL="9525" marR="9525" marT="9525" marB="0" anchor="ctr"/>
-                </a:tc>
-                <a:tc>
-                  <a:txBody>
-                    <a:bodyPr/>
-                    <a:lstStyle/>
-                    <a:p>
-                      <a:pPr algn="ctr" fontAlgn="b"/>
-                      <a:r>
-                        <a:rPr lang="en-US" sz="1100" u="none" strike="noStrike" dirty="0" err="1">
-                          <a:effectLst/>
-                        </a:rPr>
-                        <a:t>alton</a:t>
-                      </a:r>
-                      <a:endParaRPr lang="en-US" sz="1100" b="0" i="0" u="none" strike="noStrike" dirty="0">
-                        <a:solidFill>
-                          <a:srgbClr val="000000"/>
-                        </a:solidFill>
-                        <a:effectLst/>
-                        <a:latin typeface="+mn-lt"/>
-                      </a:endParaRPr>
-                    </a:p>
-                  </a:txBody>
-                  <a:tcPr marL="9525" marR="9525" marT="9525" marB="0" anchor="ctr"/>
-                </a:tc>
-                <a:tc>
-                  <a:txBody>
-                    <a:bodyPr/>
-                    <a:lstStyle/>
-                    <a:p>
-                      <a:pPr algn="ctr" fontAlgn="b"/>
-                      <a:r>
-                        <a:rPr lang="en-US" sz="1100" u="none" strike="noStrike">
-                          <a:effectLst/>
-                        </a:rPr>
-                        <a:t>threadgill</a:t>
-                      </a:r>
-                      <a:endParaRPr lang="en-US" sz="1100" b="0" i="0" u="none" strike="noStrike">
-                        <a:solidFill>
-                          <a:srgbClr val="000000"/>
-                        </a:solidFill>
-                        <a:effectLst/>
-                        <a:latin typeface="+mn-lt"/>
-                      </a:endParaRPr>
-                    </a:p>
-                  </a:txBody>
-                  <a:tcPr marL="9525" marR="9525" marT="9525" marB="0" anchor="ctr"/>
-                </a:tc>
-                <a:tc>
-                  <a:txBody>
-                    <a:bodyPr/>
-                    <a:lstStyle/>
-                    <a:p>
-                      <a:pPr algn="ctr" fontAlgn="b"/>
-                      <a:r>
-                        <a:rPr lang="en-US" sz="1100" u="none" strike="noStrike" dirty="0">
-                          <a:effectLst/>
-                        </a:rPr>
-                        <a:t>smith</a:t>
-                      </a:r>
-                      <a:endParaRPr lang="en-US" sz="1100" b="0" i="0" u="none" strike="noStrike" dirty="0">
-                        <a:solidFill>
-                          <a:srgbClr val="000000"/>
-                        </a:solidFill>
-                        <a:effectLst/>
-                        <a:latin typeface="+mn-lt"/>
-                      </a:endParaRPr>
-                    </a:p>
-                  </a:txBody>
-                  <a:tcPr marL="9525" marR="9525" marT="9525" marB="0" anchor="ctr"/>
-                </a:tc>
-                <a:tc>
-                  <a:txBody>
-                    <a:bodyPr/>
-                    <a:lstStyle/>
-                    <a:p>
-                      <a:pPr algn="ctr" fontAlgn="b"/>
-                      <a:r>
-                        <a:rPr lang="en-US" sz="1100" u="none" strike="noStrike" dirty="0">
-                          <a:effectLst/>
-                        </a:rPr>
-                        <a:t>65</a:t>
-                      </a:r>
-                      <a:endParaRPr lang="en-US" sz="1100" b="0" i="0" u="none" strike="noStrike" dirty="0">
-                        <a:solidFill>
-                          <a:srgbClr val="000000"/>
-                        </a:solidFill>
-                        <a:effectLst/>
-                        <a:latin typeface="+mn-lt"/>
-                      </a:endParaRPr>
-                    </a:p>
-                  </a:txBody>
-                  <a:tcPr marL="9525" marR="9525" marT="9525" marB="0" anchor="ctr"/>
-                </a:tc>
-              </a:tr>
-            </a:tbl>
-          </a:graphicData>
-        </a:graphic>
-      </p:graphicFrame>
-    </p:spTree>
-    <p:extLst>
-      <p:ext uri="{BB962C8B-B14F-4D97-AF65-F5344CB8AC3E}">
-        <p14:creationId xmlns:p14="http://schemas.microsoft.com/office/powerpoint/2010/main" val="4179754626"/>
-      </p:ext>
-    </p:extLst>
-  </p:cSld>
-  <p:clrMapOvr>
-    <a:masterClrMapping/>
-  </p:clrMapOvr>
-  <p:transition>
-    <p:fade/>
-  </p:transition>
-  <p:timing>
-    <p:tnLst>
-      <p:par>
-        <p:cTn id="1" dur="indefinite" restart="never" nodeType="tmRoot"/>
-      </p:par>
-    </p:tnLst>
-  </p:timing>
-</p:sld>
-</file>
-
 <file path=ppt/slides/slide2.xml><?xml version="1.0" encoding="utf-8"?>
 <p:sld xmlns:a="http://schemas.openxmlformats.org/drawingml/2006/main" xmlns:r="http://schemas.openxmlformats.org/officeDocument/2006/relationships" xmlns:p="http://schemas.openxmlformats.org/presentationml/2006/main">
   <p:cSld>
@@ -35158,7 +34535,6 @@
               <a:rPr lang="en-US" sz="1200" b="1" dirty="0" smtClean="0"/>
               <a:t>Definition &amp; Motivation</a:t>
             </a:r>
-            <a:endParaRPr lang="en-US" sz="1200" b="1" dirty="0" smtClean="0"/>
           </a:p>
           <a:p>
             <a:r>
@@ -35194,7 +34570,6 @@
               <a:rPr lang="en-US" sz="1200" dirty="0" smtClean="0"/>
               <a:t>Evaluation</a:t>
             </a:r>
-            <a:endParaRPr lang="en-US" sz="1200" dirty="0" smtClean="0"/>
           </a:p>
           <a:p>
             <a:pPr lvl="1"/>
@@ -35296,6 +34671,1100 @@
           <a:p>
             <a:r>
               <a:rPr lang="en-US" dirty="0" smtClean="0"/>
+              <a:t>Highlights of implementation</a:t>
+            </a:r>
+            <a:br>
+              <a:rPr lang="en-US" dirty="0" smtClean="0"/>
+            </a:br>
+            <a:r>
+              <a:rPr lang="en-US" dirty="0" smtClean="0"/>
+              <a:t>Combine Position List Index</a:t>
+            </a:r>
+            <a:endParaRPr lang="en-US" dirty="0"/>
+          </a:p>
+        </p:txBody>
+      </p:sp>
+      <p:sp>
+        <p:nvSpPr>
+          <p:cNvPr id="6158" name="Text Placeholder 6157"/>
+          <p:cNvSpPr>
+            <a:spLocks noGrp="1"/>
+          </p:cNvSpPr>
+          <p:nvPr>
+            <p:ph type="body" sz="quarter" idx="13"/>
+          </p:nvPr>
+        </p:nvSpPr>
+        <p:spPr>
+          <a:xfrm>
+            <a:off x="4067944" y="1239837"/>
+            <a:ext cx="3167883" cy="3563937"/>
+          </a:xfrm>
+        </p:spPr>
+        <p:txBody>
+          <a:bodyPr>
+            <a:normAutofit/>
+          </a:bodyPr>
+          <a:lstStyle/>
+          <a:p>
+            <a:pPr lvl="2" indent="0">
+              <a:buNone/>
+            </a:pPr>
+            <a:r>
+              <a:rPr lang="en-US" dirty="0" smtClean="0"/>
+              <a:t>({0},[[]]),</a:t>
+            </a:r>
+          </a:p>
+          <a:p>
+            <a:pPr lvl="2" indent="0">
+              <a:buNone/>
+            </a:pPr>
+            <a:r>
+              <a:rPr lang="en-US" dirty="0" smtClean="0"/>
+              <a:t>({</a:t>
+            </a:r>
+            <a:r>
+              <a:rPr lang="en-US" dirty="0"/>
+              <a:t>1</a:t>
+            </a:r>
+            <a:r>
+              <a:rPr lang="en-US" dirty="0" smtClean="0"/>
+              <a:t>},[[1, 4, 5]]),</a:t>
+            </a:r>
+            <a:endParaRPr lang="en-US" dirty="0"/>
+          </a:p>
+          <a:p>
+            <a:pPr lvl="2" indent="0">
+              <a:buNone/>
+            </a:pPr>
+            <a:r>
+              <a:rPr lang="en-US" dirty="0"/>
+              <a:t>({2</a:t>
+            </a:r>
+            <a:r>
+              <a:rPr lang="en-US" dirty="0" smtClean="0"/>
+              <a:t>},[[1, 3, 4]]),</a:t>
+            </a:r>
+            <a:endParaRPr lang="en-US" dirty="0"/>
+          </a:p>
+          <a:p>
+            <a:pPr lvl="2" indent="0">
+              <a:buNone/>
+            </a:pPr>
+            <a:r>
+              <a:rPr lang="en-US" dirty="0"/>
+              <a:t>({3</a:t>
+            </a:r>
+            <a:r>
+              <a:rPr lang="en-US" dirty="0" smtClean="0"/>
+              <a:t>},[[4, 5], [1, 3]]),</a:t>
+            </a:r>
+            <a:endParaRPr lang="en-US" dirty="0"/>
+          </a:p>
+          <a:p>
+            <a:pPr lvl="2" indent="0">
+              <a:buNone/>
+            </a:pPr>
+            <a:r>
+              <a:rPr lang="en-US" dirty="0"/>
+              <a:t>({4</a:t>
+            </a:r>
+            <a:r>
+              <a:rPr lang="en-US" dirty="0" smtClean="0"/>
+              <a:t>},[[2, 3], [1, </a:t>
+            </a:r>
+            <a:r>
+              <a:rPr lang="en-US" dirty="0"/>
+              <a:t>4</a:t>
+            </a:r>
+            <a:r>
+              <a:rPr lang="en-US" dirty="0" smtClean="0"/>
+              <a:t>]])</a:t>
+            </a:r>
+          </a:p>
+        </p:txBody>
+      </p:sp>
+      <p:sp>
+        <p:nvSpPr>
+          <p:cNvPr id="2" name="Date Placeholder 1"/>
+          <p:cNvSpPr>
+            <a:spLocks noGrp="1"/>
+          </p:cNvSpPr>
+          <p:nvPr>
+            <p:ph type="dt" sz="half" idx="14"/>
+          </p:nvPr>
+        </p:nvSpPr>
+        <p:spPr>
+          <a:xfrm>
+            <a:off x="7416801" y="4155928"/>
+            <a:ext cx="1547813" cy="467268"/>
+          </a:xfrm>
+        </p:spPr>
+        <p:txBody>
+          <a:bodyPr/>
+          <a:lstStyle/>
+          <a:p>
+            <a:r>
+              <a:rPr lang="en-US" dirty="0" smtClean="0"/>
+              <a:t>Pascal Jung,</a:t>
+            </a:r>
+          </a:p>
+          <a:p>
+            <a:r>
+              <a:rPr lang="en-US" dirty="0" smtClean="0"/>
+              <a:t>Jaqueline </a:t>
+            </a:r>
+            <a:r>
+              <a:rPr lang="en-US" dirty="0" err="1" smtClean="0"/>
+              <a:t>Pollak</a:t>
+            </a:r>
+            <a:endParaRPr lang="en-US" dirty="0"/>
+          </a:p>
+        </p:txBody>
+      </p:sp>
+      <p:sp>
+        <p:nvSpPr>
+          <p:cNvPr id="3" name="Footer Placeholder 2"/>
+          <p:cNvSpPr>
+            <a:spLocks noGrp="1"/>
+          </p:cNvSpPr>
+          <p:nvPr>
+            <p:ph type="ftr" sz="quarter" idx="15"/>
+          </p:nvPr>
+        </p:nvSpPr>
+        <p:spPr>
+          <a:xfrm>
+            <a:off x="7416801" y="3562453"/>
+            <a:ext cx="1547813" cy="521465"/>
+          </a:xfrm>
+        </p:spPr>
+        <p:txBody>
+          <a:bodyPr/>
+          <a:lstStyle/>
+          <a:p>
+            <a:r>
+              <a:rPr lang="de-DE" dirty="0"/>
+              <a:t>Data </a:t>
+            </a:r>
+            <a:r>
+              <a:rPr lang="de-DE" dirty="0" err="1"/>
+              <a:t>Profiling</a:t>
+            </a:r>
+            <a:endParaRPr lang="en-US" dirty="0"/>
+          </a:p>
+        </p:txBody>
+      </p:sp>
+      <p:graphicFrame>
+        <p:nvGraphicFramePr>
+          <p:cNvPr id="4" name="Tabelle 3"/>
+          <p:cNvGraphicFramePr>
+            <a:graphicFrameLocks noGrp="1"/>
+          </p:cNvGraphicFramePr>
+          <p:nvPr/>
+        </p:nvGraphicFramePr>
+        <p:xfrm>
+          <a:off x="358775" y="1239838"/>
+          <a:ext cx="3882754" cy="3216289"/>
+        </p:xfrm>
+        <a:graphic>
+          <a:graphicData uri="http://schemas.openxmlformats.org/drawingml/2006/table">
+            <a:tbl>
+              <a:tblPr>
+                <a:tableStyleId>{5C22544A-7EE6-4342-B048-85BDC9FD1C3A}</a:tableStyleId>
+              </a:tblPr>
+              <a:tblGrid>
+                <a:gridCol w="720080"/>
+                <a:gridCol w="864096"/>
+                <a:gridCol w="982223"/>
+                <a:gridCol w="915725"/>
+                <a:gridCol w="400630"/>
+              </a:tblGrid>
+              <a:tr h="403429">
+                <a:tc>
+                  <a:txBody>
+                    <a:bodyPr/>
+                    <a:lstStyle/>
+                    <a:p>
+                      <a:pPr marL="0" algn="ctr" defTabSz="914400" rtl="0" eaLnBrk="1" fontAlgn="b" latinLnBrk="0" hangingPunct="1"/>
+                      <a:r>
+                        <a:rPr lang="en-US" sz="1100" u="none" strike="noStrike" kern="1200" dirty="0" err="1">
+                          <a:effectLst/>
+                        </a:rPr>
+                        <a:t>voter_id</a:t>
+                      </a:r>
+                      <a:endParaRPr lang="en-US" sz="1100" b="1" i="0" u="none" strike="noStrike" kern="1200" dirty="0">
+                        <a:solidFill>
+                          <a:schemeClr val="bg1"/>
+                        </a:solidFill>
+                        <a:effectLst/>
+                        <a:latin typeface="+mn-lt"/>
+                        <a:ea typeface="+mn-ea"/>
+                        <a:cs typeface="+mn-cs"/>
+                      </a:endParaRPr>
+                    </a:p>
+                  </a:txBody>
+                  <a:tcPr marL="9525" marR="9525" marT="9525" marB="0" anchor="ctr"/>
+                </a:tc>
+                <a:tc>
+                  <a:txBody>
+                    <a:bodyPr/>
+                    <a:lstStyle/>
+                    <a:p>
+                      <a:pPr algn="ctr" fontAlgn="b"/>
+                      <a:r>
+                        <a:rPr lang="en-US" sz="1100" u="none" strike="noStrike" dirty="0" err="1">
+                          <a:effectLst/>
+                        </a:rPr>
+                        <a:t>first_name</a:t>
+                      </a:r>
+                      <a:endParaRPr lang="en-US" sz="1100" b="0" i="0" u="none" strike="noStrike" dirty="0">
+                        <a:solidFill>
+                          <a:srgbClr val="000000"/>
+                        </a:solidFill>
+                        <a:effectLst/>
+                        <a:latin typeface="+mn-lt"/>
+                      </a:endParaRPr>
+                    </a:p>
+                  </a:txBody>
+                  <a:tcPr marL="9525" marR="9525" marT="9525" marB="0" anchor="ctr"/>
+                </a:tc>
+                <a:tc>
+                  <a:txBody>
+                    <a:bodyPr/>
+                    <a:lstStyle/>
+                    <a:p>
+                      <a:pPr algn="ctr" fontAlgn="b"/>
+                      <a:r>
+                        <a:rPr lang="en-US" sz="1100" u="none" strike="noStrike">
+                          <a:effectLst/>
+                        </a:rPr>
+                        <a:t>middle_name</a:t>
+                      </a:r>
+                      <a:endParaRPr lang="en-US" sz="1100" b="0" i="0" u="none" strike="noStrike">
+                        <a:solidFill>
+                          <a:srgbClr val="000000"/>
+                        </a:solidFill>
+                        <a:effectLst/>
+                        <a:latin typeface="+mn-lt"/>
+                      </a:endParaRPr>
+                    </a:p>
+                  </a:txBody>
+                  <a:tcPr marL="9525" marR="9525" marT="9525" marB="0" anchor="ctr"/>
+                </a:tc>
+                <a:tc>
+                  <a:txBody>
+                    <a:bodyPr/>
+                    <a:lstStyle/>
+                    <a:p>
+                      <a:pPr algn="ctr" fontAlgn="b"/>
+                      <a:r>
+                        <a:rPr lang="en-US" sz="1100" u="none" strike="noStrike">
+                          <a:effectLst/>
+                        </a:rPr>
+                        <a:t>last_name</a:t>
+                      </a:r>
+                      <a:endParaRPr lang="en-US" sz="1100" b="0" i="0" u="none" strike="noStrike">
+                        <a:solidFill>
+                          <a:srgbClr val="000000"/>
+                        </a:solidFill>
+                        <a:effectLst/>
+                        <a:latin typeface="+mn-lt"/>
+                      </a:endParaRPr>
+                    </a:p>
+                  </a:txBody>
+                  <a:tcPr marL="9525" marR="9525" marT="9525" marB="0" anchor="ctr"/>
+                </a:tc>
+                <a:tc>
+                  <a:txBody>
+                    <a:bodyPr/>
+                    <a:lstStyle/>
+                    <a:p>
+                      <a:pPr algn="ctr" fontAlgn="b"/>
+                      <a:r>
+                        <a:rPr lang="en-US" sz="1100" u="none" strike="noStrike">
+                          <a:effectLst/>
+                        </a:rPr>
+                        <a:t>age</a:t>
+                      </a:r>
+                      <a:endParaRPr lang="en-US" sz="1100" b="0" i="0" u="none" strike="noStrike">
+                        <a:solidFill>
+                          <a:srgbClr val="000000"/>
+                        </a:solidFill>
+                        <a:effectLst/>
+                        <a:latin typeface="+mn-lt"/>
+                      </a:endParaRPr>
+                    </a:p>
+                  </a:txBody>
+                  <a:tcPr marL="9525" marR="9525" marT="9525" marB="0" anchor="ctr"/>
+                </a:tc>
+              </a:tr>
+              <a:tr h="403429">
+                <a:tc>
+                  <a:txBody>
+                    <a:bodyPr/>
+                    <a:lstStyle/>
+                    <a:p>
+                      <a:pPr marL="0" algn="ctr" defTabSz="914400" rtl="0" eaLnBrk="1" fontAlgn="b" latinLnBrk="0" hangingPunct="1"/>
+                      <a:r>
+                        <a:rPr lang="en-US" sz="1100" u="none" strike="noStrike" kern="1200" dirty="0">
+                          <a:effectLst/>
+                        </a:rPr>
+                        <a:t>7</a:t>
+                      </a:r>
+                      <a:endParaRPr lang="en-US" sz="1100" b="1" i="0" u="none" strike="noStrike" kern="1200" dirty="0">
+                        <a:solidFill>
+                          <a:schemeClr val="bg1"/>
+                        </a:solidFill>
+                        <a:effectLst/>
+                        <a:latin typeface="+mn-lt"/>
+                        <a:ea typeface="+mn-ea"/>
+                        <a:cs typeface="+mn-cs"/>
+                      </a:endParaRPr>
+                    </a:p>
+                  </a:txBody>
+                  <a:tcPr marL="9525" marR="9525" marT="9525" marB="0" anchor="ctr"/>
+                </a:tc>
+                <a:tc>
+                  <a:txBody>
+                    <a:bodyPr/>
+                    <a:lstStyle/>
+                    <a:p>
+                      <a:pPr algn="ctr" fontAlgn="b"/>
+                      <a:r>
+                        <a:rPr lang="en-US" sz="1100" u="none" strike="noStrike" dirty="0" err="1">
+                          <a:effectLst/>
+                        </a:rPr>
+                        <a:t>adrienne</a:t>
+                      </a:r>
+                      <a:endParaRPr lang="en-US" sz="1100" b="0" i="0" u="none" strike="noStrike" dirty="0">
+                        <a:solidFill>
+                          <a:srgbClr val="000000"/>
+                        </a:solidFill>
+                        <a:effectLst/>
+                        <a:latin typeface="+mn-lt"/>
+                      </a:endParaRPr>
+                    </a:p>
+                  </a:txBody>
+                  <a:tcPr marL="9525" marR="9525" marT="9525" marB="0" anchor="ctr"/>
+                </a:tc>
+                <a:tc>
+                  <a:txBody>
+                    <a:bodyPr/>
+                    <a:lstStyle/>
+                    <a:p>
+                      <a:pPr algn="ctr" fontAlgn="b"/>
+                      <a:r>
+                        <a:rPr lang="en-US" sz="1100" u="none" strike="noStrike">
+                          <a:effectLst/>
+                        </a:rPr>
+                        <a:t>christine</a:t>
+                      </a:r>
+                      <a:endParaRPr lang="en-US" sz="1100" b="0" i="0" u="none" strike="noStrike">
+                        <a:solidFill>
+                          <a:srgbClr val="000000"/>
+                        </a:solidFill>
+                        <a:effectLst/>
+                        <a:latin typeface="+mn-lt"/>
+                      </a:endParaRPr>
+                    </a:p>
+                  </a:txBody>
+                  <a:tcPr marL="9525" marR="9525" marT="9525" marB="0" anchor="ctr"/>
+                </a:tc>
+                <a:tc>
+                  <a:txBody>
+                    <a:bodyPr/>
+                    <a:lstStyle/>
+                    <a:p>
+                      <a:pPr algn="ctr" fontAlgn="b"/>
+                      <a:r>
+                        <a:rPr lang="en-US" sz="1100" u="none" strike="noStrike">
+                          <a:effectLst/>
+                        </a:rPr>
+                        <a:t>franks</a:t>
+                      </a:r>
+                      <a:endParaRPr lang="en-US" sz="1100" b="0" i="0" u="none" strike="noStrike">
+                        <a:solidFill>
+                          <a:srgbClr val="000000"/>
+                        </a:solidFill>
+                        <a:effectLst/>
+                        <a:latin typeface="+mn-lt"/>
+                      </a:endParaRPr>
+                    </a:p>
+                  </a:txBody>
+                  <a:tcPr marL="9525" marR="9525" marT="9525" marB="0" anchor="ctr"/>
+                </a:tc>
+                <a:tc>
+                  <a:txBody>
+                    <a:bodyPr/>
+                    <a:lstStyle/>
+                    <a:p>
+                      <a:pPr algn="ctr" fontAlgn="b"/>
+                      <a:r>
+                        <a:rPr lang="en-US" sz="1100" u="none" strike="noStrike">
+                          <a:effectLst/>
+                        </a:rPr>
+                        <a:t>73</a:t>
+                      </a:r>
+                      <a:endParaRPr lang="en-US" sz="1100" b="0" i="0" u="none" strike="noStrike">
+                        <a:solidFill>
+                          <a:srgbClr val="000000"/>
+                        </a:solidFill>
+                        <a:effectLst/>
+                        <a:latin typeface="+mn-lt"/>
+                      </a:endParaRPr>
+                    </a:p>
+                  </a:txBody>
+                  <a:tcPr marL="9525" marR="9525" marT="9525" marB="0" anchor="ctr"/>
+                </a:tc>
+              </a:tr>
+              <a:tr h="403429">
+                <a:tc>
+                  <a:txBody>
+                    <a:bodyPr/>
+                    <a:lstStyle/>
+                    <a:p>
+                      <a:pPr marL="0" algn="ctr" defTabSz="914400" rtl="0" eaLnBrk="1" fontAlgn="b" latinLnBrk="0" hangingPunct="1"/>
+                      <a:r>
+                        <a:rPr lang="en-US" sz="1100" u="none" strike="noStrike" kern="1200" dirty="0">
+                          <a:effectLst/>
+                        </a:rPr>
+                        <a:t>20</a:t>
+                      </a:r>
+                      <a:endParaRPr lang="en-US" sz="1100" b="1" i="0" u="none" strike="noStrike" kern="1200" dirty="0">
+                        <a:solidFill>
+                          <a:schemeClr val="bg1"/>
+                        </a:solidFill>
+                        <a:effectLst/>
+                        <a:latin typeface="+mn-lt"/>
+                        <a:ea typeface="+mn-ea"/>
+                        <a:cs typeface="+mn-cs"/>
+                      </a:endParaRPr>
+                    </a:p>
+                  </a:txBody>
+                  <a:tcPr marL="9525" marR="9525" marT="9525" marB="0" anchor="ctr"/>
+                </a:tc>
+                <a:tc>
+                  <a:txBody>
+                    <a:bodyPr/>
+                    <a:lstStyle/>
+                    <a:p>
+                      <a:pPr algn="ctr" fontAlgn="b"/>
+                      <a:r>
+                        <a:rPr lang="en-US" sz="1100" u="none" strike="noStrike" dirty="0" err="1">
+                          <a:effectLst/>
+                        </a:rPr>
+                        <a:t>alton</a:t>
+                      </a:r>
+                      <a:endParaRPr lang="en-US" sz="1100" b="0" i="0" u="none" strike="noStrike" dirty="0">
+                        <a:solidFill>
+                          <a:srgbClr val="000000"/>
+                        </a:solidFill>
+                        <a:effectLst/>
+                        <a:latin typeface="+mn-lt"/>
+                      </a:endParaRPr>
+                    </a:p>
+                  </a:txBody>
+                  <a:tcPr marL="9525" marR="9525" marT="9525" marB="0" anchor="ctr"/>
+                </a:tc>
+                <a:tc>
+                  <a:txBody>
+                    <a:bodyPr/>
+                    <a:lstStyle/>
+                    <a:p>
+                      <a:pPr algn="ctr" fontAlgn="b"/>
+                      <a:endParaRPr lang="en-US" sz="1100" b="0" i="0" u="none" strike="noStrike">
+                        <a:solidFill>
+                          <a:srgbClr val="000000"/>
+                        </a:solidFill>
+                        <a:effectLst/>
+                        <a:latin typeface="+mn-lt"/>
+                      </a:endParaRPr>
+                    </a:p>
+                  </a:txBody>
+                  <a:tcPr marL="9525" marR="9525" marT="9525" marB="0" anchor="ctr"/>
+                </a:tc>
+                <a:tc>
+                  <a:txBody>
+                    <a:bodyPr/>
+                    <a:lstStyle/>
+                    <a:p>
+                      <a:pPr algn="ctr" fontAlgn="b"/>
+                      <a:r>
+                        <a:rPr lang="en-US" sz="1100" u="none" strike="noStrike">
+                          <a:effectLst/>
+                        </a:rPr>
+                        <a:t>squire</a:t>
+                      </a:r>
+                      <a:endParaRPr lang="en-US" sz="1100" b="0" i="0" u="none" strike="noStrike">
+                        <a:solidFill>
+                          <a:srgbClr val="000000"/>
+                        </a:solidFill>
+                        <a:effectLst/>
+                        <a:latin typeface="+mn-lt"/>
+                      </a:endParaRPr>
+                    </a:p>
+                  </a:txBody>
+                  <a:tcPr marL="9525" marR="9525" marT="9525" marB="0" anchor="ctr"/>
+                </a:tc>
+                <a:tc>
+                  <a:txBody>
+                    <a:bodyPr/>
+                    <a:lstStyle/>
+                    <a:p>
+                      <a:pPr algn="ctr" fontAlgn="b"/>
+                      <a:r>
+                        <a:rPr lang="en-US" sz="1100" u="none" strike="noStrike">
+                          <a:effectLst/>
+                        </a:rPr>
+                        <a:t>49</a:t>
+                      </a:r>
+                      <a:endParaRPr lang="en-US" sz="1100" b="0" i="0" u="none" strike="noStrike">
+                        <a:solidFill>
+                          <a:srgbClr val="000000"/>
+                        </a:solidFill>
+                        <a:effectLst/>
+                        <a:latin typeface="+mn-lt"/>
+                      </a:endParaRPr>
+                    </a:p>
+                  </a:txBody>
+                  <a:tcPr marL="9525" marR="9525" marT="9525" marB="0" anchor="ctr"/>
+                </a:tc>
+              </a:tr>
+              <a:tr h="599572">
+                <a:tc>
+                  <a:txBody>
+                    <a:bodyPr/>
+                    <a:lstStyle/>
+                    <a:p>
+                      <a:pPr marL="0" algn="ctr" defTabSz="914400" rtl="0" eaLnBrk="1" fontAlgn="b" latinLnBrk="0" hangingPunct="1"/>
+                      <a:r>
+                        <a:rPr lang="en-US" sz="1100" u="none" strike="noStrike" kern="1200" dirty="0">
+                          <a:effectLst/>
+                        </a:rPr>
+                        <a:t>48</a:t>
+                      </a:r>
+                      <a:endParaRPr lang="en-US" sz="1100" b="1" i="0" u="none" strike="noStrike" kern="1200" dirty="0">
+                        <a:solidFill>
+                          <a:schemeClr val="bg1"/>
+                        </a:solidFill>
+                        <a:effectLst/>
+                        <a:latin typeface="+mn-lt"/>
+                        <a:ea typeface="+mn-ea"/>
+                        <a:cs typeface="+mn-cs"/>
+                      </a:endParaRPr>
+                    </a:p>
+                  </a:txBody>
+                  <a:tcPr marL="9525" marR="9525" marT="9525" marB="0" anchor="ctr"/>
+                </a:tc>
+                <a:tc>
+                  <a:txBody>
+                    <a:bodyPr/>
+                    <a:lstStyle/>
+                    <a:p>
+                      <a:pPr algn="ctr" fontAlgn="b"/>
+                      <a:r>
+                        <a:rPr lang="en-US" sz="1100" u="none" strike="noStrike" dirty="0" err="1">
+                          <a:effectLst/>
+                        </a:rPr>
+                        <a:t>addie</a:t>
+                      </a:r>
+                      <a:endParaRPr lang="en-US" sz="1100" b="0" i="0" u="none" strike="noStrike" dirty="0">
+                        <a:solidFill>
+                          <a:srgbClr val="000000"/>
+                        </a:solidFill>
+                        <a:effectLst/>
+                        <a:latin typeface="+mn-lt"/>
+                      </a:endParaRPr>
+                    </a:p>
+                  </a:txBody>
+                  <a:tcPr marL="9525" marR="9525" marT="9525" marB="0" anchor="ctr"/>
+                </a:tc>
+                <a:tc>
+                  <a:txBody>
+                    <a:bodyPr/>
+                    <a:lstStyle/>
+                    <a:p>
+                      <a:pPr algn="ctr" fontAlgn="b"/>
+                      <a:r>
+                        <a:rPr lang="en-US" sz="1100" u="none" strike="noStrike" dirty="0" err="1">
+                          <a:effectLst/>
+                        </a:rPr>
+                        <a:t>hoggard</a:t>
+                      </a:r>
+                      <a:r>
+                        <a:rPr lang="en-US" sz="1100" u="none" strike="noStrike" dirty="0">
+                          <a:effectLst/>
+                        </a:rPr>
+                        <a:t>  </a:t>
+                      </a:r>
+                      <a:endParaRPr lang="en-US" sz="1100" b="0" i="0" u="none" strike="noStrike" dirty="0">
+                        <a:solidFill>
+                          <a:srgbClr val="000000"/>
+                        </a:solidFill>
+                        <a:effectLst/>
+                        <a:latin typeface="+mn-lt"/>
+                      </a:endParaRPr>
+                    </a:p>
+                  </a:txBody>
+                  <a:tcPr marL="9525" marR="9525" marT="9525" marB="0" anchor="ctr"/>
+                </a:tc>
+                <a:tc>
+                  <a:txBody>
+                    <a:bodyPr/>
+                    <a:lstStyle/>
+                    <a:p>
+                      <a:pPr algn="ctr" fontAlgn="b"/>
+                      <a:r>
+                        <a:rPr lang="en-US" sz="1100" u="none" strike="noStrike">
+                          <a:effectLst/>
+                        </a:rPr>
+                        <a:t>parrish</a:t>
+                      </a:r>
+                      <a:endParaRPr lang="en-US" sz="1100" b="0" i="0" u="none" strike="noStrike">
+                        <a:solidFill>
+                          <a:srgbClr val="000000"/>
+                        </a:solidFill>
+                        <a:effectLst/>
+                        <a:latin typeface="+mn-lt"/>
+                      </a:endParaRPr>
+                    </a:p>
+                  </a:txBody>
+                  <a:tcPr marL="9525" marR="9525" marT="9525" marB="0" anchor="ctr"/>
+                </a:tc>
+                <a:tc>
+                  <a:txBody>
+                    <a:bodyPr/>
+                    <a:lstStyle/>
+                    <a:p>
+                      <a:pPr algn="ctr" fontAlgn="b"/>
+                      <a:r>
+                        <a:rPr lang="en-US" sz="1100" u="none" strike="noStrike">
+                          <a:effectLst/>
+                        </a:rPr>
+                        <a:t>54</a:t>
+                      </a:r>
+                      <a:endParaRPr lang="en-US" sz="1100" b="0" i="0" u="none" strike="noStrike">
+                        <a:solidFill>
+                          <a:srgbClr val="000000"/>
+                        </a:solidFill>
+                        <a:effectLst/>
+                        <a:latin typeface="+mn-lt"/>
+                      </a:endParaRPr>
+                    </a:p>
+                  </a:txBody>
+                  <a:tcPr marL="9525" marR="9525" marT="9525" marB="0" anchor="ctr"/>
+                </a:tc>
+              </a:tr>
+              <a:tr h="403429">
+                <a:tc>
+                  <a:txBody>
+                    <a:bodyPr/>
+                    <a:lstStyle/>
+                    <a:p>
+                      <a:pPr marL="0" algn="ctr" defTabSz="914400" rtl="0" eaLnBrk="1" fontAlgn="b" latinLnBrk="0" hangingPunct="1"/>
+                      <a:r>
+                        <a:rPr lang="en-US" sz="1100" u="none" strike="noStrike" kern="1200" dirty="0">
+                          <a:effectLst/>
+                        </a:rPr>
+                        <a:t>546</a:t>
+                      </a:r>
+                      <a:endParaRPr lang="en-US" sz="1100" b="1" i="0" u="none" strike="noStrike" kern="1200" dirty="0">
+                        <a:solidFill>
+                          <a:schemeClr val="bg1"/>
+                        </a:solidFill>
+                        <a:effectLst/>
+                        <a:latin typeface="+mn-lt"/>
+                        <a:ea typeface="+mn-ea"/>
+                        <a:cs typeface="+mn-cs"/>
+                      </a:endParaRPr>
+                    </a:p>
+                  </a:txBody>
+                  <a:tcPr marL="9525" marR="9525" marT="9525" marB="0" anchor="ctr"/>
+                </a:tc>
+                <a:tc>
+                  <a:txBody>
+                    <a:bodyPr/>
+                    <a:lstStyle/>
+                    <a:p>
+                      <a:pPr algn="ctr" fontAlgn="b"/>
+                      <a:r>
+                        <a:rPr lang="en-US" sz="1100" u="none" strike="noStrike" dirty="0">
+                          <a:effectLst/>
+                        </a:rPr>
+                        <a:t>albert</a:t>
+                      </a:r>
+                      <a:endParaRPr lang="en-US" sz="1100" b="0" i="0" u="none" strike="noStrike" dirty="0">
+                        <a:solidFill>
+                          <a:srgbClr val="000000"/>
+                        </a:solidFill>
+                        <a:effectLst/>
+                        <a:latin typeface="+mn-lt"/>
+                      </a:endParaRPr>
+                    </a:p>
+                  </a:txBody>
+                  <a:tcPr marL="9525" marR="9525" marT="9525" marB="0" anchor="ctr"/>
+                </a:tc>
+                <a:tc>
+                  <a:txBody>
+                    <a:bodyPr/>
+                    <a:lstStyle/>
+                    <a:p>
+                      <a:pPr algn="ctr" fontAlgn="b"/>
+                      <a:endParaRPr lang="en-US" sz="1100" b="0" i="0" u="none" strike="noStrike" dirty="0">
+                        <a:solidFill>
+                          <a:srgbClr val="000000"/>
+                        </a:solidFill>
+                        <a:effectLst/>
+                        <a:latin typeface="+mn-lt"/>
+                      </a:endParaRPr>
+                    </a:p>
+                  </a:txBody>
+                  <a:tcPr marL="9525" marR="9525" marT="9525" marB="0" anchor="ctr"/>
+                </a:tc>
+                <a:tc>
+                  <a:txBody>
+                    <a:bodyPr/>
+                    <a:lstStyle/>
+                    <a:p>
+                      <a:pPr algn="ctr" fontAlgn="b"/>
+                      <a:r>
+                        <a:rPr lang="en-US" sz="1100" u="none" strike="noStrike">
+                          <a:effectLst/>
+                        </a:rPr>
+                        <a:t>squire</a:t>
+                      </a:r>
+                      <a:endParaRPr lang="en-US" sz="1100" b="0" i="0" u="none" strike="noStrike">
+                        <a:solidFill>
+                          <a:srgbClr val="000000"/>
+                        </a:solidFill>
+                        <a:effectLst/>
+                        <a:latin typeface="+mn-lt"/>
+                      </a:endParaRPr>
+                    </a:p>
+                  </a:txBody>
+                  <a:tcPr marL="9525" marR="9525" marT="9525" marB="0" anchor="ctr"/>
+                </a:tc>
+                <a:tc>
+                  <a:txBody>
+                    <a:bodyPr/>
+                    <a:lstStyle/>
+                    <a:p>
+                      <a:pPr algn="ctr" fontAlgn="b"/>
+                      <a:r>
+                        <a:rPr lang="en-US" sz="1100" u="none" strike="noStrike">
+                          <a:effectLst/>
+                        </a:rPr>
+                        <a:t>54</a:t>
+                      </a:r>
+                      <a:endParaRPr lang="en-US" sz="1100" b="0" i="0" u="none" strike="noStrike">
+                        <a:solidFill>
+                          <a:srgbClr val="000000"/>
+                        </a:solidFill>
+                        <a:effectLst/>
+                        <a:latin typeface="+mn-lt"/>
+                      </a:endParaRPr>
+                    </a:p>
+                  </a:txBody>
+                  <a:tcPr marL="9525" marR="9525" marT="9525" marB="0" anchor="ctr"/>
+                </a:tc>
+              </a:tr>
+              <a:tr h="599572">
+                <a:tc>
+                  <a:txBody>
+                    <a:bodyPr/>
+                    <a:lstStyle/>
+                    <a:p>
+                      <a:pPr marL="0" algn="ctr" defTabSz="914400" rtl="0" eaLnBrk="1" fontAlgn="b" latinLnBrk="0" hangingPunct="1"/>
+                      <a:r>
+                        <a:rPr lang="en-US" sz="1100" u="none" strike="noStrike" kern="1200" dirty="0">
+                          <a:effectLst/>
+                        </a:rPr>
+                        <a:t>668</a:t>
+                      </a:r>
+                      <a:endParaRPr lang="en-US" sz="1100" b="1" i="0" u="none" strike="noStrike" kern="1200" dirty="0">
+                        <a:solidFill>
+                          <a:schemeClr val="bg1"/>
+                        </a:solidFill>
+                        <a:effectLst/>
+                        <a:latin typeface="+mn-lt"/>
+                        <a:ea typeface="+mn-ea"/>
+                        <a:cs typeface="+mn-cs"/>
+                      </a:endParaRPr>
+                    </a:p>
+                  </a:txBody>
+                  <a:tcPr marL="9525" marR="9525" marT="9525" marB="0" anchor="ctr"/>
+                </a:tc>
+                <a:tc>
+                  <a:txBody>
+                    <a:bodyPr/>
+                    <a:lstStyle/>
+                    <a:p>
+                      <a:pPr algn="ctr" fontAlgn="b"/>
+                      <a:r>
+                        <a:rPr lang="en-US" sz="1100" u="none" strike="noStrike" dirty="0" err="1">
+                          <a:effectLst/>
+                        </a:rPr>
+                        <a:t>alton</a:t>
+                      </a:r>
+                      <a:endParaRPr lang="en-US" sz="1100" b="0" i="0" u="none" strike="noStrike" dirty="0">
+                        <a:solidFill>
+                          <a:srgbClr val="000000"/>
+                        </a:solidFill>
+                        <a:effectLst/>
+                        <a:latin typeface="+mn-lt"/>
+                      </a:endParaRPr>
+                    </a:p>
+                  </a:txBody>
+                  <a:tcPr marL="9525" marR="9525" marT="9525" marB="0" anchor="ctr"/>
+                </a:tc>
+                <a:tc>
+                  <a:txBody>
+                    <a:bodyPr/>
+                    <a:lstStyle/>
+                    <a:p>
+                      <a:pPr algn="ctr" fontAlgn="b"/>
+                      <a:endParaRPr lang="en-US" sz="1100" b="0" i="0" u="none" strike="noStrike" dirty="0">
+                        <a:solidFill>
+                          <a:srgbClr val="000000"/>
+                        </a:solidFill>
+                        <a:effectLst/>
+                        <a:latin typeface="+mn-lt"/>
+                      </a:endParaRPr>
+                    </a:p>
+                  </a:txBody>
+                  <a:tcPr marL="9525" marR="9525" marT="9525" marB="0" anchor="ctr"/>
+                </a:tc>
+                <a:tc>
+                  <a:txBody>
+                    <a:bodyPr/>
+                    <a:lstStyle/>
+                    <a:p>
+                      <a:pPr algn="ctr" fontAlgn="b"/>
+                      <a:r>
+                        <a:rPr lang="en-US" sz="1100" u="none" strike="noStrike" dirty="0">
+                          <a:effectLst/>
+                        </a:rPr>
+                        <a:t>smith</a:t>
+                      </a:r>
+                      <a:endParaRPr lang="en-US" sz="1100" b="0" i="0" u="none" strike="noStrike" dirty="0">
+                        <a:solidFill>
+                          <a:srgbClr val="000000"/>
+                        </a:solidFill>
+                        <a:effectLst/>
+                        <a:latin typeface="+mn-lt"/>
+                      </a:endParaRPr>
+                    </a:p>
+                  </a:txBody>
+                  <a:tcPr marL="9525" marR="9525" marT="9525" marB="0" anchor="ctr"/>
+                </a:tc>
+                <a:tc>
+                  <a:txBody>
+                    <a:bodyPr/>
+                    <a:lstStyle/>
+                    <a:p>
+                      <a:pPr algn="ctr" fontAlgn="b"/>
+                      <a:r>
+                        <a:rPr lang="en-US" sz="1100" u="none" strike="noStrike">
+                          <a:effectLst/>
+                        </a:rPr>
+                        <a:t>49</a:t>
+                      </a:r>
+                      <a:endParaRPr lang="en-US" sz="1100" b="0" i="0" u="none" strike="noStrike">
+                        <a:solidFill>
+                          <a:srgbClr val="000000"/>
+                        </a:solidFill>
+                        <a:effectLst/>
+                        <a:latin typeface="+mn-lt"/>
+                      </a:endParaRPr>
+                    </a:p>
+                  </a:txBody>
+                  <a:tcPr marL="9525" marR="9525" marT="9525" marB="0" anchor="ctr"/>
+                </a:tc>
+              </a:tr>
+              <a:tr h="403429">
+                <a:tc>
+                  <a:txBody>
+                    <a:bodyPr/>
+                    <a:lstStyle/>
+                    <a:p>
+                      <a:pPr marL="0" algn="ctr" defTabSz="914400" rtl="0" eaLnBrk="1" fontAlgn="b" latinLnBrk="0" hangingPunct="1"/>
+                      <a:r>
+                        <a:rPr lang="en-US" sz="1100" u="none" strike="noStrike" kern="1200" dirty="0">
+                          <a:effectLst/>
+                        </a:rPr>
+                        <a:t>828</a:t>
+                      </a:r>
+                      <a:endParaRPr lang="en-US" sz="1100" b="1" i="0" u="none" strike="noStrike" kern="1200" dirty="0">
+                        <a:solidFill>
+                          <a:schemeClr val="bg1"/>
+                        </a:solidFill>
+                        <a:effectLst/>
+                        <a:latin typeface="+mn-lt"/>
+                        <a:ea typeface="+mn-ea"/>
+                        <a:cs typeface="+mn-cs"/>
+                      </a:endParaRPr>
+                    </a:p>
+                  </a:txBody>
+                  <a:tcPr marL="9525" marR="9525" marT="9525" marB="0" anchor="ctr"/>
+                </a:tc>
+                <a:tc>
+                  <a:txBody>
+                    <a:bodyPr/>
+                    <a:lstStyle/>
+                    <a:p>
+                      <a:pPr algn="ctr" fontAlgn="b"/>
+                      <a:r>
+                        <a:rPr lang="en-US" sz="1100" u="none" strike="noStrike" dirty="0" err="1">
+                          <a:effectLst/>
+                        </a:rPr>
+                        <a:t>alton</a:t>
+                      </a:r>
+                      <a:endParaRPr lang="en-US" sz="1100" b="0" i="0" u="none" strike="noStrike" dirty="0">
+                        <a:solidFill>
+                          <a:srgbClr val="000000"/>
+                        </a:solidFill>
+                        <a:effectLst/>
+                        <a:latin typeface="+mn-lt"/>
+                      </a:endParaRPr>
+                    </a:p>
+                  </a:txBody>
+                  <a:tcPr marL="9525" marR="9525" marT="9525" marB="0" anchor="ctr"/>
+                </a:tc>
+                <a:tc>
+                  <a:txBody>
+                    <a:bodyPr/>
+                    <a:lstStyle/>
+                    <a:p>
+                      <a:pPr algn="ctr" fontAlgn="b"/>
+                      <a:r>
+                        <a:rPr lang="en-US" sz="1100" u="none" strike="noStrike">
+                          <a:effectLst/>
+                        </a:rPr>
+                        <a:t>threadgill</a:t>
+                      </a:r>
+                      <a:endParaRPr lang="en-US" sz="1100" b="0" i="0" u="none" strike="noStrike">
+                        <a:solidFill>
+                          <a:srgbClr val="000000"/>
+                        </a:solidFill>
+                        <a:effectLst/>
+                        <a:latin typeface="+mn-lt"/>
+                      </a:endParaRPr>
+                    </a:p>
+                  </a:txBody>
+                  <a:tcPr marL="9525" marR="9525" marT="9525" marB="0" anchor="ctr"/>
+                </a:tc>
+                <a:tc>
+                  <a:txBody>
+                    <a:bodyPr/>
+                    <a:lstStyle/>
+                    <a:p>
+                      <a:pPr algn="ctr" fontAlgn="b"/>
+                      <a:r>
+                        <a:rPr lang="en-US" sz="1100" u="none" strike="noStrike" dirty="0">
+                          <a:effectLst/>
+                        </a:rPr>
+                        <a:t>smith</a:t>
+                      </a:r>
+                      <a:endParaRPr lang="en-US" sz="1100" b="0" i="0" u="none" strike="noStrike" dirty="0">
+                        <a:solidFill>
+                          <a:srgbClr val="000000"/>
+                        </a:solidFill>
+                        <a:effectLst/>
+                        <a:latin typeface="+mn-lt"/>
+                      </a:endParaRPr>
+                    </a:p>
+                  </a:txBody>
+                  <a:tcPr marL="9525" marR="9525" marT="9525" marB="0" anchor="ctr"/>
+                </a:tc>
+                <a:tc>
+                  <a:txBody>
+                    <a:bodyPr/>
+                    <a:lstStyle/>
+                    <a:p>
+                      <a:pPr algn="ctr" fontAlgn="b"/>
+                      <a:r>
+                        <a:rPr lang="en-US" sz="1100" u="none" strike="noStrike" dirty="0">
+                          <a:effectLst/>
+                        </a:rPr>
+                        <a:t>65</a:t>
+                      </a:r>
+                      <a:endParaRPr lang="en-US" sz="1100" b="0" i="0" u="none" strike="noStrike" dirty="0">
+                        <a:solidFill>
+                          <a:srgbClr val="000000"/>
+                        </a:solidFill>
+                        <a:effectLst/>
+                        <a:latin typeface="+mn-lt"/>
+                      </a:endParaRPr>
+                    </a:p>
+                  </a:txBody>
+                  <a:tcPr marL="9525" marR="9525" marT="9525" marB="0" anchor="ctr"/>
+                </a:tc>
+              </a:tr>
+            </a:tbl>
+          </a:graphicData>
+        </a:graphic>
+      </p:graphicFrame>
+    </p:spTree>
+    <p:extLst>
+      <p:ext uri="{BB962C8B-B14F-4D97-AF65-F5344CB8AC3E}">
+        <p14:creationId xmlns:p14="http://schemas.microsoft.com/office/powerpoint/2010/main" val="4179754626"/>
+      </p:ext>
+    </p:extLst>
+  </p:cSld>
+  <p:clrMapOvr>
+    <a:masterClrMapping/>
+  </p:clrMapOvr>
+  <p:transition>
+    <p:fade/>
+  </p:transition>
+  <p:timing>
+    <p:tnLst>
+      <p:par>
+        <p:cTn id="1" dur="indefinite" restart="never" nodeType="tmRoot"/>
+      </p:par>
+    </p:tnLst>
+  </p:timing>
+</p:sld>
+</file>
+
+<file path=ppt/slides/slide21.xml><?xml version="1.0" encoding="utf-8"?>
+<p:sld xmlns:a="http://schemas.openxmlformats.org/drawingml/2006/main" xmlns:r="http://schemas.openxmlformats.org/officeDocument/2006/relationships" xmlns:p="http://schemas.openxmlformats.org/presentationml/2006/main">
+  <p:cSld>
+    <p:spTree>
+      <p:nvGrpSpPr>
+        <p:cNvPr id="1" name=""/>
+        <p:cNvGrpSpPr/>
+        <p:nvPr/>
+      </p:nvGrpSpPr>
+      <p:grpSpPr>
+        <a:xfrm>
+          <a:off x="0" y="0"/>
+          <a:ext cx="0" cy="0"/>
+          <a:chOff x="0" y="0"/>
+          <a:chExt cx="0" cy="0"/>
+        </a:xfrm>
+      </p:grpSpPr>
+      <p:sp>
+        <p:nvSpPr>
+          <p:cNvPr id="6157" name="Title 6156"/>
+          <p:cNvSpPr>
+            <a:spLocks noGrp="1"/>
+          </p:cNvSpPr>
+          <p:nvPr>
+            <p:ph type="title"/>
+          </p:nvPr>
+        </p:nvSpPr>
+        <p:spPr>
+          <a:xfrm>
+            <a:off x="358776" y="108001"/>
+            <a:ext cx="6877051" cy="927588"/>
+          </a:xfrm>
+        </p:spPr>
+        <p:txBody>
+          <a:bodyPr/>
+          <a:lstStyle/>
+          <a:p>
+            <a:r>
+              <a:rPr lang="en-US" dirty="0" smtClean="0"/>
               <a:t>Highlights of </a:t>
             </a:r>
             <a:r>
@@ -35309,7 +35778,6 @@
               <a:rPr lang="en-US" dirty="0"/>
               <a:t>Combine Position List Index</a:t>
             </a:r>
-            <a:endParaRPr lang="en-US" dirty="0"/>
           </a:p>
         </p:txBody>
       </p:sp>
@@ -36451,7 +36919,7 @@
 </p:sld>
 </file>
 
-<file path=ppt/slides/slide21.xml><?xml version="1.0" encoding="utf-8"?>
+<file path=ppt/slides/slide22.xml><?xml version="1.0" encoding="utf-8"?>
 <p:sld xmlns:a="http://schemas.openxmlformats.org/drawingml/2006/main" xmlns:r="http://schemas.openxmlformats.org/officeDocument/2006/relationships" xmlns:p="http://schemas.openxmlformats.org/presentationml/2006/main">
   <p:cSld>
     <p:spTree>
@@ -36503,7 +36971,6 @@
               <a:rPr lang="en-US" dirty="0"/>
               <a:t>Combine Position List Index</a:t>
             </a:r>
-            <a:endParaRPr lang="en-US" dirty="0"/>
           </a:p>
         </p:txBody>
       </p:sp>
@@ -37596,7 +38063,7 @@
 </p:sld>
 </file>
 
-<file path=ppt/slides/slide22.xml><?xml version="1.0" encoding="utf-8"?>
+<file path=ppt/slides/slide23.xml><?xml version="1.0" encoding="utf-8"?>
 <p:sld xmlns:a="http://schemas.openxmlformats.org/drawingml/2006/main" xmlns:r="http://schemas.openxmlformats.org/officeDocument/2006/relationships" xmlns:p="http://schemas.openxmlformats.org/presentationml/2006/main">
   <p:cSld>
     <p:spTree>
@@ -37644,7 +38111,6 @@
               <a:rPr lang="en-US" dirty="0"/>
               <a:t>Combine Position List Index</a:t>
             </a:r>
-            <a:endParaRPr lang="en-US" dirty="0"/>
           </a:p>
         </p:txBody>
       </p:sp>
@@ -38054,15 +38520,7 @@
             </a:pPr>
             <a:r>
               <a:rPr lang="en-US" dirty="0" smtClean="0"/>
-              <a:t>({1,2</a:t>
-            </a:r>
-            <a:r>
-              <a:rPr lang="en-US" dirty="0" smtClean="0"/>
-              <a:t>},[[</a:t>
-            </a:r>
-            <a:r>
-              <a:rPr lang="en-US" dirty="0" smtClean="0"/>
-              <a:t>1,4]]), </a:t>
+              <a:t>({1,2},[[1,4]]), </a:t>
             </a:r>
           </a:p>
           <a:p>
@@ -39284,7 +39742,7 @@
 </p:sld>
 </file>
 
-<file path=ppt/slides/slide23.xml><?xml version="1.0" encoding="utf-8"?>
+<file path=ppt/slides/slide24.xml><?xml version="1.0" encoding="utf-8"?>
 <p:sld xmlns:a="http://schemas.openxmlformats.org/drawingml/2006/main" xmlns:r="http://schemas.openxmlformats.org/officeDocument/2006/relationships" xmlns:p="http://schemas.openxmlformats.org/presentationml/2006/main" show="0">
   <p:cSld>
     <p:spTree>
@@ -39332,7 +39790,6 @@
               <a:rPr lang="en-US" dirty="0"/>
               <a:t>Combine Position List Index</a:t>
             </a:r>
-            <a:endParaRPr lang="en-US" dirty="0"/>
           </a:p>
         </p:txBody>
       </p:sp>
@@ -40034,247 +40491,6 @@
     <p:extLst>
       <p:ext uri="{BB962C8B-B14F-4D97-AF65-F5344CB8AC3E}">
         <p14:creationId xmlns:p14="http://schemas.microsoft.com/office/powerpoint/2010/main" val="3530499344"/>
-      </p:ext>
-    </p:extLst>
-  </p:cSld>
-  <p:clrMapOvr>
-    <a:masterClrMapping/>
-  </p:clrMapOvr>
-  <p:transition>
-    <p:fade/>
-  </p:transition>
-  <p:timing>
-    <p:tnLst>
-      <p:par>
-        <p:cTn id="1" dur="indefinite" restart="never" nodeType="tmRoot"/>
-      </p:par>
-    </p:tnLst>
-  </p:timing>
-</p:sld>
-</file>
-
-<file path=ppt/slides/slide24.xml><?xml version="1.0" encoding="utf-8"?>
-<p:sld xmlns:a="http://schemas.openxmlformats.org/drawingml/2006/main" xmlns:r="http://schemas.openxmlformats.org/officeDocument/2006/relationships" xmlns:p="http://schemas.openxmlformats.org/presentationml/2006/main">
-  <p:cSld>
-    <p:spTree>
-      <p:nvGrpSpPr>
-        <p:cNvPr id="1" name=""/>
-        <p:cNvGrpSpPr/>
-        <p:nvPr/>
-      </p:nvGrpSpPr>
-      <p:grpSpPr>
-        <a:xfrm>
-          <a:off x="0" y="0"/>
-          <a:ext cx="0" cy="0"/>
-          <a:chOff x="0" y="0"/>
-          <a:chExt cx="0" cy="0"/>
-        </a:xfrm>
-      </p:grpSpPr>
-      <p:sp>
-        <p:nvSpPr>
-          <p:cNvPr id="6157" name="Title 6156"/>
-          <p:cNvSpPr>
-            <a:spLocks noGrp="1"/>
-          </p:cNvSpPr>
-          <p:nvPr>
-            <p:ph type="title"/>
-          </p:nvPr>
-        </p:nvSpPr>
-        <p:spPr>
-          <a:xfrm>
-            <a:off x="358776" y="108001"/>
-            <a:ext cx="6877051" cy="927588"/>
-          </a:xfrm>
-        </p:spPr>
-        <p:txBody>
-          <a:bodyPr/>
-          <a:lstStyle/>
-          <a:p>
-            <a:r>
-              <a:rPr lang="en-US" dirty="0" smtClean="0"/>
-              <a:t>Performance improvements</a:t>
-            </a:r>
-            <a:endParaRPr lang="en-US" dirty="0"/>
-          </a:p>
-        </p:txBody>
-      </p:sp>
-      <p:sp>
-        <p:nvSpPr>
-          <p:cNvPr id="6158" name="Text Placeholder 6157"/>
-          <p:cNvSpPr>
-            <a:spLocks noGrp="1"/>
-          </p:cNvSpPr>
-          <p:nvPr>
-            <p:ph type="body" sz="quarter" idx="13"/>
-          </p:nvPr>
-        </p:nvSpPr>
-        <p:spPr/>
-        <p:txBody>
-          <a:bodyPr>
-            <a:normAutofit/>
-          </a:bodyPr>
-          <a:lstStyle/>
-          <a:p>
-            <a:pPr marL="285750" indent="-285750">
-              <a:buFont typeface="Arial" panose="020B0604020202020204" pitchFamily="34" charset="0"/>
-              <a:buChar char="•"/>
-            </a:pPr>
-            <a:r>
-              <a:rPr lang="en-US" dirty="0" smtClean="0"/>
-              <a:t>Parallelism</a:t>
-            </a:r>
-          </a:p>
-          <a:p>
-            <a:pPr marL="285750" indent="-285750">
-              <a:buFont typeface="Arial" panose="020B0604020202020204" pitchFamily="34" charset="0"/>
-              <a:buChar char="•"/>
-            </a:pPr>
-            <a:r>
-              <a:rPr lang="en-US" dirty="0" smtClean="0"/>
-              <a:t>Row pruning through position list index</a:t>
-            </a:r>
-          </a:p>
-          <a:p>
-            <a:pPr marL="285750" indent="-285750">
-              <a:buFont typeface="Arial" panose="020B0604020202020204" pitchFamily="34" charset="0"/>
-              <a:buChar char="•"/>
-            </a:pPr>
-            <a:r>
-              <a:rPr lang="en-US" dirty="0" smtClean="0"/>
-              <a:t>Column pruning through searching for minimal unique column combinations</a:t>
-            </a:r>
-          </a:p>
-          <a:p>
-            <a:pPr marL="466725" lvl="1" indent="-285750">
-              <a:buFont typeface="Arial" panose="020B0604020202020204" pitchFamily="34" charset="0"/>
-              <a:buChar char="•"/>
-            </a:pPr>
-            <a:r>
-              <a:rPr lang="en-US" dirty="0" smtClean="0"/>
-              <a:t>Set is unique if it includes subset which is unique</a:t>
-            </a:r>
-          </a:p>
-          <a:p>
-            <a:pPr marL="285750" indent="-285750">
-              <a:buFont typeface="Arial" panose="020B0604020202020204" pitchFamily="34" charset="0"/>
-              <a:buChar char="•"/>
-            </a:pPr>
-            <a:r>
-              <a:rPr lang="en-US" dirty="0" smtClean="0"/>
-              <a:t>Sampling</a:t>
-            </a:r>
-          </a:p>
-          <a:p>
-            <a:pPr marL="466725" lvl="1" indent="-285750">
-              <a:buFont typeface="Arial" panose="020B0604020202020204" pitchFamily="34" charset="0"/>
-              <a:buChar char="•"/>
-            </a:pPr>
-            <a:r>
-              <a:rPr lang="en-US" dirty="0" smtClean="0"/>
-              <a:t>Not implemented because influence on quality of result</a:t>
-            </a:r>
-          </a:p>
-          <a:p>
-            <a:pPr marL="285750" indent="-285750">
-              <a:buFont typeface="Arial" panose="020B0604020202020204" pitchFamily="34" charset="0"/>
-              <a:buChar char="•"/>
-            </a:pPr>
-            <a:r>
-              <a:rPr lang="en-US" dirty="0" smtClean="0"/>
-              <a:t>Other</a:t>
-            </a:r>
-          </a:p>
-          <a:p>
-            <a:pPr marL="466725" lvl="1" indent="-285750">
-              <a:buFont typeface="Arial" panose="020B0604020202020204" pitchFamily="34" charset="0"/>
-              <a:buChar char="•"/>
-            </a:pPr>
-            <a:r>
-              <a:rPr lang="en-US" dirty="0" smtClean="0"/>
-              <a:t>Using of </a:t>
-            </a:r>
-            <a:r>
-              <a:rPr lang="en-US" dirty="0" err="1" smtClean="0"/>
-              <a:t>BitSets</a:t>
-            </a:r>
-            <a:endParaRPr lang="en-US" dirty="0" smtClean="0"/>
-          </a:p>
-        </p:txBody>
-      </p:sp>
-      <p:sp>
-        <p:nvSpPr>
-          <p:cNvPr id="2" name="Date Placeholder 1"/>
-          <p:cNvSpPr>
-            <a:spLocks noGrp="1"/>
-          </p:cNvSpPr>
-          <p:nvPr>
-            <p:ph type="dt" sz="half" idx="14"/>
-          </p:nvPr>
-        </p:nvSpPr>
-        <p:spPr>
-          <a:xfrm>
-            <a:off x="7416801" y="4155928"/>
-            <a:ext cx="1547813" cy="467268"/>
-          </a:xfrm>
-        </p:spPr>
-        <p:txBody>
-          <a:bodyPr/>
-          <a:lstStyle/>
-          <a:p>
-            <a:r>
-              <a:rPr lang="en-US" dirty="0" smtClean="0"/>
-              <a:t>Pascal Jung,</a:t>
-            </a:r>
-          </a:p>
-          <a:p>
-            <a:r>
-              <a:rPr lang="en-US" dirty="0" smtClean="0"/>
-              <a:t>Jaqueline </a:t>
-            </a:r>
-            <a:r>
-              <a:rPr lang="en-US" dirty="0" err="1" smtClean="0"/>
-              <a:t>Pollak</a:t>
-            </a:r>
-            <a:endParaRPr lang="en-US" dirty="0"/>
-          </a:p>
-        </p:txBody>
-      </p:sp>
-      <p:sp>
-        <p:nvSpPr>
-          <p:cNvPr id="3" name="Footer Placeholder 2"/>
-          <p:cNvSpPr>
-            <a:spLocks noGrp="1"/>
-          </p:cNvSpPr>
-          <p:nvPr>
-            <p:ph type="ftr" sz="quarter" idx="15"/>
-          </p:nvPr>
-        </p:nvSpPr>
-        <p:spPr>
-          <a:xfrm>
-            <a:off x="7416801" y="3562453"/>
-            <a:ext cx="1547813" cy="521465"/>
-          </a:xfrm>
-        </p:spPr>
-        <p:txBody>
-          <a:bodyPr/>
-          <a:lstStyle/>
-          <a:p>
-            <a:r>
-              <a:rPr lang="de-DE" dirty="0"/>
-              <a:t>Data </a:t>
-            </a:r>
-            <a:r>
-              <a:rPr lang="de-DE" dirty="0" err="1"/>
-              <a:t>Profiling</a:t>
-            </a:r>
-            <a:endParaRPr lang="en-US" dirty="0"/>
-          </a:p>
-        </p:txBody>
-      </p:sp>
-    </p:spTree>
-    <p:extLst>
-      <p:ext uri="{BB962C8B-B14F-4D97-AF65-F5344CB8AC3E}">
-        <p14:creationId xmlns:p14="http://schemas.microsoft.com/office/powerpoint/2010/main" val="687003704"/>
       </p:ext>
     </p:extLst>
   </p:cSld>
@@ -40313,7 +40529,7 @@
       </p:grpSpPr>
       <p:sp>
         <p:nvSpPr>
-          <p:cNvPr id="4" name="Title 3"/>
+          <p:cNvPr id="6157" name="Title 6156"/>
           <p:cNvSpPr>
             <a:spLocks noGrp="1"/>
           </p:cNvSpPr>
@@ -40332,8 +40548,8 @@
           <a:lstStyle/>
           <a:p>
             <a:r>
-              <a:rPr lang="de-DE" smtClean="0"/>
-              <a:t>Agenda</a:t>
+              <a:rPr lang="en-US" dirty="0" smtClean="0"/>
+              <a:t>Performance improvements</a:t>
             </a:r>
             <a:endParaRPr lang="en-US" dirty="0"/>
           </a:p>
@@ -40341,109 +40557,189 @@
       </p:sp>
       <p:sp>
         <p:nvSpPr>
-          <p:cNvPr id="6" name="Text Placeholder 5"/>
+          <p:cNvPr id="6158" name="Text Placeholder 6157"/>
           <p:cNvSpPr>
             <a:spLocks noGrp="1"/>
           </p:cNvSpPr>
           <p:nvPr>
-            <p:ph type="body" sz="quarter" idx="10"/>
+            <p:ph type="body" sz="quarter" idx="13"/>
           </p:nvPr>
         </p:nvSpPr>
         <p:spPr/>
         <p:txBody>
+          <a:bodyPr>
+            <a:normAutofit/>
+          </a:bodyPr>
+          <a:lstStyle/>
+          <a:p>
+            <a:pPr marL="285750" indent="-285750">
+              <a:buFont typeface="Arial" panose="020B0604020202020204" pitchFamily="34" charset="0"/>
+              <a:buChar char="•"/>
+            </a:pPr>
+            <a:r>
+              <a:rPr lang="en-US" dirty="0" smtClean="0"/>
+              <a:t>Parallelism</a:t>
+            </a:r>
+          </a:p>
+          <a:p>
+            <a:pPr marL="285750" indent="-285750">
+              <a:buFont typeface="Arial" panose="020B0604020202020204" pitchFamily="34" charset="0"/>
+              <a:buChar char="•"/>
+            </a:pPr>
+            <a:r>
+              <a:rPr lang="en-US" dirty="0" smtClean="0"/>
+              <a:t>Row pruning through position list index</a:t>
+            </a:r>
+          </a:p>
+          <a:p>
+            <a:pPr marL="285750" indent="-285750">
+              <a:buFont typeface="Arial" panose="020B0604020202020204" pitchFamily="34" charset="0"/>
+              <a:buChar char="•"/>
+            </a:pPr>
+            <a:r>
+              <a:rPr lang="en-US" dirty="0" smtClean="0"/>
+              <a:t>Column pruning through searching for minimal unique column combinations</a:t>
+            </a:r>
+          </a:p>
+          <a:p>
+            <a:pPr marL="466725" lvl="1" indent="-285750">
+              <a:buFont typeface="Arial" panose="020B0604020202020204" pitchFamily="34" charset="0"/>
+              <a:buChar char="•"/>
+            </a:pPr>
+            <a:r>
+              <a:rPr lang="en-US" dirty="0" smtClean="0"/>
+              <a:t>Set is unique if it includes subset which is unique</a:t>
+            </a:r>
+          </a:p>
+          <a:p>
+            <a:pPr marL="285750" indent="-285750">
+              <a:buFont typeface="Arial" panose="020B0604020202020204" pitchFamily="34" charset="0"/>
+              <a:buChar char="•"/>
+            </a:pPr>
+            <a:r>
+              <a:rPr lang="en-US" dirty="0" smtClean="0"/>
+              <a:t>Sampling</a:t>
+            </a:r>
+          </a:p>
+          <a:p>
+            <a:pPr marL="466725" lvl="1" indent="-285750">
+              <a:buFont typeface="Arial" panose="020B0604020202020204" pitchFamily="34" charset="0"/>
+              <a:buChar char="•"/>
+            </a:pPr>
+            <a:r>
+              <a:rPr lang="en-US" dirty="0" smtClean="0"/>
+              <a:t>Not implemented because influence on quality of result</a:t>
+            </a:r>
+          </a:p>
+          <a:p>
+            <a:pPr marL="285750" indent="-285750">
+              <a:buFont typeface="Arial" panose="020B0604020202020204" pitchFamily="34" charset="0"/>
+              <a:buChar char="•"/>
+            </a:pPr>
+            <a:r>
+              <a:rPr lang="en-US" dirty="0" smtClean="0"/>
+              <a:t>Other</a:t>
+            </a:r>
+          </a:p>
+          <a:p>
+            <a:pPr marL="466725" lvl="1" indent="-285750">
+              <a:buFont typeface="Arial" panose="020B0604020202020204" pitchFamily="34" charset="0"/>
+              <a:buChar char="•"/>
+            </a:pPr>
+            <a:r>
+              <a:rPr lang="en-US" dirty="0" smtClean="0"/>
+              <a:t>Using of </a:t>
+            </a:r>
+            <a:r>
+              <a:rPr lang="en-US" dirty="0" err="1" smtClean="0"/>
+              <a:t>BitSets</a:t>
+            </a:r>
+            <a:endParaRPr lang="en-US" dirty="0" smtClean="0"/>
+          </a:p>
+        </p:txBody>
+      </p:sp>
+      <p:sp>
+        <p:nvSpPr>
+          <p:cNvPr id="2" name="Date Placeholder 1"/>
+          <p:cNvSpPr>
+            <a:spLocks noGrp="1"/>
+          </p:cNvSpPr>
+          <p:nvPr>
+            <p:ph type="dt" sz="half" idx="14"/>
+          </p:nvPr>
+        </p:nvSpPr>
+        <p:spPr>
+          <a:xfrm>
+            <a:off x="7416801" y="4155928"/>
+            <a:ext cx="1547813" cy="467268"/>
+          </a:xfrm>
+        </p:spPr>
+        <p:txBody>
           <a:bodyPr/>
           <a:lstStyle/>
           <a:p>
             <a:r>
-              <a:rPr lang="en-US" sz="1200" dirty="0" smtClean="0"/>
-              <a:t>Definition &amp; Motivation</a:t>
-            </a:r>
-          </a:p>
-          <a:p>
-            <a:r>
-              <a:rPr lang="en-US" sz="1200" dirty="0" smtClean="0"/>
-              <a:t>Solution</a:t>
-            </a:r>
-          </a:p>
-          <a:p>
-            <a:pPr lvl="1"/>
-            <a:r>
-              <a:rPr lang="en-US" sz="1200" dirty="0" smtClean="0"/>
-              <a:t>Spark-Plan</a:t>
-            </a:r>
-            <a:endParaRPr lang="en-US" sz="1200" dirty="0" smtClean="0"/>
-          </a:p>
-          <a:p>
-            <a:pPr lvl="1"/>
-            <a:r>
-              <a:rPr lang="en-US" sz="1200" dirty="0" smtClean="0"/>
-              <a:t>Parallel parts</a:t>
-            </a:r>
-            <a:endParaRPr lang="en-US" sz="1200" dirty="0" smtClean="0"/>
-          </a:p>
-          <a:p>
-            <a:pPr lvl="1"/>
-            <a:r>
-              <a:rPr lang="en-US" sz="1200" dirty="0" smtClean="0"/>
-              <a:t>Position List Index</a:t>
-            </a:r>
-          </a:p>
-          <a:p>
-            <a:r>
-              <a:rPr lang="en-US" sz="1200" b="1" dirty="0" smtClean="0"/>
-              <a:t>Evaluation</a:t>
-            </a:r>
-          </a:p>
-          <a:p>
-            <a:pPr lvl="1"/>
-            <a:r>
-              <a:rPr lang="en-US" sz="1200" dirty="0" smtClean="0"/>
-              <a:t>Scaling through parallelism</a:t>
-            </a:r>
-          </a:p>
-          <a:p>
-            <a:pPr lvl="1"/>
-            <a:r>
-              <a:rPr lang="en-US" sz="1200" dirty="0" smtClean="0"/>
-              <a:t>Performance improvement through different </a:t>
-            </a:r>
-            <a:r>
-              <a:rPr lang="en-US" sz="1200" dirty="0" err="1" smtClean="0"/>
-              <a:t>prunneings</a:t>
-            </a:r>
-            <a:endParaRPr lang="en-US" sz="1200" dirty="0" smtClean="0"/>
-          </a:p>
-          <a:p>
-            <a:pPr lvl="1"/>
-            <a:r>
-              <a:rPr lang="en-US" sz="1200" dirty="0" smtClean="0"/>
-              <a:t>Performance with different data sizes</a:t>
-            </a:r>
-          </a:p>
-          <a:p>
-            <a:pPr lvl="1"/>
-            <a:r>
-              <a:rPr lang="en-US" sz="1200" dirty="0" smtClean="0"/>
-              <a:t>Quality of results</a:t>
-            </a:r>
-          </a:p>
-          <a:p>
-            <a:endParaRPr lang="en-US" sz="1200" dirty="0"/>
+              <a:rPr lang="en-US" dirty="0" smtClean="0"/>
+              <a:t>Pascal Jung,</a:t>
+            </a:r>
+          </a:p>
+          <a:p>
+            <a:r>
+              <a:rPr lang="en-US" dirty="0" smtClean="0"/>
+              <a:t>Jaqueline </a:t>
+            </a:r>
+            <a:r>
+              <a:rPr lang="en-US" dirty="0" err="1" smtClean="0"/>
+              <a:t>Pollak</a:t>
+            </a:r>
+            <a:endParaRPr lang="en-US" dirty="0"/>
+          </a:p>
+        </p:txBody>
+      </p:sp>
+      <p:sp>
+        <p:nvSpPr>
+          <p:cNvPr id="3" name="Footer Placeholder 2"/>
+          <p:cNvSpPr>
+            <a:spLocks noGrp="1"/>
+          </p:cNvSpPr>
+          <p:nvPr>
+            <p:ph type="ftr" sz="quarter" idx="15"/>
+          </p:nvPr>
+        </p:nvSpPr>
+        <p:spPr>
+          <a:xfrm>
+            <a:off x="7416801" y="3562453"/>
+            <a:ext cx="1547813" cy="521465"/>
+          </a:xfrm>
+        </p:spPr>
+        <p:txBody>
+          <a:bodyPr/>
+          <a:lstStyle/>
+          <a:p>
+            <a:r>
+              <a:rPr lang="de-DE" dirty="0"/>
+              <a:t>Data </a:t>
+            </a:r>
+            <a:r>
+              <a:rPr lang="de-DE" dirty="0" err="1"/>
+              <a:t>Profiling</a:t>
+            </a:r>
+            <a:endParaRPr lang="en-US" dirty="0"/>
           </a:p>
         </p:txBody>
       </p:sp>
     </p:spTree>
     <p:extLst>
       <p:ext uri="{BB962C8B-B14F-4D97-AF65-F5344CB8AC3E}">
-        <p14:creationId xmlns:p14="http://schemas.microsoft.com/office/powerpoint/2010/main" val="1553500203"/>
+        <p14:creationId xmlns:p14="http://schemas.microsoft.com/office/powerpoint/2010/main" val="687003704"/>
       </p:ext>
     </p:extLst>
   </p:cSld>
   <p:clrMapOvr>
     <a:masterClrMapping/>
   </p:clrMapOvr>
-  <p:transition spd="slow">
-    <p:wipe dir="u"/>
+  <p:transition>
+    <p:fade/>
   </p:transition>
   <p:timing>
     <p:tnLst>
@@ -40474,7 +40770,7 @@
       </p:grpSpPr>
       <p:sp>
         <p:nvSpPr>
-          <p:cNvPr id="6157" name="Title 6156"/>
+          <p:cNvPr id="4" name="Title 3"/>
           <p:cNvSpPr>
             <a:spLocks noGrp="1"/>
           </p:cNvSpPr>
@@ -40493,15 +40789,8 @@
           <a:lstStyle/>
           <a:p>
             <a:r>
-              <a:rPr lang="en-US" dirty="0" smtClean="0"/>
-              <a:t>Evaluation</a:t>
-            </a:r>
-            <a:br>
-              <a:rPr lang="en-US" dirty="0" smtClean="0"/>
-            </a:br>
-            <a:r>
-              <a:rPr lang="en-US" dirty="0" smtClean="0"/>
-              <a:t>scaling on cores</a:t>
+              <a:rPr lang="de-DE" smtClean="0"/>
+              <a:t>Agenda</a:t>
             </a:r>
             <a:endParaRPr lang="en-US" dirty="0"/>
           </a:p>
@@ -40509,110 +40798,107 @@
       </p:sp>
       <p:sp>
         <p:nvSpPr>
-          <p:cNvPr id="6158" name="Text Placeholder 6157"/>
+          <p:cNvPr id="6" name="Text Placeholder 5"/>
           <p:cNvSpPr>
             <a:spLocks noGrp="1"/>
           </p:cNvSpPr>
           <p:nvPr>
-            <p:ph type="body" sz="quarter" idx="13"/>
+            <p:ph type="body" sz="quarter" idx="10"/>
           </p:nvPr>
         </p:nvSpPr>
         <p:spPr/>
         <p:txBody>
-          <a:bodyPr>
-            <a:normAutofit/>
-          </a:bodyPr>
-          <a:lstStyle/>
-          <a:p>
-            <a:pPr lvl="2" indent="0">
-              <a:buNone/>
-            </a:pPr>
-            <a:endParaRPr lang="en-US" dirty="0" smtClean="0"/>
-          </a:p>
-        </p:txBody>
-      </p:sp>
-      <p:sp>
-        <p:nvSpPr>
-          <p:cNvPr id="2" name="Date Placeholder 1"/>
-          <p:cNvSpPr>
-            <a:spLocks noGrp="1"/>
-          </p:cNvSpPr>
-          <p:nvPr>
-            <p:ph type="dt" sz="half" idx="14"/>
-          </p:nvPr>
-        </p:nvSpPr>
-        <p:spPr>
-          <a:xfrm>
-            <a:off x="7416801" y="4155928"/>
-            <a:ext cx="1547813" cy="467268"/>
-          </a:xfrm>
-        </p:spPr>
-        <p:txBody>
           <a:bodyPr/>
           <a:lstStyle/>
           <a:p>
             <a:r>
-              <a:rPr lang="en-US" dirty="0" smtClean="0"/>
-              <a:t>Pascal Jung,</a:t>
-            </a:r>
-          </a:p>
-          <a:p>
-            <a:r>
-              <a:rPr lang="en-US" dirty="0" smtClean="0"/>
-              <a:t>Jaqueline </a:t>
-            </a:r>
-            <a:r>
-              <a:rPr lang="en-US" dirty="0" err="1" smtClean="0"/>
-              <a:t>Pollak</a:t>
-            </a:r>
-            <a:endParaRPr lang="en-US" dirty="0"/>
-          </a:p>
-        </p:txBody>
-      </p:sp>
-      <p:sp>
-        <p:nvSpPr>
-          <p:cNvPr id="3" name="Footer Placeholder 2"/>
-          <p:cNvSpPr>
-            <a:spLocks noGrp="1"/>
-          </p:cNvSpPr>
-          <p:nvPr>
-            <p:ph type="ftr" sz="quarter" idx="15"/>
-          </p:nvPr>
-        </p:nvSpPr>
-        <p:spPr>
-          <a:xfrm>
-            <a:off x="7416801" y="3562453"/>
-            <a:ext cx="1547813" cy="521465"/>
-          </a:xfrm>
-        </p:spPr>
-        <p:txBody>
-          <a:bodyPr/>
-          <a:lstStyle/>
-          <a:p>
-            <a:r>
-              <a:rPr lang="de-DE" dirty="0"/>
-              <a:t>Data </a:t>
-            </a:r>
-            <a:r>
-              <a:rPr lang="de-DE" dirty="0" err="1"/>
-              <a:t>Profiling</a:t>
-            </a:r>
-            <a:endParaRPr lang="en-US" dirty="0"/>
+              <a:rPr lang="en-US" sz="1200" dirty="0" smtClean="0"/>
+              <a:t>Definition &amp; Motivation</a:t>
+            </a:r>
+          </a:p>
+          <a:p>
+            <a:r>
+              <a:rPr lang="en-US" sz="1200" dirty="0" smtClean="0"/>
+              <a:t>Solution</a:t>
+            </a:r>
+          </a:p>
+          <a:p>
+            <a:pPr lvl="1"/>
+            <a:r>
+              <a:rPr lang="en-US" sz="1200" dirty="0" smtClean="0"/>
+              <a:t>Spark-Plan</a:t>
+            </a:r>
+          </a:p>
+          <a:p>
+            <a:pPr lvl="1"/>
+            <a:r>
+              <a:rPr lang="en-US" sz="1200" dirty="0" smtClean="0"/>
+              <a:t>Parallel parts</a:t>
+            </a:r>
+          </a:p>
+          <a:p>
+            <a:pPr lvl="1"/>
+            <a:r>
+              <a:rPr lang="en-US" sz="1200" dirty="0" smtClean="0"/>
+              <a:t>Position List Index</a:t>
+            </a:r>
+          </a:p>
+          <a:p>
+            <a:r>
+              <a:rPr lang="en-US" sz="1200" b="1" dirty="0" smtClean="0"/>
+              <a:t>Evaluation</a:t>
+            </a:r>
+          </a:p>
+          <a:p>
+            <a:pPr lvl="1"/>
+            <a:r>
+              <a:rPr lang="en-US" sz="1200" dirty="0" smtClean="0"/>
+              <a:t>Scaling through parallelism</a:t>
+            </a:r>
+          </a:p>
+          <a:p>
+            <a:pPr lvl="1"/>
+            <a:r>
+              <a:rPr lang="en-US" sz="1200" dirty="0" smtClean="0"/>
+              <a:t>Performance improvement through different </a:t>
+            </a:r>
+            <a:r>
+              <a:rPr lang="en-US" sz="1200" dirty="0" err="1" smtClean="0"/>
+              <a:t>prunneings</a:t>
+            </a:r>
+            <a:endParaRPr lang="en-US" sz="1200" dirty="0" smtClean="0"/>
+          </a:p>
+          <a:p>
+            <a:pPr lvl="1"/>
+            <a:r>
+              <a:rPr lang="en-US" sz="1200" dirty="0" smtClean="0"/>
+              <a:t>Performance with different data sizes</a:t>
+            </a:r>
+          </a:p>
+          <a:p>
+            <a:pPr lvl="1"/>
+            <a:r>
+              <a:rPr lang="en-US" sz="1200" dirty="0" smtClean="0"/>
+              <a:t>Quality of results</a:t>
+            </a:r>
+          </a:p>
+          <a:p>
+            <a:endParaRPr lang="en-US" sz="1200" dirty="0"/>
           </a:p>
         </p:txBody>
       </p:sp>
     </p:spTree>
     <p:extLst>
       <p:ext uri="{BB962C8B-B14F-4D97-AF65-F5344CB8AC3E}">
-        <p14:creationId xmlns:p14="http://schemas.microsoft.com/office/powerpoint/2010/main" val="687003704"/>
+        <p14:creationId xmlns:p14="http://schemas.microsoft.com/office/powerpoint/2010/main" val="1553500203"/>
       </p:ext>
     </p:extLst>
   </p:cSld>
   <p:clrMapOvr>
     <a:masterClrMapping/>
   </p:clrMapOvr>
-  <p:transition>
-    <p:fade/>
+  <p:transition spd="slow">
+    <p:wipe dir="u"/>
   </p:transition>
   <p:timing>
     <p:tnLst>
@@ -40643,7 +40929,442 @@
       </p:grpSpPr>
       <p:sp>
         <p:nvSpPr>
-          <p:cNvPr id="6157" name="Title 6156"/>
+          <p:cNvPr id="2" name="Textplatzhalter 1"/>
+          <p:cNvSpPr>
+            <a:spLocks noGrp="1"/>
+          </p:cNvSpPr>
+          <p:nvPr>
+            <p:ph type="body" sz="quarter" idx="10"/>
+          </p:nvPr>
+        </p:nvSpPr>
+        <p:spPr/>
+        <p:txBody>
+          <a:bodyPr/>
+          <a:lstStyle/>
+          <a:p>
+            <a:r>
+              <a:rPr lang="de-DE" dirty="0" smtClean="0"/>
+              <a:t>Size </a:t>
+            </a:r>
+            <a:r>
+              <a:rPr lang="de-DE" dirty="0" err="1" smtClean="0"/>
+              <a:t>of</a:t>
+            </a:r>
+            <a:r>
+              <a:rPr lang="de-DE" dirty="0" smtClean="0"/>
+              <a:t> </a:t>
+            </a:r>
+            <a:r>
+              <a:rPr lang="de-DE" dirty="0" err="1" smtClean="0"/>
+              <a:t>local</a:t>
+            </a:r>
+            <a:r>
+              <a:rPr lang="de-DE" dirty="0" smtClean="0"/>
+              <a:t> </a:t>
+            </a:r>
+            <a:r>
+              <a:rPr lang="de-DE" dirty="0" err="1" smtClean="0"/>
+              <a:t>data</a:t>
+            </a:r>
+            <a:r>
+              <a:rPr lang="de-DE" dirty="0" smtClean="0"/>
+              <a:t> </a:t>
+            </a:r>
+            <a:r>
+              <a:rPr lang="de-DE" dirty="0" err="1" smtClean="0"/>
+              <a:t>structure</a:t>
+            </a:r>
+            <a:r>
+              <a:rPr lang="de-DE" dirty="0" smtClean="0"/>
+              <a:t> </a:t>
+            </a:r>
+            <a:r>
+              <a:rPr lang="de-DE" dirty="0" err="1" smtClean="0"/>
+              <a:t>gets</a:t>
+            </a:r>
+            <a:r>
+              <a:rPr lang="de-DE" dirty="0" smtClean="0"/>
+              <a:t> </a:t>
+            </a:r>
+            <a:r>
+              <a:rPr lang="de-DE" dirty="0" err="1" smtClean="0"/>
+              <a:t>too</a:t>
+            </a:r>
+            <a:r>
+              <a:rPr lang="de-DE" dirty="0" smtClean="0"/>
+              <a:t> </a:t>
+            </a:r>
+            <a:r>
+              <a:rPr lang="de-DE" dirty="0" err="1" smtClean="0"/>
+              <a:t>big</a:t>
+            </a:r>
+            <a:endParaRPr lang="de-DE" dirty="0"/>
+          </a:p>
+          <a:p>
+            <a:r>
+              <a:rPr lang="de-DE" dirty="0" smtClean="0"/>
+              <a:t>Minimal </a:t>
+            </a:r>
+            <a:r>
+              <a:rPr lang="de-DE" dirty="0" err="1" smtClean="0"/>
+              <a:t>Uniques</a:t>
+            </a:r>
+            <a:r>
+              <a:rPr lang="de-DE" dirty="0" smtClean="0"/>
+              <a:t> </a:t>
+            </a:r>
+            <a:r>
+              <a:rPr lang="de-DE" dirty="0" err="1" smtClean="0"/>
+              <a:t>need</a:t>
+            </a:r>
+            <a:r>
+              <a:rPr lang="de-DE" dirty="0" smtClean="0"/>
+              <a:t> </a:t>
+            </a:r>
+            <a:r>
+              <a:rPr lang="de-DE" dirty="0" err="1" smtClean="0"/>
+              <a:t>to</a:t>
+            </a:r>
+            <a:r>
+              <a:rPr lang="de-DE" dirty="0" smtClean="0"/>
+              <a:t> </a:t>
+            </a:r>
+            <a:r>
+              <a:rPr lang="de-DE" dirty="0" err="1" smtClean="0"/>
+              <a:t>be</a:t>
+            </a:r>
+            <a:r>
+              <a:rPr lang="de-DE" dirty="0" smtClean="0"/>
+              <a:t> </a:t>
+            </a:r>
+            <a:r>
+              <a:rPr lang="de-DE" dirty="0" err="1" smtClean="0"/>
+              <a:t>communicated</a:t>
+            </a:r>
+            <a:endParaRPr lang="de-DE" dirty="0" smtClean="0"/>
+          </a:p>
+          <a:p>
+            <a:r>
+              <a:rPr lang="de-DE" dirty="0" err="1" smtClean="0"/>
+              <a:t>Combination</a:t>
+            </a:r>
+            <a:r>
+              <a:rPr lang="de-DE" dirty="0"/>
+              <a:t> </a:t>
+            </a:r>
+            <a:r>
+              <a:rPr lang="de-DE" dirty="0" err="1" smtClean="0"/>
+              <a:t>of</a:t>
+            </a:r>
+            <a:r>
+              <a:rPr lang="de-DE" dirty="0" smtClean="0"/>
+              <a:t> RDDs</a:t>
+            </a:r>
+          </a:p>
+          <a:p>
+            <a:r>
+              <a:rPr lang="de-DE" dirty="0" err="1" smtClean="0"/>
+              <a:t>Intersection</a:t>
+            </a:r>
+            <a:r>
+              <a:rPr lang="de-DE" dirty="0" smtClean="0"/>
+              <a:t> = </a:t>
+            </a:r>
+            <a:r>
+              <a:rPr lang="de-DE" dirty="0" err="1" smtClean="0"/>
+              <a:t>bottleneck</a:t>
+            </a:r>
+            <a:r>
+              <a:rPr lang="de-DE" dirty="0" smtClean="0"/>
+              <a:t>?</a:t>
+            </a:r>
+          </a:p>
+          <a:p>
+            <a:r>
+              <a:rPr lang="de-DE" dirty="0" err="1" smtClean="0"/>
+              <a:t>For</a:t>
+            </a:r>
+            <a:r>
+              <a:rPr lang="de-DE" dirty="0" smtClean="0"/>
+              <a:t> </a:t>
+            </a:r>
+            <a:r>
+              <a:rPr lang="de-DE" dirty="0" err="1" smtClean="0"/>
+              <a:t>intersection</a:t>
+            </a:r>
+            <a:r>
+              <a:rPr lang="de-DE" dirty="0" smtClean="0"/>
+              <a:t> </a:t>
+            </a:r>
+            <a:r>
+              <a:rPr lang="de-DE" dirty="0" err="1" smtClean="0"/>
+              <a:t>one</a:t>
+            </a:r>
+            <a:r>
+              <a:rPr lang="de-DE" dirty="0" smtClean="0"/>
+              <a:t> PLI must </a:t>
+            </a:r>
+            <a:r>
+              <a:rPr lang="de-DE" dirty="0" err="1" smtClean="0"/>
+              <a:t>go</a:t>
+            </a:r>
+            <a:r>
+              <a:rPr lang="de-DE" dirty="0" smtClean="0"/>
+              <a:t> </a:t>
+            </a:r>
+            <a:r>
+              <a:rPr lang="de-DE" dirty="0" err="1" smtClean="0"/>
+              <a:t>completely</a:t>
+            </a:r>
+            <a:r>
+              <a:rPr lang="de-DE" dirty="0" smtClean="0"/>
+              <a:t> </a:t>
+            </a:r>
+            <a:r>
+              <a:rPr lang="de-DE" dirty="0" err="1" smtClean="0"/>
+              <a:t>into</a:t>
+            </a:r>
+            <a:r>
+              <a:rPr lang="de-DE" dirty="0" smtClean="0"/>
+              <a:t> </a:t>
+            </a:r>
+            <a:r>
+              <a:rPr lang="de-DE" dirty="0" err="1" smtClean="0"/>
+              <a:t>memory</a:t>
+            </a:r>
+            <a:endParaRPr lang="de-DE" dirty="0" smtClean="0"/>
+          </a:p>
+          <a:p>
+            <a:pPr marL="0" indent="0">
+              <a:buNone/>
+            </a:pPr>
+            <a:r>
+              <a:rPr lang="de-DE" dirty="0" smtClean="0"/>
+              <a:t>	</a:t>
+            </a:r>
+            <a:r>
+              <a:rPr lang="de-DE" dirty="0" smtClean="0">
+                <a:sym typeface="Wingdings" pitchFamily="2" charset="2"/>
+              </a:rPr>
+              <a:t> </a:t>
+            </a:r>
+            <a:r>
+              <a:rPr lang="de-DE" dirty="0" err="1" smtClean="0">
+                <a:sym typeface="Wingdings" pitchFamily="2" charset="2"/>
+              </a:rPr>
+              <a:t>hashed</a:t>
+            </a:r>
+            <a:r>
+              <a:rPr lang="de-DE" dirty="0" smtClean="0">
+                <a:sym typeface="Wingdings" pitchFamily="2" charset="2"/>
+              </a:rPr>
+              <a:t> PLI</a:t>
+            </a:r>
+          </a:p>
+          <a:p>
+            <a:pPr marL="0" indent="0">
+              <a:buNone/>
+            </a:pPr>
+            <a:r>
+              <a:rPr lang="de-DE" dirty="0">
+                <a:sym typeface="Wingdings" pitchFamily="2" charset="2"/>
+              </a:rPr>
+              <a:t>	</a:t>
+            </a:r>
+            <a:r>
+              <a:rPr lang="de-DE" dirty="0" smtClean="0">
+                <a:sym typeface="Wingdings" pitchFamily="2" charset="2"/>
+              </a:rPr>
+              <a:t> </a:t>
+            </a:r>
+            <a:r>
+              <a:rPr lang="de-DE" dirty="0" err="1" smtClean="0">
+                <a:sym typeface="Wingdings" pitchFamily="2" charset="2"/>
+              </a:rPr>
+              <a:t>need</a:t>
+            </a:r>
+            <a:r>
+              <a:rPr lang="de-DE" dirty="0" smtClean="0">
+                <a:sym typeface="Wingdings" pitchFamily="2" charset="2"/>
+              </a:rPr>
+              <a:t> </a:t>
+            </a:r>
+            <a:r>
+              <a:rPr lang="de-DE" dirty="0" err="1" smtClean="0">
+                <a:sym typeface="Wingdings" pitchFamily="2" charset="2"/>
+              </a:rPr>
+              <a:t>to</a:t>
+            </a:r>
+            <a:r>
+              <a:rPr lang="de-DE" dirty="0" smtClean="0">
+                <a:sym typeface="Wingdings" pitchFamily="2" charset="2"/>
+              </a:rPr>
+              <a:t> </a:t>
+            </a:r>
+            <a:r>
+              <a:rPr lang="de-DE" dirty="0" err="1" smtClean="0">
+                <a:sym typeface="Wingdings" pitchFamily="2" charset="2"/>
+              </a:rPr>
+              <a:t>parallelize</a:t>
+            </a:r>
+            <a:r>
+              <a:rPr lang="de-DE" dirty="0" smtClean="0">
+                <a:sym typeface="Wingdings" pitchFamily="2" charset="2"/>
+              </a:rPr>
+              <a:t> </a:t>
+            </a:r>
+            <a:r>
+              <a:rPr lang="de-DE" dirty="0" err="1" smtClean="0">
+                <a:sym typeface="Wingdings" pitchFamily="2" charset="2"/>
+              </a:rPr>
+              <a:t>intersection</a:t>
+            </a:r>
+            <a:r>
+              <a:rPr lang="de-DE" dirty="0">
+                <a:sym typeface="Wingdings" pitchFamily="2" charset="2"/>
+              </a:rPr>
+              <a:t> </a:t>
+            </a:r>
+            <a:r>
+              <a:rPr lang="de-DE" dirty="0" err="1" smtClean="0">
+                <a:sym typeface="Wingdings" pitchFamily="2" charset="2"/>
+              </a:rPr>
+              <a:t>more</a:t>
+            </a:r>
+            <a:endParaRPr lang="en-US" dirty="0" smtClean="0">
+              <a:sym typeface="Wingdings" pitchFamily="2" charset="2"/>
+            </a:endParaRPr>
+          </a:p>
+          <a:p>
+            <a:pPr marL="0" indent="0">
+              <a:buNone/>
+            </a:pPr>
+            <a:r>
+              <a:rPr lang="de-DE" dirty="0" err="1" smtClean="0">
+                <a:sym typeface="Wingdings" pitchFamily="2" charset="2"/>
+              </a:rPr>
+              <a:t>Flatmap</a:t>
+            </a:r>
+            <a:r>
+              <a:rPr lang="de-DE" dirty="0" smtClean="0">
+                <a:sym typeface="Wingdings" pitchFamily="2" charset="2"/>
+              </a:rPr>
+              <a:t> = </a:t>
+            </a:r>
+            <a:r>
+              <a:rPr lang="de-DE" dirty="0" err="1" smtClean="0">
+                <a:sym typeface="Wingdings" pitchFamily="2" charset="2"/>
+              </a:rPr>
+              <a:t>bottlenack</a:t>
+            </a:r>
+            <a:r>
+              <a:rPr lang="de-DE" dirty="0" smtClean="0">
+                <a:sym typeface="Wingdings" pitchFamily="2" charset="2"/>
+              </a:rPr>
+              <a:t> </a:t>
+            </a:r>
+            <a:r>
+              <a:rPr lang="de-DE" dirty="0" err="1" smtClean="0">
+                <a:sym typeface="Wingdings" pitchFamily="2" charset="2"/>
+              </a:rPr>
+              <a:t>if</a:t>
+            </a:r>
+            <a:r>
+              <a:rPr lang="de-DE" dirty="0" smtClean="0">
+                <a:sym typeface="Wingdings" pitchFamily="2" charset="2"/>
+              </a:rPr>
+              <a:t> </a:t>
+            </a:r>
+            <a:r>
+              <a:rPr lang="de-DE" dirty="0" err="1" smtClean="0">
+                <a:sym typeface="Wingdings" pitchFamily="2" charset="2"/>
+              </a:rPr>
+              <a:t>it</a:t>
+            </a:r>
+            <a:r>
+              <a:rPr lang="de-DE" dirty="0" smtClean="0">
+                <a:sym typeface="Wingdings" pitchFamily="2" charset="2"/>
+              </a:rPr>
+              <a:t> </a:t>
+            </a:r>
+            <a:r>
+              <a:rPr lang="de-DE" dirty="0" err="1" smtClean="0">
+                <a:sym typeface="Wingdings" pitchFamily="2" charset="2"/>
+              </a:rPr>
+              <a:t>results</a:t>
+            </a:r>
+            <a:r>
+              <a:rPr lang="de-DE" dirty="0" smtClean="0">
+                <a:sym typeface="Wingdings" pitchFamily="2" charset="2"/>
+              </a:rPr>
+              <a:t> in </a:t>
+            </a:r>
+            <a:r>
+              <a:rPr lang="de-DE" dirty="0" err="1" smtClean="0">
+                <a:sym typeface="Wingdings" pitchFamily="2" charset="2"/>
+              </a:rPr>
+              <a:t>less</a:t>
+            </a:r>
+            <a:r>
+              <a:rPr lang="de-DE" dirty="0" smtClean="0">
+                <a:sym typeface="Wingdings" pitchFamily="2" charset="2"/>
+              </a:rPr>
+              <a:t> </a:t>
+            </a:r>
+            <a:r>
+              <a:rPr lang="de-DE" dirty="0" err="1" smtClean="0">
+                <a:sym typeface="Wingdings" pitchFamily="2" charset="2"/>
+              </a:rPr>
+              <a:t>tuples</a:t>
+            </a:r>
+            <a:r>
+              <a:rPr lang="de-DE" dirty="0" smtClean="0">
+                <a:sym typeface="Wingdings" pitchFamily="2" charset="2"/>
+              </a:rPr>
+              <a:t> </a:t>
+            </a:r>
+            <a:r>
+              <a:rPr lang="de-DE" dirty="0" err="1" smtClean="0">
+                <a:sym typeface="Wingdings" pitchFamily="2" charset="2"/>
+              </a:rPr>
+              <a:t>than</a:t>
+            </a:r>
+            <a:r>
+              <a:rPr lang="de-DE" dirty="0" smtClean="0">
+                <a:sym typeface="Wingdings" pitchFamily="2" charset="2"/>
+              </a:rPr>
+              <a:t> </a:t>
+            </a:r>
+            <a:r>
+              <a:rPr lang="de-DE" dirty="0" err="1" smtClean="0">
+                <a:sym typeface="Wingdings" pitchFamily="2" charset="2"/>
+              </a:rPr>
+              <a:t>slaves</a:t>
+            </a:r>
+            <a:r>
+              <a:rPr lang="de-DE" dirty="0" smtClean="0">
+                <a:sym typeface="Wingdings" pitchFamily="2" charset="2"/>
+              </a:rPr>
+              <a:t>/</a:t>
+            </a:r>
+            <a:r>
+              <a:rPr lang="de-DE" dirty="0" err="1" smtClean="0">
+                <a:sym typeface="Wingdings" pitchFamily="2" charset="2"/>
+              </a:rPr>
+              <a:t>partitions</a:t>
+            </a:r>
+            <a:r>
+              <a:rPr lang="de-DE" dirty="0" smtClean="0">
+                <a:sym typeface="Wingdings" pitchFamily="2" charset="2"/>
+              </a:rPr>
+              <a:t>?</a:t>
+            </a:r>
+          </a:p>
+        </p:txBody>
+      </p:sp>
+      <p:sp>
+        <p:nvSpPr>
+          <p:cNvPr id="3" name="Titel 2"/>
           <p:cNvSpPr>
             <a:spLocks noGrp="1"/>
           </p:cNvSpPr>
@@ -40651,26 +41372,14 @@
             <p:ph type="title"/>
           </p:nvPr>
         </p:nvSpPr>
-        <p:spPr>
-          <a:xfrm>
-            <a:off x="358776" y="108001"/>
-            <a:ext cx="6877051" cy="927588"/>
-          </a:xfrm>
-        </p:spPr>
+        <p:spPr/>
         <p:txBody>
           <a:bodyPr/>
           <a:lstStyle/>
           <a:p>
             <a:r>
-              <a:rPr lang="en-US" dirty="0" smtClean="0"/>
-              <a:t>Evaluation</a:t>
-            </a:r>
-            <a:br>
-              <a:rPr lang="en-US" dirty="0" smtClean="0"/>
-            </a:br>
-            <a:r>
-              <a:rPr lang="en-US" dirty="0" smtClean="0"/>
-              <a:t>scaling with columns</a:t>
+              <a:rPr lang="de-DE" dirty="0" err="1" smtClean="0"/>
+              <a:t>Limitations</a:t>
             </a:r>
             <a:endParaRPr lang="en-US" dirty="0"/>
           </a:p>
@@ -40678,61 +41387,45 @@
       </p:sp>
       <p:sp>
         <p:nvSpPr>
-          <p:cNvPr id="6158" name="Text Placeholder 6157"/>
+          <p:cNvPr id="4" name="Datumsplatzhalter 3"/>
           <p:cNvSpPr>
             <a:spLocks noGrp="1"/>
           </p:cNvSpPr>
           <p:nvPr>
-            <p:ph type="body" sz="quarter" idx="13"/>
+            <p:ph type="dt" sz="half" idx="11"/>
           </p:nvPr>
         </p:nvSpPr>
         <p:spPr/>
         <p:txBody>
-          <a:bodyPr>
-            <a:normAutofit/>
-          </a:bodyPr>
+          <a:bodyPr/>
           <a:lstStyle/>
           <a:p>
-            <a:pPr lvl="2" indent="0">
-              <a:buNone/>
-            </a:pPr>
-            <a:endParaRPr lang="en-US" dirty="0" smtClean="0"/>
+            <a:r>
+              <a:rPr lang="en-US" smtClean="0"/>
+              <a:t>Speaker, Job Description, Date if needed</a:t>
+            </a:r>
+            <a:endParaRPr lang="en-US" dirty="0"/>
           </a:p>
         </p:txBody>
       </p:sp>
       <p:sp>
         <p:nvSpPr>
-          <p:cNvPr id="2" name="Date Placeholder 1"/>
+          <p:cNvPr id="5" name="Fußzeilenplatzhalter 4"/>
           <p:cNvSpPr>
             <a:spLocks noGrp="1"/>
           </p:cNvSpPr>
           <p:nvPr>
-            <p:ph type="dt" sz="half" idx="14"/>
+            <p:ph type="ftr" sz="quarter" idx="12"/>
           </p:nvPr>
         </p:nvSpPr>
-        <p:spPr>
-          <a:xfrm>
-            <a:off x="7416801" y="4155928"/>
-            <a:ext cx="1547813" cy="467268"/>
-          </a:xfrm>
-        </p:spPr>
+        <p:spPr/>
         <p:txBody>
           <a:bodyPr/>
           <a:lstStyle/>
           <a:p>
             <a:r>
-              <a:rPr lang="en-US" dirty="0" smtClean="0"/>
-              <a:t>Pascal Jung,</a:t>
-            </a:r>
-          </a:p>
-          <a:p>
-            <a:r>
-              <a:rPr lang="en-US" dirty="0" smtClean="0"/>
-              <a:t>Jaqueline </a:t>
-            </a:r>
-            <a:r>
-              <a:rPr lang="en-US" dirty="0" err="1" smtClean="0"/>
-              <a:t>Pollak</a:t>
+              <a:rPr lang="en-US" smtClean="0"/>
+              <a:t>Presentation Title</a:t>
             </a:r>
             <a:endParaRPr lang="en-US" dirty="0"/>
           </a:p>
@@ -40740,56 +41433,45 @@
       </p:sp>
       <p:sp>
         <p:nvSpPr>
-          <p:cNvPr id="3" name="Footer Placeholder 2"/>
+          <p:cNvPr id="6" name="Foliennummernplatzhalter 5"/>
           <p:cNvSpPr>
             <a:spLocks noGrp="1"/>
           </p:cNvSpPr>
           <p:nvPr>
-            <p:ph type="ftr" sz="quarter" idx="15"/>
+            <p:ph type="sldNum" sz="quarter" idx="13"/>
           </p:nvPr>
         </p:nvSpPr>
-        <p:spPr>
-          <a:xfrm>
-            <a:off x="7416801" y="3562453"/>
-            <a:ext cx="1547813" cy="521465"/>
-          </a:xfrm>
-        </p:spPr>
+        <p:spPr/>
         <p:txBody>
           <a:bodyPr/>
           <a:lstStyle/>
           <a:p>
             <a:r>
-              <a:rPr lang="de-DE" dirty="0"/>
-              <a:t>Data </a:t>
-            </a:r>
-            <a:r>
-              <a:rPr lang="de-DE" dirty="0" err="1"/>
-              <a:t>Profiling</a:t>
-            </a:r>
-            <a:endParaRPr lang="en-US" dirty="0"/>
+              <a:rPr lang="en-US" smtClean="0"/>
+              <a:t>Chart </a:t>
+            </a:r>
+            <a:fld id="{91D913BA-B0D8-4B51-9328-DFAA0B370309}" type="slidenum">
+              <a:rPr lang="en-US" b="1" smtClean="0"/>
+              <a:pPr/>
+              <a:t>27</a:t>
+            </a:fld>
+            <a:endParaRPr lang="en-US" b="1" dirty="0"/>
           </a:p>
         </p:txBody>
       </p:sp>
     </p:spTree>
     <p:extLst>
       <p:ext uri="{BB962C8B-B14F-4D97-AF65-F5344CB8AC3E}">
-        <p14:creationId xmlns:p14="http://schemas.microsoft.com/office/powerpoint/2010/main" val="1055483372"/>
+        <p14:creationId xmlns:p14="http://schemas.microsoft.com/office/powerpoint/2010/main" val="1090926935"/>
       </p:ext>
     </p:extLst>
   </p:cSld>
   <p:clrMapOvr>
     <a:masterClrMapping/>
   </p:clrMapOvr>
-  <p:transition>
-    <p:fade/>
+  <p:transition spd="slow">
+    <p:wipe dir="u"/>
   </p:transition>
-  <p:timing>
-    <p:tnLst>
-      <p:par>
-        <p:cTn id="1" dur="indefinite" restart="never" nodeType="tmRoot"/>
-      </p:par>
-    </p:tnLst>
-  </p:timing>
 </p:sld>
 </file>
 
@@ -40839,7 +41521,7 @@
             </a:br>
             <a:r>
               <a:rPr lang="en-US" dirty="0" smtClean="0"/>
-              <a:t>improvements through column pruning</a:t>
+              <a:t>scaling on cores</a:t>
             </a:r>
             <a:endParaRPr lang="en-US" dirty="0"/>
           </a:p>
@@ -40942,7 +41624,7 @@
     </p:spTree>
     <p:extLst>
       <p:ext uri="{BB962C8B-B14F-4D97-AF65-F5344CB8AC3E}">
-        <p14:creationId xmlns:p14="http://schemas.microsoft.com/office/powerpoint/2010/main" val="2488466525"/>
+        <p14:creationId xmlns:p14="http://schemas.microsoft.com/office/powerpoint/2010/main" val="687003704"/>
       </p:ext>
     </p:extLst>
   </p:cSld>
@@ -41008,7 +41690,7 @@
             </a:br>
             <a:r>
               <a:rPr lang="en-US" dirty="0" smtClean="0"/>
-              <a:t>scaling with rows</a:t>
+              <a:t>scaling with columns</a:t>
             </a:r>
             <a:endParaRPr lang="en-US" dirty="0"/>
           </a:p>
@@ -41111,7 +41793,7 @@
     </p:spTree>
     <p:extLst>
       <p:ext uri="{BB962C8B-B14F-4D97-AF65-F5344CB8AC3E}">
-        <p14:creationId xmlns:p14="http://schemas.microsoft.com/office/powerpoint/2010/main" val="3219797016"/>
+        <p14:creationId xmlns:p14="http://schemas.microsoft.com/office/powerpoint/2010/main" val="1055483372"/>
       </p:ext>
     </p:extLst>
   </p:cSld>
@@ -41536,7 +42218,7 @@
     </p:spTree>
     <p:extLst>
       <p:ext uri="{BB962C8B-B14F-4D97-AF65-F5344CB8AC3E}">
-        <p14:creationId xmlns:p14="http://schemas.microsoft.com/office/powerpoint/2010/main" val="901749560"/>
+        <p14:creationId xmlns:p14="http://schemas.microsoft.com/office/powerpoint/2010/main" val="2488466525"/>
       </p:ext>
     </p:extLst>
   </p:cSld>
@@ -41575,6 +42257,344 @@
       </p:grpSpPr>
       <p:sp>
         <p:nvSpPr>
+          <p:cNvPr id="6157" name="Title 6156"/>
+          <p:cNvSpPr>
+            <a:spLocks noGrp="1"/>
+          </p:cNvSpPr>
+          <p:nvPr>
+            <p:ph type="title"/>
+          </p:nvPr>
+        </p:nvSpPr>
+        <p:spPr>
+          <a:xfrm>
+            <a:off x="358776" y="108001"/>
+            <a:ext cx="6877051" cy="927588"/>
+          </a:xfrm>
+        </p:spPr>
+        <p:txBody>
+          <a:bodyPr/>
+          <a:lstStyle/>
+          <a:p>
+            <a:r>
+              <a:rPr lang="en-US" dirty="0" smtClean="0"/>
+              <a:t>Evaluation</a:t>
+            </a:r>
+            <a:br>
+              <a:rPr lang="en-US" dirty="0" smtClean="0"/>
+            </a:br>
+            <a:r>
+              <a:rPr lang="en-US" dirty="0" smtClean="0"/>
+              <a:t>scaling with rows</a:t>
+            </a:r>
+            <a:endParaRPr lang="en-US" dirty="0"/>
+          </a:p>
+        </p:txBody>
+      </p:sp>
+      <p:sp>
+        <p:nvSpPr>
+          <p:cNvPr id="6158" name="Text Placeholder 6157"/>
+          <p:cNvSpPr>
+            <a:spLocks noGrp="1"/>
+          </p:cNvSpPr>
+          <p:nvPr>
+            <p:ph type="body" sz="quarter" idx="13"/>
+          </p:nvPr>
+        </p:nvSpPr>
+        <p:spPr/>
+        <p:txBody>
+          <a:bodyPr>
+            <a:normAutofit/>
+          </a:bodyPr>
+          <a:lstStyle/>
+          <a:p>
+            <a:pPr lvl="2" indent="0">
+              <a:buNone/>
+            </a:pPr>
+            <a:endParaRPr lang="en-US" dirty="0" smtClean="0"/>
+          </a:p>
+        </p:txBody>
+      </p:sp>
+      <p:sp>
+        <p:nvSpPr>
+          <p:cNvPr id="2" name="Date Placeholder 1"/>
+          <p:cNvSpPr>
+            <a:spLocks noGrp="1"/>
+          </p:cNvSpPr>
+          <p:nvPr>
+            <p:ph type="dt" sz="half" idx="14"/>
+          </p:nvPr>
+        </p:nvSpPr>
+        <p:spPr>
+          <a:xfrm>
+            <a:off x="7416801" y="4155928"/>
+            <a:ext cx="1547813" cy="467268"/>
+          </a:xfrm>
+        </p:spPr>
+        <p:txBody>
+          <a:bodyPr/>
+          <a:lstStyle/>
+          <a:p>
+            <a:r>
+              <a:rPr lang="en-US" dirty="0" smtClean="0"/>
+              <a:t>Pascal Jung,</a:t>
+            </a:r>
+          </a:p>
+          <a:p>
+            <a:r>
+              <a:rPr lang="en-US" dirty="0" smtClean="0"/>
+              <a:t>Jaqueline </a:t>
+            </a:r>
+            <a:r>
+              <a:rPr lang="en-US" dirty="0" err="1" smtClean="0"/>
+              <a:t>Pollak</a:t>
+            </a:r>
+            <a:endParaRPr lang="en-US" dirty="0"/>
+          </a:p>
+        </p:txBody>
+      </p:sp>
+      <p:sp>
+        <p:nvSpPr>
+          <p:cNvPr id="3" name="Footer Placeholder 2"/>
+          <p:cNvSpPr>
+            <a:spLocks noGrp="1"/>
+          </p:cNvSpPr>
+          <p:nvPr>
+            <p:ph type="ftr" sz="quarter" idx="15"/>
+          </p:nvPr>
+        </p:nvSpPr>
+        <p:spPr>
+          <a:xfrm>
+            <a:off x="7416801" y="3562453"/>
+            <a:ext cx="1547813" cy="521465"/>
+          </a:xfrm>
+        </p:spPr>
+        <p:txBody>
+          <a:bodyPr/>
+          <a:lstStyle/>
+          <a:p>
+            <a:r>
+              <a:rPr lang="de-DE" dirty="0"/>
+              <a:t>Data </a:t>
+            </a:r>
+            <a:r>
+              <a:rPr lang="de-DE" dirty="0" err="1"/>
+              <a:t>Profiling</a:t>
+            </a:r>
+            <a:endParaRPr lang="en-US" dirty="0"/>
+          </a:p>
+        </p:txBody>
+      </p:sp>
+    </p:spTree>
+    <p:extLst>
+      <p:ext uri="{BB962C8B-B14F-4D97-AF65-F5344CB8AC3E}">
+        <p14:creationId xmlns:p14="http://schemas.microsoft.com/office/powerpoint/2010/main" val="3219797016"/>
+      </p:ext>
+    </p:extLst>
+  </p:cSld>
+  <p:clrMapOvr>
+    <a:masterClrMapping/>
+  </p:clrMapOvr>
+  <p:transition>
+    <p:fade/>
+  </p:transition>
+  <p:timing>
+    <p:tnLst>
+      <p:par>
+        <p:cTn id="1" dur="indefinite" restart="never" nodeType="tmRoot"/>
+      </p:par>
+    </p:tnLst>
+  </p:timing>
+</p:sld>
+</file>
+
+<file path=ppt/slides/slide32.xml><?xml version="1.0" encoding="utf-8"?>
+<p:sld xmlns:a="http://schemas.openxmlformats.org/drawingml/2006/main" xmlns:r="http://schemas.openxmlformats.org/officeDocument/2006/relationships" xmlns:p="http://schemas.openxmlformats.org/presentationml/2006/main">
+  <p:cSld>
+    <p:spTree>
+      <p:nvGrpSpPr>
+        <p:cNvPr id="1" name=""/>
+        <p:cNvGrpSpPr/>
+        <p:nvPr/>
+      </p:nvGrpSpPr>
+      <p:grpSpPr>
+        <a:xfrm>
+          <a:off x="0" y="0"/>
+          <a:ext cx="0" cy="0"/>
+          <a:chOff x="0" y="0"/>
+          <a:chExt cx="0" cy="0"/>
+        </a:xfrm>
+      </p:grpSpPr>
+      <p:sp>
+        <p:nvSpPr>
+          <p:cNvPr id="6157" name="Title 6156"/>
+          <p:cNvSpPr>
+            <a:spLocks noGrp="1"/>
+          </p:cNvSpPr>
+          <p:nvPr>
+            <p:ph type="title"/>
+          </p:nvPr>
+        </p:nvSpPr>
+        <p:spPr>
+          <a:xfrm>
+            <a:off x="358776" y="108001"/>
+            <a:ext cx="6877051" cy="927588"/>
+          </a:xfrm>
+        </p:spPr>
+        <p:txBody>
+          <a:bodyPr/>
+          <a:lstStyle/>
+          <a:p>
+            <a:r>
+              <a:rPr lang="en-US" dirty="0" smtClean="0"/>
+              <a:t>Evaluation</a:t>
+            </a:r>
+            <a:br>
+              <a:rPr lang="en-US" dirty="0" smtClean="0"/>
+            </a:br>
+            <a:r>
+              <a:rPr lang="en-US" dirty="0" smtClean="0"/>
+              <a:t>improvements through column pruning</a:t>
+            </a:r>
+            <a:endParaRPr lang="en-US" dirty="0"/>
+          </a:p>
+        </p:txBody>
+      </p:sp>
+      <p:sp>
+        <p:nvSpPr>
+          <p:cNvPr id="6158" name="Text Placeholder 6157"/>
+          <p:cNvSpPr>
+            <a:spLocks noGrp="1"/>
+          </p:cNvSpPr>
+          <p:nvPr>
+            <p:ph type="body" sz="quarter" idx="13"/>
+          </p:nvPr>
+        </p:nvSpPr>
+        <p:spPr/>
+        <p:txBody>
+          <a:bodyPr>
+            <a:normAutofit/>
+          </a:bodyPr>
+          <a:lstStyle/>
+          <a:p>
+            <a:pPr lvl="2" indent="0">
+              <a:buNone/>
+            </a:pPr>
+            <a:endParaRPr lang="en-US" dirty="0" smtClean="0"/>
+          </a:p>
+        </p:txBody>
+      </p:sp>
+      <p:sp>
+        <p:nvSpPr>
+          <p:cNvPr id="2" name="Date Placeholder 1"/>
+          <p:cNvSpPr>
+            <a:spLocks noGrp="1"/>
+          </p:cNvSpPr>
+          <p:nvPr>
+            <p:ph type="dt" sz="half" idx="14"/>
+          </p:nvPr>
+        </p:nvSpPr>
+        <p:spPr>
+          <a:xfrm>
+            <a:off x="7416801" y="4155928"/>
+            <a:ext cx="1547813" cy="467268"/>
+          </a:xfrm>
+        </p:spPr>
+        <p:txBody>
+          <a:bodyPr/>
+          <a:lstStyle/>
+          <a:p>
+            <a:r>
+              <a:rPr lang="en-US" dirty="0" smtClean="0"/>
+              <a:t>Pascal Jung,</a:t>
+            </a:r>
+          </a:p>
+          <a:p>
+            <a:r>
+              <a:rPr lang="en-US" dirty="0" smtClean="0"/>
+              <a:t>Jaqueline </a:t>
+            </a:r>
+            <a:r>
+              <a:rPr lang="en-US" dirty="0" err="1" smtClean="0"/>
+              <a:t>Pollak</a:t>
+            </a:r>
+            <a:endParaRPr lang="en-US" dirty="0"/>
+          </a:p>
+        </p:txBody>
+      </p:sp>
+      <p:sp>
+        <p:nvSpPr>
+          <p:cNvPr id="3" name="Footer Placeholder 2"/>
+          <p:cNvSpPr>
+            <a:spLocks noGrp="1"/>
+          </p:cNvSpPr>
+          <p:nvPr>
+            <p:ph type="ftr" sz="quarter" idx="15"/>
+          </p:nvPr>
+        </p:nvSpPr>
+        <p:spPr>
+          <a:xfrm>
+            <a:off x="7416801" y="3562453"/>
+            <a:ext cx="1547813" cy="521465"/>
+          </a:xfrm>
+        </p:spPr>
+        <p:txBody>
+          <a:bodyPr/>
+          <a:lstStyle/>
+          <a:p>
+            <a:r>
+              <a:rPr lang="de-DE" dirty="0"/>
+              <a:t>Data </a:t>
+            </a:r>
+            <a:r>
+              <a:rPr lang="de-DE" dirty="0" err="1"/>
+              <a:t>Profiling</a:t>
+            </a:r>
+            <a:endParaRPr lang="en-US" dirty="0"/>
+          </a:p>
+        </p:txBody>
+      </p:sp>
+    </p:spTree>
+    <p:extLst>
+      <p:ext uri="{BB962C8B-B14F-4D97-AF65-F5344CB8AC3E}">
+        <p14:creationId xmlns:p14="http://schemas.microsoft.com/office/powerpoint/2010/main" val="901749560"/>
+      </p:ext>
+    </p:extLst>
+  </p:cSld>
+  <p:clrMapOvr>
+    <a:masterClrMapping/>
+  </p:clrMapOvr>
+  <p:transition>
+    <p:fade/>
+  </p:transition>
+  <p:timing>
+    <p:tnLst>
+      <p:par>
+        <p:cTn id="1" dur="indefinite" restart="never" nodeType="tmRoot"/>
+      </p:par>
+    </p:tnLst>
+  </p:timing>
+</p:sld>
+</file>
+
+<file path=ppt/slides/slide33.xml><?xml version="1.0" encoding="utf-8"?>
+<p:sld xmlns:a="http://schemas.openxmlformats.org/drawingml/2006/main" xmlns:r="http://schemas.openxmlformats.org/officeDocument/2006/relationships" xmlns:p="http://schemas.openxmlformats.org/presentationml/2006/main">
+  <p:cSld>
+    <p:spTree>
+      <p:nvGrpSpPr>
+        <p:cNvPr id="1" name=""/>
+        <p:cNvGrpSpPr/>
+        <p:nvPr/>
+      </p:nvGrpSpPr>
+      <p:grpSpPr>
+        <a:xfrm>
+          <a:off x="0" y="0"/>
+          <a:ext cx="0" cy="0"/>
+          <a:chOff x="0" y="0"/>
+          <a:chExt cx="0" cy="0"/>
+        </a:xfrm>
+      </p:grpSpPr>
+      <p:sp>
+        <p:nvSpPr>
           <p:cNvPr id="3" name="Datumsplatzhalter 2"/>
           <p:cNvSpPr>
             <a:spLocks noGrp="1"/>
@@ -41641,7 +42661,7 @@
             <a:fld id="{91D913BA-B0D8-4B51-9328-DFAA0B370309}" type="slidenum">
               <a:rPr lang="en-US" b="1" smtClean="0"/>
               <a:pPr/>
-              <a:t>31</a:t>
+              <a:t>33</a:t>
             </a:fld>
             <a:endParaRPr lang="en-US" b="1" dirty="0"/>
           </a:p>
@@ -41693,7 +42713,7 @@
 </p:sld>
 </file>
 
-<file path=ppt/slides/slide32.xml><?xml version="1.0" encoding="utf-8"?>
+<file path=ppt/slides/slide34.xml><?xml version="1.0" encoding="utf-8"?>
 <p:sld xmlns:a="http://schemas.openxmlformats.org/drawingml/2006/main" xmlns:r="http://schemas.openxmlformats.org/officeDocument/2006/relationships" xmlns:p="http://schemas.openxmlformats.org/presentationml/2006/main">
   <p:cSld>
     <p:spTree>
@@ -50281,7 +51301,7 @@
   <a:extraClrSchemeLst/>
   <a:extLst>
     <a:ext uri="{05A4C25C-085E-4340-85A3-A5531E510DB2}">
-      <thm15:themeFamily xmlns:thm15="http://schemas.microsoft.com/office/thememl/2012/main" xmlns="" name="TEMPLATE_HPI_05_EXP" id="{EEEEA749-3836-4DC6-BA52-AE8D0ADE122A}" vid="{1AF48529-3759-4302-91D0-708D448B88CB}"/>
+      <thm15:themeFamily xmlns="" xmlns:thm15="http://schemas.microsoft.com/office/thememl/2012/main" name="TEMPLATE_HPI_05_EXP" id="{EEEEA749-3836-4DC6-BA52-AE8D0ADE122A}" vid="{1AF48529-3759-4302-91D0-708D448B88CB}"/>
     </a:ext>
   </a:extLst>
 </a:theme>

--- a/presentation.pptx
+++ b/presentation.pptx
@@ -5,10 +5,10 @@
     <p:sldMasterId id="2147483648" r:id="rId1"/>
   </p:sldMasterIdLst>
   <p:notesMasterIdLst>
-    <p:notesMasterId r:id="rId36"/>
+    <p:notesMasterId r:id="rId39"/>
   </p:notesMasterIdLst>
   <p:handoutMasterIdLst>
-    <p:handoutMasterId r:id="rId37"/>
+    <p:handoutMasterId r:id="rId40"/>
   </p:handoutMasterIdLst>
   <p:sldIdLst>
     <p:sldId id="258" r:id="rId2"/>
@@ -38,18 +38,21 @@
     <p:sldId id="298" r:id="rId26"/>
     <p:sldId id="307" r:id="rId27"/>
     <p:sldId id="310" r:id="rId28"/>
-    <p:sldId id="297" r:id="rId29"/>
-    <p:sldId id="300" r:id="rId30"/>
-    <p:sldId id="302" r:id="rId31"/>
-    <p:sldId id="301" r:id="rId32"/>
-    <p:sldId id="303" r:id="rId33"/>
-    <p:sldId id="304" r:id="rId34"/>
-    <p:sldId id="273" r:id="rId35"/>
+    <p:sldId id="312" r:id="rId29"/>
+    <p:sldId id="313" r:id="rId30"/>
+    <p:sldId id="314" r:id="rId31"/>
+    <p:sldId id="297" r:id="rId32"/>
+    <p:sldId id="300" r:id="rId33"/>
+    <p:sldId id="302" r:id="rId34"/>
+    <p:sldId id="301" r:id="rId35"/>
+    <p:sldId id="303" r:id="rId36"/>
+    <p:sldId id="304" r:id="rId37"/>
+    <p:sldId id="273" r:id="rId38"/>
   </p:sldIdLst>
   <p:sldSz cx="9144000" cy="5143500" type="screen16x9"/>
   <p:notesSz cx="6858000" cy="9144000"/>
   <p:custDataLst>
-    <p:tags r:id="rId38"/>
+    <p:tags r:id="rId41"/>
   </p:custDataLst>
   <p:defaultTextStyle>
     <a:defPPr>
@@ -148,7 +151,7 @@
   </p:defaultTextStyle>
   <p:extLst>
     <p:ext uri="{EFAFB233-063F-42B5-8137-9DF3F51BA10A}">
-      <p15:sldGuideLst xmlns="" xmlns:p15="http://schemas.microsoft.com/office/powerpoint/2012/main">
+      <p15:sldGuideLst xmlns:p15="http://schemas.microsoft.com/office/powerpoint/2012/main" xmlns="">
         <p15:guide id="1" orient="horz" pos="781">
           <p15:clr>
             <a:srgbClr val="A4A3A4"/>
@@ -237,7 +240,7 @@
       </p15:sldGuideLst>
     </p:ext>
     <p:ext uri="{2D200454-40CA-4A62-9FC3-DE9A4176ACB9}">
-      <p15:notesGuideLst xmlns="" xmlns:p15="http://schemas.microsoft.com/office/powerpoint/2012/main">
+      <p15:notesGuideLst xmlns:p15="http://schemas.microsoft.com/office/powerpoint/2012/main" xmlns="">
         <p15:guide id="1" orient="horz" pos="2676">
           <p15:clr>
             <a:srgbClr val="A4A3A4"/>
@@ -429,11 +432,11 @@
         </c:dLbls>
         <c:marker val="1"/>
         <c:smooth val="0"/>
-        <c:axId val="110965888"/>
-        <c:axId val="110967808"/>
+        <c:axId val="33229824"/>
+        <c:axId val="33232000"/>
       </c:lineChart>
       <c:catAx>
-        <c:axId val="110965888"/>
+        <c:axId val="33229824"/>
         <c:scaling>
           <c:orientation val="minMax"/>
         </c:scaling>
@@ -452,10 +455,6 @@
                   <a:rPr lang="en-US" dirty="0" smtClean="0"/>
                   <a:t>columns</a:t>
                 </a:r>
-                <a:r>
-                  <a:rPr lang="en-US" baseline="0" dirty="0" smtClean="0"/>
-                  <a:t> + rows</a:t>
-                </a:r>
                 <a:endParaRPr lang="en-US" dirty="0"/>
               </a:p>
             </c:rich>
@@ -467,7 +466,7 @@
         <c:majorTickMark val="none"/>
         <c:minorTickMark val="none"/>
         <c:tickLblPos val="nextTo"/>
-        <c:crossAx val="110967808"/>
+        <c:crossAx val="33232000"/>
         <c:crosses val="autoZero"/>
         <c:auto val="1"/>
         <c:lblAlgn val="ctr"/>
@@ -475,7 +474,7 @@
         <c:noMultiLvlLbl val="0"/>
       </c:catAx>
       <c:valAx>
-        <c:axId val="110967808"/>
+        <c:axId val="33232000"/>
         <c:scaling>
           <c:orientation val="minMax"/>
         </c:scaling>
@@ -510,11 +509,548 @@
         <c:majorTickMark val="out"/>
         <c:minorTickMark val="none"/>
         <c:tickLblPos val="nextTo"/>
-        <c:crossAx val="110965888"/>
+        <c:crossAx val="33229824"/>
         <c:crosses val="autoZero"/>
         <c:crossBetween val="between"/>
       </c:valAx>
     </c:plotArea>
+    <c:plotVisOnly val="1"/>
+    <c:dispBlanksAs val="gap"/>
+    <c:showDLblsOverMax val="0"/>
+  </c:chart>
+  <c:txPr>
+    <a:bodyPr/>
+    <a:lstStyle/>
+    <a:p>
+      <a:pPr>
+        <a:defRPr sz="1800"/>
+      </a:pPr>
+      <a:endParaRPr lang="en-US"/>
+    </a:p>
+  </c:txPr>
+  <c:externalData r:id="rId1">
+    <c:autoUpdate val="0"/>
+  </c:externalData>
+</c:chartSpace>
+</file>
+
+<file path=ppt/charts/chart2.xml><?xml version="1.0" encoding="utf-8"?>
+<c:chartSpace xmlns:c="http://schemas.openxmlformats.org/drawingml/2006/chart" xmlns:a="http://schemas.openxmlformats.org/drawingml/2006/main" xmlns:r="http://schemas.openxmlformats.org/officeDocument/2006/relationships">
+  <c:date1904 val="0"/>
+  <c:lang val="en-US"/>
+  <c:roundedCorners val="0"/>
+  <mc:AlternateContent xmlns:mc="http://schemas.openxmlformats.org/markup-compatibility/2006">
+    <mc:Choice xmlns:c14="http://schemas.microsoft.com/office/drawing/2007/8/2/chart" Requires="c14">
+      <c14:style val="102"/>
+    </mc:Choice>
+    <mc:Fallback>
+      <c:style val="2"/>
+    </mc:Fallback>
+  </mc:AlternateContent>
+  <c:chart>
+    <c:autoTitleDeleted val="0"/>
+    <c:plotArea>
+      <c:layout/>
+      <c:lineChart>
+        <c:grouping val="standard"/>
+        <c:varyColors val="0"/>
+        <c:ser>
+          <c:idx val="0"/>
+          <c:order val="0"/>
+          <c:tx>
+            <c:strRef>
+              <c:f>Tabelle1!$B$1</c:f>
+              <c:strCache>
+                <c:ptCount val="1"/>
+                <c:pt idx="0">
+                  <c:v>WDC_planets</c:v>
+                </c:pt>
+              </c:strCache>
+            </c:strRef>
+          </c:tx>
+          <c:marker>
+            <c:symbol val="none"/>
+          </c:marker>
+          <c:cat>
+            <c:numRef>
+              <c:f>Tabelle1!$A$2:$A$5</c:f>
+              <c:numCache>
+                <c:formatCode>General</c:formatCode>
+                <c:ptCount val="4"/>
+                <c:pt idx="0">
+                  <c:v>1</c:v>
+                </c:pt>
+                <c:pt idx="1">
+                  <c:v>3</c:v>
+                </c:pt>
+                <c:pt idx="2">
+                  <c:v>5</c:v>
+                </c:pt>
+                <c:pt idx="3">
+                  <c:v>10</c:v>
+                </c:pt>
+              </c:numCache>
+            </c:numRef>
+          </c:cat>
+          <c:val>
+            <c:numRef>
+              <c:f>Tabelle1!$B$2:$B$5</c:f>
+              <c:numCache>
+                <c:formatCode>General</c:formatCode>
+                <c:ptCount val="4"/>
+                <c:pt idx="0">
+                  <c:v>10</c:v>
+                </c:pt>
+                <c:pt idx="1">
+                  <c:v>13</c:v>
+                </c:pt>
+                <c:pt idx="2">
+                  <c:v>13</c:v>
+                </c:pt>
+                <c:pt idx="3">
+                  <c:v>14</c:v>
+                </c:pt>
+              </c:numCache>
+            </c:numRef>
+          </c:val>
+          <c:smooth val="0"/>
+        </c:ser>
+        <c:ser>
+          <c:idx val="1"/>
+          <c:order val="1"/>
+          <c:tx>
+            <c:strRef>
+              <c:f>Tabelle1!$C$1</c:f>
+              <c:strCache>
+                <c:ptCount val="1"/>
+                <c:pt idx="0">
+                  <c:v>ncvoter-1k</c:v>
+                </c:pt>
+              </c:strCache>
+            </c:strRef>
+          </c:tx>
+          <c:marker>
+            <c:symbol val="none"/>
+          </c:marker>
+          <c:cat>
+            <c:numRef>
+              <c:f>Tabelle1!$A$2:$A$5</c:f>
+              <c:numCache>
+                <c:formatCode>General</c:formatCode>
+                <c:ptCount val="4"/>
+                <c:pt idx="0">
+                  <c:v>1</c:v>
+                </c:pt>
+                <c:pt idx="1">
+                  <c:v>3</c:v>
+                </c:pt>
+                <c:pt idx="2">
+                  <c:v>5</c:v>
+                </c:pt>
+                <c:pt idx="3">
+                  <c:v>10</c:v>
+                </c:pt>
+              </c:numCache>
+            </c:numRef>
+          </c:cat>
+          <c:val>
+            <c:numRef>
+              <c:f>Tabelle1!$C$2:$C$5</c:f>
+              <c:numCache>
+                <c:formatCode>General</c:formatCode>
+                <c:ptCount val="4"/>
+                <c:pt idx="0">
+                  <c:v>13</c:v>
+                </c:pt>
+                <c:pt idx="1">
+                  <c:v>15</c:v>
+                </c:pt>
+                <c:pt idx="2">
+                  <c:v>15</c:v>
+                </c:pt>
+                <c:pt idx="3">
+                  <c:v>18</c:v>
+                </c:pt>
+              </c:numCache>
+            </c:numRef>
+          </c:val>
+          <c:smooth val="0"/>
+        </c:ser>
+        <c:ser>
+          <c:idx val="2"/>
+          <c:order val="2"/>
+          <c:tx>
+            <c:strRef>
+              <c:f>Tabelle1!$D$1</c:f>
+              <c:strCache>
+                <c:ptCount val="1"/>
+                <c:pt idx="0">
+                  <c:v>fd_reduced_15</c:v>
+                </c:pt>
+              </c:strCache>
+            </c:strRef>
+          </c:tx>
+          <c:marker>
+            <c:symbol val="none"/>
+          </c:marker>
+          <c:cat>
+            <c:numRef>
+              <c:f>Tabelle1!$A$2:$A$5</c:f>
+              <c:numCache>
+                <c:formatCode>General</c:formatCode>
+                <c:ptCount val="4"/>
+                <c:pt idx="0">
+                  <c:v>1</c:v>
+                </c:pt>
+                <c:pt idx="1">
+                  <c:v>3</c:v>
+                </c:pt>
+                <c:pt idx="2">
+                  <c:v>5</c:v>
+                </c:pt>
+                <c:pt idx="3">
+                  <c:v>10</c:v>
+                </c:pt>
+              </c:numCache>
+            </c:numRef>
+          </c:cat>
+          <c:val>
+            <c:numRef>
+              <c:f>Tabelle1!$D$2:$D$5</c:f>
+              <c:numCache>
+                <c:formatCode>General</c:formatCode>
+                <c:ptCount val="4"/>
+                <c:pt idx="0">
+                  <c:v>36</c:v>
+                </c:pt>
+                <c:pt idx="1">
+                  <c:v>34</c:v>
+                </c:pt>
+                <c:pt idx="2">
+                  <c:v>34</c:v>
+                </c:pt>
+                <c:pt idx="3">
+                  <c:v>35</c:v>
+                </c:pt>
+              </c:numCache>
+            </c:numRef>
+          </c:val>
+          <c:smooth val="0"/>
+        </c:ser>
+        <c:dLbls>
+          <c:showLegendKey val="0"/>
+          <c:showVal val="0"/>
+          <c:showCatName val="0"/>
+          <c:showSerName val="0"/>
+          <c:showPercent val="0"/>
+          <c:showBubbleSize val="0"/>
+        </c:dLbls>
+        <c:marker val="1"/>
+        <c:smooth val="0"/>
+        <c:axId val="88247680"/>
+        <c:axId val="43918464"/>
+      </c:lineChart>
+      <c:catAx>
+        <c:axId val="88247680"/>
+        <c:scaling>
+          <c:orientation val="minMax"/>
+        </c:scaling>
+        <c:delete val="0"/>
+        <c:axPos val="b"/>
+        <c:numFmt formatCode="General" sourceLinked="1"/>
+        <c:majorTickMark val="out"/>
+        <c:minorTickMark val="none"/>
+        <c:tickLblPos val="nextTo"/>
+        <c:spPr>
+          <a:noFill/>
+        </c:spPr>
+        <c:crossAx val="43918464"/>
+        <c:crosses val="autoZero"/>
+        <c:auto val="1"/>
+        <c:lblAlgn val="ctr"/>
+        <c:lblOffset val="100"/>
+        <c:noMultiLvlLbl val="0"/>
+      </c:catAx>
+      <c:valAx>
+        <c:axId val="43918464"/>
+        <c:scaling>
+          <c:orientation val="minMax"/>
+        </c:scaling>
+        <c:delete val="0"/>
+        <c:axPos val="l"/>
+        <c:majorGridlines/>
+        <c:numFmt formatCode="General" sourceLinked="1"/>
+        <c:majorTickMark val="out"/>
+        <c:minorTickMark val="none"/>
+        <c:tickLblPos val="low"/>
+        <c:crossAx val="88247680"/>
+        <c:crosses val="autoZero"/>
+        <c:crossBetween val="between"/>
+      </c:valAx>
+    </c:plotArea>
+    <c:legend>
+      <c:legendPos val="r"/>
+      <c:layout/>
+      <c:overlay val="0"/>
+    </c:legend>
+    <c:plotVisOnly val="1"/>
+    <c:dispBlanksAs val="gap"/>
+    <c:showDLblsOverMax val="0"/>
+  </c:chart>
+  <c:txPr>
+    <a:bodyPr/>
+    <a:lstStyle/>
+    <a:p>
+      <a:pPr>
+        <a:defRPr sz="1800"/>
+      </a:pPr>
+      <a:endParaRPr lang="en-US"/>
+    </a:p>
+  </c:txPr>
+  <c:externalData r:id="rId1">
+    <c:autoUpdate val="0"/>
+  </c:externalData>
+</c:chartSpace>
+</file>
+
+<file path=ppt/charts/chart3.xml><?xml version="1.0" encoding="utf-8"?>
+<c:chartSpace xmlns:c="http://schemas.openxmlformats.org/drawingml/2006/chart" xmlns:a="http://schemas.openxmlformats.org/drawingml/2006/main" xmlns:r="http://schemas.openxmlformats.org/officeDocument/2006/relationships">
+  <c:date1904 val="0"/>
+  <c:lang val="en-US"/>
+  <c:roundedCorners val="0"/>
+  <mc:AlternateContent xmlns:mc="http://schemas.openxmlformats.org/markup-compatibility/2006">
+    <mc:Choice xmlns:c14="http://schemas.microsoft.com/office/drawing/2007/8/2/chart" Requires="c14">
+      <c14:style val="102"/>
+    </mc:Choice>
+    <mc:Fallback>
+      <c:style val="2"/>
+    </mc:Fallback>
+  </mc:AlternateContent>
+  <c:chart>
+    <c:autoTitleDeleted val="0"/>
+    <c:plotArea>
+      <c:layout/>
+      <c:lineChart>
+        <c:grouping val="standard"/>
+        <c:varyColors val="0"/>
+        <c:ser>
+          <c:idx val="0"/>
+          <c:order val="0"/>
+          <c:tx>
+            <c:strRef>
+              <c:f>Tabelle1!$B$1</c:f>
+              <c:strCache>
+                <c:ptCount val="1"/>
+                <c:pt idx="0">
+                  <c:v>WDC_planets</c:v>
+                </c:pt>
+              </c:strCache>
+            </c:strRef>
+          </c:tx>
+          <c:marker>
+            <c:symbol val="none"/>
+          </c:marker>
+          <c:cat>
+            <c:numRef>
+              <c:f>Tabelle1!$A$2:$A$4</c:f>
+              <c:numCache>
+                <c:formatCode>General</c:formatCode>
+                <c:ptCount val="3"/>
+                <c:pt idx="0">
+                  <c:v>1</c:v>
+                </c:pt>
+                <c:pt idx="1">
+                  <c:v>3</c:v>
+                </c:pt>
+                <c:pt idx="2">
+                  <c:v>5</c:v>
+                </c:pt>
+              </c:numCache>
+            </c:numRef>
+          </c:cat>
+          <c:val>
+            <c:numRef>
+              <c:f>Tabelle1!$B$2:$B$4</c:f>
+              <c:numCache>
+                <c:formatCode>General</c:formatCode>
+                <c:ptCount val="3"/>
+                <c:pt idx="0">
+                  <c:v>12</c:v>
+                </c:pt>
+                <c:pt idx="1">
+                  <c:v>16</c:v>
+                </c:pt>
+                <c:pt idx="2">
+                  <c:v>17</c:v>
+                </c:pt>
+              </c:numCache>
+            </c:numRef>
+          </c:val>
+          <c:smooth val="0"/>
+        </c:ser>
+        <c:ser>
+          <c:idx val="1"/>
+          <c:order val="1"/>
+          <c:tx>
+            <c:strRef>
+              <c:f>Tabelle1!$C$1</c:f>
+              <c:strCache>
+                <c:ptCount val="1"/>
+                <c:pt idx="0">
+                  <c:v>ncvoter-1k</c:v>
+                </c:pt>
+              </c:strCache>
+            </c:strRef>
+          </c:tx>
+          <c:marker>
+            <c:symbol val="none"/>
+          </c:marker>
+          <c:cat>
+            <c:numRef>
+              <c:f>Tabelle1!$A$2:$A$4</c:f>
+              <c:numCache>
+                <c:formatCode>General</c:formatCode>
+                <c:ptCount val="3"/>
+                <c:pt idx="0">
+                  <c:v>1</c:v>
+                </c:pt>
+                <c:pt idx="1">
+                  <c:v>3</c:v>
+                </c:pt>
+                <c:pt idx="2">
+                  <c:v>5</c:v>
+                </c:pt>
+              </c:numCache>
+            </c:numRef>
+          </c:cat>
+          <c:val>
+            <c:numRef>
+              <c:f>Tabelle1!$C$2:$C$4</c:f>
+              <c:numCache>
+                <c:formatCode>General</c:formatCode>
+                <c:ptCount val="3"/>
+                <c:pt idx="0">
+                  <c:v>38</c:v>
+                </c:pt>
+                <c:pt idx="1">
+                  <c:v>36</c:v>
+                </c:pt>
+                <c:pt idx="2">
+                  <c:v>39</c:v>
+                </c:pt>
+              </c:numCache>
+            </c:numRef>
+          </c:val>
+          <c:smooth val="0"/>
+        </c:ser>
+        <c:ser>
+          <c:idx val="2"/>
+          <c:order val="2"/>
+          <c:tx>
+            <c:strRef>
+              <c:f>Tabelle1!$D$1</c:f>
+              <c:strCache>
+                <c:ptCount val="1"/>
+                <c:pt idx="0">
+                  <c:v>fd_reduced_15</c:v>
+                </c:pt>
+              </c:strCache>
+            </c:strRef>
+          </c:tx>
+          <c:marker>
+            <c:symbol val="none"/>
+          </c:marker>
+          <c:cat>
+            <c:numRef>
+              <c:f>Tabelle1!$A$2:$A$4</c:f>
+              <c:numCache>
+                <c:formatCode>General</c:formatCode>
+                <c:ptCount val="3"/>
+                <c:pt idx="0">
+                  <c:v>1</c:v>
+                </c:pt>
+                <c:pt idx="1">
+                  <c:v>3</c:v>
+                </c:pt>
+                <c:pt idx="2">
+                  <c:v>5</c:v>
+                </c:pt>
+              </c:numCache>
+            </c:numRef>
+          </c:cat>
+          <c:val>
+            <c:numRef>
+              <c:f>Tabelle1!$D$2:$D$4</c:f>
+              <c:numCache>
+                <c:formatCode>General</c:formatCode>
+                <c:ptCount val="3"/>
+                <c:pt idx="0">
+                  <c:v>109</c:v>
+                </c:pt>
+                <c:pt idx="1">
+                  <c:v>109</c:v>
+                </c:pt>
+                <c:pt idx="2">
+                  <c:v>109</c:v>
+                </c:pt>
+              </c:numCache>
+            </c:numRef>
+          </c:val>
+          <c:smooth val="0"/>
+        </c:ser>
+        <c:dLbls>
+          <c:showLegendKey val="0"/>
+          <c:showVal val="0"/>
+          <c:showCatName val="0"/>
+          <c:showSerName val="0"/>
+          <c:showPercent val="0"/>
+          <c:showBubbleSize val="0"/>
+        </c:dLbls>
+        <c:marker val="1"/>
+        <c:smooth val="0"/>
+        <c:axId val="39801984"/>
+        <c:axId val="39817984"/>
+      </c:lineChart>
+      <c:catAx>
+        <c:axId val="39801984"/>
+        <c:scaling>
+          <c:orientation val="minMax"/>
+        </c:scaling>
+        <c:delete val="0"/>
+        <c:axPos val="b"/>
+        <c:numFmt formatCode="General" sourceLinked="1"/>
+        <c:majorTickMark val="out"/>
+        <c:minorTickMark val="none"/>
+        <c:tickLblPos val="nextTo"/>
+        <c:crossAx val="39817984"/>
+        <c:crosses val="autoZero"/>
+        <c:auto val="1"/>
+        <c:lblAlgn val="ctr"/>
+        <c:lblOffset val="100"/>
+        <c:noMultiLvlLbl val="0"/>
+      </c:catAx>
+      <c:valAx>
+        <c:axId val="39817984"/>
+        <c:scaling>
+          <c:orientation val="minMax"/>
+        </c:scaling>
+        <c:delete val="0"/>
+        <c:axPos val="l"/>
+        <c:majorGridlines/>
+        <c:numFmt formatCode="General" sourceLinked="1"/>
+        <c:majorTickMark val="out"/>
+        <c:minorTickMark val="none"/>
+        <c:tickLblPos val="nextTo"/>
+        <c:crossAx val="39801984"/>
+        <c:crosses val="autoZero"/>
+        <c:crossBetween val="between"/>
+      </c:valAx>
+    </c:plotArea>
+    <c:legend>
+      <c:legendPos val="r"/>
+      <c:layout/>
+      <c:overlay val="0"/>
+    </c:legend>
     <c:plotVisOnly val="1"/>
     <c:dispBlanksAs val="gap"/>
     <c:showDLblsOverMax val="0"/>
@@ -4120,8 +4656,8 @@
     </dgm:pt>
   </dgm:ptLst>
   <dgm:cxnLst>
+    <dgm:cxn modelId="{6BFD2860-8177-457E-9C41-9074DB3FFA3B}" type="presOf" srcId="{BE2FCAA6-BABD-44F6-B462-5637E99E741C}" destId="{F3D39BBE-8467-42EF-AF8E-ECBDE200ADCB}" srcOrd="0" destOrd="0" presId="urn:microsoft.com/office/officeart/2005/8/layout/cycle2"/>
     <dgm:cxn modelId="{EF12633C-43E6-4693-8376-A6AE6DD93E2D}" type="presOf" srcId="{8FEC8F5F-258D-4690-A338-D4EAA2A8947F}" destId="{753AC339-A53E-4E36-8990-3FC536D468E9}" srcOrd="0" destOrd="0" presId="urn:microsoft.com/office/officeart/2005/8/layout/cycle2"/>
-    <dgm:cxn modelId="{6BFD2860-8177-457E-9C41-9074DB3FFA3B}" type="presOf" srcId="{BE2FCAA6-BABD-44F6-B462-5637E99E741C}" destId="{F3D39BBE-8467-42EF-AF8E-ECBDE200ADCB}" srcOrd="0" destOrd="0" presId="urn:microsoft.com/office/officeart/2005/8/layout/cycle2"/>
     <dgm:cxn modelId="{9C5BA8BE-83A1-4A7A-9D8A-47F052691CDB}" srcId="{A7C3BFC2-39BF-4E7F-966D-1BBE80EAF2B6}" destId="{CFFF6D3C-25BE-4D5F-B3A9-6CA6DED42D51}" srcOrd="0" destOrd="0" parTransId="{ED579365-05AF-4C1B-B5DE-7B0928854F33}" sibTransId="{EF5B5354-FA56-4B6D-8C79-B8C32F95A277}"/>
     <dgm:cxn modelId="{A49AE529-F4C9-45D5-B166-D68F8B39FF8B}" type="presOf" srcId="{9C3AC689-875C-4D17-A8FC-232013308C40}" destId="{1CED81CD-F1F1-4B1F-9EA1-1740DECA9766}" srcOrd="0" destOrd="0" presId="urn:microsoft.com/office/officeart/2005/8/layout/cycle2"/>
     <dgm:cxn modelId="{88266545-A6D1-4ECF-A430-933C6A92345C}" srcId="{A7C3BFC2-39BF-4E7F-966D-1BBE80EAF2B6}" destId="{FE79E7DC-1D68-4EBB-83B7-1114A349CF04}" srcOrd="2" destOrd="0" parTransId="{B8ECE90A-2BEB-4DA0-925C-BA79F840130A}" sibTransId="{F4B01812-8E4B-42CE-92A6-66130D743FE6}"/>
@@ -14413,7 +14949,7 @@
             <a:fld id="{4CBF50E3-ED67-46F2-ABFC-A36EE1082CF7}" type="slidenum">
               <a:rPr lang="en-US" b="1" smtClean="0"/>
               <a:pPr/>
-              <a:t>28</a:t>
+              <a:t>31</a:t>
             </a:fld>
             <a:endParaRPr lang="en-US" b="1" dirty="0"/>
           </a:p>
@@ -14507,7 +15043,7 @@
             <a:fld id="{4CBF50E3-ED67-46F2-ABFC-A36EE1082CF7}" type="slidenum">
               <a:rPr lang="en-US" b="1" smtClean="0"/>
               <a:pPr/>
-              <a:t>29</a:t>
+              <a:t>32</a:t>
             </a:fld>
             <a:endParaRPr lang="en-US" b="1" dirty="0"/>
           </a:p>
@@ -14601,7 +15137,7 @@
             <a:fld id="{4CBF50E3-ED67-46F2-ABFC-A36EE1082CF7}" type="slidenum">
               <a:rPr lang="en-US" b="1" smtClean="0"/>
               <a:pPr/>
-              <a:t>30</a:t>
+              <a:t>33</a:t>
             </a:fld>
             <a:endParaRPr lang="en-US" b="1" dirty="0"/>
           </a:p>
@@ -14695,7 +15231,7 @@
             <a:fld id="{4CBF50E3-ED67-46F2-ABFC-A36EE1082CF7}" type="slidenum">
               <a:rPr lang="en-US" b="1" smtClean="0"/>
               <a:pPr/>
-              <a:t>31</a:t>
+              <a:t>34</a:t>
             </a:fld>
             <a:endParaRPr lang="en-US" b="1" dirty="0"/>
           </a:p>
@@ -14883,7 +15419,7 @@
             <a:fld id="{4CBF50E3-ED67-46F2-ABFC-A36EE1082CF7}" type="slidenum">
               <a:rPr lang="en-US" b="1" smtClean="0"/>
               <a:pPr/>
-              <a:t>32</a:t>
+              <a:t>35</a:t>
             </a:fld>
             <a:endParaRPr lang="en-US" b="1" dirty="0"/>
           </a:p>
@@ -14977,7 +15513,7 @@
             <a:fld id="{4CBF50E3-ED67-46F2-ABFC-A36EE1082CF7}" type="slidenum">
               <a:rPr lang="en-US" b="1" smtClean="0"/>
               <a:pPr/>
-              <a:t>34</a:t>
+              <a:t>37</a:t>
             </a:fld>
             <a:endParaRPr lang="en-US" b="1" dirty="0"/>
           </a:p>
@@ -30384,6 +30920,7 @@
               <a:rPr lang="de-DE" dirty="0" smtClean="0"/>
               <a:t> on Position List Indices (PLI)</a:t>
             </a:r>
+            <a:endParaRPr lang="de-DE" dirty="0" smtClean="0"/>
           </a:p>
           <a:p>
             <a:r>
@@ -30475,6 +31012,15 @@
               <a:rPr lang="de-DE" dirty="0" err="1" smtClean="0"/>
               <a:t>sets</a:t>
             </a:r>
+            <a:endParaRPr lang="de-DE" dirty="0" smtClean="0"/>
+          </a:p>
+          <a:p>
+            <a:endParaRPr lang="de-DE" dirty="0"/>
+          </a:p>
+          <a:p>
+            <a:pPr marL="0" indent="0">
+              <a:buNone/>
+            </a:pPr>
             <a:endParaRPr lang="de-DE" dirty="0" smtClean="0"/>
           </a:p>
           <a:p>
@@ -30592,6 +31138,13 @@
   <p:transition spd="slow">
     <p:wipe dir="u"/>
   </p:transition>
+  <p:timing>
+    <p:tnLst>
+      <p:par>
+        <p:cTn id="1" dur="indefinite" restart="never" nodeType="tmRoot"/>
+      </p:par>
+    </p:tnLst>
+  </p:timing>
 </p:sld>
 </file>
 
@@ -34541,12 +35094,25 @@
               <a:rPr lang="en-US" sz="1200" dirty="0" smtClean="0"/>
               <a:t>Solution</a:t>
             </a:r>
+            <a:endParaRPr lang="en-US" sz="1200" dirty="0" smtClean="0"/>
           </a:p>
           <a:p>
             <a:pPr lvl="1"/>
             <a:r>
+              <a:rPr lang="de-DE" sz="1200" dirty="0" err="1" smtClean="0"/>
+              <a:t>Algorithm</a:t>
+            </a:r>
+            <a:endParaRPr lang="en-US" sz="1200" dirty="0" smtClean="0"/>
+          </a:p>
+          <a:p>
+            <a:pPr lvl="1"/>
+            <a:r>
               <a:rPr lang="en-US" sz="1200" dirty="0" smtClean="0"/>
-              <a:t>Spark-Plan</a:t>
+              <a:t>Parallel </a:t>
+            </a:r>
+            <a:r>
+              <a:rPr lang="en-US" sz="1200" dirty="0" smtClean="0"/>
+              <a:t>parts</a:t>
             </a:r>
             <a:endParaRPr lang="en-US" sz="1200" dirty="0"/>
           </a:p>
@@ -34554,15 +35120,11 @@
             <a:pPr lvl="1"/>
             <a:r>
               <a:rPr lang="en-US" sz="1200" dirty="0" smtClean="0"/>
-              <a:t>Parallel parts</a:t>
-            </a:r>
-            <a:endParaRPr lang="en-US" sz="1200" dirty="0"/>
-          </a:p>
-          <a:p>
-            <a:pPr lvl="1"/>
+              <a:t>Implementation example: Position </a:t>
+            </a:r>
             <a:r>
               <a:rPr lang="en-US" sz="1200" dirty="0" smtClean="0"/>
-              <a:t>Position List Index</a:t>
+              <a:t>List Index</a:t>
             </a:r>
           </a:p>
           <a:p>
@@ -40944,6 +41506,79 @@
           <a:p>
             <a:r>
               <a:rPr lang="de-DE" dirty="0" smtClean="0"/>
+              <a:t>Minimal </a:t>
+            </a:r>
+            <a:r>
+              <a:rPr lang="de-DE" dirty="0" err="1" smtClean="0"/>
+              <a:t>Uniques</a:t>
+            </a:r>
+            <a:r>
+              <a:rPr lang="de-DE" dirty="0" smtClean="0"/>
+              <a:t> </a:t>
+            </a:r>
+            <a:r>
+              <a:rPr lang="de-DE" dirty="0" err="1" smtClean="0"/>
+              <a:t>need</a:t>
+            </a:r>
+            <a:r>
+              <a:rPr lang="de-DE" dirty="0" smtClean="0"/>
+              <a:t> </a:t>
+            </a:r>
+            <a:r>
+              <a:rPr lang="de-DE" dirty="0" err="1" smtClean="0"/>
+              <a:t>to</a:t>
+            </a:r>
+            <a:r>
+              <a:rPr lang="de-DE" dirty="0" smtClean="0"/>
+              <a:t> </a:t>
+            </a:r>
+            <a:r>
+              <a:rPr lang="de-DE" dirty="0" err="1" smtClean="0"/>
+              <a:t>be</a:t>
+            </a:r>
+            <a:endParaRPr lang="de-DE" dirty="0" smtClean="0"/>
+          </a:p>
+          <a:p>
+            <a:pPr lvl="1">
+              <a:buFont typeface="Arial" pitchFamily="34" charset="0"/>
+              <a:buChar char="•"/>
+            </a:pPr>
+            <a:r>
+              <a:rPr lang="de-DE" dirty="0" err="1" smtClean="0"/>
+              <a:t>collected</a:t>
+            </a:r>
+            <a:r>
+              <a:rPr lang="de-DE" dirty="0" smtClean="0"/>
+              <a:t> </a:t>
+            </a:r>
+            <a:r>
+              <a:rPr lang="de-DE" dirty="0" err="1" smtClean="0"/>
+              <a:t>every</a:t>
+            </a:r>
+            <a:r>
+              <a:rPr lang="de-DE" dirty="0" smtClean="0"/>
+              <a:t> </a:t>
+            </a:r>
+            <a:r>
+              <a:rPr lang="de-DE" dirty="0" err="1" smtClean="0"/>
+              <a:t>round</a:t>
+            </a:r>
+            <a:endParaRPr lang="de-DE" dirty="0" smtClean="0"/>
+          </a:p>
+          <a:p>
+            <a:pPr lvl="1">
+              <a:buFont typeface="Arial" pitchFamily="34" charset="0"/>
+              <a:buChar char="•"/>
+            </a:pPr>
+            <a:r>
+              <a:rPr lang="de-DE" dirty="0" err="1" smtClean="0"/>
+              <a:t>communicated</a:t>
+            </a:r>
+            <a:endParaRPr lang="de-DE" dirty="0" smtClean="0"/>
+          </a:p>
+          <a:p>
+            <a:r>
+              <a:rPr lang="de-DE" dirty="0" smtClean="0"/>
               <a:t>Size </a:t>
             </a:r>
             <a:r>
@@ -40980,7 +41615,7 @@
             </a:r>
             <a:r>
               <a:rPr lang="de-DE" dirty="0" err="1" smtClean="0"/>
-              <a:t>gets</a:t>
+              <a:t>can</a:t>
             </a:r>
             <a:r>
               <a:rPr lang="de-DE" dirty="0" smtClean="0"/>
@@ -40988,7 +41623,7 @@
             </a:r>
             <a:r>
               <a:rPr lang="de-DE" dirty="0" err="1" smtClean="0"/>
-              <a:t>too</a:t>
+              <a:t>get</a:t>
             </a:r>
             <a:r>
               <a:rPr lang="de-DE" dirty="0" smtClean="0"/>
@@ -40996,18 +41631,7 @@
             </a:r>
             <a:r>
               <a:rPr lang="de-DE" dirty="0" err="1" smtClean="0"/>
-              <a:t>big</a:t>
-            </a:r>
-            <a:endParaRPr lang="de-DE" dirty="0"/>
-          </a:p>
-          <a:p>
-            <a:r>
-              <a:rPr lang="de-DE" dirty="0" smtClean="0"/>
-              <a:t>Minimal </a:t>
-            </a:r>
-            <a:r>
-              <a:rPr lang="de-DE" dirty="0" err="1" smtClean="0"/>
-              <a:t>Uniques</a:t>
+              <a:t>very</a:t>
             </a:r>
             <a:r>
               <a:rPr lang="de-DE" dirty="0" smtClean="0"/>
@@ -41015,7 +41639,34 @@
             </a:r>
             <a:r>
               <a:rPr lang="de-DE" dirty="0" err="1" smtClean="0"/>
-              <a:t>need</a:t>
+              <a:t>big</a:t>
+            </a:r>
+            <a:endParaRPr lang="de-DE" dirty="0" smtClean="0"/>
+          </a:p>
+          <a:p>
+            <a:pPr lvl="1">
+              <a:buFont typeface="Arial" pitchFamily="34" charset="0"/>
+              <a:buChar char="•"/>
+            </a:pPr>
+            <a:r>
+              <a:rPr lang="de-DE" dirty="0" err="1" smtClean="0"/>
+              <a:t>hashed</a:t>
+            </a:r>
+            <a:r>
+              <a:rPr lang="de-DE" dirty="0" smtClean="0"/>
+              <a:t> PLI </a:t>
+            </a:r>
+            <a:r>
+              <a:rPr lang="de-DE" dirty="0"/>
+              <a:t>must </a:t>
+            </a:r>
+            <a:r>
+              <a:rPr lang="de-DE" dirty="0" smtClean="0"/>
+              <a:t>fit </a:t>
+            </a:r>
+            <a:r>
+              <a:rPr lang="de-DE" dirty="0" err="1" smtClean="0"/>
+              <a:t>into</a:t>
             </a:r>
             <a:r>
               <a:rPr lang="de-DE" dirty="0" smtClean="0"/>
@@ -41023,7 +41674,7 @@
             </a:r>
             <a:r>
               <a:rPr lang="de-DE" dirty="0" err="1" smtClean="0"/>
-              <a:t>to</a:t>
+              <a:t>main</a:t>
             </a:r>
             <a:r>
               <a:rPr lang="de-DE" dirty="0" smtClean="0"/>
@@ -41031,157 +41682,280 @@
             </a:r>
             <a:r>
               <a:rPr lang="de-DE" dirty="0" err="1" smtClean="0"/>
-              <a:t>be</a:t>
-            </a:r>
-            <a:r>
-              <a:rPr lang="de-DE" dirty="0" smtClean="0"/>
+              <a:t>memory</a:t>
+            </a:r>
+            <a:endParaRPr lang="de-DE" dirty="0"/>
+          </a:p>
+          <a:p>
+            <a:pPr lvl="1">
+              <a:buFont typeface="Arial" pitchFamily="34" charset="0"/>
+              <a:buChar char="•"/>
+            </a:pPr>
+            <a:r>
+              <a:rPr lang="de-DE" dirty="0" err="1">
+                <a:sym typeface="Wingdings" pitchFamily="2" charset="2"/>
+              </a:rPr>
+              <a:t>need</a:t>
+            </a:r>
+            <a:r>
+              <a:rPr lang="de-DE" dirty="0">
+                <a:sym typeface="Wingdings" pitchFamily="2" charset="2"/>
+              </a:rPr>
               <a:t> </a:t>
             </a:r>
             <a:r>
-              <a:rPr lang="de-DE" dirty="0" err="1" smtClean="0"/>
-              <a:t>communicated</a:t>
-            </a:r>
-            <a:endParaRPr lang="de-DE" dirty="0" smtClean="0"/>
-          </a:p>
-          <a:p>
-            <a:r>
-              <a:rPr lang="de-DE" dirty="0" err="1" smtClean="0"/>
-              <a:t>Combination</a:t>
-            </a:r>
-            <a:r>
-              <a:rPr lang="de-DE" dirty="0"/>
+              <a:rPr lang="de-DE" dirty="0" err="1">
+                <a:sym typeface="Wingdings" pitchFamily="2" charset="2"/>
+              </a:rPr>
+              <a:t>to</a:t>
+            </a:r>
+            <a:r>
+              <a:rPr lang="de-DE" dirty="0">
+                <a:sym typeface="Wingdings" pitchFamily="2" charset="2"/>
+              </a:rPr>
               <a:t> </a:t>
             </a:r>
             <a:r>
-              <a:rPr lang="de-DE" dirty="0" err="1" smtClean="0"/>
-              <a:t>of</a:t>
-            </a:r>
-            <a:r>
-              <a:rPr lang="de-DE" dirty="0" smtClean="0"/>
-              <a:t> RDDs</a:t>
-            </a:r>
-          </a:p>
-          <a:p>
-            <a:r>
-              <a:rPr lang="de-DE" dirty="0" err="1" smtClean="0"/>
-              <a:t>Intersection</a:t>
-            </a:r>
-            <a:r>
-              <a:rPr lang="de-DE" dirty="0" smtClean="0"/>
-              <a:t> = </a:t>
-            </a:r>
-            <a:r>
-              <a:rPr lang="de-DE" dirty="0" err="1" smtClean="0"/>
-              <a:t>bottleneck</a:t>
-            </a:r>
-            <a:r>
-              <a:rPr lang="de-DE" dirty="0" smtClean="0"/>
-              <a:t>?</a:t>
-            </a:r>
-          </a:p>
-          <a:p>
-            <a:r>
-              <a:rPr lang="de-DE" dirty="0" err="1" smtClean="0"/>
-              <a:t>For</a:t>
-            </a:r>
-            <a:r>
-              <a:rPr lang="de-DE" dirty="0" smtClean="0"/>
+              <a:rPr lang="de-DE" dirty="0" err="1">
+                <a:sym typeface="Wingdings" pitchFamily="2" charset="2"/>
+              </a:rPr>
+              <a:t>parallelize</a:t>
+            </a:r>
+            <a:r>
+              <a:rPr lang="de-DE" dirty="0">
+                <a:sym typeface="Wingdings" pitchFamily="2" charset="2"/>
+              </a:rPr>
               <a:t> </a:t>
             </a:r>
             <a:r>
-              <a:rPr lang="de-DE" dirty="0" err="1" smtClean="0"/>
+              <a:rPr lang="de-DE" dirty="0" err="1">
+                <a:sym typeface="Wingdings" pitchFamily="2" charset="2"/>
+              </a:rPr>
               <a:t>intersection</a:t>
             </a:r>
             <a:r>
-              <a:rPr lang="de-DE" dirty="0" smtClean="0"/>
+              <a:rPr lang="de-DE" dirty="0">
+                <a:sym typeface="Wingdings" pitchFamily="2" charset="2"/>
+              </a:rPr>
               <a:t> </a:t>
             </a:r>
             <a:r>
-              <a:rPr lang="de-DE" dirty="0" err="1" smtClean="0"/>
-              <a:t>one</a:t>
-            </a:r>
-            <a:r>
-              <a:rPr lang="de-DE" dirty="0" smtClean="0"/>
-              <a:t> PLI must </a:t>
-            </a:r>
-            <a:r>
-              <a:rPr lang="de-DE" dirty="0" err="1" smtClean="0"/>
-              <a:t>go</a:t>
-            </a:r>
-            <a:r>
-              <a:rPr lang="de-DE" dirty="0" smtClean="0"/>
-              <a:t> </a:t>
-            </a:r>
-            <a:r>
-              <a:rPr lang="de-DE" dirty="0" err="1" smtClean="0"/>
-              <a:t>completely</a:t>
-            </a:r>
-            <a:r>
-              <a:rPr lang="de-DE" dirty="0" smtClean="0"/>
-              <a:t> </a:t>
-            </a:r>
-            <a:r>
-              <a:rPr lang="de-DE" dirty="0" err="1" smtClean="0"/>
-              <a:t>into</a:t>
-            </a:r>
-            <a:r>
-              <a:rPr lang="de-DE" dirty="0" smtClean="0"/>
-              <a:t> </a:t>
-            </a:r>
-            <a:r>
-              <a:rPr lang="de-DE" dirty="0" err="1" smtClean="0"/>
-              <a:t>memory</a:t>
-            </a:r>
-            <a:endParaRPr lang="de-DE" dirty="0" smtClean="0"/>
-          </a:p>
-          <a:p>
-            <a:pPr marL="0" indent="0">
-              <a:buNone/>
-            </a:pPr>
-            <a:r>
-              <a:rPr lang="de-DE" dirty="0" smtClean="0"/>
-              <a:t>	</a:t>
+              <a:rPr lang="de-DE" dirty="0" err="1" smtClean="0">
+                <a:sym typeface="Wingdings" pitchFamily="2" charset="2"/>
+              </a:rPr>
+              <a:t>more</a:t>
             </a:r>
             <a:r>
               <a:rPr lang="de-DE" dirty="0" smtClean="0">
                 <a:sym typeface="Wingdings" pitchFamily="2" charset="2"/>
               </a:rPr>
-              <a:t> </a:t>
-            </a:r>
+              <a:t>?</a:t>
+            </a:r>
+            <a:endParaRPr lang="de-DE" dirty="0"/>
+          </a:p>
+          <a:p>
+            <a:r>
+              <a:rPr lang="de-DE" dirty="0" err="1" smtClean="0"/>
+              <a:t>Intersection</a:t>
+            </a:r>
+            <a:r>
+              <a:rPr lang="de-DE" dirty="0" smtClean="0"/>
+              <a:t> </a:t>
+            </a:r>
+            <a:r>
+              <a:rPr lang="de-DE" dirty="0" err="1" smtClean="0"/>
+              <a:t>of</a:t>
+            </a:r>
+            <a:r>
+              <a:rPr lang="de-DE" dirty="0" smtClean="0"/>
+              <a:t> </a:t>
+            </a:r>
+            <a:r>
+              <a:rPr lang="de-DE" dirty="0" smtClean="0"/>
+              <a:t>RDDs</a:t>
+            </a:r>
+          </a:p>
+          <a:p>
+            <a:pPr lvl="1"/>
+            <a:r>
+              <a:rPr lang="de-DE" dirty="0" err="1" smtClean="0"/>
+              <a:t>one</a:t>
+            </a:r>
+            <a:r>
+              <a:rPr lang="de-DE" dirty="0" smtClean="0"/>
+              <a:t> </a:t>
+            </a:r>
+            <a:r>
+              <a:rPr lang="de-DE" dirty="0" err="1" smtClean="0"/>
+              <a:t>node</a:t>
+            </a:r>
+            <a:r>
+              <a:rPr lang="de-DE" dirty="0" smtClean="0"/>
+              <a:t> </a:t>
+            </a:r>
+            <a:r>
+              <a:rPr lang="de-DE" dirty="0" err="1" smtClean="0"/>
+              <a:t>gets</a:t>
+            </a:r>
+            <a:r>
+              <a:rPr lang="de-DE" dirty="0" smtClean="0"/>
+              <a:t> all RDDs </a:t>
+            </a:r>
+            <a:r>
+              <a:rPr lang="de-DE" dirty="0" err="1" smtClean="0"/>
+              <a:t>for</a:t>
+            </a:r>
+            <a:r>
+              <a:rPr lang="de-DE" dirty="0" smtClean="0"/>
+              <a:t> </a:t>
+            </a:r>
+            <a:r>
+              <a:rPr lang="de-DE" dirty="0" err="1" smtClean="0"/>
+              <a:t>column</a:t>
+            </a:r>
+            <a:r>
+              <a:rPr lang="de-DE" dirty="0" smtClean="0"/>
+              <a:t> </a:t>
+            </a:r>
+            <a:r>
+              <a:rPr lang="de-DE" dirty="0" err="1" smtClean="0"/>
+              <a:t>combinations</a:t>
+            </a:r>
+            <a:r>
+              <a:rPr lang="de-DE" dirty="0" smtClean="0"/>
+              <a:t> </a:t>
+            </a:r>
+            <a:r>
+              <a:rPr lang="de-DE" dirty="0" err="1" smtClean="0"/>
+              <a:t>with</a:t>
+            </a:r>
+            <a:r>
+              <a:rPr lang="de-DE" dirty="0" smtClean="0"/>
+              <a:t> same </a:t>
+            </a:r>
+            <a:r>
+              <a:rPr lang="de-DE" dirty="0" err="1" smtClean="0"/>
+              <a:t>prefix</a:t>
+            </a:r>
+            <a:endParaRPr lang="de-DE" dirty="0" smtClean="0"/>
+          </a:p>
+          <a:p>
+            <a:pPr lvl="1"/>
+            <a:r>
+              <a:rPr lang="de-DE" dirty="0" err="1"/>
+              <a:t>n</a:t>
+            </a:r>
+            <a:r>
+              <a:rPr lang="de-DE" dirty="0" err="1" smtClean="0"/>
+              <a:t>eeds</a:t>
+            </a:r>
+            <a:r>
+              <a:rPr lang="de-DE" dirty="0" smtClean="0"/>
+              <a:t> </a:t>
+            </a:r>
+            <a:r>
+              <a:rPr lang="de-DE" dirty="0" err="1" smtClean="0"/>
+              <a:t>to</a:t>
+            </a:r>
+            <a:r>
+              <a:rPr lang="de-DE" dirty="0" smtClean="0"/>
+              <a:t> </a:t>
+            </a:r>
+            <a:r>
+              <a:rPr lang="de-DE" dirty="0" err="1" smtClean="0"/>
+              <a:t>compute</a:t>
+            </a:r>
+            <a:r>
+              <a:rPr lang="de-DE" dirty="0" smtClean="0"/>
+              <a:t> </a:t>
+            </a:r>
+            <a:r>
+              <a:rPr lang="de-DE" dirty="0" err="1" smtClean="0"/>
+              <a:t>intersection</a:t>
+            </a:r>
+            <a:r>
+              <a:rPr lang="de-DE" dirty="0" smtClean="0"/>
+              <a:t> </a:t>
+            </a:r>
+            <a:r>
+              <a:rPr lang="de-DE" dirty="0" err="1" smtClean="0"/>
+              <a:t>for</a:t>
+            </a:r>
+            <a:r>
+              <a:rPr lang="de-DE" dirty="0" smtClean="0"/>
+              <a:t> </a:t>
+            </a:r>
+            <a:r>
+              <a:rPr lang="de-DE" dirty="0" err="1" smtClean="0"/>
+              <a:t>each</a:t>
+            </a:r>
+            <a:r>
+              <a:rPr lang="de-DE" dirty="0" smtClean="0"/>
+              <a:t> pair</a:t>
+            </a:r>
+            <a:endParaRPr lang="de-DE" dirty="0" smtClean="0"/>
+          </a:p>
+          <a:p>
+            <a:r>
+              <a:rPr lang="de-DE" dirty="0" err="1" smtClean="0"/>
+              <a:t>GroupByKey</a:t>
+            </a:r>
+            <a:r>
+              <a:rPr lang="de-DE" dirty="0" smtClean="0"/>
+              <a:t> </a:t>
+            </a:r>
+            <a:r>
+              <a:rPr lang="de-DE" dirty="0" err="1" smtClean="0"/>
+              <a:t>less</a:t>
+            </a:r>
+            <a:r>
+              <a:rPr lang="de-DE" dirty="0" smtClean="0"/>
+              <a:t> </a:t>
+            </a:r>
+            <a:r>
+              <a:rPr lang="de-DE" dirty="0" err="1" smtClean="0"/>
+              <a:t>efficient</a:t>
+            </a:r>
+            <a:r>
+              <a:rPr lang="de-DE" dirty="0" smtClean="0"/>
+              <a:t> </a:t>
+            </a:r>
+            <a:r>
+              <a:rPr lang="de-DE" dirty="0" err="1" smtClean="0"/>
+              <a:t>for</a:t>
+            </a:r>
+            <a:r>
+              <a:rPr lang="de-DE" dirty="0" smtClean="0"/>
+              <a:t> </a:t>
+            </a:r>
+            <a:r>
+              <a:rPr lang="de-DE" dirty="0" err="1" smtClean="0"/>
+              <a:t>aggregation</a:t>
+            </a:r>
+            <a:r>
+              <a:rPr lang="de-DE" dirty="0" smtClean="0"/>
+              <a:t> </a:t>
+            </a:r>
+            <a:r>
+              <a:rPr lang="de-DE" dirty="0" err="1" smtClean="0"/>
+              <a:t>than</a:t>
+            </a:r>
+            <a:r>
+              <a:rPr lang="de-DE" dirty="0" smtClean="0"/>
+              <a:t> </a:t>
+            </a:r>
+            <a:r>
+              <a:rPr lang="de-DE" dirty="0" err="1" smtClean="0"/>
+              <a:t>reduceByKey</a:t>
+            </a:r>
+            <a:endParaRPr lang="de-DE" dirty="0" smtClean="0"/>
+          </a:p>
+          <a:p>
             <a:r>
               <a:rPr lang="de-DE" dirty="0" err="1" smtClean="0">
                 <a:sym typeface="Wingdings" pitchFamily="2" charset="2"/>
               </a:rPr>
-              <a:t>hashed</a:t>
-            </a:r>
-            <a:r>
-              <a:rPr lang="de-DE" dirty="0" smtClean="0">
-                <a:sym typeface="Wingdings" pitchFamily="2" charset="2"/>
-              </a:rPr>
-              <a:t> PLI</a:t>
-            </a:r>
-          </a:p>
-          <a:p>
-            <a:pPr marL="0" indent="0">
-              <a:buNone/>
-            </a:pPr>
-            <a:r>
-              <a:rPr lang="de-DE" dirty="0">
-                <a:sym typeface="Wingdings" pitchFamily="2" charset="2"/>
-              </a:rPr>
-              <a:t>	</a:t>
-            </a:r>
-            <a:r>
-              <a:rPr lang="de-DE" dirty="0" smtClean="0">
-                <a:sym typeface="Wingdings" pitchFamily="2" charset="2"/>
-              </a:rPr>
-              <a:t> </a:t>
-            </a:r>
-            <a:r>
-              <a:rPr lang="de-DE" dirty="0" err="1" smtClean="0">
-                <a:sym typeface="Wingdings" pitchFamily="2" charset="2"/>
-              </a:rPr>
-              <a:t>need</a:t>
+              <a:t>Flatmap</a:t>
             </a:r>
             <a:r>
               <a:rPr lang="de-DE" dirty="0" smtClean="0">
@@ -41193,7 +41967,7 @@
               <a:rPr lang="de-DE" dirty="0" err="1" smtClean="0">
                 <a:sym typeface="Wingdings" pitchFamily="2" charset="2"/>
               </a:rPr>
-              <a:t>to</a:t>
+              <a:t>function</a:t>
             </a:r>
             <a:r>
               <a:rPr lang="de-DE" dirty="0" smtClean="0">
@@ -41202,60 +41976,34 @@
               <a:t> </a:t>
             </a:r>
             <a:r>
+              <a:rPr lang="de-DE" dirty="0" smtClean="0">
+                <a:sym typeface="Wingdings" pitchFamily="2" charset="2"/>
+              </a:rPr>
+              <a:t>= </a:t>
+            </a:r>
+            <a:r>
               <a:rPr lang="de-DE" dirty="0" err="1" smtClean="0">
                 <a:sym typeface="Wingdings" pitchFamily="2" charset="2"/>
               </a:rPr>
-              <a:t>parallelize</a:t>
+              <a:t>bottleneck</a:t>
             </a:r>
             <a:r>
               <a:rPr lang="de-DE" dirty="0" smtClean="0">
                 <a:sym typeface="Wingdings" pitchFamily="2" charset="2"/>
               </a:rPr>
-              <a:t> </a:t>
-            </a:r>
+              <a:t>?</a:t>
+            </a:r>
+          </a:p>
+          <a:p>
+            <a:pPr lvl="1">
+              <a:buFont typeface="Arial" pitchFamily="34" charset="0"/>
+              <a:buChar char="•"/>
+            </a:pPr>
             <a:r>
               <a:rPr lang="de-DE" dirty="0" err="1" smtClean="0">
                 <a:sym typeface="Wingdings" pitchFamily="2" charset="2"/>
               </a:rPr>
-              <a:t>intersection</a:t>
-            </a:r>
-            <a:r>
-              <a:rPr lang="de-DE" dirty="0">
-                <a:sym typeface="Wingdings" pitchFamily="2" charset="2"/>
-              </a:rPr>
-              <a:t> </a:t>
-            </a:r>
-            <a:r>
-              <a:rPr lang="de-DE" dirty="0" err="1" smtClean="0">
-                <a:sym typeface="Wingdings" pitchFamily="2" charset="2"/>
-              </a:rPr>
-              <a:t>more</a:t>
-            </a:r>
-            <a:endParaRPr lang="en-US" dirty="0" smtClean="0">
-              <a:sym typeface="Wingdings" pitchFamily="2" charset="2"/>
-            </a:endParaRPr>
-          </a:p>
-          <a:p>
-            <a:pPr marL="0" indent="0">
-              <a:buNone/>
-            </a:pPr>
-            <a:r>
-              <a:rPr lang="de-DE" dirty="0" err="1" smtClean="0">
-                <a:sym typeface="Wingdings" pitchFamily="2" charset="2"/>
-              </a:rPr>
-              <a:t>Flatmap</a:t>
-            </a:r>
-            <a:r>
-              <a:rPr lang="de-DE" dirty="0" smtClean="0">
-                <a:sym typeface="Wingdings" pitchFamily="2" charset="2"/>
-              </a:rPr>
-              <a:t> = </a:t>
-            </a:r>
-            <a:r>
-              <a:rPr lang="de-DE" dirty="0" err="1" smtClean="0">
-                <a:sym typeface="Wingdings" pitchFamily="2" charset="2"/>
-              </a:rPr>
-              <a:t>bottlenack</a:t>
+              <a:t>What</a:t>
             </a:r>
             <a:r>
               <a:rPr lang="de-DE" dirty="0" smtClean="0">
@@ -41401,7 +42149,7 @@
           <a:lstStyle/>
           <a:p>
             <a:r>
-              <a:rPr lang="en-US" smtClean="0"/>
+              <a:rPr lang="en-US" dirty="0" smtClean="0"/>
               <a:t>Speaker, Job Description, Date if needed</a:t>
             </a:r>
             <a:endParaRPr lang="en-US" dirty="0"/>
@@ -41424,7 +42172,7 @@
           <a:lstStyle/>
           <a:p>
             <a:r>
-              <a:rPr lang="en-US" smtClean="0"/>
+              <a:rPr lang="en-US" dirty="0" smtClean="0"/>
               <a:t>Presentation Title</a:t>
             </a:r>
             <a:endParaRPr lang="en-US" dirty="0"/>
@@ -41472,6 +42220,13 @@
   <p:transition spd="slow">
     <p:wipe dir="u"/>
   </p:transition>
+  <p:timing>
+    <p:tnLst>
+      <p:par>
+        <p:cTn id="1" dur="indefinite" restart="never" nodeType="tmRoot"/>
+      </p:par>
+    </p:tnLst>
+  </p:timing>
 </p:sld>
 </file>
 
@@ -41494,7 +42249,224 @@
       </p:grpSpPr>
       <p:sp>
         <p:nvSpPr>
-          <p:cNvPr id="6157" name="Title 6156"/>
+          <p:cNvPr id="2" name="Textplatzhalter 1"/>
+          <p:cNvSpPr>
+            <a:spLocks noGrp="1"/>
+          </p:cNvSpPr>
+          <p:nvPr>
+            <p:ph type="body" sz="quarter" idx="10"/>
+          </p:nvPr>
+        </p:nvSpPr>
+        <p:spPr/>
+        <p:txBody>
+          <a:bodyPr/>
+          <a:lstStyle/>
+          <a:p>
+            <a:r>
+              <a:rPr lang="de-DE" dirty="0" smtClean="0"/>
+              <a:t>PLIs </a:t>
+            </a:r>
+            <a:r>
+              <a:rPr lang="de-DE" dirty="0" err="1" smtClean="0"/>
+              <a:t>can</a:t>
+            </a:r>
+            <a:r>
+              <a:rPr lang="de-DE" dirty="0" smtClean="0"/>
+              <a:t> </a:t>
+            </a:r>
+            <a:r>
+              <a:rPr lang="de-DE" dirty="0" err="1" smtClean="0"/>
+              <a:t>get</a:t>
+            </a:r>
+            <a:r>
+              <a:rPr lang="de-DE" dirty="0" smtClean="0"/>
+              <a:t> </a:t>
+            </a:r>
+            <a:r>
+              <a:rPr lang="de-DE" dirty="0" err="1" smtClean="0"/>
+              <a:t>very</a:t>
+            </a:r>
+            <a:r>
+              <a:rPr lang="de-DE" dirty="0" smtClean="0"/>
+              <a:t> </a:t>
+            </a:r>
+            <a:r>
+              <a:rPr lang="de-DE" dirty="0" err="1" smtClean="0"/>
+              <a:t>big</a:t>
+            </a:r>
+            <a:endParaRPr lang="de-DE" dirty="0" smtClean="0"/>
+          </a:p>
+          <a:p>
+            <a:r>
+              <a:rPr lang="de-DE" dirty="0" err="1" smtClean="0"/>
+              <a:t>zipWithIndex</a:t>
+            </a:r>
+            <a:r>
+              <a:rPr lang="de-DE" dirty="0" smtClean="0"/>
+              <a:t>() </a:t>
+            </a:r>
+            <a:r>
+              <a:rPr lang="de-DE" dirty="0" err="1" smtClean="0"/>
+              <a:t>does</a:t>
+            </a:r>
+            <a:r>
+              <a:rPr lang="de-DE" dirty="0" smtClean="0"/>
+              <a:t> not </a:t>
+            </a:r>
+            <a:r>
+              <a:rPr lang="de-DE" dirty="0" err="1" smtClean="0"/>
+              <a:t>scale</a:t>
+            </a:r>
+            <a:r>
+              <a:rPr lang="de-DE" dirty="0" smtClean="0"/>
+              <a:t/>
+            </a:r>
+            <a:br>
+              <a:rPr lang="de-DE" dirty="0" smtClean="0"/>
+            </a:br>
+            <a:r>
+              <a:rPr lang="de-DE" dirty="0" smtClean="0"/>
+              <a:t>1 </a:t>
+            </a:r>
+            <a:r>
+              <a:rPr lang="de-DE" dirty="0" err="1" smtClean="0"/>
+              <a:t>node</a:t>
+            </a:r>
+            <a:r>
+              <a:rPr lang="de-DE" dirty="0" smtClean="0"/>
+              <a:t>: 700ms, 10 </a:t>
+            </a:r>
+            <a:r>
+              <a:rPr lang="de-DE" dirty="0" err="1" smtClean="0"/>
+              <a:t>nodes</a:t>
+            </a:r>
+            <a:r>
+              <a:rPr lang="de-DE" dirty="0" smtClean="0"/>
+              <a:t>: 2300ms</a:t>
+            </a:r>
+          </a:p>
+          <a:p>
+            <a:r>
+              <a:rPr lang="de-DE" dirty="0"/>
+              <a:t>Reading </a:t>
+            </a:r>
+            <a:r>
+              <a:rPr lang="de-DE" dirty="0" err="1"/>
+              <a:t>file</a:t>
+            </a:r>
+            <a:r>
+              <a:rPr lang="de-DE" dirty="0"/>
+              <a:t> </a:t>
+            </a:r>
+            <a:r>
+              <a:rPr lang="de-DE" dirty="0" err="1"/>
+              <a:t>does</a:t>
+            </a:r>
+            <a:r>
+              <a:rPr lang="de-DE" dirty="0"/>
+              <a:t> not </a:t>
+            </a:r>
+            <a:r>
+              <a:rPr lang="de-DE" dirty="0" err="1"/>
+              <a:t>scale</a:t>
+            </a:r>
+            <a:r>
+              <a:rPr lang="de-DE" dirty="0"/>
+              <a:t>? </a:t>
+            </a:r>
+            <a:br>
+              <a:rPr lang="de-DE" dirty="0"/>
+            </a:br>
+            <a:r>
+              <a:rPr lang="de-DE" dirty="0"/>
+              <a:t>Split </a:t>
+            </a:r>
+            <a:r>
+              <a:rPr lang="de-DE" dirty="0" err="1"/>
+              <a:t>line</a:t>
+            </a:r>
+            <a:r>
+              <a:rPr lang="de-DE" dirty="0"/>
+              <a:t> </a:t>
+            </a:r>
+            <a:r>
+              <a:rPr lang="de-DE" dirty="0" err="1"/>
+              <a:t>string</a:t>
+            </a:r>
+            <a:r>
+              <a:rPr lang="de-DE" dirty="0"/>
+              <a:t> </a:t>
+            </a:r>
+            <a:r>
+              <a:rPr lang="de-DE" dirty="0" err="1"/>
+              <a:t>and</a:t>
+            </a:r>
+            <a:r>
+              <a:rPr lang="de-DE" dirty="0"/>
+              <a:t> save </a:t>
+            </a:r>
+            <a:r>
+              <a:rPr lang="de-DE" dirty="0" err="1"/>
+              <a:t>cell</a:t>
+            </a:r>
+            <a:r>
+              <a:rPr lang="de-DE" dirty="0"/>
+              <a:t> </a:t>
+            </a:r>
+            <a:r>
+              <a:rPr lang="de-DE" dirty="0" err="1"/>
+              <a:t>values</a:t>
+            </a:r>
+            <a:r>
+              <a:rPr lang="de-DE" dirty="0"/>
+              <a:t> </a:t>
+            </a:r>
+            <a:r>
+              <a:rPr lang="de-DE" dirty="0" err="1"/>
+              <a:t>with</a:t>
+            </a:r>
+            <a:r>
+              <a:rPr lang="de-DE" dirty="0"/>
+              <a:t> </a:t>
+            </a:r>
+            <a:r>
+              <a:rPr lang="de-DE" dirty="0" err="1"/>
+              <a:t>row</a:t>
+            </a:r>
+            <a:r>
+              <a:rPr lang="de-DE" dirty="0"/>
+              <a:t> </a:t>
+            </a:r>
+            <a:r>
+              <a:rPr lang="de-DE" dirty="0" err="1"/>
+              <a:t>and</a:t>
+            </a:r>
+            <a:r>
+              <a:rPr lang="de-DE" dirty="0"/>
+              <a:t> </a:t>
+            </a:r>
+            <a:r>
+              <a:rPr lang="de-DE" dirty="0" err="1"/>
+              <a:t>column</a:t>
+            </a:r>
+            <a:r>
+              <a:rPr lang="de-DE" dirty="0"/>
+              <a:t> </a:t>
+            </a:r>
+            <a:r>
+              <a:rPr lang="de-DE" dirty="0" err="1"/>
+              <a:t>index</a:t>
+            </a:r>
+            <a:endParaRPr lang="de-DE" dirty="0"/>
+          </a:p>
+          <a:p>
+            <a:endParaRPr lang="en-US" dirty="0"/>
+          </a:p>
+        </p:txBody>
+      </p:sp>
+      <p:sp>
+        <p:nvSpPr>
+          <p:cNvPr id="3" name="Titel 2"/>
           <p:cNvSpPr>
             <a:spLocks noGrp="1"/>
           </p:cNvSpPr>
@@ -41502,26 +42474,18 @@
             <p:ph type="title"/>
           </p:nvPr>
         </p:nvSpPr>
-        <p:spPr>
-          <a:xfrm>
-            <a:off x="358776" y="108001"/>
-            <a:ext cx="6877051" cy="927588"/>
-          </a:xfrm>
-        </p:spPr>
+        <p:spPr/>
         <p:txBody>
           <a:bodyPr/>
           <a:lstStyle/>
           <a:p>
             <a:r>
-              <a:rPr lang="en-US" dirty="0" smtClean="0"/>
-              <a:t>Evaluation</a:t>
-            </a:r>
-            <a:br>
-              <a:rPr lang="en-US" dirty="0" smtClean="0"/>
-            </a:br>
-            <a:r>
-              <a:rPr lang="en-US" dirty="0" smtClean="0"/>
-              <a:t>scaling on cores</a:t>
+              <a:rPr lang="de-DE" dirty="0" smtClean="0"/>
+              <a:t>Problem </a:t>
+            </a:r>
+            <a:r>
+              <a:rPr lang="de-DE" dirty="0" err="1" smtClean="0"/>
+              <a:t>Reflection</a:t>
             </a:r>
             <a:endParaRPr lang="en-US" dirty="0"/>
           </a:p>
@@ -41529,61 +42493,45 @@
       </p:sp>
       <p:sp>
         <p:nvSpPr>
-          <p:cNvPr id="6158" name="Text Placeholder 6157"/>
+          <p:cNvPr id="4" name="Datumsplatzhalter 3"/>
           <p:cNvSpPr>
             <a:spLocks noGrp="1"/>
           </p:cNvSpPr>
           <p:nvPr>
-            <p:ph type="body" sz="quarter" idx="13"/>
+            <p:ph type="dt" sz="half" idx="11"/>
           </p:nvPr>
         </p:nvSpPr>
         <p:spPr/>
         <p:txBody>
-          <a:bodyPr>
-            <a:normAutofit/>
-          </a:bodyPr>
+          <a:bodyPr/>
           <a:lstStyle/>
           <a:p>
-            <a:pPr lvl="2" indent="0">
-              <a:buNone/>
-            </a:pPr>
-            <a:endParaRPr lang="en-US" dirty="0" smtClean="0"/>
+            <a:r>
+              <a:rPr lang="en-US" smtClean="0"/>
+              <a:t>Speaker, Job Description, Date if needed</a:t>
+            </a:r>
+            <a:endParaRPr lang="en-US" dirty="0"/>
           </a:p>
         </p:txBody>
       </p:sp>
       <p:sp>
         <p:nvSpPr>
-          <p:cNvPr id="2" name="Date Placeholder 1"/>
+          <p:cNvPr id="5" name="Fußzeilenplatzhalter 4"/>
           <p:cNvSpPr>
             <a:spLocks noGrp="1"/>
           </p:cNvSpPr>
           <p:nvPr>
-            <p:ph type="dt" sz="half" idx="14"/>
+            <p:ph type="ftr" sz="quarter" idx="12"/>
           </p:nvPr>
         </p:nvSpPr>
-        <p:spPr>
-          <a:xfrm>
-            <a:off x="7416801" y="4155928"/>
-            <a:ext cx="1547813" cy="467268"/>
-          </a:xfrm>
-        </p:spPr>
+        <p:spPr/>
         <p:txBody>
           <a:bodyPr/>
           <a:lstStyle/>
           <a:p>
             <a:r>
-              <a:rPr lang="en-US" dirty="0" smtClean="0"/>
-              <a:t>Pascal Jung,</a:t>
-            </a:r>
-          </a:p>
-          <a:p>
-            <a:r>
-              <a:rPr lang="en-US" dirty="0" smtClean="0"/>
-              <a:t>Jaqueline </a:t>
-            </a:r>
-            <a:r>
-              <a:rPr lang="en-US" dirty="0" err="1" smtClean="0"/>
-              <a:t>Pollak</a:t>
+              <a:rPr lang="en-US" smtClean="0"/>
+              <a:t>Presentation Title</a:t>
             </a:r>
             <a:endParaRPr lang="en-US" dirty="0"/>
           </a:p>
@@ -41591,48 +42539,44 @@
       </p:sp>
       <p:sp>
         <p:nvSpPr>
-          <p:cNvPr id="3" name="Footer Placeholder 2"/>
+          <p:cNvPr id="6" name="Foliennummernplatzhalter 5"/>
           <p:cNvSpPr>
             <a:spLocks noGrp="1"/>
           </p:cNvSpPr>
           <p:nvPr>
-            <p:ph type="ftr" sz="quarter" idx="15"/>
+            <p:ph type="sldNum" sz="quarter" idx="13"/>
           </p:nvPr>
         </p:nvSpPr>
-        <p:spPr>
-          <a:xfrm>
-            <a:off x="7416801" y="3562453"/>
-            <a:ext cx="1547813" cy="521465"/>
-          </a:xfrm>
-        </p:spPr>
+        <p:spPr/>
         <p:txBody>
           <a:bodyPr/>
           <a:lstStyle/>
           <a:p>
             <a:r>
-              <a:rPr lang="de-DE" dirty="0"/>
-              <a:t>Data </a:t>
-            </a:r>
-            <a:r>
-              <a:rPr lang="de-DE" dirty="0" err="1"/>
-              <a:t>Profiling</a:t>
-            </a:r>
-            <a:endParaRPr lang="en-US" dirty="0"/>
+              <a:rPr lang="en-US" smtClean="0"/>
+              <a:t>Chart </a:t>
+            </a:r>
+            <a:fld id="{91D913BA-B0D8-4B51-9328-DFAA0B370309}" type="slidenum">
+              <a:rPr lang="en-US" b="1" smtClean="0"/>
+              <a:pPr/>
+              <a:t>28</a:t>
+            </a:fld>
+            <a:endParaRPr lang="en-US" b="1" dirty="0"/>
           </a:p>
         </p:txBody>
       </p:sp>
     </p:spTree>
     <p:extLst>
       <p:ext uri="{BB962C8B-B14F-4D97-AF65-F5344CB8AC3E}">
-        <p14:creationId xmlns:p14="http://schemas.microsoft.com/office/powerpoint/2010/main" val="687003704"/>
+        <p14:creationId xmlns:p14="http://schemas.microsoft.com/office/powerpoint/2010/main" val="3898746581"/>
       </p:ext>
     </p:extLst>
   </p:cSld>
   <p:clrMapOvr>
     <a:masterClrMapping/>
   </p:clrMapOvr>
-  <p:transition>
-    <p:fade/>
+  <p:transition spd="slow">
+    <p:wipe dir="u"/>
   </p:transition>
   <p:timing>
     <p:tnLst>
@@ -41663,7 +42607,7 @@
       </p:grpSpPr>
       <p:sp>
         <p:nvSpPr>
-          <p:cNvPr id="6157" name="Title 6156"/>
+          <p:cNvPr id="3" name="Titel 2"/>
           <p:cNvSpPr>
             <a:spLocks noGrp="1"/>
           </p:cNvSpPr>
@@ -41671,26 +42615,30 @@
             <p:ph type="title"/>
           </p:nvPr>
         </p:nvSpPr>
-        <p:spPr>
-          <a:xfrm>
-            <a:off x="358776" y="108001"/>
-            <a:ext cx="6877051" cy="927588"/>
-          </a:xfrm>
-        </p:spPr>
+        <p:spPr/>
         <p:txBody>
           <a:bodyPr/>
           <a:lstStyle/>
           <a:p>
             <a:r>
-              <a:rPr lang="en-US" dirty="0" smtClean="0"/>
-              <a:t>Evaluation</a:t>
-            </a:r>
-            <a:br>
-              <a:rPr lang="en-US" dirty="0" smtClean="0"/>
-            </a:br>
-            <a:r>
-              <a:rPr lang="en-US" dirty="0" smtClean="0"/>
-              <a:t>scaling with columns</a:t>
+              <a:rPr lang="de-DE" dirty="0" smtClean="0"/>
+              <a:t>Initial </a:t>
+            </a:r>
+            <a:r>
+              <a:rPr lang="de-DE" dirty="0" err="1" smtClean="0"/>
+              <a:t>creation</a:t>
+            </a:r>
+            <a:r>
+              <a:rPr lang="de-DE" dirty="0" smtClean="0"/>
+              <a:t> </a:t>
+            </a:r>
+            <a:r>
+              <a:rPr lang="de-DE" dirty="0" err="1" smtClean="0"/>
+              <a:t>of</a:t>
+            </a:r>
+            <a:r>
+              <a:rPr lang="de-DE" dirty="0" smtClean="0"/>
+              <a:t> Position List Index</a:t>
             </a:r>
             <a:endParaRPr lang="en-US" dirty="0"/>
           </a:p>
@@ -41698,61 +42646,45 @@
       </p:sp>
       <p:sp>
         <p:nvSpPr>
-          <p:cNvPr id="6158" name="Text Placeholder 6157"/>
+          <p:cNvPr id="4" name="Datumsplatzhalter 3"/>
           <p:cNvSpPr>
             <a:spLocks noGrp="1"/>
           </p:cNvSpPr>
           <p:nvPr>
-            <p:ph type="body" sz="quarter" idx="13"/>
+            <p:ph type="dt" sz="half" idx="11"/>
           </p:nvPr>
         </p:nvSpPr>
         <p:spPr/>
         <p:txBody>
-          <a:bodyPr>
-            <a:normAutofit/>
-          </a:bodyPr>
+          <a:bodyPr/>
           <a:lstStyle/>
           <a:p>
-            <a:pPr lvl="2" indent="0">
-              <a:buNone/>
-            </a:pPr>
-            <a:endParaRPr lang="en-US" dirty="0" smtClean="0"/>
+            <a:r>
+              <a:rPr lang="en-US" smtClean="0"/>
+              <a:t>Speaker, Job Description, Date if needed</a:t>
+            </a:r>
+            <a:endParaRPr lang="en-US" dirty="0"/>
           </a:p>
         </p:txBody>
       </p:sp>
       <p:sp>
         <p:nvSpPr>
-          <p:cNvPr id="2" name="Date Placeholder 1"/>
+          <p:cNvPr id="5" name="Fußzeilenplatzhalter 4"/>
           <p:cNvSpPr>
             <a:spLocks noGrp="1"/>
           </p:cNvSpPr>
           <p:nvPr>
-            <p:ph type="dt" sz="half" idx="14"/>
+            <p:ph type="ftr" sz="quarter" idx="12"/>
           </p:nvPr>
         </p:nvSpPr>
-        <p:spPr>
-          <a:xfrm>
-            <a:off x="7416801" y="4155928"/>
-            <a:ext cx="1547813" cy="467268"/>
-          </a:xfrm>
-        </p:spPr>
+        <p:spPr/>
         <p:txBody>
           <a:bodyPr/>
           <a:lstStyle/>
           <a:p>
             <a:r>
-              <a:rPr lang="en-US" dirty="0" smtClean="0"/>
-              <a:t>Pascal Jung,</a:t>
-            </a:r>
-          </a:p>
-          <a:p>
-            <a:r>
-              <a:rPr lang="en-US" dirty="0" smtClean="0"/>
-              <a:t>Jaqueline </a:t>
-            </a:r>
-            <a:r>
-              <a:rPr lang="en-US" dirty="0" err="1" smtClean="0"/>
-              <a:t>Pollak</a:t>
+              <a:rPr lang="en-US" smtClean="0"/>
+              <a:t>Presentation Title</a:t>
             </a:r>
             <a:endParaRPr lang="en-US" dirty="0"/>
           </a:p>
@@ -41760,48 +42692,66 @@
       </p:sp>
       <p:sp>
         <p:nvSpPr>
-          <p:cNvPr id="3" name="Footer Placeholder 2"/>
+          <p:cNvPr id="6" name="Foliennummernplatzhalter 5"/>
           <p:cNvSpPr>
             <a:spLocks noGrp="1"/>
           </p:cNvSpPr>
           <p:nvPr>
-            <p:ph type="ftr" sz="quarter" idx="15"/>
+            <p:ph type="sldNum" sz="quarter" idx="13"/>
           </p:nvPr>
         </p:nvSpPr>
-        <p:spPr>
-          <a:xfrm>
-            <a:off x="7416801" y="3562453"/>
-            <a:ext cx="1547813" cy="521465"/>
-          </a:xfrm>
-        </p:spPr>
+        <p:spPr/>
         <p:txBody>
           <a:bodyPr/>
           <a:lstStyle/>
           <a:p>
             <a:r>
-              <a:rPr lang="de-DE" dirty="0"/>
-              <a:t>Data </a:t>
-            </a:r>
-            <a:r>
-              <a:rPr lang="de-DE" dirty="0" err="1"/>
-              <a:t>Profiling</a:t>
-            </a:r>
-            <a:endParaRPr lang="en-US" dirty="0"/>
+              <a:rPr lang="en-US" smtClean="0"/>
+              <a:t>Chart </a:t>
+            </a:r>
+            <a:fld id="{91D913BA-B0D8-4B51-9328-DFAA0B370309}" type="slidenum">
+              <a:rPr lang="en-US" b="1" smtClean="0"/>
+              <a:pPr/>
+              <a:t>29</a:t>
+            </a:fld>
+            <a:endParaRPr lang="en-US" b="1" dirty="0"/>
           </a:p>
         </p:txBody>
       </p:sp>
+      <p:graphicFrame>
+        <p:nvGraphicFramePr>
+          <p:cNvPr id="7" name="Diagramm 6" title="aa"/>
+          <p:cNvGraphicFramePr/>
+          <p:nvPr>
+            <p:extLst>
+              <p:ext uri="{D42A27DB-BD31-4B8C-83A1-F6EECF244321}">
+                <p14:modId xmlns:p14="http://schemas.microsoft.com/office/powerpoint/2010/main" val="897266857"/>
+              </p:ext>
+            </p:extLst>
+          </p:nvPr>
+        </p:nvGraphicFramePr>
+        <p:xfrm>
+          <a:off x="539552" y="1419622"/>
+          <a:ext cx="6768752" cy="3384153"/>
+        </p:xfrm>
+        <a:graphic>
+          <a:graphicData uri="http://schemas.openxmlformats.org/drawingml/2006/chart">
+            <c:chart xmlns:c="http://schemas.openxmlformats.org/drawingml/2006/chart" xmlns:r="http://schemas.openxmlformats.org/officeDocument/2006/relationships" r:id="rId2"/>
+          </a:graphicData>
+        </a:graphic>
+      </p:graphicFrame>
     </p:spTree>
     <p:extLst>
       <p:ext uri="{BB962C8B-B14F-4D97-AF65-F5344CB8AC3E}">
-        <p14:creationId xmlns:p14="http://schemas.microsoft.com/office/powerpoint/2010/main" val="1055483372"/>
+        <p14:creationId xmlns:p14="http://schemas.microsoft.com/office/powerpoint/2010/main" val="560480682"/>
       </p:ext>
     </p:extLst>
   </p:cSld>
   <p:clrMapOvr>
     <a:masterClrMapping/>
   </p:clrMapOvr>
-  <p:transition>
-    <p:fade/>
+  <p:transition spd="slow">
+    <p:wipe dir="u"/>
   </p:transition>
   <p:timing>
     <p:tnLst>
@@ -42088,7 +43038,7 @@
       </p:grpSpPr>
       <p:sp>
         <p:nvSpPr>
-          <p:cNvPr id="6157" name="Title 6156"/>
+          <p:cNvPr id="3" name="Titel 2"/>
           <p:cNvSpPr>
             <a:spLocks noGrp="1"/>
           </p:cNvSpPr>
@@ -42096,26 +43046,14 @@
             <p:ph type="title"/>
           </p:nvPr>
         </p:nvSpPr>
-        <p:spPr>
-          <a:xfrm>
-            <a:off x="358776" y="108001"/>
-            <a:ext cx="6877051" cy="927588"/>
-          </a:xfrm>
-        </p:spPr>
+        <p:spPr/>
         <p:txBody>
           <a:bodyPr/>
           <a:lstStyle/>
           <a:p>
             <a:r>
-              <a:rPr lang="en-US" dirty="0" smtClean="0"/>
-              <a:t>Evaluation</a:t>
-            </a:r>
-            <a:br>
-              <a:rPr lang="en-US" dirty="0" smtClean="0"/>
-            </a:br>
-            <a:r>
-              <a:rPr lang="en-US" dirty="0" smtClean="0"/>
-              <a:t>improvements through column pruning</a:t>
+              <a:rPr lang="de-DE" dirty="0" err="1" smtClean="0"/>
+              <a:t>Scaling</a:t>
             </a:r>
             <a:endParaRPr lang="en-US" dirty="0"/>
           </a:p>
@@ -42123,61 +43061,45 @@
       </p:sp>
       <p:sp>
         <p:nvSpPr>
-          <p:cNvPr id="6158" name="Text Placeholder 6157"/>
+          <p:cNvPr id="4" name="Datumsplatzhalter 3"/>
           <p:cNvSpPr>
             <a:spLocks noGrp="1"/>
           </p:cNvSpPr>
           <p:nvPr>
-            <p:ph type="body" sz="quarter" idx="13"/>
+            <p:ph type="dt" sz="half" idx="11"/>
           </p:nvPr>
         </p:nvSpPr>
         <p:spPr/>
         <p:txBody>
-          <a:bodyPr>
-            <a:normAutofit/>
-          </a:bodyPr>
+          <a:bodyPr/>
           <a:lstStyle/>
           <a:p>
-            <a:pPr lvl="2" indent="0">
-              <a:buNone/>
-            </a:pPr>
-            <a:endParaRPr lang="en-US" dirty="0" smtClean="0"/>
+            <a:r>
+              <a:rPr lang="en-US" smtClean="0"/>
+              <a:t>Speaker, Job Description, Date if needed</a:t>
+            </a:r>
+            <a:endParaRPr lang="en-US" dirty="0"/>
           </a:p>
         </p:txBody>
       </p:sp>
       <p:sp>
         <p:nvSpPr>
-          <p:cNvPr id="2" name="Date Placeholder 1"/>
+          <p:cNvPr id="5" name="Fußzeilenplatzhalter 4"/>
           <p:cNvSpPr>
             <a:spLocks noGrp="1"/>
           </p:cNvSpPr>
           <p:nvPr>
-            <p:ph type="dt" sz="half" idx="14"/>
+            <p:ph type="ftr" sz="quarter" idx="12"/>
           </p:nvPr>
         </p:nvSpPr>
-        <p:spPr>
-          <a:xfrm>
-            <a:off x="7416801" y="4155928"/>
-            <a:ext cx="1547813" cy="467268"/>
-          </a:xfrm>
-        </p:spPr>
+        <p:spPr/>
         <p:txBody>
           <a:bodyPr/>
           <a:lstStyle/>
           <a:p>
             <a:r>
-              <a:rPr lang="en-US" dirty="0" smtClean="0"/>
-              <a:t>Pascal Jung,</a:t>
-            </a:r>
-          </a:p>
-          <a:p>
-            <a:r>
-              <a:rPr lang="en-US" dirty="0" smtClean="0"/>
-              <a:t>Jaqueline </a:t>
-            </a:r>
-            <a:r>
-              <a:rPr lang="en-US" dirty="0" err="1" smtClean="0"/>
-              <a:t>Pollak</a:t>
+              <a:rPr lang="en-US" smtClean="0"/>
+              <a:t>Presentation Title</a:t>
             </a:r>
             <a:endParaRPr lang="en-US" dirty="0"/>
           </a:p>
@@ -42185,48 +43107,66 @@
       </p:sp>
       <p:sp>
         <p:nvSpPr>
-          <p:cNvPr id="3" name="Footer Placeholder 2"/>
+          <p:cNvPr id="6" name="Foliennummernplatzhalter 5"/>
           <p:cNvSpPr>
             <a:spLocks noGrp="1"/>
           </p:cNvSpPr>
           <p:nvPr>
-            <p:ph type="ftr" sz="quarter" idx="15"/>
+            <p:ph type="sldNum" sz="quarter" idx="13"/>
           </p:nvPr>
         </p:nvSpPr>
-        <p:spPr>
-          <a:xfrm>
-            <a:off x="7416801" y="3562453"/>
-            <a:ext cx="1547813" cy="521465"/>
-          </a:xfrm>
-        </p:spPr>
+        <p:spPr/>
         <p:txBody>
           <a:bodyPr/>
           <a:lstStyle/>
           <a:p>
             <a:r>
-              <a:rPr lang="de-DE" dirty="0"/>
-              <a:t>Data </a:t>
-            </a:r>
-            <a:r>
-              <a:rPr lang="de-DE" dirty="0" err="1"/>
-              <a:t>Profiling</a:t>
-            </a:r>
-            <a:endParaRPr lang="en-US" dirty="0"/>
+              <a:rPr lang="en-US" smtClean="0"/>
+              <a:t>Chart </a:t>
+            </a:r>
+            <a:fld id="{91D913BA-B0D8-4B51-9328-DFAA0B370309}" type="slidenum">
+              <a:rPr lang="en-US" b="1" smtClean="0"/>
+              <a:pPr/>
+              <a:t>30</a:t>
+            </a:fld>
+            <a:endParaRPr lang="en-US" b="1" dirty="0"/>
           </a:p>
         </p:txBody>
       </p:sp>
+      <p:graphicFrame>
+        <p:nvGraphicFramePr>
+          <p:cNvPr id="7" name="Diagramm 6"/>
+          <p:cNvGraphicFramePr/>
+          <p:nvPr>
+            <p:extLst>
+              <p:ext uri="{D42A27DB-BD31-4B8C-83A1-F6EECF244321}">
+                <p14:modId xmlns:p14="http://schemas.microsoft.com/office/powerpoint/2010/main" val="1891241415"/>
+              </p:ext>
+            </p:extLst>
+          </p:nvPr>
+        </p:nvGraphicFramePr>
+        <p:xfrm>
+          <a:off x="539552" y="1409527"/>
+          <a:ext cx="6408712" cy="3394248"/>
+        </p:xfrm>
+        <a:graphic>
+          <a:graphicData uri="http://schemas.openxmlformats.org/drawingml/2006/chart">
+            <c:chart xmlns:c="http://schemas.openxmlformats.org/drawingml/2006/chart" xmlns:r="http://schemas.openxmlformats.org/officeDocument/2006/relationships" r:id="rId2"/>
+          </a:graphicData>
+        </a:graphic>
+      </p:graphicFrame>
     </p:spTree>
     <p:extLst>
       <p:ext uri="{BB962C8B-B14F-4D97-AF65-F5344CB8AC3E}">
-        <p14:creationId xmlns:p14="http://schemas.microsoft.com/office/powerpoint/2010/main" val="2488466525"/>
+        <p14:creationId xmlns:p14="http://schemas.microsoft.com/office/powerpoint/2010/main" val="953411384"/>
       </p:ext>
     </p:extLst>
   </p:cSld>
   <p:clrMapOvr>
     <a:masterClrMapping/>
   </p:clrMapOvr>
-  <p:transition>
-    <p:fade/>
+  <p:transition spd="slow">
+    <p:wipe dir="u"/>
   </p:transition>
   <p:timing>
     <p:tnLst>
@@ -42284,7 +43224,7 @@
             </a:br>
             <a:r>
               <a:rPr lang="en-US" dirty="0" smtClean="0"/>
-              <a:t>scaling with rows</a:t>
+              <a:t>scaling on cores</a:t>
             </a:r>
             <a:endParaRPr lang="en-US" dirty="0"/>
           </a:p>
@@ -42387,7 +43327,7 @@
     </p:spTree>
     <p:extLst>
       <p:ext uri="{BB962C8B-B14F-4D97-AF65-F5344CB8AC3E}">
-        <p14:creationId xmlns:p14="http://schemas.microsoft.com/office/powerpoint/2010/main" val="3219797016"/>
+        <p14:creationId xmlns:p14="http://schemas.microsoft.com/office/powerpoint/2010/main" val="687003704"/>
       </p:ext>
     </p:extLst>
   </p:cSld>
@@ -42453,7 +43393,7 @@
             </a:br>
             <a:r>
               <a:rPr lang="en-US" dirty="0" smtClean="0"/>
-              <a:t>improvements through column pruning</a:t>
+              <a:t>scaling with columns</a:t>
             </a:r>
             <a:endParaRPr lang="en-US" dirty="0"/>
           </a:p>
@@ -42556,7 +43496,7 @@
     </p:spTree>
     <p:extLst>
       <p:ext uri="{BB962C8B-B14F-4D97-AF65-F5344CB8AC3E}">
-        <p14:creationId xmlns:p14="http://schemas.microsoft.com/office/powerpoint/2010/main" val="901749560"/>
+        <p14:creationId xmlns:p14="http://schemas.microsoft.com/office/powerpoint/2010/main" val="1055483372"/>
       </p:ext>
     </p:extLst>
   </p:cSld>
@@ -42595,6 +43535,513 @@
       </p:grpSpPr>
       <p:sp>
         <p:nvSpPr>
+          <p:cNvPr id="6157" name="Title 6156"/>
+          <p:cNvSpPr>
+            <a:spLocks noGrp="1"/>
+          </p:cNvSpPr>
+          <p:nvPr>
+            <p:ph type="title"/>
+          </p:nvPr>
+        </p:nvSpPr>
+        <p:spPr>
+          <a:xfrm>
+            <a:off x="358776" y="108001"/>
+            <a:ext cx="6877051" cy="927588"/>
+          </a:xfrm>
+        </p:spPr>
+        <p:txBody>
+          <a:bodyPr/>
+          <a:lstStyle/>
+          <a:p>
+            <a:r>
+              <a:rPr lang="en-US" dirty="0" smtClean="0"/>
+              <a:t>Evaluation</a:t>
+            </a:r>
+            <a:br>
+              <a:rPr lang="en-US" dirty="0" smtClean="0"/>
+            </a:br>
+            <a:r>
+              <a:rPr lang="en-US" dirty="0" smtClean="0"/>
+              <a:t>improvements through column pruning</a:t>
+            </a:r>
+            <a:endParaRPr lang="en-US" dirty="0"/>
+          </a:p>
+        </p:txBody>
+      </p:sp>
+      <p:sp>
+        <p:nvSpPr>
+          <p:cNvPr id="6158" name="Text Placeholder 6157"/>
+          <p:cNvSpPr>
+            <a:spLocks noGrp="1"/>
+          </p:cNvSpPr>
+          <p:nvPr>
+            <p:ph type="body" sz="quarter" idx="13"/>
+          </p:nvPr>
+        </p:nvSpPr>
+        <p:spPr/>
+        <p:txBody>
+          <a:bodyPr>
+            <a:normAutofit/>
+          </a:bodyPr>
+          <a:lstStyle/>
+          <a:p>
+            <a:pPr lvl="2" indent="0">
+              <a:buNone/>
+            </a:pPr>
+            <a:endParaRPr lang="en-US" dirty="0" smtClean="0"/>
+          </a:p>
+        </p:txBody>
+      </p:sp>
+      <p:sp>
+        <p:nvSpPr>
+          <p:cNvPr id="2" name="Date Placeholder 1"/>
+          <p:cNvSpPr>
+            <a:spLocks noGrp="1"/>
+          </p:cNvSpPr>
+          <p:nvPr>
+            <p:ph type="dt" sz="half" idx="14"/>
+          </p:nvPr>
+        </p:nvSpPr>
+        <p:spPr>
+          <a:xfrm>
+            <a:off x="7416801" y="4155928"/>
+            <a:ext cx="1547813" cy="467268"/>
+          </a:xfrm>
+        </p:spPr>
+        <p:txBody>
+          <a:bodyPr/>
+          <a:lstStyle/>
+          <a:p>
+            <a:r>
+              <a:rPr lang="en-US" dirty="0" smtClean="0"/>
+              <a:t>Pascal Jung,</a:t>
+            </a:r>
+          </a:p>
+          <a:p>
+            <a:r>
+              <a:rPr lang="en-US" dirty="0" smtClean="0"/>
+              <a:t>Jaqueline </a:t>
+            </a:r>
+            <a:r>
+              <a:rPr lang="en-US" dirty="0" err="1" smtClean="0"/>
+              <a:t>Pollak</a:t>
+            </a:r>
+            <a:endParaRPr lang="en-US" dirty="0"/>
+          </a:p>
+        </p:txBody>
+      </p:sp>
+      <p:sp>
+        <p:nvSpPr>
+          <p:cNvPr id="3" name="Footer Placeholder 2"/>
+          <p:cNvSpPr>
+            <a:spLocks noGrp="1"/>
+          </p:cNvSpPr>
+          <p:nvPr>
+            <p:ph type="ftr" sz="quarter" idx="15"/>
+          </p:nvPr>
+        </p:nvSpPr>
+        <p:spPr>
+          <a:xfrm>
+            <a:off x="7416801" y="3562453"/>
+            <a:ext cx="1547813" cy="521465"/>
+          </a:xfrm>
+        </p:spPr>
+        <p:txBody>
+          <a:bodyPr/>
+          <a:lstStyle/>
+          <a:p>
+            <a:r>
+              <a:rPr lang="de-DE" dirty="0"/>
+              <a:t>Data </a:t>
+            </a:r>
+            <a:r>
+              <a:rPr lang="de-DE" dirty="0" err="1"/>
+              <a:t>Profiling</a:t>
+            </a:r>
+            <a:endParaRPr lang="en-US" dirty="0"/>
+          </a:p>
+        </p:txBody>
+      </p:sp>
+    </p:spTree>
+    <p:extLst>
+      <p:ext uri="{BB962C8B-B14F-4D97-AF65-F5344CB8AC3E}">
+        <p14:creationId xmlns:p14="http://schemas.microsoft.com/office/powerpoint/2010/main" val="2488466525"/>
+      </p:ext>
+    </p:extLst>
+  </p:cSld>
+  <p:clrMapOvr>
+    <a:masterClrMapping/>
+  </p:clrMapOvr>
+  <p:transition>
+    <p:fade/>
+  </p:transition>
+  <p:timing>
+    <p:tnLst>
+      <p:par>
+        <p:cTn id="1" dur="indefinite" restart="never" nodeType="tmRoot"/>
+      </p:par>
+    </p:tnLst>
+  </p:timing>
+</p:sld>
+</file>
+
+<file path=ppt/slides/slide34.xml><?xml version="1.0" encoding="utf-8"?>
+<p:sld xmlns:a="http://schemas.openxmlformats.org/drawingml/2006/main" xmlns:r="http://schemas.openxmlformats.org/officeDocument/2006/relationships" xmlns:p="http://schemas.openxmlformats.org/presentationml/2006/main">
+  <p:cSld>
+    <p:spTree>
+      <p:nvGrpSpPr>
+        <p:cNvPr id="1" name=""/>
+        <p:cNvGrpSpPr/>
+        <p:nvPr/>
+      </p:nvGrpSpPr>
+      <p:grpSpPr>
+        <a:xfrm>
+          <a:off x="0" y="0"/>
+          <a:ext cx="0" cy="0"/>
+          <a:chOff x="0" y="0"/>
+          <a:chExt cx="0" cy="0"/>
+        </a:xfrm>
+      </p:grpSpPr>
+      <p:sp>
+        <p:nvSpPr>
+          <p:cNvPr id="6157" name="Title 6156"/>
+          <p:cNvSpPr>
+            <a:spLocks noGrp="1"/>
+          </p:cNvSpPr>
+          <p:nvPr>
+            <p:ph type="title"/>
+          </p:nvPr>
+        </p:nvSpPr>
+        <p:spPr>
+          <a:xfrm>
+            <a:off x="358776" y="108001"/>
+            <a:ext cx="6877051" cy="927588"/>
+          </a:xfrm>
+        </p:spPr>
+        <p:txBody>
+          <a:bodyPr/>
+          <a:lstStyle/>
+          <a:p>
+            <a:r>
+              <a:rPr lang="en-US" dirty="0" smtClean="0"/>
+              <a:t>Evaluation</a:t>
+            </a:r>
+            <a:br>
+              <a:rPr lang="en-US" dirty="0" smtClean="0"/>
+            </a:br>
+            <a:r>
+              <a:rPr lang="en-US" dirty="0" smtClean="0"/>
+              <a:t>scaling with rows</a:t>
+            </a:r>
+            <a:endParaRPr lang="en-US" dirty="0"/>
+          </a:p>
+        </p:txBody>
+      </p:sp>
+      <p:sp>
+        <p:nvSpPr>
+          <p:cNvPr id="6158" name="Text Placeholder 6157"/>
+          <p:cNvSpPr>
+            <a:spLocks noGrp="1"/>
+          </p:cNvSpPr>
+          <p:nvPr>
+            <p:ph type="body" sz="quarter" idx="13"/>
+          </p:nvPr>
+        </p:nvSpPr>
+        <p:spPr/>
+        <p:txBody>
+          <a:bodyPr>
+            <a:normAutofit/>
+          </a:bodyPr>
+          <a:lstStyle/>
+          <a:p>
+            <a:pPr lvl="2" indent="0">
+              <a:buNone/>
+            </a:pPr>
+            <a:endParaRPr lang="en-US" dirty="0" smtClean="0"/>
+          </a:p>
+        </p:txBody>
+      </p:sp>
+      <p:sp>
+        <p:nvSpPr>
+          <p:cNvPr id="2" name="Date Placeholder 1"/>
+          <p:cNvSpPr>
+            <a:spLocks noGrp="1"/>
+          </p:cNvSpPr>
+          <p:nvPr>
+            <p:ph type="dt" sz="half" idx="14"/>
+          </p:nvPr>
+        </p:nvSpPr>
+        <p:spPr>
+          <a:xfrm>
+            <a:off x="7416801" y="4155928"/>
+            <a:ext cx="1547813" cy="467268"/>
+          </a:xfrm>
+        </p:spPr>
+        <p:txBody>
+          <a:bodyPr/>
+          <a:lstStyle/>
+          <a:p>
+            <a:r>
+              <a:rPr lang="en-US" dirty="0" smtClean="0"/>
+              <a:t>Pascal Jung,</a:t>
+            </a:r>
+          </a:p>
+          <a:p>
+            <a:r>
+              <a:rPr lang="en-US" dirty="0" smtClean="0"/>
+              <a:t>Jaqueline </a:t>
+            </a:r>
+            <a:r>
+              <a:rPr lang="en-US" dirty="0" err="1" smtClean="0"/>
+              <a:t>Pollak</a:t>
+            </a:r>
+            <a:endParaRPr lang="en-US" dirty="0"/>
+          </a:p>
+        </p:txBody>
+      </p:sp>
+      <p:sp>
+        <p:nvSpPr>
+          <p:cNvPr id="3" name="Footer Placeholder 2"/>
+          <p:cNvSpPr>
+            <a:spLocks noGrp="1"/>
+          </p:cNvSpPr>
+          <p:nvPr>
+            <p:ph type="ftr" sz="quarter" idx="15"/>
+          </p:nvPr>
+        </p:nvSpPr>
+        <p:spPr>
+          <a:xfrm>
+            <a:off x="7416801" y="3562453"/>
+            <a:ext cx="1547813" cy="521465"/>
+          </a:xfrm>
+        </p:spPr>
+        <p:txBody>
+          <a:bodyPr/>
+          <a:lstStyle/>
+          <a:p>
+            <a:r>
+              <a:rPr lang="de-DE" dirty="0"/>
+              <a:t>Data </a:t>
+            </a:r>
+            <a:r>
+              <a:rPr lang="de-DE" dirty="0" err="1"/>
+              <a:t>Profiling</a:t>
+            </a:r>
+            <a:endParaRPr lang="en-US" dirty="0"/>
+          </a:p>
+        </p:txBody>
+      </p:sp>
+    </p:spTree>
+    <p:extLst>
+      <p:ext uri="{BB962C8B-B14F-4D97-AF65-F5344CB8AC3E}">
+        <p14:creationId xmlns:p14="http://schemas.microsoft.com/office/powerpoint/2010/main" val="3219797016"/>
+      </p:ext>
+    </p:extLst>
+  </p:cSld>
+  <p:clrMapOvr>
+    <a:masterClrMapping/>
+  </p:clrMapOvr>
+  <p:transition>
+    <p:fade/>
+  </p:transition>
+  <p:timing>
+    <p:tnLst>
+      <p:par>
+        <p:cTn id="1" dur="indefinite" restart="never" nodeType="tmRoot"/>
+      </p:par>
+    </p:tnLst>
+  </p:timing>
+</p:sld>
+</file>
+
+<file path=ppt/slides/slide35.xml><?xml version="1.0" encoding="utf-8"?>
+<p:sld xmlns:a="http://schemas.openxmlformats.org/drawingml/2006/main" xmlns:r="http://schemas.openxmlformats.org/officeDocument/2006/relationships" xmlns:p="http://schemas.openxmlformats.org/presentationml/2006/main">
+  <p:cSld>
+    <p:spTree>
+      <p:nvGrpSpPr>
+        <p:cNvPr id="1" name=""/>
+        <p:cNvGrpSpPr/>
+        <p:nvPr/>
+      </p:nvGrpSpPr>
+      <p:grpSpPr>
+        <a:xfrm>
+          <a:off x="0" y="0"/>
+          <a:ext cx="0" cy="0"/>
+          <a:chOff x="0" y="0"/>
+          <a:chExt cx="0" cy="0"/>
+        </a:xfrm>
+      </p:grpSpPr>
+      <p:sp>
+        <p:nvSpPr>
+          <p:cNvPr id="6157" name="Title 6156"/>
+          <p:cNvSpPr>
+            <a:spLocks noGrp="1"/>
+          </p:cNvSpPr>
+          <p:nvPr>
+            <p:ph type="title"/>
+          </p:nvPr>
+        </p:nvSpPr>
+        <p:spPr>
+          <a:xfrm>
+            <a:off x="358776" y="108001"/>
+            <a:ext cx="6877051" cy="927588"/>
+          </a:xfrm>
+        </p:spPr>
+        <p:txBody>
+          <a:bodyPr/>
+          <a:lstStyle/>
+          <a:p>
+            <a:r>
+              <a:rPr lang="en-US" dirty="0" smtClean="0"/>
+              <a:t>Evaluation</a:t>
+            </a:r>
+            <a:br>
+              <a:rPr lang="en-US" dirty="0" smtClean="0"/>
+            </a:br>
+            <a:r>
+              <a:rPr lang="en-US" dirty="0" smtClean="0"/>
+              <a:t>improvements through column pruning</a:t>
+            </a:r>
+            <a:endParaRPr lang="en-US" dirty="0"/>
+          </a:p>
+        </p:txBody>
+      </p:sp>
+      <p:sp>
+        <p:nvSpPr>
+          <p:cNvPr id="6158" name="Text Placeholder 6157"/>
+          <p:cNvSpPr>
+            <a:spLocks noGrp="1"/>
+          </p:cNvSpPr>
+          <p:nvPr>
+            <p:ph type="body" sz="quarter" idx="13"/>
+          </p:nvPr>
+        </p:nvSpPr>
+        <p:spPr/>
+        <p:txBody>
+          <a:bodyPr>
+            <a:normAutofit/>
+          </a:bodyPr>
+          <a:lstStyle/>
+          <a:p>
+            <a:pPr lvl="2" indent="0">
+              <a:buNone/>
+            </a:pPr>
+            <a:endParaRPr lang="en-US" dirty="0" smtClean="0"/>
+          </a:p>
+        </p:txBody>
+      </p:sp>
+      <p:sp>
+        <p:nvSpPr>
+          <p:cNvPr id="2" name="Date Placeholder 1"/>
+          <p:cNvSpPr>
+            <a:spLocks noGrp="1"/>
+          </p:cNvSpPr>
+          <p:nvPr>
+            <p:ph type="dt" sz="half" idx="14"/>
+          </p:nvPr>
+        </p:nvSpPr>
+        <p:spPr>
+          <a:xfrm>
+            <a:off x="7416801" y="4155928"/>
+            <a:ext cx="1547813" cy="467268"/>
+          </a:xfrm>
+        </p:spPr>
+        <p:txBody>
+          <a:bodyPr/>
+          <a:lstStyle/>
+          <a:p>
+            <a:r>
+              <a:rPr lang="en-US" dirty="0" smtClean="0"/>
+              <a:t>Pascal Jung,</a:t>
+            </a:r>
+          </a:p>
+          <a:p>
+            <a:r>
+              <a:rPr lang="en-US" dirty="0" smtClean="0"/>
+              <a:t>Jaqueline </a:t>
+            </a:r>
+            <a:r>
+              <a:rPr lang="en-US" dirty="0" err="1" smtClean="0"/>
+              <a:t>Pollak</a:t>
+            </a:r>
+            <a:endParaRPr lang="en-US" dirty="0"/>
+          </a:p>
+        </p:txBody>
+      </p:sp>
+      <p:sp>
+        <p:nvSpPr>
+          <p:cNvPr id="3" name="Footer Placeholder 2"/>
+          <p:cNvSpPr>
+            <a:spLocks noGrp="1"/>
+          </p:cNvSpPr>
+          <p:nvPr>
+            <p:ph type="ftr" sz="quarter" idx="15"/>
+          </p:nvPr>
+        </p:nvSpPr>
+        <p:spPr>
+          <a:xfrm>
+            <a:off x="7416801" y="3562453"/>
+            <a:ext cx="1547813" cy="521465"/>
+          </a:xfrm>
+        </p:spPr>
+        <p:txBody>
+          <a:bodyPr/>
+          <a:lstStyle/>
+          <a:p>
+            <a:r>
+              <a:rPr lang="de-DE" dirty="0"/>
+              <a:t>Data </a:t>
+            </a:r>
+            <a:r>
+              <a:rPr lang="de-DE" dirty="0" err="1"/>
+              <a:t>Profiling</a:t>
+            </a:r>
+            <a:endParaRPr lang="en-US" dirty="0"/>
+          </a:p>
+        </p:txBody>
+      </p:sp>
+    </p:spTree>
+    <p:extLst>
+      <p:ext uri="{BB962C8B-B14F-4D97-AF65-F5344CB8AC3E}">
+        <p14:creationId xmlns:p14="http://schemas.microsoft.com/office/powerpoint/2010/main" val="901749560"/>
+      </p:ext>
+    </p:extLst>
+  </p:cSld>
+  <p:clrMapOvr>
+    <a:masterClrMapping/>
+  </p:clrMapOvr>
+  <p:transition>
+    <p:fade/>
+  </p:transition>
+  <p:timing>
+    <p:tnLst>
+      <p:par>
+        <p:cTn id="1" dur="indefinite" restart="never" nodeType="tmRoot"/>
+      </p:par>
+    </p:tnLst>
+  </p:timing>
+</p:sld>
+</file>
+
+<file path=ppt/slides/slide36.xml><?xml version="1.0" encoding="utf-8"?>
+<p:sld xmlns:a="http://schemas.openxmlformats.org/drawingml/2006/main" xmlns:r="http://schemas.openxmlformats.org/officeDocument/2006/relationships" xmlns:p="http://schemas.openxmlformats.org/presentationml/2006/main">
+  <p:cSld>
+    <p:spTree>
+      <p:nvGrpSpPr>
+        <p:cNvPr id="1" name=""/>
+        <p:cNvGrpSpPr/>
+        <p:nvPr/>
+      </p:nvGrpSpPr>
+      <p:grpSpPr>
+        <a:xfrm>
+          <a:off x="0" y="0"/>
+          <a:ext cx="0" cy="0"/>
+          <a:chOff x="0" y="0"/>
+          <a:chExt cx="0" cy="0"/>
+        </a:xfrm>
+      </p:grpSpPr>
+      <p:sp>
+        <p:nvSpPr>
           <p:cNvPr id="3" name="Datumsplatzhalter 2"/>
           <p:cNvSpPr>
             <a:spLocks noGrp="1"/>
@@ -42661,7 +44108,7 @@
             <a:fld id="{91D913BA-B0D8-4B51-9328-DFAA0B370309}" type="slidenum">
               <a:rPr lang="en-US" b="1" smtClean="0"/>
               <a:pPr/>
-              <a:t>33</a:t>
+              <a:t>36</a:t>
             </a:fld>
             <a:endParaRPr lang="en-US" b="1" dirty="0"/>
           </a:p>
@@ -42713,7 +44160,7 @@
 </p:sld>
 </file>
 
-<file path=ppt/slides/slide34.xml><?xml version="1.0" encoding="utf-8"?>
+<file path=ppt/slides/slide37.xml><?xml version="1.0" encoding="utf-8"?>
 <p:sld xmlns:a="http://schemas.openxmlformats.org/drawingml/2006/main" xmlns:r="http://schemas.openxmlformats.org/officeDocument/2006/relationships" xmlns:p="http://schemas.openxmlformats.org/presentationml/2006/main">
   <p:cSld>
     <p:spTree>
@@ -43173,11 +44620,12 @@
           <a:p>
             <a:r>
               <a:rPr lang="en-US" dirty="0" smtClean="0"/>
-              <a:t>Why parallelize?</a:t>
-            </a:r>
-            <a:br>
+              <a:t>Why parallelize</a:t>
+            </a:r>
+            <a:r>
               <a:rPr lang="en-US" dirty="0" smtClean="0"/>
-            </a:br>
+              <a:t>?</a:t>
+            </a:r>
             <a:endParaRPr lang="en-US" dirty="0"/>
           </a:p>
         </p:txBody>
@@ -43506,7 +44954,7 @@
           <p:nvPr>
             <p:extLst>
               <p:ext uri="{D42A27DB-BD31-4B8C-83A1-F6EECF244321}">
-                <p14:modId xmlns:p14="http://schemas.microsoft.com/office/powerpoint/2010/main" val="392053665"/>
+                <p14:modId xmlns:p14="http://schemas.microsoft.com/office/powerpoint/2010/main" val="292260141"/>
               </p:ext>
             </p:extLst>
           </p:nvPr>
@@ -51301,7 +52749,7 @@
   <a:extraClrSchemeLst/>
   <a:extLst>
     <a:ext uri="{05A4C25C-085E-4340-85A3-A5531E510DB2}">
-      <thm15:themeFamily xmlns="" xmlns:thm15="http://schemas.microsoft.com/office/thememl/2012/main" name="TEMPLATE_HPI_05_EXP" id="{EEEEA749-3836-4DC6-BA52-AE8D0ADE122A}" vid="{1AF48529-3759-4302-91D0-708D448B88CB}"/>
+      <thm15:themeFamily xmlns:thm15="http://schemas.microsoft.com/office/thememl/2012/main" xmlns="" name="TEMPLATE_HPI_05_EXP" id="{EEEEA749-3836-4DC6-BA52-AE8D0ADE122A}" vid="{1AF48529-3759-4302-91D0-708D448B88CB}"/>
     </a:ext>
   </a:extLst>
 </a:theme>
